--- a/instructors/slides-new-pptx/Git3.pptx
+++ b/instructors/slides-new-pptx/Git3.pptx
@@ -5,49 +5,46 @@
     <p:sldMasterId id="2147483648" r:id="rId1"/>
   </p:sldMasterIdLst>
   <p:notesMasterIdLst>
-    <p:notesMasterId r:id="rId42"/>
+    <p:notesMasterId r:id="rId39"/>
   </p:notesMasterIdLst>
   <p:sldIdLst>
     <p:sldId id="256" r:id="rId2"/>
-    <p:sldId id="326" r:id="rId3"/>
-    <p:sldId id="333" r:id="rId4"/>
-    <p:sldId id="414" r:id="rId5"/>
-    <p:sldId id="324" r:id="rId6"/>
-    <p:sldId id="328" r:id="rId7"/>
-    <p:sldId id="334" r:id="rId8"/>
-    <p:sldId id="330" r:id="rId9"/>
-    <p:sldId id="332" r:id="rId10"/>
-    <p:sldId id="335" r:id="rId11"/>
-    <p:sldId id="336" r:id="rId12"/>
-    <p:sldId id="337" r:id="rId13"/>
-    <p:sldId id="340" r:id="rId14"/>
-    <p:sldId id="420" r:id="rId15"/>
-    <p:sldId id="422" r:id="rId16"/>
-    <p:sldId id="421" r:id="rId17"/>
-    <p:sldId id="338" r:id="rId18"/>
-    <p:sldId id="331" r:id="rId19"/>
-    <p:sldId id="329" r:id="rId20"/>
-    <p:sldId id="342" r:id="rId21"/>
-    <p:sldId id="341" r:id="rId22"/>
-    <p:sldId id="343" r:id="rId23"/>
-    <p:sldId id="344" r:id="rId24"/>
-    <p:sldId id="339" r:id="rId25"/>
-    <p:sldId id="388" r:id="rId26"/>
-    <p:sldId id="425" r:id="rId27"/>
-    <p:sldId id="345" r:id="rId28"/>
-    <p:sldId id="398" r:id="rId29"/>
-    <p:sldId id="400" r:id="rId30"/>
-    <p:sldId id="401" r:id="rId31"/>
-    <p:sldId id="402" r:id="rId32"/>
-    <p:sldId id="399" r:id="rId33"/>
-    <p:sldId id="403" r:id="rId34"/>
-    <p:sldId id="405" r:id="rId35"/>
-    <p:sldId id="407" r:id="rId36"/>
-    <p:sldId id="408" r:id="rId37"/>
-    <p:sldId id="409" r:id="rId38"/>
-    <p:sldId id="418" r:id="rId39"/>
-    <p:sldId id="411" r:id="rId40"/>
-    <p:sldId id="419" r:id="rId41"/>
+    <p:sldId id="333" r:id="rId3"/>
+    <p:sldId id="414" r:id="rId4"/>
+    <p:sldId id="324" r:id="rId5"/>
+    <p:sldId id="328" r:id="rId6"/>
+    <p:sldId id="334" r:id="rId7"/>
+    <p:sldId id="330" r:id="rId8"/>
+    <p:sldId id="332" r:id="rId9"/>
+    <p:sldId id="335" r:id="rId10"/>
+    <p:sldId id="336" r:id="rId11"/>
+    <p:sldId id="337" r:id="rId12"/>
+    <p:sldId id="340" r:id="rId13"/>
+    <p:sldId id="420" r:id="rId14"/>
+    <p:sldId id="422" r:id="rId15"/>
+    <p:sldId id="421" r:id="rId16"/>
+    <p:sldId id="338" r:id="rId17"/>
+    <p:sldId id="331" r:id="rId18"/>
+    <p:sldId id="329" r:id="rId19"/>
+    <p:sldId id="342" r:id="rId20"/>
+    <p:sldId id="341" r:id="rId21"/>
+    <p:sldId id="343" r:id="rId22"/>
+    <p:sldId id="344" r:id="rId23"/>
+    <p:sldId id="339" r:id="rId24"/>
+    <p:sldId id="388" r:id="rId25"/>
+    <p:sldId id="425" r:id="rId26"/>
+    <p:sldId id="345" r:id="rId27"/>
+    <p:sldId id="398" r:id="rId28"/>
+    <p:sldId id="400" r:id="rId29"/>
+    <p:sldId id="401" r:id="rId30"/>
+    <p:sldId id="402" r:id="rId31"/>
+    <p:sldId id="399" r:id="rId32"/>
+    <p:sldId id="403" r:id="rId33"/>
+    <p:sldId id="405" r:id="rId34"/>
+    <p:sldId id="407" r:id="rId35"/>
+    <p:sldId id="408" r:id="rId36"/>
+    <p:sldId id="409" r:id="rId37"/>
+    <p:sldId id="418" r:id="rId38"/>
   </p:sldIdLst>
   <p:sldSz cx="12192000" cy="6858000"/>
   <p:notesSz cx="6858000" cy="9144000"/>
@@ -165,1746 +162,6 @@
 <file path=ppt/changesInfos/changesInfo1.xml><?xml version="1.0" encoding="utf-8"?>
 <pc:chgInfo xmlns:a="http://schemas.openxmlformats.org/drawingml/2006/main" xmlns:r="http://schemas.openxmlformats.org/officeDocument/2006/relationships" xmlns:ac="http://schemas.microsoft.com/office/drawing/2013/main/command" xmlns:pc="http://schemas.microsoft.com/office/powerpoint/2013/main/command">
   <pc:docChgLst>
-    <pc:chgData name="Simeon Wong" userId="6a6fb664-499b-4396-8c93-53d6c9eb1a86" providerId="ADAL" clId="{6C2B19A1-ADFC-410E-B65E-71C032113A05}"/>
-    <pc:docChg chg="undo custSel addSld delSld modSld sldOrd addMainMaster delMainMaster modMainMaster">
-      <pc:chgData name="Simeon Wong" userId="6a6fb664-499b-4396-8c93-53d6c9eb1a86" providerId="ADAL" clId="{6C2B19A1-ADFC-410E-B65E-71C032113A05}" dt="2024-01-09T22:54:36.699" v="12026" actId="20577"/>
-      <pc:docMkLst>
-        <pc:docMk/>
-      </pc:docMkLst>
-      <pc:sldChg chg="modSp mod">
-        <pc:chgData name="Simeon Wong" userId="6a6fb664-499b-4396-8c93-53d6c9eb1a86" providerId="ADAL" clId="{6C2B19A1-ADFC-410E-B65E-71C032113A05}" dt="2024-01-06T20:51:43.532" v="6863" actId="20577"/>
-        <pc:sldMkLst>
-          <pc:docMk/>
-          <pc:sldMk cId="3710469543" sldId="256"/>
-        </pc:sldMkLst>
-        <pc:spChg chg="mod">
-          <ac:chgData name="Simeon Wong" userId="6a6fb664-499b-4396-8c93-53d6c9eb1a86" providerId="ADAL" clId="{6C2B19A1-ADFC-410E-B65E-71C032113A05}" dt="2024-01-06T20:51:43.532" v="6863" actId="20577"/>
-          <ac:spMkLst>
-            <pc:docMk/>
-            <pc:sldMk cId="3710469543" sldId="256"/>
-            <ac:spMk id="2" creationId="{B990E43E-BA08-1166-5DA1-A79031704BA2}"/>
-          </ac:spMkLst>
-        </pc:spChg>
-      </pc:sldChg>
-      <pc:sldChg chg="del">
-        <pc:chgData name="Simeon Wong" userId="6a6fb664-499b-4396-8c93-53d6c9eb1a86" providerId="ADAL" clId="{6C2B19A1-ADFC-410E-B65E-71C032113A05}" dt="2024-01-02T06:31:37.483" v="0" actId="47"/>
-        <pc:sldMkLst>
-          <pc:docMk/>
-          <pc:sldMk cId="2430430356" sldId="298"/>
-        </pc:sldMkLst>
-      </pc:sldChg>
-      <pc:sldChg chg="del">
-        <pc:chgData name="Simeon Wong" userId="6a6fb664-499b-4396-8c93-53d6c9eb1a86" providerId="ADAL" clId="{6C2B19A1-ADFC-410E-B65E-71C032113A05}" dt="2024-01-02T06:31:37.483" v="0" actId="47"/>
-        <pc:sldMkLst>
-          <pc:docMk/>
-          <pc:sldMk cId="2477846017" sldId="322"/>
-        </pc:sldMkLst>
-      </pc:sldChg>
-      <pc:sldChg chg="modSp mod">
-        <pc:chgData name="Simeon Wong" userId="6a6fb664-499b-4396-8c93-53d6c9eb1a86" providerId="ADAL" clId="{6C2B19A1-ADFC-410E-B65E-71C032113A05}" dt="2024-01-06T20:10:59.879" v="5606" actId="20577"/>
-        <pc:sldMkLst>
-          <pc:docMk/>
-          <pc:sldMk cId="2705399460" sldId="323"/>
-        </pc:sldMkLst>
-        <pc:spChg chg="mod">
-          <ac:chgData name="Simeon Wong" userId="6a6fb664-499b-4396-8c93-53d6c9eb1a86" providerId="ADAL" clId="{6C2B19A1-ADFC-410E-B65E-71C032113A05}" dt="2024-01-06T20:10:59.879" v="5606" actId="20577"/>
-          <ac:spMkLst>
-            <pc:docMk/>
-            <pc:sldMk cId="2705399460" sldId="323"/>
-            <ac:spMk id="3" creationId="{89024E94-88EA-2A6B-EFC2-BA32FE891B91}"/>
-          </ac:spMkLst>
-        </pc:spChg>
-      </pc:sldChg>
-      <pc:sldChg chg="modSp ord setFolMasterAnim modAnim">
-        <pc:chgData name="Simeon Wong" userId="6a6fb664-499b-4396-8c93-53d6c9eb1a86" providerId="ADAL" clId="{6C2B19A1-ADFC-410E-B65E-71C032113A05}" dt="2024-01-06T20:20:15.976" v="5722"/>
-        <pc:sldMkLst>
-          <pc:docMk/>
-          <pc:sldMk cId="2941370618" sldId="324"/>
-        </pc:sldMkLst>
-        <pc:spChg chg="mod">
-          <ac:chgData name="Simeon Wong" userId="6a6fb664-499b-4396-8c93-53d6c9eb1a86" providerId="ADAL" clId="{6C2B19A1-ADFC-410E-B65E-71C032113A05}" dt="2024-01-06T20:20:06.891" v="5721" actId="20577"/>
-          <ac:spMkLst>
-            <pc:docMk/>
-            <pc:sldMk cId="2941370618" sldId="324"/>
-            <ac:spMk id="3" creationId="{75D9D090-2ADB-ACC8-3711-6DE9408ED447}"/>
-          </ac:spMkLst>
-        </pc:spChg>
-      </pc:sldChg>
-      <pc:sldChg chg="modSp mod">
-        <pc:chgData name="Simeon Wong" userId="6a6fb664-499b-4396-8c93-53d6c9eb1a86" providerId="ADAL" clId="{6C2B19A1-ADFC-410E-B65E-71C032113A05}" dt="2024-01-06T19:28:26.749" v="1410" actId="20577"/>
-        <pc:sldMkLst>
-          <pc:docMk/>
-          <pc:sldMk cId="3409222927" sldId="325"/>
-        </pc:sldMkLst>
-        <pc:spChg chg="mod">
-          <ac:chgData name="Simeon Wong" userId="6a6fb664-499b-4396-8c93-53d6c9eb1a86" providerId="ADAL" clId="{6C2B19A1-ADFC-410E-B65E-71C032113A05}" dt="2024-01-06T19:28:26.749" v="1410" actId="20577"/>
-          <ac:spMkLst>
-            <pc:docMk/>
-            <pc:sldMk cId="3409222927" sldId="325"/>
-            <ac:spMk id="3" creationId="{457864DD-4317-D776-8558-8EAE564E9B56}"/>
-          </ac:spMkLst>
-        </pc:spChg>
-      </pc:sldChg>
-      <pc:sldChg chg="mod modShow">
-        <pc:chgData name="Simeon Wong" userId="6a6fb664-499b-4396-8c93-53d6c9eb1a86" providerId="ADAL" clId="{6C2B19A1-ADFC-410E-B65E-71C032113A05}" dt="2024-01-09T22:53:39.354" v="11952" actId="729"/>
-        <pc:sldMkLst>
-          <pc:docMk/>
-          <pc:sldMk cId="216056995" sldId="326"/>
-        </pc:sldMkLst>
-      </pc:sldChg>
-      <pc:sldChg chg="modSp mod setFolMasterAnim modAnim">
-        <pc:chgData name="Simeon Wong" userId="6a6fb664-499b-4396-8c93-53d6c9eb1a86" providerId="ADAL" clId="{6C2B19A1-ADFC-410E-B65E-71C032113A05}" dt="2024-01-06T21:33:26.676" v="9708"/>
-        <pc:sldMkLst>
-          <pc:docMk/>
-          <pc:sldMk cId="3571236762" sldId="327"/>
-        </pc:sldMkLst>
-        <pc:spChg chg="mod">
-          <ac:chgData name="Simeon Wong" userId="6a6fb664-499b-4396-8c93-53d6c9eb1a86" providerId="ADAL" clId="{6C2B19A1-ADFC-410E-B65E-71C032113A05}" dt="2024-01-06T04:09:42.931" v="29" actId="20577"/>
-          <ac:spMkLst>
-            <pc:docMk/>
-            <pc:sldMk cId="3571236762" sldId="327"/>
-            <ac:spMk id="2" creationId="{FC490120-81B9-BFA5-557B-94AD0CF672D3}"/>
-          </ac:spMkLst>
-        </pc:spChg>
-        <pc:spChg chg="mod">
-          <ac:chgData name="Simeon Wong" userId="6a6fb664-499b-4396-8c93-53d6c9eb1a86" providerId="ADAL" clId="{6C2B19A1-ADFC-410E-B65E-71C032113A05}" dt="2024-01-06T21:33:22.431" v="9707" actId="6549"/>
-          <ac:spMkLst>
-            <pc:docMk/>
-            <pc:sldMk cId="3571236762" sldId="327"/>
-            <ac:spMk id="3" creationId="{6DD534E4-E342-2552-4021-A929FD186EA2}"/>
-          </ac:spMkLst>
-        </pc:spChg>
-      </pc:sldChg>
-      <pc:sldChg chg="modSp new mod ord">
-        <pc:chgData name="Simeon Wong" userId="6a6fb664-499b-4396-8c93-53d6c9eb1a86" providerId="ADAL" clId="{6C2B19A1-ADFC-410E-B65E-71C032113A05}" dt="2024-01-06T20:10:54.937" v="5605"/>
-        <pc:sldMkLst>
-          <pc:docMk/>
-          <pc:sldMk cId="204157555" sldId="328"/>
-        </pc:sldMkLst>
-        <pc:spChg chg="mod">
-          <ac:chgData name="Simeon Wong" userId="6a6fb664-499b-4396-8c93-53d6c9eb1a86" providerId="ADAL" clId="{6C2B19A1-ADFC-410E-B65E-71C032113A05}" dt="2024-01-06T19:31:53.707" v="1867" actId="20577"/>
-          <ac:spMkLst>
-            <pc:docMk/>
-            <pc:sldMk cId="204157555" sldId="328"/>
-            <ac:spMk id="2" creationId="{5553B480-87D0-8089-2DAB-F13F3974A235}"/>
-          </ac:spMkLst>
-        </pc:spChg>
-        <pc:spChg chg="mod">
-          <ac:chgData name="Simeon Wong" userId="6a6fb664-499b-4396-8c93-53d6c9eb1a86" providerId="ADAL" clId="{6C2B19A1-ADFC-410E-B65E-71C032113A05}" dt="2024-01-06T19:43:03.881" v="3902"/>
-          <ac:spMkLst>
-            <pc:docMk/>
-            <pc:sldMk cId="204157555" sldId="328"/>
-            <ac:spMk id="3" creationId="{21F68AA1-06EE-1E72-0A33-7E5753E3F0FB}"/>
-          </ac:spMkLst>
-        </pc:spChg>
-        <pc:spChg chg="mod">
-          <ac:chgData name="Simeon Wong" userId="6a6fb664-499b-4396-8c93-53d6c9eb1a86" providerId="ADAL" clId="{6C2B19A1-ADFC-410E-B65E-71C032113A05}" dt="2024-01-06T19:26:06.186" v="860" actId="20577"/>
-          <ac:spMkLst>
-            <pc:docMk/>
-            <pc:sldMk cId="204157555" sldId="328"/>
-            <ac:spMk id="5" creationId="{81EAD386-FC17-4D54-5209-EB64D22D20F0}"/>
-          </ac:spMkLst>
-        </pc:spChg>
-      </pc:sldChg>
-      <pc:sldChg chg="modSp new mod">
-        <pc:chgData name="Simeon Wong" userId="6a6fb664-499b-4396-8c93-53d6c9eb1a86" providerId="ADAL" clId="{6C2B19A1-ADFC-410E-B65E-71C032113A05}" dt="2024-01-06T20:52:15.944" v="6871"/>
-        <pc:sldMkLst>
-          <pc:docMk/>
-          <pc:sldMk cId="3152143147" sldId="329"/>
-        </pc:sldMkLst>
-        <pc:spChg chg="mod">
-          <ac:chgData name="Simeon Wong" userId="6a6fb664-499b-4396-8c93-53d6c9eb1a86" providerId="ADAL" clId="{6C2B19A1-ADFC-410E-B65E-71C032113A05}" dt="2024-01-06T19:28:37.895" v="1419" actId="20577"/>
-          <ac:spMkLst>
-            <pc:docMk/>
-            <pc:sldMk cId="3152143147" sldId="329"/>
-            <ac:spMk id="2" creationId="{206AB119-3819-6007-54E3-32DB7468895F}"/>
-          </ac:spMkLst>
-        </pc:spChg>
-        <pc:spChg chg="mod">
-          <ac:chgData name="Simeon Wong" userId="6a6fb664-499b-4396-8c93-53d6c9eb1a86" providerId="ADAL" clId="{6C2B19A1-ADFC-410E-B65E-71C032113A05}" dt="2024-01-06T20:04:56.094" v="5252" actId="20577"/>
-          <ac:spMkLst>
-            <pc:docMk/>
-            <pc:sldMk cId="3152143147" sldId="329"/>
-            <ac:spMk id="3" creationId="{D72AB265-F26A-723A-C077-FF1A52EEFB99}"/>
-          </ac:spMkLst>
-        </pc:spChg>
-        <pc:spChg chg="mod">
-          <ac:chgData name="Simeon Wong" userId="6a6fb664-499b-4396-8c93-53d6c9eb1a86" providerId="ADAL" clId="{6C2B19A1-ADFC-410E-B65E-71C032113A05}" dt="2024-01-06T20:52:15.944" v="6871"/>
-          <ac:spMkLst>
-            <pc:docMk/>
-            <pc:sldMk cId="3152143147" sldId="329"/>
-            <ac:spMk id="5" creationId="{71BEE380-F1E0-C966-6162-6974FD5C85F5}"/>
-          </ac:spMkLst>
-        </pc:spChg>
-      </pc:sldChg>
-      <pc:sldChg chg="modSp add mod ord">
-        <pc:chgData name="Simeon Wong" userId="6a6fb664-499b-4396-8c93-53d6c9eb1a86" providerId="ADAL" clId="{6C2B19A1-ADFC-410E-B65E-71C032113A05}" dt="2024-01-06T20:51:55.990" v="6864"/>
-        <pc:sldMkLst>
-          <pc:docMk/>
-          <pc:sldMk cId="1616650296" sldId="330"/>
-        </pc:sldMkLst>
-        <pc:spChg chg="mod">
-          <ac:chgData name="Simeon Wong" userId="6a6fb664-499b-4396-8c93-53d6c9eb1a86" providerId="ADAL" clId="{6C2B19A1-ADFC-410E-B65E-71C032113A05}" dt="2024-01-06T19:37:42.212" v="2888" actId="20577"/>
-          <ac:spMkLst>
-            <pc:docMk/>
-            <pc:sldMk cId="1616650296" sldId="330"/>
-            <ac:spMk id="2" creationId="{5553B480-87D0-8089-2DAB-F13F3974A235}"/>
-          </ac:spMkLst>
-        </pc:spChg>
-        <pc:spChg chg="mod">
-          <ac:chgData name="Simeon Wong" userId="6a6fb664-499b-4396-8c93-53d6c9eb1a86" providerId="ADAL" clId="{6C2B19A1-ADFC-410E-B65E-71C032113A05}" dt="2024-01-06T20:35:40.895" v="6285" actId="20577"/>
-          <ac:spMkLst>
-            <pc:docMk/>
-            <pc:sldMk cId="1616650296" sldId="330"/>
-            <ac:spMk id="3" creationId="{21F68AA1-06EE-1E72-0A33-7E5753E3F0FB}"/>
-          </ac:spMkLst>
-        </pc:spChg>
-        <pc:spChg chg="mod">
-          <ac:chgData name="Simeon Wong" userId="6a6fb664-499b-4396-8c93-53d6c9eb1a86" providerId="ADAL" clId="{6C2B19A1-ADFC-410E-B65E-71C032113A05}" dt="2024-01-06T20:51:55.990" v="6864"/>
-          <ac:spMkLst>
-            <pc:docMk/>
-            <pc:sldMk cId="1616650296" sldId="330"/>
-            <ac:spMk id="5" creationId="{81EAD386-FC17-4D54-5209-EB64D22D20F0}"/>
-          </ac:spMkLst>
-        </pc:spChg>
-      </pc:sldChg>
-      <pc:sldChg chg="modSp add mod">
-        <pc:chgData name="Simeon Wong" userId="6a6fb664-499b-4396-8c93-53d6c9eb1a86" providerId="ADAL" clId="{6C2B19A1-ADFC-410E-B65E-71C032113A05}" dt="2024-01-06T20:52:13.553" v="6870"/>
-        <pc:sldMkLst>
-          <pc:docMk/>
-          <pc:sldMk cId="840473690" sldId="331"/>
-        </pc:sldMkLst>
-        <pc:spChg chg="mod">
-          <ac:chgData name="Simeon Wong" userId="6a6fb664-499b-4396-8c93-53d6c9eb1a86" providerId="ADAL" clId="{6C2B19A1-ADFC-410E-B65E-71C032113A05}" dt="2024-01-06T19:47:42.981" v="4140" actId="20577"/>
-          <ac:spMkLst>
-            <pc:docMk/>
-            <pc:sldMk cId="840473690" sldId="331"/>
-            <ac:spMk id="3" creationId="{21F68AA1-06EE-1E72-0A33-7E5753E3F0FB}"/>
-          </ac:spMkLst>
-        </pc:spChg>
-        <pc:spChg chg="mod">
-          <ac:chgData name="Simeon Wong" userId="6a6fb664-499b-4396-8c93-53d6c9eb1a86" providerId="ADAL" clId="{6C2B19A1-ADFC-410E-B65E-71C032113A05}" dt="2024-01-06T20:52:13.553" v="6870"/>
-          <ac:spMkLst>
-            <pc:docMk/>
-            <pc:sldMk cId="840473690" sldId="331"/>
-            <ac:spMk id="5" creationId="{81EAD386-FC17-4D54-5209-EB64D22D20F0}"/>
-          </ac:spMkLst>
-        </pc:spChg>
-      </pc:sldChg>
-      <pc:sldChg chg="modSp add mod ord">
-        <pc:chgData name="Simeon Wong" userId="6a6fb664-499b-4396-8c93-53d6c9eb1a86" providerId="ADAL" clId="{6C2B19A1-ADFC-410E-B65E-71C032113A05}" dt="2024-01-06T20:51:59.122" v="6865"/>
-        <pc:sldMkLst>
-          <pc:docMk/>
-          <pc:sldMk cId="4263913996" sldId="332"/>
-        </pc:sldMkLst>
-        <pc:spChg chg="mod">
-          <ac:chgData name="Simeon Wong" userId="6a6fb664-499b-4396-8c93-53d6c9eb1a86" providerId="ADAL" clId="{6C2B19A1-ADFC-410E-B65E-71C032113A05}" dt="2024-01-06T20:01:44.794" v="4610" actId="20577"/>
-          <ac:spMkLst>
-            <pc:docMk/>
-            <pc:sldMk cId="4263913996" sldId="332"/>
-            <ac:spMk id="3" creationId="{D72AB265-F26A-723A-C077-FF1A52EEFB99}"/>
-          </ac:spMkLst>
-        </pc:spChg>
-        <pc:spChg chg="mod">
-          <ac:chgData name="Simeon Wong" userId="6a6fb664-499b-4396-8c93-53d6c9eb1a86" providerId="ADAL" clId="{6C2B19A1-ADFC-410E-B65E-71C032113A05}" dt="2024-01-06T20:51:59.122" v="6865"/>
-          <ac:spMkLst>
-            <pc:docMk/>
-            <pc:sldMk cId="4263913996" sldId="332"/>
-            <ac:spMk id="5" creationId="{71BEE380-F1E0-C966-6162-6974FD5C85F5}"/>
-          </ac:spMkLst>
-        </pc:spChg>
-      </pc:sldChg>
-      <pc:sldChg chg="addSp delSp modSp new mod ord modClrScheme chgLayout">
-        <pc:chgData name="Simeon Wong" userId="6a6fb664-499b-4396-8c93-53d6c9eb1a86" providerId="ADAL" clId="{6C2B19A1-ADFC-410E-B65E-71C032113A05}" dt="2024-01-09T22:54:36.699" v="12026" actId="20577"/>
-        <pc:sldMkLst>
-          <pc:docMk/>
-          <pc:sldMk cId="133851565" sldId="333"/>
-        </pc:sldMkLst>
-        <pc:spChg chg="del">
-          <ac:chgData name="Simeon Wong" userId="6a6fb664-499b-4396-8c93-53d6c9eb1a86" providerId="ADAL" clId="{6C2B19A1-ADFC-410E-B65E-71C032113A05}" dt="2024-01-06T20:08:05.732" v="5309" actId="700"/>
-          <ac:spMkLst>
-            <pc:docMk/>
-            <pc:sldMk cId="133851565" sldId="333"/>
-            <ac:spMk id="2" creationId="{ECE1CCAB-FBD9-1B25-D82E-BC8962176198}"/>
-          </ac:spMkLst>
-        </pc:spChg>
-        <pc:spChg chg="del">
-          <ac:chgData name="Simeon Wong" userId="6a6fb664-499b-4396-8c93-53d6c9eb1a86" providerId="ADAL" clId="{6C2B19A1-ADFC-410E-B65E-71C032113A05}" dt="2024-01-06T20:08:05.732" v="5309" actId="700"/>
-          <ac:spMkLst>
-            <pc:docMk/>
-            <pc:sldMk cId="133851565" sldId="333"/>
-            <ac:spMk id="3" creationId="{924C69EA-8220-FF6D-2131-C466B8599BF7}"/>
-          </ac:spMkLst>
-        </pc:spChg>
-        <pc:spChg chg="mod ord">
-          <ac:chgData name="Simeon Wong" userId="6a6fb664-499b-4396-8c93-53d6c9eb1a86" providerId="ADAL" clId="{6C2B19A1-ADFC-410E-B65E-71C032113A05}" dt="2024-01-06T20:08:05.732" v="5309" actId="700"/>
-          <ac:spMkLst>
-            <pc:docMk/>
-            <pc:sldMk cId="133851565" sldId="333"/>
-            <ac:spMk id="4" creationId="{71D518A3-F353-1080-7557-1915EA890B0B}"/>
-          </ac:spMkLst>
-        </pc:spChg>
-        <pc:spChg chg="del mod ord">
-          <ac:chgData name="Simeon Wong" userId="6a6fb664-499b-4396-8c93-53d6c9eb1a86" providerId="ADAL" clId="{6C2B19A1-ADFC-410E-B65E-71C032113A05}" dt="2024-01-06T20:08:05.732" v="5309" actId="700"/>
-          <ac:spMkLst>
-            <pc:docMk/>
-            <pc:sldMk cId="133851565" sldId="333"/>
-            <ac:spMk id="5" creationId="{AA00D02E-212C-B6B2-C9C9-A9C45646DD66}"/>
-          </ac:spMkLst>
-        </pc:spChg>
-        <pc:spChg chg="add mod ord">
-          <ac:chgData name="Simeon Wong" userId="6a6fb664-499b-4396-8c93-53d6c9eb1a86" providerId="ADAL" clId="{6C2B19A1-ADFC-410E-B65E-71C032113A05}" dt="2024-01-09T22:54:36.699" v="12026" actId="20577"/>
-          <ac:spMkLst>
-            <pc:docMk/>
-            <pc:sldMk cId="133851565" sldId="333"/>
-            <ac:spMk id="6" creationId="{9C07844A-948D-B95F-5AA6-8077039DA7AC}"/>
-          </ac:spMkLst>
-        </pc:spChg>
-      </pc:sldChg>
-      <pc:sldChg chg="addSp delSp modSp new mod modAnim">
-        <pc:chgData name="Simeon Wong" userId="6a6fb664-499b-4396-8c93-53d6c9eb1a86" providerId="ADAL" clId="{6C2B19A1-ADFC-410E-B65E-71C032113A05}" dt="2024-01-06T20:37:49.649" v="6291" actId="20577"/>
-        <pc:sldMkLst>
-          <pc:docMk/>
-          <pc:sldMk cId="1681126152" sldId="334"/>
-        </pc:sldMkLst>
-        <pc:spChg chg="mod">
-          <ac:chgData name="Simeon Wong" userId="6a6fb664-499b-4396-8c93-53d6c9eb1a86" providerId="ADAL" clId="{6C2B19A1-ADFC-410E-B65E-71C032113A05}" dt="2024-01-06T20:28:15.219" v="6021" actId="20577"/>
-          <ac:spMkLst>
-            <pc:docMk/>
-            <pc:sldMk cId="1681126152" sldId="334"/>
-            <ac:spMk id="2" creationId="{5AA9DD66-7E2D-7952-DB52-05C0028CBC01}"/>
-          </ac:spMkLst>
-        </pc:spChg>
-        <pc:spChg chg="del">
-          <ac:chgData name="Simeon Wong" userId="6a6fb664-499b-4396-8c93-53d6c9eb1a86" providerId="ADAL" clId="{6C2B19A1-ADFC-410E-B65E-71C032113A05}" dt="2024-01-06T20:17:25.748" v="5640" actId="478"/>
-          <ac:spMkLst>
-            <pc:docMk/>
-            <pc:sldMk cId="1681126152" sldId="334"/>
-            <ac:spMk id="3" creationId="{71E09C76-C213-4979-EB5C-66B6F6F313B2}"/>
-          </ac:spMkLst>
-        </pc:spChg>
-        <pc:spChg chg="mod">
-          <ac:chgData name="Simeon Wong" userId="6a6fb664-499b-4396-8c93-53d6c9eb1a86" providerId="ADAL" clId="{6C2B19A1-ADFC-410E-B65E-71C032113A05}" dt="2024-01-06T20:28:19.175" v="6022"/>
-          <ac:spMkLst>
-            <pc:docMk/>
-            <pc:sldMk cId="1681126152" sldId="334"/>
-            <ac:spMk id="5" creationId="{17B220A9-4A7B-F7D3-0869-D2A022B5ED09}"/>
-          </ac:spMkLst>
-        </pc:spChg>
-        <pc:spChg chg="add mod">
-          <ac:chgData name="Simeon Wong" userId="6a6fb664-499b-4396-8c93-53d6c9eb1a86" providerId="ADAL" clId="{6C2B19A1-ADFC-410E-B65E-71C032113A05}" dt="2024-01-06T20:23:15.208" v="5770" actId="1076"/>
-          <ac:spMkLst>
-            <pc:docMk/>
-            <pc:sldMk cId="1681126152" sldId="334"/>
-            <ac:spMk id="7" creationId="{1BF5AFE3-561B-2401-7F05-F409346A9CB2}"/>
-          </ac:spMkLst>
-        </pc:spChg>
-        <pc:spChg chg="add mod">
-          <ac:chgData name="Simeon Wong" userId="6a6fb664-499b-4396-8c93-53d6c9eb1a86" providerId="ADAL" clId="{6C2B19A1-ADFC-410E-B65E-71C032113A05}" dt="2024-01-06T20:23:15.208" v="5770" actId="1076"/>
-          <ac:spMkLst>
-            <pc:docMk/>
-            <pc:sldMk cId="1681126152" sldId="334"/>
-            <ac:spMk id="8" creationId="{F8A099AC-6E9C-5417-A54C-20449FEF5009}"/>
-          </ac:spMkLst>
-        </pc:spChg>
-        <pc:spChg chg="add mod">
-          <ac:chgData name="Simeon Wong" userId="6a6fb664-499b-4396-8c93-53d6c9eb1a86" providerId="ADAL" clId="{6C2B19A1-ADFC-410E-B65E-71C032113A05}" dt="2024-01-06T20:23:15.208" v="5770" actId="1076"/>
-          <ac:spMkLst>
-            <pc:docMk/>
-            <pc:sldMk cId="1681126152" sldId="334"/>
-            <ac:spMk id="9" creationId="{47DACF07-E5AB-5A1C-9020-7114D2EA2B8E}"/>
-          </ac:spMkLst>
-        </pc:spChg>
-        <pc:spChg chg="add mod">
-          <ac:chgData name="Simeon Wong" userId="6a6fb664-499b-4396-8c93-53d6c9eb1a86" providerId="ADAL" clId="{6C2B19A1-ADFC-410E-B65E-71C032113A05}" dt="2024-01-06T20:23:15.208" v="5770" actId="1076"/>
-          <ac:spMkLst>
-            <pc:docMk/>
-            <pc:sldMk cId="1681126152" sldId="334"/>
-            <ac:spMk id="10" creationId="{F1254054-1E28-F8FF-C662-6A84F2CE502B}"/>
-          </ac:spMkLst>
-        </pc:spChg>
-        <pc:spChg chg="add mod">
-          <ac:chgData name="Simeon Wong" userId="6a6fb664-499b-4396-8c93-53d6c9eb1a86" providerId="ADAL" clId="{6C2B19A1-ADFC-410E-B65E-71C032113A05}" dt="2024-01-06T20:25:08.529" v="5785" actId="1076"/>
-          <ac:spMkLst>
-            <pc:docMk/>
-            <pc:sldMk cId="1681126152" sldId="334"/>
-            <ac:spMk id="11" creationId="{460C7EA4-160A-6B56-039B-E1497ADBD1B0}"/>
-          </ac:spMkLst>
-        </pc:spChg>
-        <pc:spChg chg="add mod">
-          <ac:chgData name="Simeon Wong" userId="6a6fb664-499b-4396-8c93-53d6c9eb1a86" providerId="ADAL" clId="{6C2B19A1-ADFC-410E-B65E-71C032113A05}" dt="2024-01-06T20:25:08.529" v="5785" actId="1076"/>
-          <ac:spMkLst>
-            <pc:docMk/>
-            <pc:sldMk cId="1681126152" sldId="334"/>
-            <ac:spMk id="26" creationId="{D65A517B-042C-3EAB-A0C1-63CD53A92AC7}"/>
-          </ac:spMkLst>
-        </pc:spChg>
-        <pc:spChg chg="add mod">
-          <ac:chgData name="Simeon Wong" userId="6a6fb664-499b-4396-8c93-53d6c9eb1a86" providerId="ADAL" clId="{6C2B19A1-ADFC-410E-B65E-71C032113A05}" dt="2024-01-06T20:25:08.529" v="5785" actId="1076"/>
-          <ac:spMkLst>
-            <pc:docMk/>
-            <pc:sldMk cId="1681126152" sldId="334"/>
-            <ac:spMk id="29" creationId="{2E506D5E-FE81-804C-AB96-1467B8E185B6}"/>
-          </ac:spMkLst>
-        </pc:spChg>
-        <pc:spChg chg="add mod">
-          <ac:chgData name="Simeon Wong" userId="6a6fb664-499b-4396-8c93-53d6c9eb1a86" providerId="ADAL" clId="{6C2B19A1-ADFC-410E-B65E-71C032113A05}" dt="2024-01-06T20:25:08.529" v="5785" actId="1076"/>
-          <ac:spMkLst>
-            <pc:docMk/>
-            <pc:sldMk cId="1681126152" sldId="334"/>
-            <ac:spMk id="30" creationId="{08469014-3519-9E7C-D068-43DAD6E955B5}"/>
-          </ac:spMkLst>
-        </pc:spChg>
-        <pc:spChg chg="add mod">
-          <ac:chgData name="Simeon Wong" userId="6a6fb664-499b-4396-8c93-53d6c9eb1a86" providerId="ADAL" clId="{6C2B19A1-ADFC-410E-B65E-71C032113A05}" dt="2024-01-06T20:25:08.529" v="5785" actId="1076"/>
-          <ac:spMkLst>
-            <pc:docMk/>
-            <pc:sldMk cId="1681126152" sldId="334"/>
-            <ac:spMk id="31" creationId="{6A19AA5A-15B0-E5BC-603A-29EE054C16BA}"/>
-          </ac:spMkLst>
-        </pc:spChg>
-        <pc:spChg chg="add mod">
-          <ac:chgData name="Simeon Wong" userId="6a6fb664-499b-4396-8c93-53d6c9eb1a86" providerId="ADAL" clId="{6C2B19A1-ADFC-410E-B65E-71C032113A05}" dt="2024-01-06T20:25:08.529" v="5785" actId="1076"/>
-          <ac:spMkLst>
-            <pc:docMk/>
-            <pc:sldMk cId="1681126152" sldId="334"/>
-            <ac:spMk id="33" creationId="{B6042DCB-D31A-6347-1C75-87BFDCEEA527}"/>
-          </ac:spMkLst>
-        </pc:spChg>
-        <pc:spChg chg="add del mod">
-          <ac:chgData name="Simeon Wong" userId="6a6fb664-499b-4396-8c93-53d6c9eb1a86" providerId="ADAL" clId="{6C2B19A1-ADFC-410E-B65E-71C032113A05}" dt="2024-01-06T20:25:00.483" v="5784" actId="1582"/>
-          <ac:spMkLst>
-            <pc:docMk/>
-            <pc:sldMk cId="1681126152" sldId="334"/>
-            <ac:spMk id="49" creationId="{43AAE7F2-9EEB-2477-6A6B-1B2FECFD5DEF}"/>
-          </ac:spMkLst>
-        </pc:spChg>
-        <pc:spChg chg="add mod">
-          <ac:chgData name="Simeon Wong" userId="6a6fb664-499b-4396-8c93-53d6c9eb1a86" providerId="ADAL" clId="{6C2B19A1-ADFC-410E-B65E-71C032113A05}" dt="2024-01-06T20:23:58.074" v="5778" actId="1076"/>
-          <ac:spMkLst>
-            <pc:docMk/>
-            <pc:sldMk cId="1681126152" sldId="334"/>
-            <ac:spMk id="52" creationId="{AAC2816F-418B-6470-0BE7-0D0A7F19901C}"/>
-          </ac:spMkLst>
-        </pc:spChg>
-        <pc:spChg chg="add mod">
-          <ac:chgData name="Simeon Wong" userId="6a6fb664-499b-4396-8c93-53d6c9eb1a86" providerId="ADAL" clId="{6C2B19A1-ADFC-410E-B65E-71C032113A05}" dt="2024-01-06T20:37:49.649" v="6291" actId="20577"/>
-          <ac:spMkLst>
-            <pc:docMk/>
-            <pc:sldMk cId="1681126152" sldId="334"/>
-            <ac:spMk id="67" creationId="{10F39A64-8E7E-FAB3-A03A-AB0C35C5638F}"/>
-          </ac:spMkLst>
-        </pc:spChg>
-        <pc:spChg chg="add mod">
-          <ac:chgData name="Simeon Wong" userId="6a6fb664-499b-4396-8c93-53d6c9eb1a86" providerId="ADAL" clId="{6C2B19A1-ADFC-410E-B65E-71C032113A05}" dt="2024-01-06T20:37:47.465" v="6288" actId="20577"/>
-          <ac:spMkLst>
-            <pc:docMk/>
-            <pc:sldMk cId="1681126152" sldId="334"/>
-            <ac:spMk id="68" creationId="{126904CE-D104-2C27-9823-C920B73EEF95}"/>
-          </ac:spMkLst>
-        </pc:spChg>
-        <pc:spChg chg="add del mod">
-          <ac:chgData name="Simeon Wong" userId="6a6fb664-499b-4396-8c93-53d6c9eb1a86" providerId="ADAL" clId="{6C2B19A1-ADFC-410E-B65E-71C032113A05}" dt="2024-01-06T20:25:52.549" v="5834" actId="478"/>
-          <ac:spMkLst>
-            <pc:docMk/>
-            <pc:sldMk cId="1681126152" sldId="334"/>
-            <ac:spMk id="69" creationId="{8983B87C-2BA4-6D11-EF0C-89ED9E2E2084}"/>
-          </ac:spMkLst>
-        </pc:spChg>
-        <pc:spChg chg="add mod">
-          <ac:chgData name="Simeon Wong" userId="6a6fb664-499b-4396-8c93-53d6c9eb1a86" providerId="ADAL" clId="{6C2B19A1-ADFC-410E-B65E-71C032113A05}" dt="2024-01-06T20:26:12.590" v="5865" actId="1076"/>
-          <ac:spMkLst>
-            <pc:docMk/>
-            <pc:sldMk cId="1681126152" sldId="334"/>
-            <ac:spMk id="70" creationId="{124FFD0F-C9DF-FE13-EF3F-2FA17B52067B}"/>
-          </ac:spMkLst>
-        </pc:spChg>
-        <pc:spChg chg="add del mod">
-          <ac:chgData name="Simeon Wong" userId="6a6fb664-499b-4396-8c93-53d6c9eb1a86" providerId="ADAL" clId="{6C2B19A1-ADFC-410E-B65E-71C032113A05}" dt="2024-01-06T20:26:14.080" v="5866" actId="478"/>
-          <ac:spMkLst>
-            <pc:docMk/>
-            <pc:sldMk cId="1681126152" sldId="334"/>
-            <ac:spMk id="71" creationId="{B732A258-08F2-6DD0-0A5D-9B507B0FE595}"/>
-          </ac:spMkLst>
-        </pc:spChg>
-        <pc:spChg chg="add mod">
-          <ac:chgData name="Simeon Wong" userId="6a6fb664-499b-4396-8c93-53d6c9eb1a86" providerId="ADAL" clId="{6C2B19A1-ADFC-410E-B65E-71C032113A05}" dt="2024-01-06T20:26:19.124" v="5868" actId="1076"/>
-          <ac:spMkLst>
-            <pc:docMk/>
-            <pc:sldMk cId="1681126152" sldId="334"/>
-            <ac:spMk id="72" creationId="{901A89E5-FB66-596E-D7DF-A051085FB47C}"/>
-          </ac:spMkLst>
-        </pc:spChg>
-        <pc:spChg chg="add del mod">
-          <ac:chgData name="Simeon Wong" userId="6a6fb664-499b-4396-8c93-53d6c9eb1a86" providerId="ADAL" clId="{6C2B19A1-ADFC-410E-B65E-71C032113A05}" dt="2024-01-06T20:26:36.727" v="5889" actId="478"/>
-          <ac:spMkLst>
-            <pc:docMk/>
-            <pc:sldMk cId="1681126152" sldId="334"/>
-            <ac:spMk id="73" creationId="{0BFCCE68-3E08-3DB7-DA3D-17E08BD86617}"/>
-          </ac:spMkLst>
-        </pc:spChg>
-        <pc:spChg chg="add mod">
-          <ac:chgData name="Simeon Wong" userId="6a6fb664-499b-4396-8c93-53d6c9eb1a86" providerId="ADAL" clId="{6C2B19A1-ADFC-410E-B65E-71C032113A05}" dt="2024-01-06T20:26:45.367" v="5909" actId="20577"/>
-          <ac:spMkLst>
-            <pc:docMk/>
-            <pc:sldMk cId="1681126152" sldId="334"/>
-            <ac:spMk id="74" creationId="{9917A4D2-B825-DCC1-DD61-90B01E038BAD}"/>
-          </ac:spMkLst>
-        </pc:spChg>
-        <pc:spChg chg="add mod">
-          <ac:chgData name="Simeon Wong" userId="6a6fb664-499b-4396-8c93-53d6c9eb1a86" providerId="ADAL" clId="{6C2B19A1-ADFC-410E-B65E-71C032113A05}" dt="2024-01-06T20:27:48.419" v="5961" actId="12789"/>
-          <ac:spMkLst>
-            <pc:docMk/>
-            <pc:sldMk cId="1681126152" sldId="334"/>
-            <ac:spMk id="75" creationId="{D6AA5435-999F-CD84-B9EC-95B9F01EEE10}"/>
-          </ac:spMkLst>
-        </pc:spChg>
-        <pc:spChg chg="add mod">
-          <ac:chgData name="Simeon Wong" userId="6a6fb664-499b-4396-8c93-53d6c9eb1a86" providerId="ADAL" clId="{6C2B19A1-ADFC-410E-B65E-71C032113A05}" dt="2024-01-06T20:27:07.272" v="5932" actId="1076"/>
-          <ac:spMkLst>
-            <pc:docMk/>
-            <pc:sldMk cId="1681126152" sldId="334"/>
-            <ac:spMk id="76" creationId="{3098222A-9ADC-A898-A607-B5DBE646E814}"/>
-          </ac:spMkLst>
-        </pc:spChg>
-        <pc:spChg chg="add mod">
-          <ac:chgData name="Simeon Wong" userId="6a6fb664-499b-4396-8c93-53d6c9eb1a86" providerId="ADAL" clId="{6C2B19A1-ADFC-410E-B65E-71C032113A05}" dt="2024-01-06T20:27:10.806" v="5934" actId="1076"/>
-          <ac:spMkLst>
-            <pc:docMk/>
-            <pc:sldMk cId="1681126152" sldId="334"/>
-            <ac:spMk id="77" creationId="{7642933F-A990-71BD-D3CA-24BF00C5269C}"/>
-          </ac:spMkLst>
-        </pc:spChg>
-        <pc:spChg chg="add mod">
-          <ac:chgData name="Simeon Wong" userId="6a6fb664-499b-4396-8c93-53d6c9eb1a86" providerId="ADAL" clId="{6C2B19A1-ADFC-410E-B65E-71C032113A05}" dt="2024-01-06T20:27:17.856" v="5938" actId="1076"/>
-          <ac:spMkLst>
-            <pc:docMk/>
-            <pc:sldMk cId="1681126152" sldId="334"/>
-            <ac:spMk id="78" creationId="{65BB0B7C-6A9D-2B2E-52DA-3602576901B1}"/>
-          </ac:spMkLst>
-        </pc:spChg>
-        <pc:spChg chg="add mod">
-          <ac:chgData name="Simeon Wong" userId="6a6fb664-499b-4396-8c93-53d6c9eb1a86" providerId="ADAL" clId="{6C2B19A1-ADFC-410E-B65E-71C032113A05}" dt="2024-01-06T20:27:20.779" v="5939" actId="1076"/>
-          <ac:spMkLst>
-            <pc:docMk/>
-            <pc:sldMk cId="1681126152" sldId="334"/>
-            <ac:spMk id="79" creationId="{23F59E93-E2B7-B1AC-9075-622392ECA80E}"/>
-          </ac:spMkLst>
-        </pc:spChg>
-        <pc:spChg chg="add mod">
-          <ac:chgData name="Simeon Wong" userId="6a6fb664-499b-4396-8c93-53d6c9eb1a86" providerId="ADAL" clId="{6C2B19A1-ADFC-410E-B65E-71C032113A05}" dt="2024-01-06T20:27:55.193" v="5984" actId="1038"/>
-          <ac:spMkLst>
-            <pc:docMk/>
-            <pc:sldMk cId="1681126152" sldId="334"/>
-            <ac:spMk id="80" creationId="{EC679CCD-CF02-405A-C337-2F05C57D028A}"/>
-          </ac:spMkLst>
-        </pc:spChg>
-        <pc:spChg chg="add mod">
-          <ac:chgData name="Simeon Wong" userId="6a6fb664-499b-4396-8c93-53d6c9eb1a86" providerId="ADAL" clId="{6C2B19A1-ADFC-410E-B65E-71C032113A05}" dt="2024-01-06T20:33:22.473" v="6277" actId="20577"/>
-          <ac:spMkLst>
-            <pc:docMk/>
-            <pc:sldMk cId="1681126152" sldId="334"/>
-            <ac:spMk id="81" creationId="{3B0F4FC6-242A-AB6A-1AFC-D6228C325D50}"/>
-          </ac:spMkLst>
-        </pc:spChg>
-        <pc:picChg chg="add del mod">
-          <ac:chgData name="Simeon Wong" userId="6a6fb664-499b-4396-8c93-53d6c9eb1a86" providerId="ADAL" clId="{6C2B19A1-ADFC-410E-B65E-71C032113A05}" dt="2024-01-06T20:17:34.321" v="5645" actId="478"/>
-          <ac:picMkLst>
-            <pc:docMk/>
-            <pc:sldMk cId="1681126152" sldId="334"/>
-            <ac:picMk id="6" creationId="{9451A873-2A65-EB32-9162-2550C753FE91}"/>
-          </ac:picMkLst>
-        </pc:picChg>
-        <pc:cxnChg chg="add mod">
-          <ac:chgData name="Simeon Wong" userId="6a6fb664-499b-4396-8c93-53d6c9eb1a86" providerId="ADAL" clId="{6C2B19A1-ADFC-410E-B65E-71C032113A05}" dt="2024-01-06T20:23:15.208" v="5770" actId="1076"/>
-          <ac:cxnSpMkLst>
-            <pc:docMk/>
-            <pc:sldMk cId="1681126152" sldId="334"/>
-            <ac:cxnSpMk id="13" creationId="{6EE24979-E246-0CC9-D044-7DDF002DF783}"/>
-          </ac:cxnSpMkLst>
-        </pc:cxnChg>
-        <pc:cxnChg chg="add mod">
-          <ac:chgData name="Simeon Wong" userId="6a6fb664-499b-4396-8c93-53d6c9eb1a86" providerId="ADAL" clId="{6C2B19A1-ADFC-410E-B65E-71C032113A05}" dt="2024-01-06T20:23:15.208" v="5770" actId="1076"/>
-          <ac:cxnSpMkLst>
-            <pc:docMk/>
-            <pc:sldMk cId="1681126152" sldId="334"/>
-            <ac:cxnSpMk id="15" creationId="{ABFD3466-522A-BA42-5589-37EA4783798A}"/>
-          </ac:cxnSpMkLst>
-        </pc:cxnChg>
-        <pc:cxnChg chg="add mod">
-          <ac:chgData name="Simeon Wong" userId="6a6fb664-499b-4396-8c93-53d6c9eb1a86" providerId="ADAL" clId="{6C2B19A1-ADFC-410E-B65E-71C032113A05}" dt="2024-01-06T20:23:15.208" v="5770" actId="1076"/>
-          <ac:cxnSpMkLst>
-            <pc:docMk/>
-            <pc:sldMk cId="1681126152" sldId="334"/>
-            <ac:cxnSpMk id="18" creationId="{213F1DC1-609B-4769-4A55-01FCCFDA9BAF}"/>
-          </ac:cxnSpMkLst>
-        </pc:cxnChg>
-        <pc:cxnChg chg="add mod">
-          <ac:chgData name="Simeon Wong" userId="6a6fb664-499b-4396-8c93-53d6c9eb1a86" providerId="ADAL" clId="{6C2B19A1-ADFC-410E-B65E-71C032113A05}" dt="2024-01-06T20:24:11.664" v="5779" actId="14100"/>
-          <ac:cxnSpMkLst>
-            <pc:docMk/>
-            <pc:sldMk cId="1681126152" sldId="334"/>
-            <ac:cxnSpMk id="19" creationId="{F4BDFCDC-6F0D-0141-3D6E-DAB709DBE38F}"/>
-          </ac:cxnSpMkLst>
-        </pc:cxnChg>
-        <pc:cxnChg chg="add mod">
-          <ac:chgData name="Simeon Wong" userId="6a6fb664-499b-4396-8c93-53d6c9eb1a86" providerId="ADAL" clId="{6C2B19A1-ADFC-410E-B65E-71C032113A05}" dt="2024-01-06T20:25:08.529" v="5785" actId="1076"/>
-          <ac:cxnSpMkLst>
-            <pc:docMk/>
-            <pc:sldMk cId="1681126152" sldId="334"/>
-            <ac:cxnSpMk id="24" creationId="{C0E98647-5860-2EFC-DF48-C8DAD1078D0C}"/>
-          </ac:cxnSpMkLst>
-        </pc:cxnChg>
-        <pc:cxnChg chg="add mod">
-          <ac:chgData name="Simeon Wong" userId="6a6fb664-499b-4396-8c93-53d6c9eb1a86" providerId="ADAL" clId="{6C2B19A1-ADFC-410E-B65E-71C032113A05}" dt="2024-01-06T20:25:08.529" v="5785" actId="1076"/>
-          <ac:cxnSpMkLst>
-            <pc:docMk/>
-            <pc:sldMk cId="1681126152" sldId="334"/>
-            <ac:cxnSpMk id="36" creationId="{EDB345E0-714F-C4BA-CD54-B0770BA4251B}"/>
-          </ac:cxnSpMkLst>
-        </pc:cxnChg>
-        <pc:cxnChg chg="add mod">
-          <ac:chgData name="Simeon Wong" userId="6a6fb664-499b-4396-8c93-53d6c9eb1a86" providerId="ADAL" clId="{6C2B19A1-ADFC-410E-B65E-71C032113A05}" dt="2024-01-06T20:25:08.529" v="5785" actId="1076"/>
-          <ac:cxnSpMkLst>
-            <pc:docMk/>
-            <pc:sldMk cId="1681126152" sldId="334"/>
-            <ac:cxnSpMk id="38" creationId="{EFFC9FA3-74B6-AC5D-BEB6-3B686196AD90}"/>
-          </ac:cxnSpMkLst>
-        </pc:cxnChg>
-        <pc:cxnChg chg="add mod">
-          <ac:chgData name="Simeon Wong" userId="6a6fb664-499b-4396-8c93-53d6c9eb1a86" providerId="ADAL" clId="{6C2B19A1-ADFC-410E-B65E-71C032113A05}" dt="2024-01-06T20:25:08.529" v="5785" actId="1076"/>
-          <ac:cxnSpMkLst>
-            <pc:docMk/>
-            <pc:sldMk cId="1681126152" sldId="334"/>
-            <ac:cxnSpMk id="40" creationId="{A6DCD28C-3B53-8A21-5677-0C72B354402F}"/>
-          </ac:cxnSpMkLst>
-        </pc:cxnChg>
-        <pc:cxnChg chg="add mod">
-          <ac:chgData name="Simeon Wong" userId="6a6fb664-499b-4396-8c93-53d6c9eb1a86" providerId="ADAL" clId="{6C2B19A1-ADFC-410E-B65E-71C032113A05}" dt="2024-01-06T20:25:08.529" v="5785" actId="1076"/>
-          <ac:cxnSpMkLst>
-            <pc:docMk/>
-            <pc:sldMk cId="1681126152" sldId="334"/>
-            <ac:cxnSpMk id="42" creationId="{0471E211-D52F-EC23-9A21-F3DD7B08461C}"/>
-          </ac:cxnSpMkLst>
-        </pc:cxnChg>
-        <pc:cxnChg chg="add mod">
-          <ac:chgData name="Simeon Wong" userId="6a6fb664-499b-4396-8c93-53d6c9eb1a86" providerId="ADAL" clId="{6C2B19A1-ADFC-410E-B65E-71C032113A05}" dt="2024-01-06T20:25:08.529" v="5785" actId="1076"/>
-          <ac:cxnSpMkLst>
-            <pc:docMk/>
-            <pc:sldMk cId="1681126152" sldId="334"/>
-            <ac:cxnSpMk id="44" creationId="{9EF9B9C2-1C25-36AA-A444-5414CF7A8EDD}"/>
-          </ac:cxnSpMkLst>
-        </pc:cxnChg>
-        <pc:cxnChg chg="add mod">
-          <ac:chgData name="Simeon Wong" userId="6a6fb664-499b-4396-8c93-53d6c9eb1a86" providerId="ADAL" clId="{6C2B19A1-ADFC-410E-B65E-71C032113A05}" dt="2024-01-06T20:25:08.529" v="5785" actId="1076"/>
-          <ac:cxnSpMkLst>
-            <pc:docMk/>
-            <pc:sldMk cId="1681126152" sldId="334"/>
-            <ac:cxnSpMk id="46" creationId="{ACCA7AC1-401C-5483-2307-00DC8E5661E6}"/>
-          </ac:cxnSpMkLst>
-        </pc:cxnChg>
-        <pc:cxnChg chg="add mod">
-          <ac:chgData name="Simeon Wong" userId="6a6fb664-499b-4396-8c93-53d6c9eb1a86" providerId="ADAL" clId="{6C2B19A1-ADFC-410E-B65E-71C032113A05}" dt="2024-01-06T20:25:00.483" v="5784" actId="1582"/>
-          <ac:cxnSpMkLst>
-            <pc:docMk/>
-            <pc:sldMk cId="1681126152" sldId="334"/>
-            <ac:cxnSpMk id="48" creationId="{5C3071B7-1886-5EA9-14E6-EAC5EAA8EB9D}"/>
-          </ac:cxnSpMkLst>
-        </pc:cxnChg>
-        <pc:cxnChg chg="add del mod">
-          <ac:chgData name="Simeon Wong" userId="6a6fb664-499b-4396-8c93-53d6c9eb1a86" providerId="ADAL" clId="{6C2B19A1-ADFC-410E-B65E-71C032113A05}" dt="2024-01-06T20:22:59.685" v="5765" actId="478"/>
-          <ac:cxnSpMkLst>
-            <pc:docMk/>
-            <pc:sldMk cId="1681126152" sldId="334"/>
-            <ac:cxnSpMk id="54" creationId="{A2DE06D5-AB31-6BF6-608A-15ADF1C24682}"/>
-          </ac:cxnSpMkLst>
-        </pc:cxnChg>
-        <pc:cxnChg chg="add mod">
-          <ac:chgData name="Simeon Wong" userId="6a6fb664-499b-4396-8c93-53d6c9eb1a86" providerId="ADAL" clId="{6C2B19A1-ADFC-410E-B65E-71C032113A05}" dt="2024-01-06T20:25:00.483" v="5784" actId="1582"/>
-          <ac:cxnSpMkLst>
-            <pc:docMk/>
-            <pc:sldMk cId="1681126152" sldId="334"/>
-            <ac:cxnSpMk id="60" creationId="{7FD2282C-F764-9F14-1E9F-EA745E8399FD}"/>
-          </ac:cxnSpMkLst>
-        </pc:cxnChg>
-      </pc:sldChg>
-      <pc:sldChg chg="addSp modSp new mod">
-        <pc:chgData name="Simeon Wong" userId="6a6fb664-499b-4396-8c93-53d6c9eb1a86" providerId="ADAL" clId="{6C2B19A1-ADFC-410E-B65E-71C032113A05}" dt="2024-01-06T20:52:01.739" v="6866"/>
-        <pc:sldMkLst>
-          <pc:docMk/>
-          <pc:sldMk cId="3940674962" sldId="335"/>
-        </pc:sldMkLst>
-        <pc:spChg chg="mod">
-          <ac:chgData name="Simeon Wong" userId="6a6fb664-499b-4396-8c93-53d6c9eb1a86" providerId="ADAL" clId="{6C2B19A1-ADFC-410E-B65E-71C032113A05}" dt="2024-01-06T20:40:49.971" v="6375" actId="20577"/>
-          <ac:spMkLst>
-            <pc:docMk/>
-            <pc:sldMk cId="3940674962" sldId="335"/>
-            <ac:spMk id="2" creationId="{ED95BB5C-2981-ECE2-1930-82BE133CC244}"/>
-          </ac:spMkLst>
-        </pc:spChg>
-        <pc:spChg chg="mod">
-          <ac:chgData name="Simeon Wong" userId="6a6fb664-499b-4396-8c93-53d6c9eb1a86" providerId="ADAL" clId="{6C2B19A1-ADFC-410E-B65E-71C032113A05}" dt="2024-01-06T20:52:01.739" v="6866"/>
-          <ac:spMkLst>
-            <pc:docMk/>
-            <pc:sldMk cId="3940674962" sldId="335"/>
-            <ac:spMk id="5" creationId="{A7F0CD72-2806-B7D9-958C-E7450E424A57}"/>
-          </ac:spMkLst>
-        </pc:spChg>
-        <pc:picChg chg="add mod">
-          <ac:chgData name="Simeon Wong" userId="6a6fb664-499b-4396-8c93-53d6c9eb1a86" providerId="ADAL" clId="{6C2B19A1-ADFC-410E-B65E-71C032113A05}" dt="2024-01-06T20:39:33.598" v="6334" actId="1076"/>
-          <ac:picMkLst>
-            <pc:docMk/>
-            <pc:sldMk cId="3940674962" sldId="335"/>
-            <ac:picMk id="7" creationId="{36389491-A966-CCF4-5BE3-D71EFFE3894C}"/>
-          </ac:picMkLst>
-        </pc:picChg>
-      </pc:sldChg>
-      <pc:sldChg chg="addSp delSp modSp new mod">
-        <pc:chgData name="Simeon Wong" userId="6a6fb664-499b-4396-8c93-53d6c9eb1a86" providerId="ADAL" clId="{6C2B19A1-ADFC-410E-B65E-71C032113A05}" dt="2024-01-06T20:52:04.929" v="6867"/>
-        <pc:sldMkLst>
-          <pc:docMk/>
-          <pc:sldMk cId="1801656646" sldId="336"/>
-        </pc:sldMkLst>
-        <pc:spChg chg="mod">
-          <ac:chgData name="Simeon Wong" userId="6a6fb664-499b-4396-8c93-53d6c9eb1a86" providerId="ADAL" clId="{6C2B19A1-ADFC-410E-B65E-71C032113A05}" dt="2024-01-06T20:40:44.145" v="6373" actId="20577"/>
-          <ac:spMkLst>
-            <pc:docMk/>
-            <pc:sldMk cId="1801656646" sldId="336"/>
-            <ac:spMk id="2" creationId="{393DCBEC-3E38-FCD4-3ADC-83DD4A364952}"/>
-          </ac:spMkLst>
-        </pc:spChg>
-        <pc:spChg chg="del">
-          <ac:chgData name="Simeon Wong" userId="6a6fb664-499b-4396-8c93-53d6c9eb1a86" providerId="ADAL" clId="{6C2B19A1-ADFC-410E-B65E-71C032113A05}" dt="2024-01-06T20:40:40.872" v="6371" actId="22"/>
-          <ac:spMkLst>
-            <pc:docMk/>
-            <pc:sldMk cId="1801656646" sldId="336"/>
-            <ac:spMk id="3" creationId="{CA441C2E-54F5-4212-8D0A-2CEBB12852AD}"/>
-          </ac:spMkLst>
-        </pc:spChg>
-        <pc:spChg chg="mod">
-          <ac:chgData name="Simeon Wong" userId="6a6fb664-499b-4396-8c93-53d6c9eb1a86" providerId="ADAL" clId="{6C2B19A1-ADFC-410E-B65E-71C032113A05}" dt="2024-01-06T20:52:04.929" v="6867"/>
-          <ac:spMkLst>
-            <pc:docMk/>
-            <pc:sldMk cId="1801656646" sldId="336"/>
-            <ac:spMk id="5" creationId="{2BF2906E-E669-92FF-26DB-85394F98446F}"/>
-          </ac:spMkLst>
-        </pc:spChg>
-        <pc:picChg chg="add mod ord">
-          <ac:chgData name="Simeon Wong" userId="6a6fb664-499b-4396-8c93-53d6c9eb1a86" providerId="ADAL" clId="{6C2B19A1-ADFC-410E-B65E-71C032113A05}" dt="2024-01-06T20:41:29.365" v="6382" actId="1076"/>
-          <ac:picMkLst>
-            <pc:docMk/>
-            <pc:sldMk cId="1801656646" sldId="336"/>
-            <ac:picMk id="7" creationId="{35A879A1-C0B0-FC8B-A1AA-5007033FB570}"/>
-          </ac:picMkLst>
-        </pc:picChg>
-        <pc:picChg chg="add mod">
-          <ac:chgData name="Simeon Wong" userId="6a6fb664-499b-4396-8c93-53d6c9eb1a86" providerId="ADAL" clId="{6C2B19A1-ADFC-410E-B65E-71C032113A05}" dt="2024-01-06T20:41:30.618" v="6383" actId="1076"/>
-          <ac:picMkLst>
-            <pc:docMk/>
-            <pc:sldMk cId="1801656646" sldId="336"/>
-            <ac:picMk id="9" creationId="{8C82B9AF-587A-CBDB-1586-70A0569B2345}"/>
-          </ac:picMkLst>
-        </pc:picChg>
-      </pc:sldChg>
-      <pc:sldChg chg="addSp delSp modSp new mod">
-        <pc:chgData name="Simeon Wong" userId="6a6fb664-499b-4396-8c93-53d6c9eb1a86" providerId="ADAL" clId="{6C2B19A1-ADFC-410E-B65E-71C032113A05}" dt="2024-01-06T20:52:07.659" v="6868"/>
-        <pc:sldMkLst>
-          <pc:docMk/>
-          <pc:sldMk cId="3459658886" sldId="337"/>
-        </pc:sldMkLst>
-        <pc:spChg chg="mod">
-          <ac:chgData name="Simeon Wong" userId="6a6fb664-499b-4396-8c93-53d6c9eb1a86" providerId="ADAL" clId="{6C2B19A1-ADFC-410E-B65E-71C032113A05}" dt="2024-01-06T20:42:19.720" v="6417" actId="20577"/>
-          <ac:spMkLst>
-            <pc:docMk/>
-            <pc:sldMk cId="3459658886" sldId="337"/>
-            <ac:spMk id="2" creationId="{0E0B3D46-52F9-1BCB-6300-41506BC7034F}"/>
-          </ac:spMkLst>
-        </pc:spChg>
-        <pc:spChg chg="del">
-          <ac:chgData name="Simeon Wong" userId="6a6fb664-499b-4396-8c93-53d6c9eb1a86" providerId="ADAL" clId="{6C2B19A1-ADFC-410E-B65E-71C032113A05}" dt="2024-01-06T20:42:29.405" v="6419" actId="478"/>
-          <ac:spMkLst>
-            <pc:docMk/>
-            <pc:sldMk cId="3459658886" sldId="337"/>
-            <ac:spMk id="3" creationId="{FB2FD7EB-E40D-B4D5-BB5C-8A55B0DE249A}"/>
-          </ac:spMkLst>
-        </pc:spChg>
-        <pc:spChg chg="mod">
-          <ac:chgData name="Simeon Wong" userId="6a6fb664-499b-4396-8c93-53d6c9eb1a86" providerId="ADAL" clId="{6C2B19A1-ADFC-410E-B65E-71C032113A05}" dt="2024-01-06T20:52:07.659" v="6868"/>
-          <ac:spMkLst>
-            <pc:docMk/>
-            <pc:sldMk cId="3459658886" sldId="337"/>
-            <ac:spMk id="5" creationId="{D1FC6D71-57DC-9DCB-520E-5BC945ED4EFE}"/>
-          </ac:spMkLst>
-        </pc:spChg>
-        <pc:spChg chg="add del mod">
-          <ac:chgData name="Simeon Wong" userId="6a6fb664-499b-4396-8c93-53d6c9eb1a86" providerId="ADAL" clId="{6C2B19A1-ADFC-410E-B65E-71C032113A05}" dt="2024-01-06T20:43:23.695" v="6431" actId="478"/>
-          <ac:spMkLst>
-            <pc:docMk/>
-            <pc:sldMk cId="3459658886" sldId="337"/>
-            <ac:spMk id="10" creationId="{7F916D2E-B8D7-34A1-F33C-020A18481D20}"/>
-          </ac:spMkLst>
-        </pc:spChg>
-        <pc:spChg chg="add mod">
-          <ac:chgData name="Simeon Wong" userId="6a6fb664-499b-4396-8c93-53d6c9eb1a86" providerId="ADAL" clId="{6C2B19A1-ADFC-410E-B65E-71C032113A05}" dt="2024-01-06T20:43:39.494" v="6436" actId="1076"/>
-          <ac:spMkLst>
-            <pc:docMk/>
-            <pc:sldMk cId="3459658886" sldId="337"/>
-            <ac:spMk id="11" creationId="{199B04CF-4652-5D9E-609A-36C010D9B8D1}"/>
-          </ac:spMkLst>
-        </pc:spChg>
-        <pc:picChg chg="add del mod">
-          <ac:chgData name="Simeon Wong" userId="6a6fb664-499b-4396-8c93-53d6c9eb1a86" providerId="ADAL" clId="{6C2B19A1-ADFC-410E-B65E-71C032113A05}" dt="2024-01-06T20:42:51.063" v="6423" actId="22"/>
-          <ac:picMkLst>
-            <pc:docMk/>
-            <pc:sldMk cId="3459658886" sldId="337"/>
-            <ac:picMk id="7" creationId="{323FC3BD-DCE6-2836-CFB2-272ED3EBAEC7}"/>
-          </ac:picMkLst>
-        </pc:picChg>
-        <pc:picChg chg="add mod">
-          <ac:chgData name="Simeon Wong" userId="6a6fb664-499b-4396-8c93-53d6c9eb1a86" providerId="ADAL" clId="{6C2B19A1-ADFC-410E-B65E-71C032113A05}" dt="2024-01-06T20:43:07.905" v="6426" actId="1076"/>
-          <ac:picMkLst>
-            <pc:docMk/>
-            <pc:sldMk cId="3459658886" sldId="337"/>
-            <ac:picMk id="9" creationId="{31271767-453B-41A6-A481-A5C11F3DA019}"/>
-          </ac:picMkLst>
-        </pc:picChg>
-      </pc:sldChg>
-      <pc:sldChg chg="addSp delSp modSp new mod">
-        <pc:chgData name="Simeon Wong" userId="6a6fb664-499b-4396-8c93-53d6c9eb1a86" providerId="ADAL" clId="{6C2B19A1-ADFC-410E-B65E-71C032113A05}" dt="2024-01-06T20:59:52.488" v="6912" actId="1076"/>
-        <pc:sldMkLst>
-          <pc:docMk/>
-          <pc:sldMk cId="98814715" sldId="338"/>
-        </pc:sldMkLst>
-        <pc:spChg chg="mod">
-          <ac:chgData name="Simeon Wong" userId="6a6fb664-499b-4396-8c93-53d6c9eb1a86" providerId="ADAL" clId="{6C2B19A1-ADFC-410E-B65E-71C032113A05}" dt="2024-01-06T20:44:50.422" v="6452" actId="20577"/>
-          <ac:spMkLst>
-            <pc:docMk/>
-            <pc:sldMk cId="98814715" sldId="338"/>
-            <ac:spMk id="2" creationId="{785B07C6-ABF1-0566-C5A2-2B6A22EC8F68}"/>
-          </ac:spMkLst>
-        </pc:spChg>
-        <pc:spChg chg="del">
-          <ac:chgData name="Simeon Wong" userId="6a6fb664-499b-4396-8c93-53d6c9eb1a86" providerId="ADAL" clId="{6C2B19A1-ADFC-410E-B65E-71C032113A05}" dt="2024-01-06T20:45:07.981" v="6454" actId="478"/>
-          <ac:spMkLst>
-            <pc:docMk/>
-            <pc:sldMk cId="98814715" sldId="338"/>
-            <ac:spMk id="3" creationId="{67CA7BD9-37D5-C74B-06D0-1E26435D3B5B}"/>
-          </ac:spMkLst>
-        </pc:spChg>
-        <pc:spChg chg="mod">
-          <ac:chgData name="Simeon Wong" userId="6a6fb664-499b-4396-8c93-53d6c9eb1a86" providerId="ADAL" clId="{6C2B19A1-ADFC-410E-B65E-71C032113A05}" dt="2024-01-06T20:52:10.278" v="6869"/>
-          <ac:spMkLst>
-            <pc:docMk/>
-            <pc:sldMk cId="98814715" sldId="338"/>
-            <ac:spMk id="5" creationId="{B17E1C1F-666F-5AF0-9E6D-69676AC95C06}"/>
-          </ac:spMkLst>
-        </pc:spChg>
-        <pc:picChg chg="add mod">
-          <ac:chgData name="Simeon Wong" userId="6a6fb664-499b-4396-8c93-53d6c9eb1a86" providerId="ADAL" clId="{6C2B19A1-ADFC-410E-B65E-71C032113A05}" dt="2024-01-06T20:45:11.892" v="6457" actId="1076"/>
-          <ac:picMkLst>
-            <pc:docMk/>
-            <pc:sldMk cId="98814715" sldId="338"/>
-            <ac:picMk id="7" creationId="{61A7D368-F0A9-8441-8AC0-FFF2A1EA5E35}"/>
-          </ac:picMkLst>
-        </pc:picChg>
-        <pc:picChg chg="add mod">
-          <ac:chgData name="Simeon Wong" userId="6a6fb664-499b-4396-8c93-53d6c9eb1a86" providerId="ADAL" clId="{6C2B19A1-ADFC-410E-B65E-71C032113A05}" dt="2024-01-06T20:59:52.488" v="6912" actId="1076"/>
-          <ac:picMkLst>
-            <pc:docMk/>
-            <pc:sldMk cId="98814715" sldId="338"/>
-            <ac:picMk id="9" creationId="{51C3BB5A-6A64-AE43-0770-A61C6BD5C845}"/>
-          </ac:picMkLst>
-        </pc:picChg>
-      </pc:sldChg>
-      <pc:sldChg chg="addSp delSp modSp new mod">
-        <pc:chgData name="Simeon Wong" userId="6a6fb664-499b-4396-8c93-53d6c9eb1a86" providerId="ADAL" clId="{6C2B19A1-ADFC-410E-B65E-71C032113A05}" dt="2024-01-06T20:52:18.479" v="6872"/>
-        <pc:sldMkLst>
-          <pc:docMk/>
-          <pc:sldMk cId="1004436770" sldId="339"/>
-        </pc:sldMkLst>
-        <pc:spChg chg="mod">
-          <ac:chgData name="Simeon Wong" userId="6a6fb664-499b-4396-8c93-53d6c9eb1a86" providerId="ADAL" clId="{6C2B19A1-ADFC-410E-B65E-71C032113A05}" dt="2024-01-06T20:45:23.519" v="6502" actId="20577"/>
-          <ac:spMkLst>
-            <pc:docMk/>
-            <pc:sldMk cId="1004436770" sldId="339"/>
-            <ac:spMk id="2" creationId="{38BF372A-0131-4ED2-65F8-712EBE06362D}"/>
-          </ac:spMkLst>
-        </pc:spChg>
-        <pc:spChg chg="mod">
-          <ac:chgData name="Simeon Wong" userId="6a6fb664-499b-4396-8c93-53d6c9eb1a86" providerId="ADAL" clId="{6C2B19A1-ADFC-410E-B65E-71C032113A05}" dt="2024-01-06T20:49:44.972" v="6793" actId="20577"/>
-          <ac:spMkLst>
-            <pc:docMk/>
-            <pc:sldMk cId="1004436770" sldId="339"/>
-            <ac:spMk id="3" creationId="{43F3C55D-C850-E1E9-5494-DF0B5A0663C6}"/>
-          </ac:spMkLst>
-        </pc:spChg>
-        <pc:spChg chg="mod">
-          <ac:chgData name="Simeon Wong" userId="6a6fb664-499b-4396-8c93-53d6c9eb1a86" providerId="ADAL" clId="{6C2B19A1-ADFC-410E-B65E-71C032113A05}" dt="2024-01-06T20:52:18.479" v="6872"/>
-          <ac:spMkLst>
-            <pc:docMk/>
-            <pc:sldMk cId="1004436770" sldId="339"/>
-            <ac:spMk id="5" creationId="{CDEC9D63-96F7-D3FE-A4BD-19CC0A4655E9}"/>
-          </ac:spMkLst>
-        </pc:spChg>
-        <pc:spChg chg="add del">
-          <ac:chgData name="Simeon Wong" userId="6a6fb664-499b-4396-8c93-53d6c9eb1a86" providerId="ADAL" clId="{6C2B19A1-ADFC-410E-B65E-71C032113A05}" dt="2024-01-06T20:48:28.434" v="6673" actId="22"/>
-          <ac:spMkLst>
-            <pc:docMk/>
-            <pc:sldMk cId="1004436770" sldId="339"/>
-            <ac:spMk id="7" creationId="{B54CECC3-6870-6420-E73C-9B2801F0B3C7}"/>
-          </ac:spMkLst>
-        </pc:spChg>
-        <pc:spChg chg="add mod">
-          <ac:chgData name="Simeon Wong" userId="6a6fb664-499b-4396-8c93-53d6c9eb1a86" providerId="ADAL" clId="{6C2B19A1-ADFC-410E-B65E-71C032113A05}" dt="2024-01-06T20:51:28.516" v="6846" actId="20577"/>
-          <ac:spMkLst>
-            <pc:docMk/>
-            <pc:sldMk cId="1004436770" sldId="339"/>
-            <ac:spMk id="8" creationId="{E152B6B2-E07A-B79F-19D3-9CFEE5FB782C}"/>
-          </ac:spMkLst>
-        </pc:spChg>
-      </pc:sldChg>
-      <pc:sldChg chg="addSp delSp modSp new mod">
-        <pc:chgData name="Simeon Wong" userId="6a6fb664-499b-4396-8c93-53d6c9eb1a86" providerId="ADAL" clId="{6C2B19A1-ADFC-410E-B65E-71C032113A05}" dt="2024-01-06T20:55:15.494" v="6909" actId="1582"/>
-        <pc:sldMkLst>
-          <pc:docMk/>
-          <pc:sldMk cId="2366904233" sldId="340"/>
-        </pc:sldMkLst>
-        <pc:spChg chg="mod">
-          <ac:chgData name="Simeon Wong" userId="6a6fb664-499b-4396-8c93-53d6c9eb1a86" providerId="ADAL" clId="{6C2B19A1-ADFC-410E-B65E-71C032113A05}" dt="2024-01-06T20:54:59.158" v="6903" actId="20577"/>
-          <ac:spMkLst>
-            <pc:docMk/>
-            <pc:sldMk cId="2366904233" sldId="340"/>
-            <ac:spMk id="2" creationId="{E2BCB830-9C98-07FF-F4B5-587143AD9121}"/>
-          </ac:spMkLst>
-        </pc:spChg>
-        <pc:spChg chg="del">
-          <ac:chgData name="Simeon Wong" userId="6a6fb664-499b-4396-8c93-53d6c9eb1a86" providerId="ADAL" clId="{6C2B19A1-ADFC-410E-B65E-71C032113A05}" dt="2024-01-06T20:54:50.155" v="6887" actId="478"/>
-          <ac:spMkLst>
-            <pc:docMk/>
-            <pc:sldMk cId="2366904233" sldId="340"/>
-            <ac:spMk id="3" creationId="{C90CAEC2-D0D0-5E3A-5CB6-F8FBA7CD5016}"/>
-          </ac:spMkLst>
-        </pc:spChg>
-        <pc:spChg chg="add mod">
-          <ac:chgData name="Simeon Wong" userId="6a6fb664-499b-4396-8c93-53d6c9eb1a86" providerId="ADAL" clId="{6C2B19A1-ADFC-410E-B65E-71C032113A05}" dt="2024-01-06T20:55:15.494" v="6909" actId="1582"/>
-          <ac:spMkLst>
-            <pc:docMk/>
-            <pc:sldMk cId="2366904233" sldId="340"/>
-            <ac:spMk id="8" creationId="{9D277760-6FEE-3975-EA6A-EF55364E138A}"/>
-          </ac:spMkLst>
-        </pc:spChg>
-        <pc:picChg chg="add mod">
-          <ac:chgData name="Simeon Wong" userId="6a6fb664-499b-4396-8c93-53d6c9eb1a86" providerId="ADAL" clId="{6C2B19A1-ADFC-410E-B65E-71C032113A05}" dt="2024-01-06T20:55:04.076" v="6905" actId="1076"/>
-          <ac:picMkLst>
-            <pc:docMk/>
-            <pc:sldMk cId="2366904233" sldId="340"/>
-            <ac:picMk id="7" creationId="{FCBAD359-D4F1-0492-8003-8115D7A006D6}"/>
-          </ac:picMkLst>
-        </pc:picChg>
-      </pc:sldChg>
-      <pc:sldChg chg="addSp modSp new mod">
-        <pc:chgData name="Simeon Wong" userId="6a6fb664-499b-4396-8c93-53d6c9eb1a86" providerId="ADAL" clId="{6C2B19A1-ADFC-410E-B65E-71C032113A05}" dt="2024-01-06T21:06:49.627" v="7009" actId="20577"/>
-        <pc:sldMkLst>
-          <pc:docMk/>
-          <pc:sldMk cId="3333508014" sldId="341"/>
-        </pc:sldMkLst>
-        <pc:spChg chg="mod">
-          <ac:chgData name="Simeon Wong" userId="6a6fb664-499b-4396-8c93-53d6c9eb1a86" providerId="ADAL" clId="{6C2B19A1-ADFC-410E-B65E-71C032113A05}" dt="2024-01-06T21:06:44.296" v="7006" actId="20577"/>
-          <ac:spMkLst>
-            <pc:docMk/>
-            <pc:sldMk cId="3333508014" sldId="341"/>
-            <ac:spMk id="2" creationId="{CAA25FB0-05E9-E92C-E1C8-4597E4B100DE}"/>
-          </ac:spMkLst>
-        </pc:spChg>
-        <pc:spChg chg="mod">
-          <ac:chgData name="Simeon Wong" userId="6a6fb664-499b-4396-8c93-53d6c9eb1a86" providerId="ADAL" clId="{6C2B19A1-ADFC-410E-B65E-71C032113A05}" dt="2024-01-06T21:06:49.627" v="7009" actId="20577"/>
-          <ac:spMkLst>
-            <pc:docMk/>
-            <pc:sldMk cId="3333508014" sldId="341"/>
-            <ac:spMk id="5" creationId="{8423E6C3-774E-B676-7BBD-AC1029A462A8}"/>
-          </ac:spMkLst>
-        </pc:spChg>
-        <pc:spChg chg="add mod">
-          <ac:chgData name="Simeon Wong" userId="6a6fb664-499b-4396-8c93-53d6c9eb1a86" providerId="ADAL" clId="{6C2B19A1-ADFC-410E-B65E-71C032113A05}" dt="2024-01-06T21:06:36.231" v="6974" actId="1582"/>
-          <ac:spMkLst>
-            <pc:docMk/>
-            <pc:sldMk cId="3333508014" sldId="341"/>
-            <ac:spMk id="8" creationId="{50985344-8FB7-83A4-5BA2-53AC811B7EE1}"/>
-          </ac:spMkLst>
-        </pc:spChg>
-        <pc:picChg chg="add mod">
-          <ac:chgData name="Simeon Wong" userId="6a6fb664-499b-4396-8c93-53d6c9eb1a86" providerId="ADAL" clId="{6C2B19A1-ADFC-410E-B65E-71C032113A05}" dt="2024-01-06T21:02:09.523" v="6916" actId="1076"/>
-          <ac:picMkLst>
-            <pc:docMk/>
-            <pc:sldMk cId="3333508014" sldId="341"/>
-            <ac:picMk id="7" creationId="{603D82A9-2250-7836-E4CC-9A8A95BBB6F8}"/>
-          </ac:picMkLst>
-        </pc:picChg>
-      </pc:sldChg>
-      <pc:sldChg chg="addSp modSp new mod">
-        <pc:chgData name="Simeon Wong" userId="6a6fb664-499b-4396-8c93-53d6c9eb1a86" providerId="ADAL" clId="{6C2B19A1-ADFC-410E-B65E-71C032113A05}" dt="2024-01-06T21:06:18.404" v="6971" actId="1076"/>
-        <pc:sldMkLst>
-          <pc:docMk/>
-          <pc:sldMk cId="2251103811" sldId="342"/>
-        </pc:sldMkLst>
-        <pc:spChg chg="mod">
-          <ac:chgData name="Simeon Wong" userId="6a6fb664-499b-4396-8c93-53d6c9eb1a86" providerId="ADAL" clId="{6C2B19A1-ADFC-410E-B65E-71C032113A05}" dt="2024-01-06T21:06:10.490" v="6969" actId="20577"/>
-          <ac:spMkLst>
-            <pc:docMk/>
-            <pc:sldMk cId="2251103811" sldId="342"/>
-            <ac:spMk id="2" creationId="{990872C2-6A98-2D31-44E0-395DC9CE4FDD}"/>
-          </ac:spMkLst>
-        </pc:spChg>
-        <pc:spChg chg="mod">
-          <ac:chgData name="Simeon Wong" userId="6a6fb664-499b-4396-8c93-53d6c9eb1a86" providerId="ADAL" clId="{6C2B19A1-ADFC-410E-B65E-71C032113A05}" dt="2024-01-06T21:06:15.763" v="6970"/>
-          <ac:spMkLst>
-            <pc:docMk/>
-            <pc:sldMk cId="2251103811" sldId="342"/>
-            <ac:spMk id="5" creationId="{C6DB4D2F-E876-CDBA-DECE-26E61245D411}"/>
-          </ac:spMkLst>
-        </pc:spChg>
-        <pc:picChg chg="add mod">
-          <ac:chgData name="Simeon Wong" userId="6a6fb664-499b-4396-8c93-53d6c9eb1a86" providerId="ADAL" clId="{6C2B19A1-ADFC-410E-B65E-71C032113A05}" dt="2024-01-06T21:06:18.404" v="6971" actId="1076"/>
-          <ac:picMkLst>
-            <pc:docMk/>
-            <pc:sldMk cId="2251103811" sldId="342"/>
-            <ac:picMk id="7" creationId="{04443DE0-9E7E-5D2B-C741-B7D01C2DBEDE}"/>
-          </ac:picMkLst>
-        </pc:picChg>
-      </pc:sldChg>
-      <pc:sldChg chg="addSp modSp new mod">
-        <pc:chgData name="Simeon Wong" userId="6a6fb664-499b-4396-8c93-53d6c9eb1a86" providerId="ADAL" clId="{6C2B19A1-ADFC-410E-B65E-71C032113A05}" dt="2024-01-06T21:07:45.086" v="7136" actId="1076"/>
-        <pc:sldMkLst>
-          <pc:docMk/>
-          <pc:sldMk cId="4119954579" sldId="343"/>
-        </pc:sldMkLst>
-        <pc:spChg chg="mod">
-          <ac:chgData name="Simeon Wong" userId="6a6fb664-499b-4396-8c93-53d6c9eb1a86" providerId="ADAL" clId="{6C2B19A1-ADFC-410E-B65E-71C032113A05}" dt="2024-01-06T21:07:20.643" v="7038" actId="20577"/>
-          <ac:spMkLst>
-            <pc:docMk/>
-            <pc:sldMk cId="4119954579" sldId="343"/>
-            <ac:spMk id="2" creationId="{35CEAAFD-FE8F-3CEA-3506-4A485DB7A9FC}"/>
-          </ac:spMkLst>
-        </pc:spChg>
-        <pc:spChg chg="mod">
-          <ac:chgData name="Simeon Wong" userId="6a6fb664-499b-4396-8c93-53d6c9eb1a86" providerId="ADAL" clId="{6C2B19A1-ADFC-410E-B65E-71C032113A05}" dt="2024-01-06T21:07:41.218" v="7135" actId="20577"/>
-          <ac:spMkLst>
-            <pc:docMk/>
-            <pc:sldMk cId="4119954579" sldId="343"/>
-            <ac:spMk id="3" creationId="{B435FB1E-841B-15D5-AD4E-495D7DAA0BFF}"/>
-          </ac:spMkLst>
-        </pc:spChg>
-        <pc:spChg chg="mod">
-          <ac:chgData name="Simeon Wong" userId="6a6fb664-499b-4396-8c93-53d6c9eb1a86" providerId="ADAL" clId="{6C2B19A1-ADFC-410E-B65E-71C032113A05}" dt="2024-01-06T21:07:25.801" v="7039"/>
-          <ac:spMkLst>
-            <pc:docMk/>
-            <pc:sldMk cId="4119954579" sldId="343"/>
-            <ac:spMk id="5" creationId="{90862503-45EE-1B26-27BF-0DCB418AD871}"/>
-          </ac:spMkLst>
-        </pc:spChg>
-        <pc:picChg chg="add mod">
-          <ac:chgData name="Simeon Wong" userId="6a6fb664-499b-4396-8c93-53d6c9eb1a86" providerId="ADAL" clId="{6C2B19A1-ADFC-410E-B65E-71C032113A05}" dt="2024-01-06T21:07:45.086" v="7136" actId="1076"/>
-          <ac:picMkLst>
-            <pc:docMk/>
-            <pc:sldMk cId="4119954579" sldId="343"/>
-            <ac:picMk id="7" creationId="{0659A19A-79AB-E64B-C11E-9AB0F8C0625E}"/>
-          </ac:picMkLst>
-        </pc:picChg>
-      </pc:sldChg>
-      <pc:sldChg chg="modSp new mod">
-        <pc:chgData name="Simeon Wong" userId="6a6fb664-499b-4396-8c93-53d6c9eb1a86" providerId="ADAL" clId="{6C2B19A1-ADFC-410E-B65E-71C032113A05}" dt="2024-01-06T21:11:11.928" v="7739" actId="20577"/>
-        <pc:sldMkLst>
-          <pc:docMk/>
-          <pc:sldMk cId="3499757819" sldId="344"/>
-        </pc:sldMkLst>
-        <pc:spChg chg="mod">
-          <ac:chgData name="Simeon Wong" userId="6a6fb664-499b-4396-8c93-53d6c9eb1a86" providerId="ADAL" clId="{6C2B19A1-ADFC-410E-B65E-71C032113A05}" dt="2024-01-06T21:09:00.754" v="7195" actId="20577"/>
-          <ac:spMkLst>
-            <pc:docMk/>
-            <pc:sldMk cId="3499757819" sldId="344"/>
-            <ac:spMk id="2" creationId="{DBF8B0B4-28BA-1273-D096-108DFE77F67F}"/>
-          </ac:spMkLst>
-        </pc:spChg>
-        <pc:spChg chg="mod">
-          <ac:chgData name="Simeon Wong" userId="6a6fb664-499b-4396-8c93-53d6c9eb1a86" providerId="ADAL" clId="{6C2B19A1-ADFC-410E-B65E-71C032113A05}" dt="2024-01-06T21:11:11.928" v="7739" actId="20577"/>
-          <ac:spMkLst>
-            <pc:docMk/>
-            <pc:sldMk cId="3499757819" sldId="344"/>
-            <ac:spMk id="3" creationId="{2685782B-59CE-3916-03A4-BE03AAF9D3C4}"/>
-          </ac:spMkLst>
-        </pc:spChg>
-        <pc:spChg chg="mod">
-          <ac:chgData name="Simeon Wong" userId="6a6fb664-499b-4396-8c93-53d6c9eb1a86" providerId="ADAL" clId="{6C2B19A1-ADFC-410E-B65E-71C032113A05}" dt="2024-01-06T21:09:07.578" v="7196"/>
-          <ac:spMkLst>
-            <pc:docMk/>
-            <pc:sldMk cId="3499757819" sldId="344"/>
-            <ac:spMk id="5" creationId="{01263A3F-D07B-82BD-9B2C-D4305BE76871}"/>
-          </ac:spMkLst>
-        </pc:spChg>
-      </pc:sldChg>
-      <pc:sldChg chg="modSp new mod">
-        <pc:chgData name="Simeon Wong" userId="6a6fb664-499b-4396-8c93-53d6c9eb1a86" providerId="ADAL" clId="{6C2B19A1-ADFC-410E-B65E-71C032113A05}" dt="2024-01-06T21:22:14.578" v="8409" actId="20577"/>
-        <pc:sldMkLst>
-          <pc:docMk/>
-          <pc:sldMk cId="1302102575" sldId="345"/>
-        </pc:sldMkLst>
-        <pc:spChg chg="mod">
-          <ac:chgData name="Simeon Wong" userId="6a6fb664-499b-4396-8c93-53d6c9eb1a86" providerId="ADAL" clId="{6C2B19A1-ADFC-410E-B65E-71C032113A05}" dt="2024-01-06T21:12:07.814" v="7799" actId="20577"/>
-          <ac:spMkLst>
-            <pc:docMk/>
-            <pc:sldMk cId="1302102575" sldId="345"/>
-            <ac:spMk id="2" creationId="{D30AA25A-A01F-96C9-AFBF-60CBE7F140C7}"/>
-          </ac:spMkLst>
-        </pc:spChg>
-        <pc:spChg chg="mod">
-          <ac:chgData name="Simeon Wong" userId="6a6fb664-499b-4396-8c93-53d6c9eb1a86" providerId="ADAL" clId="{6C2B19A1-ADFC-410E-B65E-71C032113A05}" dt="2024-01-06T21:12:32.512" v="7815" actId="14100"/>
-          <ac:spMkLst>
-            <pc:docMk/>
-            <pc:sldMk cId="1302102575" sldId="345"/>
-            <ac:spMk id="3" creationId="{85FA600A-7A62-17D4-8ED3-B4FDA127C3D3}"/>
-          </ac:spMkLst>
-        </pc:spChg>
-        <pc:spChg chg="mod">
-          <ac:chgData name="Simeon Wong" userId="6a6fb664-499b-4396-8c93-53d6c9eb1a86" providerId="ADAL" clId="{6C2B19A1-ADFC-410E-B65E-71C032113A05}" dt="2024-01-06T21:22:14.578" v="8409" actId="20577"/>
-          <ac:spMkLst>
-            <pc:docMk/>
-            <pc:sldMk cId="1302102575" sldId="345"/>
-            <ac:spMk id="5" creationId="{C618E4F3-2B0F-95F7-03BA-58F3C185011C}"/>
-          </ac:spMkLst>
-        </pc:spChg>
-      </pc:sldChg>
-      <pc:sldChg chg="add">
-        <pc:chgData name="Simeon Wong" userId="6a6fb664-499b-4396-8c93-53d6c9eb1a86" providerId="ADAL" clId="{6C2B19A1-ADFC-410E-B65E-71C032113A05}" dt="2024-01-06T21:11:46.792" v="7743"/>
-        <pc:sldMkLst>
-          <pc:docMk/>
-          <pc:sldMk cId="1765809140" sldId="397"/>
-        </pc:sldMkLst>
-      </pc:sldChg>
-      <pc:sldChg chg="modSp new mod">
-        <pc:chgData name="Simeon Wong" userId="6a6fb664-499b-4396-8c93-53d6c9eb1a86" providerId="ADAL" clId="{6C2B19A1-ADFC-410E-B65E-71C032113A05}" dt="2024-01-06T21:22:17.650" v="8410"/>
-        <pc:sldMkLst>
-          <pc:docMk/>
-          <pc:sldMk cId="966218344" sldId="398"/>
-        </pc:sldMkLst>
-        <pc:spChg chg="mod">
-          <ac:chgData name="Simeon Wong" userId="6a6fb664-499b-4396-8c93-53d6c9eb1a86" providerId="ADAL" clId="{6C2B19A1-ADFC-410E-B65E-71C032113A05}" dt="2024-01-06T21:13:22.006" v="7841"/>
-          <ac:spMkLst>
-            <pc:docMk/>
-            <pc:sldMk cId="966218344" sldId="398"/>
-            <ac:spMk id="2" creationId="{A0F5457C-7D83-66FB-4872-7DE90806863A}"/>
-          </ac:spMkLst>
-        </pc:spChg>
-        <pc:spChg chg="mod">
-          <ac:chgData name="Simeon Wong" userId="6a6fb664-499b-4396-8c93-53d6c9eb1a86" providerId="ADAL" clId="{6C2B19A1-ADFC-410E-B65E-71C032113A05}" dt="2024-01-06T21:13:52.114" v="7879" actId="113"/>
-          <ac:spMkLst>
-            <pc:docMk/>
-            <pc:sldMk cId="966218344" sldId="398"/>
-            <ac:spMk id="3" creationId="{FA90DB47-2E26-7B82-3D41-773570C9C4B3}"/>
-          </ac:spMkLst>
-        </pc:spChg>
-        <pc:spChg chg="mod">
-          <ac:chgData name="Simeon Wong" userId="6a6fb664-499b-4396-8c93-53d6c9eb1a86" providerId="ADAL" clId="{6C2B19A1-ADFC-410E-B65E-71C032113A05}" dt="2024-01-06T21:22:17.650" v="8410"/>
-          <ac:spMkLst>
-            <pc:docMk/>
-            <pc:sldMk cId="966218344" sldId="398"/>
-            <ac:spMk id="5" creationId="{CB0DA9C2-CFBC-815C-CC5D-2267DCAA653D}"/>
-          </ac:spMkLst>
-        </pc:spChg>
-      </pc:sldChg>
-      <pc:sldChg chg="modSp new mod">
-        <pc:chgData name="Simeon Wong" userId="6a6fb664-499b-4396-8c93-53d6c9eb1a86" providerId="ADAL" clId="{6C2B19A1-ADFC-410E-B65E-71C032113A05}" dt="2024-01-06T21:22:56.364" v="8437"/>
-        <pc:sldMkLst>
-          <pc:docMk/>
-          <pc:sldMk cId="3413334264" sldId="399"/>
-        </pc:sldMkLst>
-        <pc:spChg chg="mod">
-          <ac:chgData name="Simeon Wong" userId="6a6fb664-499b-4396-8c93-53d6c9eb1a86" providerId="ADAL" clId="{6C2B19A1-ADFC-410E-B65E-71C032113A05}" dt="2024-01-06T21:22:51.813" v="8436" actId="20577"/>
-          <ac:spMkLst>
-            <pc:docMk/>
-            <pc:sldMk cId="3413334264" sldId="399"/>
-            <ac:spMk id="2" creationId="{762DE063-1048-B81E-2FFB-BA33F35DD705}"/>
-          </ac:spMkLst>
-        </pc:spChg>
-        <pc:spChg chg="mod">
-          <ac:chgData name="Simeon Wong" userId="6a6fb664-499b-4396-8c93-53d6c9eb1a86" providerId="ADAL" clId="{6C2B19A1-ADFC-410E-B65E-71C032113A05}" dt="2024-01-06T21:15:52.094" v="8036" actId="113"/>
-          <ac:spMkLst>
-            <pc:docMk/>
-            <pc:sldMk cId="3413334264" sldId="399"/>
-            <ac:spMk id="3" creationId="{FAEF3FC8-09BC-0219-70CB-B4ACA1DC2C4A}"/>
-          </ac:spMkLst>
-        </pc:spChg>
-        <pc:spChg chg="mod">
-          <ac:chgData name="Simeon Wong" userId="6a6fb664-499b-4396-8c93-53d6c9eb1a86" providerId="ADAL" clId="{6C2B19A1-ADFC-410E-B65E-71C032113A05}" dt="2024-01-06T21:22:56.364" v="8437"/>
-          <ac:spMkLst>
-            <pc:docMk/>
-            <pc:sldMk cId="3413334264" sldId="399"/>
-            <ac:spMk id="5" creationId="{081B4B92-219A-7D4A-C0EA-5FAC8FDF93CF}"/>
-          </ac:spMkLst>
-        </pc:spChg>
-      </pc:sldChg>
-      <pc:sldChg chg="modSp new mod">
-        <pc:chgData name="Simeon Wong" userId="6a6fb664-499b-4396-8c93-53d6c9eb1a86" providerId="ADAL" clId="{6C2B19A1-ADFC-410E-B65E-71C032113A05}" dt="2024-01-06T21:22:46.332" v="8432"/>
-        <pc:sldMkLst>
-          <pc:docMk/>
-          <pc:sldMk cId="1002186943" sldId="400"/>
-        </pc:sldMkLst>
-        <pc:spChg chg="mod">
-          <ac:chgData name="Simeon Wong" userId="6a6fb664-499b-4396-8c93-53d6c9eb1a86" providerId="ADAL" clId="{6C2B19A1-ADFC-410E-B65E-71C032113A05}" dt="2024-01-06T21:22:46.332" v="8432"/>
-          <ac:spMkLst>
-            <pc:docMk/>
-            <pc:sldMk cId="1002186943" sldId="400"/>
-            <ac:spMk id="2" creationId="{75A9B995-A234-5768-EE94-380E401A7DFA}"/>
-          </ac:spMkLst>
-        </pc:spChg>
-        <pc:spChg chg="mod">
-          <ac:chgData name="Simeon Wong" userId="6a6fb664-499b-4396-8c93-53d6c9eb1a86" providerId="ADAL" clId="{6C2B19A1-ADFC-410E-B65E-71C032113A05}" dt="2024-01-06T21:18:26.738" v="8310" actId="1076"/>
-          <ac:spMkLst>
-            <pc:docMk/>
-            <pc:sldMk cId="1002186943" sldId="400"/>
-            <ac:spMk id="3" creationId="{112FC72F-4CCA-E3B3-6D48-0F532A43B529}"/>
-          </ac:spMkLst>
-        </pc:spChg>
-        <pc:spChg chg="mod">
-          <ac:chgData name="Simeon Wong" userId="6a6fb664-499b-4396-8c93-53d6c9eb1a86" providerId="ADAL" clId="{6C2B19A1-ADFC-410E-B65E-71C032113A05}" dt="2024-01-06T21:22:19.577" v="8411"/>
-          <ac:spMkLst>
-            <pc:docMk/>
-            <pc:sldMk cId="1002186943" sldId="400"/>
-            <ac:spMk id="5" creationId="{20777E0D-7E61-94D3-092E-BE85F9092625}"/>
-          </ac:spMkLst>
-        </pc:spChg>
-      </pc:sldChg>
-      <pc:sldChg chg="modSp new mod">
-        <pc:chgData name="Simeon Wong" userId="6a6fb664-499b-4396-8c93-53d6c9eb1a86" providerId="ADAL" clId="{6C2B19A1-ADFC-410E-B65E-71C032113A05}" dt="2024-01-06T21:22:44.386" v="8431"/>
-        <pc:sldMkLst>
-          <pc:docMk/>
-          <pc:sldMk cId="495665906" sldId="401"/>
-        </pc:sldMkLst>
-        <pc:spChg chg="mod">
-          <ac:chgData name="Simeon Wong" userId="6a6fb664-499b-4396-8c93-53d6c9eb1a86" providerId="ADAL" clId="{6C2B19A1-ADFC-410E-B65E-71C032113A05}" dt="2024-01-06T21:22:44.386" v="8431"/>
-          <ac:spMkLst>
-            <pc:docMk/>
-            <pc:sldMk cId="495665906" sldId="401"/>
-            <ac:spMk id="2" creationId="{56407309-B458-D302-4A0C-D3417164986B}"/>
-          </ac:spMkLst>
-        </pc:spChg>
-        <pc:spChg chg="mod">
-          <ac:chgData name="Simeon Wong" userId="6a6fb664-499b-4396-8c93-53d6c9eb1a86" providerId="ADAL" clId="{6C2B19A1-ADFC-410E-B65E-71C032113A05}" dt="2024-01-06T21:19:17.350" v="8346" actId="20577"/>
-          <ac:spMkLst>
-            <pc:docMk/>
-            <pc:sldMk cId="495665906" sldId="401"/>
-            <ac:spMk id="3" creationId="{4B711922-BAC0-C0A7-C7A6-F24684283AF3}"/>
-          </ac:spMkLst>
-        </pc:spChg>
-        <pc:spChg chg="mod">
-          <ac:chgData name="Simeon Wong" userId="6a6fb664-499b-4396-8c93-53d6c9eb1a86" providerId="ADAL" clId="{6C2B19A1-ADFC-410E-B65E-71C032113A05}" dt="2024-01-06T21:22:21.500" v="8412"/>
-          <ac:spMkLst>
-            <pc:docMk/>
-            <pc:sldMk cId="495665906" sldId="401"/>
-            <ac:spMk id="5" creationId="{1043AA04-C72A-A1D2-0754-E1628404EAC3}"/>
-          </ac:spMkLst>
-        </pc:spChg>
-      </pc:sldChg>
-      <pc:sldChg chg="addSp delSp modSp new mod">
-        <pc:chgData name="Simeon Wong" userId="6a6fb664-499b-4396-8c93-53d6c9eb1a86" providerId="ADAL" clId="{6C2B19A1-ADFC-410E-B65E-71C032113A05}" dt="2024-01-06T21:23:37.246" v="8445" actId="1076"/>
-        <pc:sldMkLst>
-          <pc:docMk/>
-          <pc:sldMk cId="4001650779" sldId="402"/>
-        </pc:sldMkLst>
-        <pc:spChg chg="mod">
-          <ac:chgData name="Simeon Wong" userId="6a6fb664-499b-4396-8c93-53d6c9eb1a86" providerId="ADAL" clId="{6C2B19A1-ADFC-410E-B65E-71C032113A05}" dt="2024-01-06T21:22:37.560" v="8430" actId="20577"/>
-          <ac:spMkLst>
-            <pc:docMk/>
-            <pc:sldMk cId="4001650779" sldId="402"/>
-            <ac:spMk id="2" creationId="{81E6472A-54D3-B7C4-7B45-D5689FDFEE8F}"/>
-          </ac:spMkLst>
-        </pc:spChg>
-        <pc:spChg chg="mod">
-          <ac:chgData name="Simeon Wong" userId="6a6fb664-499b-4396-8c93-53d6c9eb1a86" providerId="ADAL" clId="{6C2B19A1-ADFC-410E-B65E-71C032113A05}" dt="2024-01-06T21:21:25.264" v="8375" actId="113"/>
-          <ac:spMkLst>
-            <pc:docMk/>
-            <pc:sldMk cId="4001650779" sldId="402"/>
-            <ac:spMk id="3" creationId="{C728AFBE-A8FB-4488-98E8-21F154A07E14}"/>
-          </ac:spMkLst>
-        </pc:spChg>
-        <pc:spChg chg="mod">
-          <ac:chgData name="Simeon Wong" userId="6a6fb664-499b-4396-8c93-53d6c9eb1a86" providerId="ADAL" clId="{6C2B19A1-ADFC-410E-B65E-71C032113A05}" dt="2024-01-06T21:22:23.225" v="8413"/>
-          <ac:spMkLst>
-            <pc:docMk/>
-            <pc:sldMk cId="4001650779" sldId="402"/>
-            <ac:spMk id="5" creationId="{B78D5D64-8972-AEF5-C1A0-F62A5B81EA22}"/>
-          </ac:spMkLst>
-        </pc:spChg>
-        <pc:picChg chg="add del mod">
-          <ac:chgData name="Simeon Wong" userId="6a6fb664-499b-4396-8c93-53d6c9eb1a86" providerId="ADAL" clId="{6C2B19A1-ADFC-410E-B65E-71C032113A05}" dt="2024-01-06T21:23:26.359" v="8441" actId="478"/>
-          <ac:picMkLst>
-            <pc:docMk/>
-            <pc:sldMk cId="4001650779" sldId="402"/>
-            <ac:picMk id="7" creationId="{859A52F8-51B9-9A8F-0219-48141F4C7F18}"/>
-          </ac:picMkLst>
-        </pc:picChg>
-        <pc:picChg chg="add mod">
-          <ac:chgData name="Simeon Wong" userId="6a6fb664-499b-4396-8c93-53d6c9eb1a86" providerId="ADAL" clId="{6C2B19A1-ADFC-410E-B65E-71C032113A05}" dt="2024-01-06T21:23:37.246" v="8445" actId="1076"/>
-          <ac:picMkLst>
-            <pc:docMk/>
-            <pc:sldMk cId="4001650779" sldId="402"/>
-            <ac:picMk id="9" creationId="{411AA1D9-8133-1C4A-75BE-74CBF466A2F5}"/>
-          </ac:picMkLst>
-        </pc:picChg>
-      </pc:sldChg>
-      <pc:sldChg chg="modSp new mod">
-        <pc:chgData name="Simeon Wong" userId="6a6fb664-499b-4396-8c93-53d6c9eb1a86" providerId="ADAL" clId="{6C2B19A1-ADFC-410E-B65E-71C032113A05}" dt="2024-01-06T21:24:34.872" v="8473" actId="20577"/>
-        <pc:sldMkLst>
-          <pc:docMk/>
-          <pc:sldMk cId="2207720001" sldId="403"/>
-        </pc:sldMkLst>
-        <pc:spChg chg="mod">
-          <ac:chgData name="Simeon Wong" userId="6a6fb664-499b-4396-8c93-53d6c9eb1a86" providerId="ADAL" clId="{6C2B19A1-ADFC-410E-B65E-71C032113A05}" dt="2024-01-06T21:24:11.401" v="8467" actId="20577"/>
-          <ac:spMkLst>
-            <pc:docMk/>
-            <pc:sldMk cId="2207720001" sldId="403"/>
-            <ac:spMk id="2" creationId="{3C451078-9519-321F-EF78-ADF0789CC446}"/>
-          </ac:spMkLst>
-        </pc:spChg>
-        <pc:spChg chg="mod">
-          <ac:chgData name="Simeon Wong" userId="6a6fb664-499b-4396-8c93-53d6c9eb1a86" providerId="ADAL" clId="{6C2B19A1-ADFC-410E-B65E-71C032113A05}" dt="2024-01-06T21:24:34.872" v="8473" actId="20577"/>
-          <ac:spMkLst>
-            <pc:docMk/>
-            <pc:sldMk cId="2207720001" sldId="403"/>
-            <ac:spMk id="3" creationId="{B0B09D09-DD00-603E-6275-0C6719CEDCCB}"/>
-          </ac:spMkLst>
-        </pc:spChg>
-        <pc:spChg chg="mod">
-          <ac:chgData name="Simeon Wong" userId="6a6fb664-499b-4396-8c93-53d6c9eb1a86" providerId="ADAL" clId="{6C2B19A1-ADFC-410E-B65E-71C032113A05}" dt="2024-01-06T21:24:19.031" v="8469" actId="20577"/>
-          <ac:spMkLst>
-            <pc:docMk/>
-            <pc:sldMk cId="2207720001" sldId="403"/>
-            <ac:spMk id="5" creationId="{04DFFD2E-F628-22CF-AEFC-CD2091714DF1}"/>
-          </ac:spMkLst>
-        </pc:spChg>
-      </pc:sldChg>
-      <pc:sldChg chg="modSp new del mod">
-        <pc:chgData name="Simeon Wong" userId="6a6fb664-499b-4396-8c93-53d6c9eb1a86" providerId="ADAL" clId="{6C2B19A1-ADFC-410E-B65E-71C032113A05}" dt="2024-01-06T21:25:08.343" v="8477" actId="47"/>
-        <pc:sldMkLst>
-          <pc:docMk/>
-          <pc:sldMk cId="3008576663" sldId="404"/>
-        </pc:sldMkLst>
-        <pc:spChg chg="mod">
-          <ac:chgData name="Simeon Wong" userId="6a6fb664-499b-4396-8c93-53d6c9eb1a86" providerId="ADAL" clId="{6C2B19A1-ADFC-410E-B65E-71C032113A05}" dt="2024-01-06T21:25:03.779" v="8475"/>
-          <ac:spMkLst>
-            <pc:docMk/>
-            <pc:sldMk cId="3008576663" sldId="404"/>
-            <ac:spMk id="5" creationId="{822F49EA-7D2D-09EB-B9A6-C6A787101C78}"/>
-          </ac:spMkLst>
-        </pc:spChg>
-      </pc:sldChg>
-      <pc:sldChg chg="modSp add mod">
-        <pc:chgData name="Simeon Wong" userId="6a6fb664-499b-4396-8c93-53d6c9eb1a86" providerId="ADAL" clId="{6C2B19A1-ADFC-410E-B65E-71C032113A05}" dt="2024-01-06T21:26:07.012" v="8522" actId="113"/>
-        <pc:sldMkLst>
-          <pc:docMk/>
-          <pc:sldMk cId="1062113770" sldId="405"/>
-        </pc:sldMkLst>
-        <pc:spChg chg="mod">
-          <ac:chgData name="Simeon Wong" userId="6a6fb664-499b-4396-8c93-53d6c9eb1a86" providerId="ADAL" clId="{6C2B19A1-ADFC-410E-B65E-71C032113A05}" dt="2024-01-06T21:26:07.012" v="8522" actId="113"/>
-          <ac:spMkLst>
-            <pc:docMk/>
-            <pc:sldMk cId="1062113770" sldId="405"/>
-            <ac:spMk id="2" creationId="{3C451078-9519-321F-EF78-ADF0789CC446}"/>
-          </ac:spMkLst>
-        </pc:spChg>
-        <pc:spChg chg="mod">
-          <ac:chgData name="Simeon Wong" userId="6a6fb664-499b-4396-8c93-53d6c9eb1a86" providerId="ADAL" clId="{6C2B19A1-ADFC-410E-B65E-71C032113A05}" dt="2024-01-06T21:25:19.433" v="8483" actId="27636"/>
-          <ac:spMkLst>
-            <pc:docMk/>
-            <pc:sldMk cId="1062113770" sldId="405"/>
-            <ac:spMk id="3" creationId="{B0B09D09-DD00-603E-6275-0C6719CEDCCB}"/>
-          </ac:spMkLst>
-        </pc:spChg>
-      </pc:sldChg>
-      <pc:sldChg chg="new del">
-        <pc:chgData name="Simeon Wong" userId="6a6fb664-499b-4396-8c93-53d6c9eb1a86" providerId="ADAL" clId="{6C2B19A1-ADFC-410E-B65E-71C032113A05}" dt="2024-01-06T21:25:36.027" v="8486" actId="47"/>
-        <pc:sldMkLst>
-          <pc:docMk/>
-          <pc:sldMk cId="386156761" sldId="406"/>
-        </pc:sldMkLst>
-      </pc:sldChg>
-      <pc:sldChg chg="modSp add mod">
-        <pc:chgData name="Simeon Wong" userId="6a6fb664-499b-4396-8c93-53d6c9eb1a86" providerId="ADAL" clId="{6C2B19A1-ADFC-410E-B65E-71C032113A05}" dt="2024-01-06T21:26:10.500" v="8523"/>
-        <pc:sldMkLst>
-          <pc:docMk/>
-          <pc:sldMk cId="287918166" sldId="407"/>
-        </pc:sldMkLst>
-        <pc:spChg chg="mod">
-          <ac:chgData name="Simeon Wong" userId="6a6fb664-499b-4396-8c93-53d6c9eb1a86" providerId="ADAL" clId="{6C2B19A1-ADFC-410E-B65E-71C032113A05}" dt="2024-01-06T21:26:10.500" v="8523"/>
-          <ac:spMkLst>
-            <pc:docMk/>
-            <pc:sldMk cId="287918166" sldId="407"/>
-            <ac:spMk id="2" creationId="{3C451078-9519-321F-EF78-ADF0789CC446}"/>
-          </ac:spMkLst>
-        </pc:spChg>
-        <pc:spChg chg="mod">
-          <ac:chgData name="Simeon Wong" userId="6a6fb664-499b-4396-8c93-53d6c9eb1a86" providerId="ADAL" clId="{6C2B19A1-ADFC-410E-B65E-71C032113A05}" dt="2024-01-06T21:25:52.492" v="8500" actId="27636"/>
-          <ac:spMkLst>
-            <pc:docMk/>
-            <pc:sldMk cId="287918166" sldId="407"/>
-            <ac:spMk id="3" creationId="{B0B09D09-DD00-603E-6275-0C6719CEDCCB}"/>
-          </ac:spMkLst>
-        </pc:spChg>
-      </pc:sldChg>
-      <pc:sldChg chg="modSp new mod">
-        <pc:chgData name="Simeon Wong" userId="6a6fb664-499b-4396-8c93-53d6c9eb1a86" providerId="ADAL" clId="{6C2B19A1-ADFC-410E-B65E-71C032113A05}" dt="2024-01-06T21:26:37.864" v="8573" actId="20577"/>
-        <pc:sldMkLst>
-          <pc:docMk/>
-          <pc:sldMk cId="3712943069" sldId="408"/>
-        </pc:sldMkLst>
-        <pc:spChg chg="mod">
-          <ac:chgData name="Simeon Wong" userId="6a6fb664-499b-4396-8c93-53d6c9eb1a86" providerId="ADAL" clId="{6C2B19A1-ADFC-410E-B65E-71C032113A05}" dt="2024-01-06T21:26:22.947" v="8563" actId="20577"/>
-          <ac:spMkLst>
-            <pc:docMk/>
-            <pc:sldMk cId="3712943069" sldId="408"/>
-            <ac:spMk id="2" creationId="{73E60F87-09AD-CB40-47A9-327DA7B47321}"/>
-          </ac:spMkLst>
-        </pc:spChg>
-        <pc:spChg chg="mod">
-          <ac:chgData name="Simeon Wong" userId="6a6fb664-499b-4396-8c93-53d6c9eb1a86" providerId="ADAL" clId="{6C2B19A1-ADFC-410E-B65E-71C032113A05}" dt="2024-01-06T21:26:30.255" v="8571" actId="27636"/>
-          <ac:spMkLst>
-            <pc:docMk/>
-            <pc:sldMk cId="3712943069" sldId="408"/>
-            <ac:spMk id="3" creationId="{8966907B-39E3-4704-0C37-67E5E4B97BA1}"/>
-          </ac:spMkLst>
-        </pc:spChg>
-        <pc:spChg chg="mod">
-          <ac:chgData name="Simeon Wong" userId="6a6fb664-499b-4396-8c93-53d6c9eb1a86" providerId="ADAL" clId="{6C2B19A1-ADFC-410E-B65E-71C032113A05}" dt="2024-01-06T21:26:37.864" v="8573" actId="20577"/>
-          <ac:spMkLst>
-            <pc:docMk/>
-            <pc:sldMk cId="3712943069" sldId="408"/>
-            <ac:spMk id="5" creationId="{4CF1E23F-6EDD-91A9-0B1B-9C45B3DF76A3}"/>
-          </ac:spMkLst>
-        </pc:spChg>
-      </pc:sldChg>
-      <pc:sldChg chg="modSp new mod">
-        <pc:chgData name="Simeon Wong" userId="6a6fb664-499b-4396-8c93-53d6c9eb1a86" providerId="ADAL" clId="{6C2B19A1-ADFC-410E-B65E-71C032113A05}" dt="2024-01-06T21:28:05.122" v="8826" actId="113"/>
-        <pc:sldMkLst>
-          <pc:docMk/>
-          <pc:sldMk cId="974050024" sldId="409"/>
-        </pc:sldMkLst>
-        <pc:spChg chg="mod">
-          <ac:chgData name="Simeon Wong" userId="6a6fb664-499b-4396-8c93-53d6c9eb1a86" providerId="ADAL" clId="{6C2B19A1-ADFC-410E-B65E-71C032113A05}" dt="2024-01-06T21:27:09.441" v="8596" actId="20577"/>
-          <ac:spMkLst>
-            <pc:docMk/>
-            <pc:sldMk cId="974050024" sldId="409"/>
-            <ac:spMk id="2" creationId="{7F13598B-D2D5-E018-C2BF-CB151DB2D8B2}"/>
-          </ac:spMkLst>
-        </pc:spChg>
-        <pc:spChg chg="mod">
-          <ac:chgData name="Simeon Wong" userId="6a6fb664-499b-4396-8c93-53d6c9eb1a86" providerId="ADAL" clId="{6C2B19A1-ADFC-410E-B65E-71C032113A05}" dt="2024-01-06T21:28:05.122" v="8826" actId="113"/>
-          <ac:spMkLst>
-            <pc:docMk/>
-            <pc:sldMk cId="974050024" sldId="409"/>
-            <ac:spMk id="3" creationId="{83944FD6-2F0D-5D3A-3AC3-7E6EFB676620}"/>
-          </ac:spMkLst>
-        </pc:spChg>
-        <pc:spChg chg="mod">
-          <ac:chgData name="Simeon Wong" userId="6a6fb664-499b-4396-8c93-53d6c9eb1a86" providerId="ADAL" clId="{6C2B19A1-ADFC-410E-B65E-71C032113A05}" dt="2024-01-06T21:27:06.249" v="8576" actId="20577"/>
-          <ac:spMkLst>
-            <pc:docMk/>
-            <pc:sldMk cId="974050024" sldId="409"/>
-            <ac:spMk id="5" creationId="{C5CAF106-1BB0-C4B4-ED61-4434C5BE4D95}"/>
-          </ac:spMkLst>
-        </pc:spChg>
-      </pc:sldChg>
-      <pc:sldChg chg="add">
-        <pc:chgData name="Simeon Wong" userId="6a6fb664-499b-4396-8c93-53d6c9eb1a86" providerId="ADAL" clId="{6C2B19A1-ADFC-410E-B65E-71C032113A05}" dt="2024-01-06T21:28:15.146" v="8827"/>
-        <pc:sldMkLst>
-          <pc:docMk/>
-          <pc:sldMk cId="554870217" sldId="410"/>
-        </pc:sldMkLst>
-      </pc:sldChg>
-      <pc:sldChg chg="add">
-        <pc:chgData name="Simeon Wong" userId="6a6fb664-499b-4396-8c93-53d6c9eb1a86" providerId="ADAL" clId="{6C2B19A1-ADFC-410E-B65E-71C032113A05}" dt="2024-01-06T21:28:26.082" v="8828"/>
-        <pc:sldMkLst>
-          <pc:docMk/>
-          <pc:sldMk cId="3186682779" sldId="411"/>
-        </pc:sldMkLst>
-      </pc:sldChg>
-      <pc:sldChg chg="modSp add setFolMasterAnim modAnim">
-        <pc:chgData name="Simeon Wong" userId="6a6fb664-499b-4396-8c93-53d6c9eb1a86" providerId="ADAL" clId="{6C2B19A1-ADFC-410E-B65E-71C032113A05}" dt="2024-01-06T21:28:53.429" v="8833" actId="113"/>
-        <pc:sldMkLst>
-          <pc:docMk/>
-          <pc:sldMk cId="2452444613" sldId="412"/>
-        </pc:sldMkLst>
-        <pc:spChg chg="mod">
-          <ac:chgData name="Simeon Wong" userId="6a6fb664-499b-4396-8c93-53d6c9eb1a86" providerId="ADAL" clId="{6C2B19A1-ADFC-410E-B65E-71C032113A05}" dt="2024-01-06T21:28:53.429" v="8833" actId="113"/>
-          <ac:spMkLst>
-            <pc:docMk/>
-            <pc:sldMk cId="2452444613" sldId="412"/>
-            <ac:spMk id="3" creationId="{DC3ABD3F-A9B1-794C-7F64-D0882E307D41}"/>
-          </ac:spMkLst>
-        </pc:spChg>
-      </pc:sldChg>
-      <pc:sldChg chg="modSp add mod ord">
-        <pc:chgData name="Simeon Wong" userId="6a6fb664-499b-4396-8c93-53d6c9eb1a86" providerId="ADAL" clId="{6C2B19A1-ADFC-410E-B65E-71C032113A05}" dt="2024-01-06T21:30:50.994" v="9226"/>
-        <pc:sldMkLst>
-          <pc:docMk/>
-          <pc:sldMk cId="2478073401" sldId="413"/>
-        </pc:sldMkLst>
-        <pc:spChg chg="mod">
-          <ac:chgData name="Simeon Wong" userId="6a6fb664-499b-4396-8c93-53d6c9eb1a86" providerId="ADAL" clId="{6C2B19A1-ADFC-410E-B65E-71C032113A05}" dt="2024-01-06T21:30:50.994" v="9226"/>
-          <ac:spMkLst>
-            <pc:docMk/>
-            <pc:sldMk cId="2478073401" sldId="413"/>
-            <ac:spMk id="7" creationId="{C85E02BE-80A6-BB20-758C-42926D1E5FCC}"/>
-          </ac:spMkLst>
-        </pc:spChg>
-      </pc:sldChg>
-      <pc:sldChg chg="modSp new mod">
-        <pc:chgData name="Simeon Wong" userId="6a6fb664-499b-4396-8c93-53d6c9eb1a86" providerId="ADAL" clId="{6C2B19A1-ADFC-410E-B65E-71C032113A05}" dt="2024-01-06T21:32:56.900" v="9706" actId="20577"/>
-        <pc:sldMkLst>
-          <pc:docMk/>
-          <pc:sldMk cId="4239102096" sldId="414"/>
-        </pc:sldMkLst>
-        <pc:spChg chg="mod">
-          <ac:chgData name="Simeon Wong" userId="6a6fb664-499b-4396-8c93-53d6c9eb1a86" providerId="ADAL" clId="{6C2B19A1-ADFC-410E-B65E-71C032113A05}" dt="2024-01-06T21:31:00.568" v="9266" actId="20577"/>
-          <ac:spMkLst>
-            <pc:docMk/>
-            <pc:sldMk cId="4239102096" sldId="414"/>
-            <ac:spMk id="2" creationId="{A269F49E-BBC4-C0B8-3538-7DDED9E1BC30}"/>
-          </ac:spMkLst>
-        </pc:spChg>
-        <pc:spChg chg="mod">
-          <ac:chgData name="Simeon Wong" userId="6a6fb664-499b-4396-8c93-53d6c9eb1a86" providerId="ADAL" clId="{6C2B19A1-ADFC-410E-B65E-71C032113A05}" dt="2024-01-06T21:32:56.900" v="9706" actId="20577"/>
-          <ac:spMkLst>
-            <pc:docMk/>
-            <pc:sldMk cId="4239102096" sldId="414"/>
-            <ac:spMk id="3" creationId="{44E72118-D7E7-ECCB-019F-40952BB3132F}"/>
-          </ac:spMkLst>
-        </pc:spChg>
-      </pc:sldChg>
-      <pc:sldChg chg="addSp delSp modSp new mod setFolMasterAnim modClrScheme modAnim chgLayout">
-        <pc:chgData name="Simeon Wong" userId="6a6fb664-499b-4396-8c93-53d6c9eb1a86" providerId="ADAL" clId="{6C2B19A1-ADFC-410E-B65E-71C032113A05}" dt="2024-01-08T02:38:32.855" v="10594"/>
-        <pc:sldMkLst>
-          <pc:docMk/>
-          <pc:sldMk cId="299947185" sldId="415"/>
-        </pc:sldMkLst>
-        <pc:spChg chg="del mod ord">
-          <ac:chgData name="Simeon Wong" userId="6a6fb664-499b-4396-8c93-53d6c9eb1a86" providerId="ADAL" clId="{6C2B19A1-ADFC-410E-B65E-71C032113A05}" dt="2024-01-07T15:29:56.064" v="9710" actId="700"/>
-          <ac:spMkLst>
-            <pc:docMk/>
-            <pc:sldMk cId="299947185" sldId="415"/>
-            <ac:spMk id="2" creationId="{8365F806-560B-A333-CB00-684A97356505}"/>
-          </ac:spMkLst>
-        </pc:spChg>
-        <pc:spChg chg="del mod ord">
-          <ac:chgData name="Simeon Wong" userId="6a6fb664-499b-4396-8c93-53d6c9eb1a86" providerId="ADAL" clId="{6C2B19A1-ADFC-410E-B65E-71C032113A05}" dt="2024-01-07T15:29:56.064" v="9710" actId="700"/>
-          <ac:spMkLst>
-            <pc:docMk/>
-            <pc:sldMk cId="299947185" sldId="415"/>
-            <ac:spMk id="3" creationId="{8F32AAD1-4791-7C0B-FE49-364AB5684443}"/>
-          </ac:spMkLst>
-        </pc:spChg>
-        <pc:spChg chg="mod ord">
-          <ac:chgData name="Simeon Wong" userId="6a6fb664-499b-4396-8c93-53d6c9eb1a86" providerId="ADAL" clId="{6C2B19A1-ADFC-410E-B65E-71C032113A05}" dt="2024-01-07T15:29:56.064" v="9710" actId="700"/>
-          <ac:spMkLst>
-            <pc:docMk/>
-            <pc:sldMk cId="299947185" sldId="415"/>
-            <ac:spMk id="4" creationId="{BD40EAA9-1110-501D-DEE5-A2EAABEEBE80}"/>
-          </ac:spMkLst>
-        </pc:spChg>
-        <pc:spChg chg="add mod ord">
-          <ac:chgData name="Simeon Wong" userId="6a6fb664-499b-4396-8c93-53d6c9eb1a86" providerId="ADAL" clId="{6C2B19A1-ADFC-410E-B65E-71C032113A05}" dt="2024-01-07T15:30:26.623" v="9825" actId="20577"/>
-          <ac:spMkLst>
-            <pc:docMk/>
-            <pc:sldMk cId="299947185" sldId="415"/>
-            <ac:spMk id="5" creationId="{6A8CED76-E51A-7E7E-A21D-7982CB79E8F5}"/>
-          </ac:spMkLst>
-        </pc:spChg>
-        <pc:spChg chg="add mod ord">
-          <ac:chgData name="Simeon Wong" userId="6a6fb664-499b-4396-8c93-53d6c9eb1a86" providerId="ADAL" clId="{6C2B19A1-ADFC-410E-B65E-71C032113A05}" dt="2024-01-07T15:32:10.536" v="10452" actId="20577"/>
-          <ac:spMkLst>
-            <pc:docMk/>
-            <pc:sldMk cId="299947185" sldId="415"/>
-            <ac:spMk id="6" creationId="{37B68150-F896-EED6-3C90-6BA0356F20DE}"/>
-          </ac:spMkLst>
-        </pc:spChg>
-        <pc:spChg chg="add mod ord">
-          <ac:chgData name="Simeon Wong" userId="6a6fb664-499b-4396-8c93-53d6c9eb1a86" providerId="ADAL" clId="{6C2B19A1-ADFC-410E-B65E-71C032113A05}" dt="2024-01-07T15:30:01.862" v="9735" actId="20577"/>
-          <ac:spMkLst>
-            <pc:docMk/>
-            <pc:sldMk cId="299947185" sldId="415"/>
-            <ac:spMk id="7" creationId="{BF62F5D4-E2B2-4B13-806C-0703EE799A39}"/>
-          </ac:spMkLst>
-        </pc:spChg>
-      </pc:sldChg>
-      <pc:sldChg chg="new del">
-        <pc:chgData name="Simeon Wong" userId="6a6fb664-499b-4396-8c93-53d6c9eb1a86" providerId="ADAL" clId="{6C2B19A1-ADFC-410E-B65E-71C032113A05}" dt="2024-01-07T15:32:15.018" v="10455" actId="47"/>
-        <pc:sldMkLst>
-          <pc:docMk/>
-          <pc:sldMk cId="3248399662" sldId="416"/>
-        </pc:sldMkLst>
-      </pc:sldChg>
-      <pc:sldChg chg="modSp add mod setFolMasterAnim modAnim">
-        <pc:chgData name="Simeon Wong" userId="6a6fb664-499b-4396-8c93-53d6c9eb1a86" providerId="ADAL" clId="{6C2B19A1-ADFC-410E-B65E-71C032113A05}" dt="2024-01-08T02:57:47.520" v="11951" actId="20577"/>
-        <pc:sldMkLst>
-          <pc:docMk/>
-          <pc:sldMk cId="4029205479" sldId="417"/>
-        </pc:sldMkLst>
-        <pc:spChg chg="mod">
-          <ac:chgData name="Simeon Wong" userId="6a6fb664-499b-4396-8c93-53d6c9eb1a86" providerId="ADAL" clId="{6C2B19A1-ADFC-410E-B65E-71C032113A05}" dt="2024-01-08T02:57:47.520" v="11951" actId="20577"/>
-          <ac:spMkLst>
-            <pc:docMk/>
-            <pc:sldMk cId="4029205479" sldId="417"/>
-            <ac:spMk id="6" creationId="{37B68150-F896-EED6-3C90-6BA0356F20DE}"/>
-          </ac:spMkLst>
-        </pc:spChg>
-      </pc:sldChg>
-      <pc:sldMasterChg chg="addSldLayout modSldLayout">
-        <pc:chgData name="Simeon Wong" userId="6a6fb664-499b-4396-8c93-53d6c9eb1a86" providerId="ADAL" clId="{6C2B19A1-ADFC-410E-B65E-71C032113A05}" dt="2024-01-06T20:07:56.285" v="5308" actId="14100"/>
-        <pc:sldMasterMkLst>
-          <pc:docMk/>
-          <pc:sldMasterMk cId="1446897653" sldId="2147483648"/>
-        </pc:sldMasterMkLst>
-        <pc:sldLayoutChg chg="addSp delSp modSp new mod">
-          <pc:chgData name="Simeon Wong" userId="6a6fb664-499b-4396-8c93-53d6c9eb1a86" providerId="ADAL" clId="{6C2B19A1-ADFC-410E-B65E-71C032113A05}" dt="2024-01-06T20:07:56.285" v="5308" actId="14100"/>
-          <pc:sldLayoutMkLst>
-            <pc:docMk/>
-            <pc:sldMasterMk cId="1446897653" sldId="2147483648"/>
-            <pc:sldLayoutMk cId="3184874165" sldId="2147483661"/>
-          </pc:sldLayoutMkLst>
-          <pc:spChg chg="del mod">
-            <ac:chgData name="Simeon Wong" userId="6a6fb664-499b-4396-8c93-53d6c9eb1a86" providerId="ADAL" clId="{6C2B19A1-ADFC-410E-B65E-71C032113A05}" dt="2024-01-06T20:07:23.342" v="5293" actId="478"/>
-            <ac:spMkLst>
-              <pc:docMk/>
-              <pc:sldMasterMk cId="1446897653" sldId="2147483648"/>
-              <pc:sldLayoutMk cId="3184874165" sldId="2147483661"/>
-              <ac:spMk id="2" creationId="{E097D8A4-6B2C-D825-E44D-34ED42BA926A}"/>
-            </ac:spMkLst>
-          </pc:spChg>
-          <pc:spChg chg="add mod">
-            <ac:chgData name="Simeon Wong" userId="6a6fb664-499b-4396-8c93-53d6c9eb1a86" providerId="ADAL" clId="{6C2B19A1-ADFC-410E-B65E-71C032113A05}" dt="2024-01-06T20:07:17.714" v="5290" actId="207"/>
-            <ac:spMkLst>
-              <pc:docMk/>
-              <pc:sldMasterMk cId="1446897653" sldId="2147483648"/>
-              <pc:sldLayoutMk cId="3184874165" sldId="2147483661"/>
-              <ac:spMk id="6" creationId="{28340268-2E75-A5A1-404B-C7054331ACCA}"/>
-            </ac:spMkLst>
-          </pc:spChg>
-          <pc:spChg chg="add del">
-            <ac:chgData name="Simeon Wong" userId="6a6fb664-499b-4396-8c93-53d6c9eb1a86" providerId="ADAL" clId="{6C2B19A1-ADFC-410E-B65E-71C032113A05}" dt="2024-01-06T20:07:32.039" v="5294" actId="11529"/>
-            <ac:spMkLst>
-              <pc:docMk/>
-              <pc:sldMasterMk cId="1446897653" sldId="2147483648"/>
-              <pc:sldLayoutMk cId="3184874165" sldId="2147483661"/>
-              <ac:spMk id="7" creationId="{8A533F89-2571-C961-27FD-D9B083AB24A4}"/>
-            </ac:spMkLst>
-          </pc:spChg>
-          <pc:spChg chg="add mod">
-            <ac:chgData name="Simeon Wong" userId="6a6fb664-499b-4396-8c93-53d6c9eb1a86" providerId="ADAL" clId="{6C2B19A1-ADFC-410E-B65E-71C032113A05}" dt="2024-01-06T20:07:56.285" v="5308" actId="14100"/>
-            <ac:spMkLst>
-              <pc:docMk/>
-              <pc:sldMasterMk cId="1446897653" sldId="2147483648"/>
-              <pc:sldLayoutMk cId="3184874165" sldId="2147483661"/>
-              <ac:spMk id="8" creationId="{62B0388E-769F-5C0A-898D-9C3B0E1E6ED2}"/>
-            </ac:spMkLst>
-          </pc:spChg>
-        </pc:sldLayoutChg>
-      </pc:sldMasterChg>
-      <pc:sldMasterChg chg="new del mod addSldLayout delSldLayout">
-        <pc:chgData name="Simeon Wong" userId="6a6fb664-499b-4396-8c93-53d6c9eb1a86" providerId="ADAL" clId="{6C2B19A1-ADFC-410E-B65E-71C032113A05}" dt="2024-01-06T20:06:21.020" v="5280" actId="6938"/>
-        <pc:sldMasterMkLst>
-          <pc:docMk/>
-          <pc:sldMasterMk cId="3432074863" sldId="2147483661"/>
-        </pc:sldMasterMkLst>
-        <pc:sldLayoutChg chg="new del replId">
-          <pc:chgData name="Simeon Wong" userId="6a6fb664-499b-4396-8c93-53d6c9eb1a86" providerId="ADAL" clId="{6C2B19A1-ADFC-410E-B65E-71C032113A05}" dt="2024-01-06T20:06:21.020" v="5280" actId="6938"/>
-          <pc:sldLayoutMkLst>
-            <pc:docMk/>
-            <pc:sldMasterMk cId="3432074863" sldId="2147483661"/>
-            <pc:sldLayoutMk cId="1738819144" sldId="2147483662"/>
-          </pc:sldLayoutMkLst>
-        </pc:sldLayoutChg>
-        <pc:sldLayoutChg chg="new del replId">
-          <pc:chgData name="Simeon Wong" userId="6a6fb664-499b-4396-8c93-53d6c9eb1a86" providerId="ADAL" clId="{6C2B19A1-ADFC-410E-B65E-71C032113A05}" dt="2024-01-06T20:06:21.020" v="5280" actId="6938"/>
-          <pc:sldLayoutMkLst>
-            <pc:docMk/>
-            <pc:sldMasterMk cId="3432074863" sldId="2147483661"/>
-            <pc:sldLayoutMk cId="1275934751" sldId="2147483663"/>
-          </pc:sldLayoutMkLst>
-        </pc:sldLayoutChg>
-        <pc:sldLayoutChg chg="new del replId">
-          <pc:chgData name="Simeon Wong" userId="6a6fb664-499b-4396-8c93-53d6c9eb1a86" providerId="ADAL" clId="{6C2B19A1-ADFC-410E-B65E-71C032113A05}" dt="2024-01-06T20:06:21.020" v="5280" actId="6938"/>
-          <pc:sldLayoutMkLst>
-            <pc:docMk/>
-            <pc:sldMasterMk cId="3432074863" sldId="2147483661"/>
-            <pc:sldLayoutMk cId="3079991192" sldId="2147483664"/>
-          </pc:sldLayoutMkLst>
-        </pc:sldLayoutChg>
-        <pc:sldLayoutChg chg="new del replId">
-          <pc:chgData name="Simeon Wong" userId="6a6fb664-499b-4396-8c93-53d6c9eb1a86" providerId="ADAL" clId="{6C2B19A1-ADFC-410E-B65E-71C032113A05}" dt="2024-01-06T20:06:21.020" v="5280" actId="6938"/>
-          <pc:sldLayoutMkLst>
-            <pc:docMk/>
-            <pc:sldMasterMk cId="3432074863" sldId="2147483661"/>
-            <pc:sldLayoutMk cId="570047078" sldId="2147483665"/>
-          </pc:sldLayoutMkLst>
-        </pc:sldLayoutChg>
-        <pc:sldLayoutChg chg="new del replId">
-          <pc:chgData name="Simeon Wong" userId="6a6fb664-499b-4396-8c93-53d6c9eb1a86" providerId="ADAL" clId="{6C2B19A1-ADFC-410E-B65E-71C032113A05}" dt="2024-01-06T20:06:21.020" v="5280" actId="6938"/>
-          <pc:sldLayoutMkLst>
-            <pc:docMk/>
-            <pc:sldMasterMk cId="3432074863" sldId="2147483661"/>
-            <pc:sldLayoutMk cId="1639693228" sldId="2147483666"/>
-          </pc:sldLayoutMkLst>
-        </pc:sldLayoutChg>
-        <pc:sldLayoutChg chg="new del replId">
-          <pc:chgData name="Simeon Wong" userId="6a6fb664-499b-4396-8c93-53d6c9eb1a86" providerId="ADAL" clId="{6C2B19A1-ADFC-410E-B65E-71C032113A05}" dt="2024-01-06T20:06:21.020" v="5280" actId="6938"/>
-          <pc:sldLayoutMkLst>
-            <pc:docMk/>
-            <pc:sldMasterMk cId="3432074863" sldId="2147483661"/>
-            <pc:sldLayoutMk cId="4000066311" sldId="2147483667"/>
-          </pc:sldLayoutMkLst>
-        </pc:sldLayoutChg>
-        <pc:sldLayoutChg chg="new del replId">
-          <pc:chgData name="Simeon Wong" userId="6a6fb664-499b-4396-8c93-53d6c9eb1a86" providerId="ADAL" clId="{6C2B19A1-ADFC-410E-B65E-71C032113A05}" dt="2024-01-06T20:06:21.020" v="5280" actId="6938"/>
-          <pc:sldLayoutMkLst>
-            <pc:docMk/>
-            <pc:sldMasterMk cId="3432074863" sldId="2147483661"/>
-            <pc:sldLayoutMk cId="2125625543" sldId="2147483668"/>
-          </pc:sldLayoutMkLst>
-        </pc:sldLayoutChg>
-        <pc:sldLayoutChg chg="new del replId">
-          <pc:chgData name="Simeon Wong" userId="6a6fb664-499b-4396-8c93-53d6c9eb1a86" providerId="ADAL" clId="{6C2B19A1-ADFC-410E-B65E-71C032113A05}" dt="2024-01-06T20:06:21.020" v="5280" actId="6938"/>
-          <pc:sldLayoutMkLst>
-            <pc:docMk/>
-            <pc:sldMasterMk cId="3432074863" sldId="2147483661"/>
-            <pc:sldLayoutMk cId="2191944356" sldId="2147483669"/>
-          </pc:sldLayoutMkLst>
-        </pc:sldLayoutChg>
-        <pc:sldLayoutChg chg="new del replId">
-          <pc:chgData name="Simeon Wong" userId="6a6fb664-499b-4396-8c93-53d6c9eb1a86" providerId="ADAL" clId="{6C2B19A1-ADFC-410E-B65E-71C032113A05}" dt="2024-01-06T20:06:21.020" v="5280" actId="6938"/>
-          <pc:sldLayoutMkLst>
-            <pc:docMk/>
-            <pc:sldMasterMk cId="3432074863" sldId="2147483661"/>
-            <pc:sldLayoutMk cId="2438762282" sldId="2147483670"/>
-          </pc:sldLayoutMkLst>
-        </pc:sldLayoutChg>
-        <pc:sldLayoutChg chg="new del replId">
-          <pc:chgData name="Simeon Wong" userId="6a6fb664-499b-4396-8c93-53d6c9eb1a86" providerId="ADAL" clId="{6C2B19A1-ADFC-410E-B65E-71C032113A05}" dt="2024-01-06T20:06:21.020" v="5280" actId="6938"/>
-          <pc:sldLayoutMkLst>
-            <pc:docMk/>
-            <pc:sldMasterMk cId="3432074863" sldId="2147483661"/>
-            <pc:sldLayoutMk cId="2436389587" sldId="2147483671"/>
-          </pc:sldLayoutMkLst>
-        </pc:sldLayoutChg>
-        <pc:sldLayoutChg chg="new del replId">
-          <pc:chgData name="Simeon Wong" userId="6a6fb664-499b-4396-8c93-53d6c9eb1a86" providerId="ADAL" clId="{6C2B19A1-ADFC-410E-B65E-71C032113A05}" dt="2024-01-06T20:06:21.020" v="5280" actId="6938"/>
-          <pc:sldLayoutMkLst>
-            <pc:docMk/>
-            <pc:sldMasterMk cId="3432074863" sldId="2147483661"/>
-            <pc:sldLayoutMk cId="3127427579" sldId="2147483672"/>
-          </pc:sldLayoutMkLst>
-        </pc:sldLayoutChg>
-      </pc:sldMasterChg>
-    </pc:docChg>
-  </pc:docChgLst>
-  <pc:docChgLst>
     <pc:chgData name="Simeon Wong" userId="6a6fb664-499b-4396-8c93-53d6c9eb1a86" providerId="ADAL" clId="{1D957874-9C15-4A65-A23A-CF7BBA27D631}"/>
     <pc:docChg chg="undo custSel addSld delSld modSld sldOrd">
       <pc:chgData name="Simeon Wong" userId="6a6fb664-499b-4396-8c93-53d6c9eb1a86" providerId="ADAL" clId="{1D957874-9C15-4A65-A23A-CF7BBA27D631}" dt="2024-02-06T04:39:45.731" v="1550" actId="1076"/>
@@ -2172,6 +429,1746 @@
       </pc:sldChg>
     </pc:docChg>
   </pc:docChgLst>
+  <pc:docChgLst>
+    <pc:chgData name="Simeon Wong" userId="6a6fb664-499b-4396-8c93-53d6c9eb1a86" providerId="ADAL" clId="{6C2B19A1-ADFC-410E-B65E-71C032113A05}"/>
+    <pc:docChg chg="undo custSel addSld delSld modSld sldOrd addMainMaster delMainMaster modMainMaster">
+      <pc:chgData name="Simeon Wong" userId="6a6fb664-499b-4396-8c93-53d6c9eb1a86" providerId="ADAL" clId="{6C2B19A1-ADFC-410E-B65E-71C032113A05}" dt="2024-01-09T22:54:36.699" v="12026" actId="20577"/>
+      <pc:docMkLst>
+        <pc:docMk/>
+      </pc:docMkLst>
+      <pc:sldChg chg="modSp mod">
+        <pc:chgData name="Simeon Wong" userId="6a6fb664-499b-4396-8c93-53d6c9eb1a86" providerId="ADAL" clId="{6C2B19A1-ADFC-410E-B65E-71C032113A05}" dt="2024-01-06T20:51:43.532" v="6863" actId="20577"/>
+        <pc:sldMkLst>
+          <pc:docMk/>
+          <pc:sldMk cId="3710469543" sldId="256"/>
+        </pc:sldMkLst>
+        <pc:spChg chg="mod">
+          <ac:chgData name="Simeon Wong" userId="6a6fb664-499b-4396-8c93-53d6c9eb1a86" providerId="ADAL" clId="{6C2B19A1-ADFC-410E-B65E-71C032113A05}" dt="2024-01-06T20:51:43.532" v="6863" actId="20577"/>
+          <ac:spMkLst>
+            <pc:docMk/>
+            <pc:sldMk cId="3710469543" sldId="256"/>
+            <ac:spMk id="2" creationId="{B990E43E-BA08-1166-5DA1-A79031704BA2}"/>
+          </ac:spMkLst>
+        </pc:spChg>
+      </pc:sldChg>
+      <pc:sldChg chg="del">
+        <pc:chgData name="Simeon Wong" userId="6a6fb664-499b-4396-8c93-53d6c9eb1a86" providerId="ADAL" clId="{6C2B19A1-ADFC-410E-B65E-71C032113A05}" dt="2024-01-02T06:31:37.483" v="0" actId="47"/>
+        <pc:sldMkLst>
+          <pc:docMk/>
+          <pc:sldMk cId="2430430356" sldId="298"/>
+        </pc:sldMkLst>
+      </pc:sldChg>
+      <pc:sldChg chg="del">
+        <pc:chgData name="Simeon Wong" userId="6a6fb664-499b-4396-8c93-53d6c9eb1a86" providerId="ADAL" clId="{6C2B19A1-ADFC-410E-B65E-71C032113A05}" dt="2024-01-02T06:31:37.483" v="0" actId="47"/>
+        <pc:sldMkLst>
+          <pc:docMk/>
+          <pc:sldMk cId="2477846017" sldId="322"/>
+        </pc:sldMkLst>
+      </pc:sldChg>
+      <pc:sldChg chg="modSp mod">
+        <pc:chgData name="Simeon Wong" userId="6a6fb664-499b-4396-8c93-53d6c9eb1a86" providerId="ADAL" clId="{6C2B19A1-ADFC-410E-B65E-71C032113A05}" dt="2024-01-06T20:10:59.879" v="5606" actId="20577"/>
+        <pc:sldMkLst>
+          <pc:docMk/>
+          <pc:sldMk cId="2705399460" sldId="323"/>
+        </pc:sldMkLst>
+        <pc:spChg chg="mod">
+          <ac:chgData name="Simeon Wong" userId="6a6fb664-499b-4396-8c93-53d6c9eb1a86" providerId="ADAL" clId="{6C2B19A1-ADFC-410E-B65E-71C032113A05}" dt="2024-01-06T20:10:59.879" v="5606" actId="20577"/>
+          <ac:spMkLst>
+            <pc:docMk/>
+            <pc:sldMk cId="2705399460" sldId="323"/>
+            <ac:spMk id="3" creationId="{89024E94-88EA-2A6B-EFC2-BA32FE891B91}"/>
+          </ac:spMkLst>
+        </pc:spChg>
+      </pc:sldChg>
+      <pc:sldChg chg="modSp ord setFolMasterAnim modAnim">
+        <pc:chgData name="Simeon Wong" userId="6a6fb664-499b-4396-8c93-53d6c9eb1a86" providerId="ADAL" clId="{6C2B19A1-ADFC-410E-B65E-71C032113A05}" dt="2024-01-06T20:20:15.976" v="5722"/>
+        <pc:sldMkLst>
+          <pc:docMk/>
+          <pc:sldMk cId="2941370618" sldId="324"/>
+        </pc:sldMkLst>
+        <pc:spChg chg="mod">
+          <ac:chgData name="Simeon Wong" userId="6a6fb664-499b-4396-8c93-53d6c9eb1a86" providerId="ADAL" clId="{6C2B19A1-ADFC-410E-B65E-71C032113A05}" dt="2024-01-06T20:20:06.891" v="5721" actId="20577"/>
+          <ac:spMkLst>
+            <pc:docMk/>
+            <pc:sldMk cId="2941370618" sldId="324"/>
+            <ac:spMk id="3" creationId="{75D9D090-2ADB-ACC8-3711-6DE9408ED447}"/>
+          </ac:spMkLst>
+        </pc:spChg>
+      </pc:sldChg>
+      <pc:sldChg chg="modSp mod">
+        <pc:chgData name="Simeon Wong" userId="6a6fb664-499b-4396-8c93-53d6c9eb1a86" providerId="ADAL" clId="{6C2B19A1-ADFC-410E-B65E-71C032113A05}" dt="2024-01-06T19:28:26.749" v="1410" actId="20577"/>
+        <pc:sldMkLst>
+          <pc:docMk/>
+          <pc:sldMk cId="3409222927" sldId="325"/>
+        </pc:sldMkLst>
+        <pc:spChg chg="mod">
+          <ac:chgData name="Simeon Wong" userId="6a6fb664-499b-4396-8c93-53d6c9eb1a86" providerId="ADAL" clId="{6C2B19A1-ADFC-410E-B65E-71C032113A05}" dt="2024-01-06T19:28:26.749" v="1410" actId="20577"/>
+          <ac:spMkLst>
+            <pc:docMk/>
+            <pc:sldMk cId="3409222927" sldId="325"/>
+            <ac:spMk id="3" creationId="{457864DD-4317-D776-8558-8EAE564E9B56}"/>
+          </ac:spMkLst>
+        </pc:spChg>
+      </pc:sldChg>
+      <pc:sldChg chg="mod modShow">
+        <pc:chgData name="Simeon Wong" userId="6a6fb664-499b-4396-8c93-53d6c9eb1a86" providerId="ADAL" clId="{6C2B19A1-ADFC-410E-B65E-71C032113A05}" dt="2024-01-09T22:53:39.354" v="11952" actId="729"/>
+        <pc:sldMkLst>
+          <pc:docMk/>
+          <pc:sldMk cId="216056995" sldId="326"/>
+        </pc:sldMkLst>
+      </pc:sldChg>
+      <pc:sldChg chg="modSp mod setFolMasterAnim modAnim">
+        <pc:chgData name="Simeon Wong" userId="6a6fb664-499b-4396-8c93-53d6c9eb1a86" providerId="ADAL" clId="{6C2B19A1-ADFC-410E-B65E-71C032113A05}" dt="2024-01-06T21:33:26.676" v="9708"/>
+        <pc:sldMkLst>
+          <pc:docMk/>
+          <pc:sldMk cId="3571236762" sldId="327"/>
+        </pc:sldMkLst>
+        <pc:spChg chg="mod">
+          <ac:chgData name="Simeon Wong" userId="6a6fb664-499b-4396-8c93-53d6c9eb1a86" providerId="ADAL" clId="{6C2B19A1-ADFC-410E-B65E-71C032113A05}" dt="2024-01-06T04:09:42.931" v="29" actId="20577"/>
+          <ac:spMkLst>
+            <pc:docMk/>
+            <pc:sldMk cId="3571236762" sldId="327"/>
+            <ac:spMk id="2" creationId="{FC490120-81B9-BFA5-557B-94AD0CF672D3}"/>
+          </ac:spMkLst>
+        </pc:spChg>
+        <pc:spChg chg="mod">
+          <ac:chgData name="Simeon Wong" userId="6a6fb664-499b-4396-8c93-53d6c9eb1a86" providerId="ADAL" clId="{6C2B19A1-ADFC-410E-B65E-71C032113A05}" dt="2024-01-06T21:33:22.431" v="9707" actId="6549"/>
+          <ac:spMkLst>
+            <pc:docMk/>
+            <pc:sldMk cId="3571236762" sldId="327"/>
+            <ac:spMk id="3" creationId="{6DD534E4-E342-2552-4021-A929FD186EA2}"/>
+          </ac:spMkLst>
+        </pc:spChg>
+      </pc:sldChg>
+      <pc:sldChg chg="modSp new mod ord">
+        <pc:chgData name="Simeon Wong" userId="6a6fb664-499b-4396-8c93-53d6c9eb1a86" providerId="ADAL" clId="{6C2B19A1-ADFC-410E-B65E-71C032113A05}" dt="2024-01-06T20:10:54.937" v="5605"/>
+        <pc:sldMkLst>
+          <pc:docMk/>
+          <pc:sldMk cId="204157555" sldId="328"/>
+        </pc:sldMkLst>
+        <pc:spChg chg="mod">
+          <ac:chgData name="Simeon Wong" userId="6a6fb664-499b-4396-8c93-53d6c9eb1a86" providerId="ADAL" clId="{6C2B19A1-ADFC-410E-B65E-71C032113A05}" dt="2024-01-06T19:31:53.707" v="1867" actId="20577"/>
+          <ac:spMkLst>
+            <pc:docMk/>
+            <pc:sldMk cId="204157555" sldId="328"/>
+            <ac:spMk id="2" creationId="{5553B480-87D0-8089-2DAB-F13F3974A235}"/>
+          </ac:spMkLst>
+        </pc:spChg>
+        <pc:spChg chg="mod">
+          <ac:chgData name="Simeon Wong" userId="6a6fb664-499b-4396-8c93-53d6c9eb1a86" providerId="ADAL" clId="{6C2B19A1-ADFC-410E-B65E-71C032113A05}" dt="2024-01-06T19:43:03.881" v="3902"/>
+          <ac:spMkLst>
+            <pc:docMk/>
+            <pc:sldMk cId="204157555" sldId="328"/>
+            <ac:spMk id="3" creationId="{21F68AA1-06EE-1E72-0A33-7E5753E3F0FB}"/>
+          </ac:spMkLst>
+        </pc:spChg>
+        <pc:spChg chg="mod">
+          <ac:chgData name="Simeon Wong" userId="6a6fb664-499b-4396-8c93-53d6c9eb1a86" providerId="ADAL" clId="{6C2B19A1-ADFC-410E-B65E-71C032113A05}" dt="2024-01-06T19:26:06.186" v="860" actId="20577"/>
+          <ac:spMkLst>
+            <pc:docMk/>
+            <pc:sldMk cId="204157555" sldId="328"/>
+            <ac:spMk id="5" creationId="{81EAD386-FC17-4D54-5209-EB64D22D20F0}"/>
+          </ac:spMkLst>
+        </pc:spChg>
+      </pc:sldChg>
+      <pc:sldChg chg="modSp new mod">
+        <pc:chgData name="Simeon Wong" userId="6a6fb664-499b-4396-8c93-53d6c9eb1a86" providerId="ADAL" clId="{6C2B19A1-ADFC-410E-B65E-71C032113A05}" dt="2024-01-06T20:52:15.944" v="6871"/>
+        <pc:sldMkLst>
+          <pc:docMk/>
+          <pc:sldMk cId="3152143147" sldId="329"/>
+        </pc:sldMkLst>
+        <pc:spChg chg="mod">
+          <ac:chgData name="Simeon Wong" userId="6a6fb664-499b-4396-8c93-53d6c9eb1a86" providerId="ADAL" clId="{6C2B19A1-ADFC-410E-B65E-71C032113A05}" dt="2024-01-06T19:28:37.895" v="1419" actId="20577"/>
+          <ac:spMkLst>
+            <pc:docMk/>
+            <pc:sldMk cId="3152143147" sldId="329"/>
+            <ac:spMk id="2" creationId="{206AB119-3819-6007-54E3-32DB7468895F}"/>
+          </ac:spMkLst>
+        </pc:spChg>
+        <pc:spChg chg="mod">
+          <ac:chgData name="Simeon Wong" userId="6a6fb664-499b-4396-8c93-53d6c9eb1a86" providerId="ADAL" clId="{6C2B19A1-ADFC-410E-B65E-71C032113A05}" dt="2024-01-06T20:04:56.094" v="5252" actId="20577"/>
+          <ac:spMkLst>
+            <pc:docMk/>
+            <pc:sldMk cId="3152143147" sldId="329"/>
+            <ac:spMk id="3" creationId="{D72AB265-F26A-723A-C077-FF1A52EEFB99}"/>
+          </ac:spMkLst>
+        </pc:spChg>
+        <pc:spChg chg="mod">
+          <ac:chgData name="Simeon Wong" userId="6a6fb664-499b-4396-8c93-53d6c9eb1a86" providerId="ADAL" clId="{6C2B19A1-ADFC-410E-B65E-71C032113A05}" dt="2024-01-06T20:52:15.944" v="6871"/>
+          <ac:spMkLst>
+            <pc:docMk/>
+            <pc:sldMk cId="3152143147" sldId="329"/>
+            <ac:spMk id="5" creationId="{71BEE380-F1E0-C966-6162-6974FD5C85F5}"/>
+          </ac:spMkLst>
+        </pc:spChg>
+      </pc:sldChg>
+      <pc:sldChg chg="modSp add mod ord">
+        <pc:chgData name="Simeon Wong" userId="6a6fb664-499b-4396-8c93-53d6c9eb1a86" providerId="ADAL" clId="{6C2B19A1-ADFC-410E-B65E-71C032113A05}" dt="2024-01-06T20:51:55.990" v="6864"/>
+        <pc:sldMkLst>
+          <pc:docMk/>
+          <pc:sldMk cId="1616650296" sldId="330"/>
+        </pc:sldMkLst>
+        <pc:spChg chg="mod">
+          <ac:chgData name="Simeon Wong" userId="6a6fb664-499b-4396-8c93-53d6c9eb1a86" providerId="ADAL" clId="{6C2B19A1-ADFC-410E-B65E-71C032113A05}" dt="2024-01-06T19:37:42.212" v="2888" actId="20577"/>
+          <ac:spMkLst>
+            <pc:docMk/>
+            <pc:sldMk cId="1616650296" sldId="330"/>
+            <ac:spMk id="2" creationId="{5553B480-87D0-8089-2DAB-F13F3974A235}"/>
+          </ac:spMkLst>
+        </pc:spChg>
+        <pc:spChg chg="mod">
+          <ac:chgData name="Simeon Wong" userId="6a6fb664-499b-4396-8c93-53d6c9eb1a86" providerId="ADAL" clId="{6C2B19A1-ADFC-410E-B65E-71C032113A05}" dt="2024-01-06T20:35:40.895" v="6285" actId="20577"/>
+          <ac:spMkLst>
+            <pc:docMk/>
+            <pc:sldMk cId="1616650296" sldId="330"/>
+            <ac:spMk id="3" creationId="{21F68AA1-06EE-1E72-0A33-7E5753E3F0FB}"/>
+          </ac:spMkLst>
+        </pc:spChg>
+        <pc:spChg chg="mod">
+          <ac:chgData name="Simeon Wong" userId="6a6fb664-499b-4396-8c93-53d6c9eb1a86" providerId="ADAL" clId="{6C2B19A1-ADFC-410E-B65E-71C032113A05}" dt="2024-01-06T20:51:55.990" v="6864"/>
+          <ac:spMkLst>
+            <pc:docMk/>
+            <pc:sldMk cId="1616650296" sldId="330"/>
+            <ac:spMk id="5" creationId="{81EAD386-FC17-4D54-5209-EB64D22D20F0}"/>
+          </ac:spMkLst>
+        </pc:spChg>
+      </pc:sldChg>
+      <pc:sldChg chg="modSp add mod">
+        <pc:chgData name="Simeon Wong" userId="6a6fb664-499b-4396-8c93-53d6c9eb1a86" providerId="ADAL" clId="{6C2B19A1-ADFC-410E-B65E-71C032113A05}" dt="2024-01-06T20:52:13.553" v="6870"/>
+        <pc:sldMkLst>
+          <pc:docMk/>
+          <pc:sldMk cId="840473690" sldId="331"/>
+        </pc:sldMkLst>
+        <pc:spChg chg="mod">
+          <ac:chgData name="Simeon Wong" userId="6a6fb664-499b-4396-8c93-53d6c9eb1a86" providerId="ADAL" clId="{6C2B19A1-ADFC-410E-B65E-71C032113A05}" dt="2024-01-06T19:47:42.981" v="4140" actId="20577"/>
+          <ac:spMkLst>
+            <pc:docMk/>
+            <pc:sldMk cId="840473690" sldId="331"/>
+            <ac:spMk id="3" creationId="{21F68AA1-06EE-1E72-0A33-7E5753E3F0FB}"/>
+          </ac:spMkLst>
+        </pc:spChg>
+        <pc:spChg chg="mod">
+          <ac:chgData name="Simeon Wong" userId="6a6fb664-499b-4396-8c93-53d6c9eb1a86" providerId="ADAL" clId="{6C2B19A1-ADFC-410E-B65E-71C032113A05}" dt="2024-01-06T20:52:13.553" v="6870"/>
+          <ac:spMkLst>
+            <pc:docMk/>
+            <pc:sldMk cId="840473690" sldId="331"/>
+            <ac:spMk id="5" creationId="{81EAD386-FC17-4D54-5209-EB64D22D20F0}"/>
+          </ac:spMkLst>
+        </pc:spChg>
+      </pc:sldChg>
+      <pc:sldChg chg="modSp add mod ord">
+        <pc:chgData name="Simeon Wong" userId="6a6fb664-499b-4396-8c93-53d6c9eb1a86" providerId="ADAL" clId="{6C2B19A1-ADFC-410E-B65E-71C032113A05}" dt="2024-01-06T20:51:59.122" v="6865"/>
+        <pc:sldMkLst>
+          <pc:docMk/>
+          <pc:sldMk cId="4263913996" sldId="332"/>
+        </pc:sldMkLst>
+        <pc:spChg chg="mod">
+          <ac:chgData name="Simeon Wong" userId="6a6fb664-499b-4396-8c93-53d6c9eb1a86" providerId="ADAL" clId="{6C2B19A1-ADFC-410E-B65E-71C032113A05}" dt="2024-01-06T20:01:44.794" v="4610" actId="20577"/>
+          <ac:spMkLst>
+            <pc:docMk/>
+            <pc:sldMk cId="4263913996" sldId="332"/>
+            <ac:spMk id="3" creationId="{D72AB265-F26A-723A-C077-FF1A52EEFB99}"/>
+          </ac:spMkLst>
+        </pc:spChg>
+        <pc:spChg chg="mod">
+          <ac:chgData name="Simeon Wong" userId="6a6fb664-499b-4396-8c93-53d6c9eb1a86" providerId="ADAL" clId="{6C2B19A1-ADFC-410E-B65E-71C032113A05}" dt="2024-01-06T20:51:59.122" v="6865"/>
+          <ac:spMkLst>
+            <pc:docMk/>
+            <pc:sldMk cId="4263913996" sldId="332"/>
+            <ac:spMk id="5" creationId="{71BEE380-F1E0-C966-6162-6974FD5C85F5}"/>
+          </ac:spMkLst>
+        </pc:spChg>
+      </pc:sldChg>
+      <pc:sldChg chg="addSp delSp modSp new mod ord modClrScheme chgLayout">
+        <pc:chgData name="Simeon Wong" userId="6a6fb664-499b-4396-8c93-53d6c9eb1a86" providerId="ADAL" clId="{6C2B19A1-ADFC-410E-B65E-71C032113A05}" dt="2024-01-09T22:54:36.699" v="12026" actId="20577"/>
+        <pc:sldMkLst>
+          <pc:docMk/>
+          <pc:sldMk cId="133851565" sldId="333"/>
+        </pc:sldMkLst>
+        <pc:spChg chg="del">
+          <ac:chgData name="Simeon Wong" userId="6a6fb664-499b-4396-8c93-53d6c9eb1a86" providerId="ADAL" clId="{6C2B19A1-ADFC-410E-B65E-71C032113A05}" dt="2024-01-06T20:08:05.732" v="5309" actId="700"/>
+          <ac:spMkLst>
+            <pc:docMk/>
+            <pc:sldMk cId="133851565" sldId="333"/>
+            <ac:spMk id="2" creationId="{ECE1CCAB-FBD9-1B25-D82E-BC8962176198}"/>
+          </ac:spMkLst>
+        </pc:spChg>
+        <pc:spChg chg="del">
+          <ac:chgData name="Simeon Wong" userId="6a6fb664-499b-4396-8c93-53d6c9eb1a86" providerId="ADAL" clId="{6C2B19A1-ADFC-410E-B65E-71C032113A05}" dt="2024-01-06T20:08:05.732" v="5309" actId="700"/>
+          <ac:spMkLst>
+            <pc:docMk/>
+            <pc:sldMk cId="133851565" sldId="333"/>
+            <ac:spMk id="3" creationId="{924C69EA-8220-FF6D-2131-C466B8599BF7}"/>
+          </ac:spMkLst>
+        </pc:spChg>
+        <pc:spChg chg="mod ord">
+          <ac:chgData name="Simeon Wong" userId="6a6fb664-499b-4396-8c93-53d6c9eb1a86" providerId="ADAL" clId="{6C2B19A1-ADFC-410E-B65E-71C032113A05}" dt="2024-01-06T20:08:05.732" v="5309" actId="700"/>
+          <ac:spMkLst>
+            <pc:docMk/>
+            <pc:sldMk cId="133851565" sldId="333"/>
+            <ac:spMk id="4" creationId="{71D518A3-F353-1080-7557-1915EA890B0B}"/>
+          </ac:spMkLst>
+        </pc:spChg>
+        <pc:spChg chg="del mod ord">
+          <ac:chgData name="Simeon Wong" userId="6a6fb664-499b-4396-8c93-53d6c9eb1a86" providerId="ADAL" clId="{6C2B19A1-ADFC-410E-B65E-71C032113A05}" dt="2024-01-06T20:08:05.732" v="5309" actId="700"/>
+          <ac:spMkLst>
+            <pc:docMk/>
+            <pc:sldMk cId="133851565" sldId="333"/>
+            <ac:spMk id="5" creationId="{AA00D02E-212C-B6B2-C9C9-A9C45646DD66}"/>
+          </ac:spMkLst>
+        </pc:spChg>
+        <pc:spChg chg="add mod ord">
+          <ac:chgData name="Simeon Wong" userId="6a6fb664-499b-4396-8c93-53d6c9eb1a86" providerId="ADAL" clId="{6C2B19A1-ADFC-410E-B65E-71C032113A05}" dt="2024-01-09T22:54:36.699" v="12026" actId="20577"/>
+          <ac:spMkLst>
+            <pc:docMk/>
+            <pc:sldMk cId="133851565" sldId="333"/>
+            <ac:spMk id="6" creationId="{9C07844A-948D-B95F-5AA6-8077039DA7AC}"/>
+          </ac:spMkLst>
+        </pc:spChg>
+      </pc:sldChg>
+      <pc:sldChg chg="addSp delSp modSp new mod modAnim">
+        <pc:chgData name="Simeon Wong" userId="6a6fb664-499b-4396-8c93-53d6c9eb1a86" providerId="ADAL" clId="{6C2B19A1-ADFC-410E-B65E-71C032113A05}" dt="2024-01-06T20:37:49.649" v="6291" actId="20577"/>
+        <pc:sldMkLst>
+          <pc:docMk/>
+          <pc:sldMk cId="1681126152" sldId="334"/>
+        </pc:sldMkLst>
+        <pc:spChg chg="mod">
+          <ac:chgData name="Simeon Wong" userId="6a6fb664-499b-4396-8c93-53d6c9eb1a86" providerId="ADAL" clId="{6C2B19A1-ADFC-410E-B65E-71C032113A05}" dt="2024-01-06T20:28:15.219" v="6021" actId="20577"/>
+          <ac:spMkLst>
+            <pc:docMk/>
+            <pc:sldMk cId="1681126152" sldId="334"/>
+            <ac:spMk id="2" creationId="{5AA9DD66-7E2D-7952-DB52-05C0028CBC01}"/>
+          </ac:spMkLst>
+        </pc:spChg>
+        <pc:spChg chg="del">
+          <ac:chgData name="Simeon Wong" userId="6a6fb664-499b-4396-8c93-53d6c9eb1a86" providerId="ADAL" clId="{6C2B19A1-ADFC-410E-B65E-71C032113A05}" dt="2024-01-06T20:17:25.748" v="5640" actId="478"/>
+          <ac:spMkLst>
+            <pc:docMk/>
+            <pc:sldMk cId="1681126152" sldId="334"/>
+            <ac:spMk id="3" creationId="{71E09C76-C213-4979-EB5C-66B6F6F313B2}"/>
+          </ac:spMkLst>
+        </pc:spChg>
+        <pc:spChg chg="mod">
+          <ac:chgData name="Simeon Wong" userId="6a6fb664-499b-4396-8c93-53d6c9eb1a86" providerId="ADAL" clId="{6C2B19A1-ADFC-410E-B65E-71C032113A05}" dt="2024-01-06T20:28:19.175" v="6022"/>
+          <ac:spMkLst>
+            <pc:docMk/>
+            <pc:sldMk cId="1681126152" sldId="334"/>
+            <ac:spMk id="5" creationId="{17B220A9-4A7B-F7D3-0869-D2A022B5ED09}"/>
+          </ac:spMkLst>
+        </pc:spChg>
+        <pc:spChg chg="add mod">
+          <ac:chgData name="Simeon Wong" userId="6a6fb664-499b-4396-8c93-53d6c9eb1a86" providerId="ADAL" clId="{6C2B19A1-ADFC-410E-B65E-71C032113A05}" dt="2024-01-06T20:23:15.208" v="5770" actId="1076"/>
+          <ac:spMkLst>
+            <pc:docMk/>
+            <pc:sldMk cId="1681126152" sldId="334"/>
+            <ac:spMk id="7" creationId="{1BF5AFE3-561B-2401-7F05-F409346A9CB2}"/>
+          </ac:spMkLst>
+        </pc:spChg>
+        <pc:spChg chg="add mod">
+          <ac:chgData name="Simeon Wong" userId="6a6fb664-499b-4396-8c93-53d6c9eb1a86" providerId="ADAL" clId="{6C2B19A1-ADFC-410E-B65E-71C032113A05}" dt="2024-01-06T20:23:15.208" v="5770" actId="1076"/>
+          <ac:spMkLst>
+            <pc:docMk/>
+            <pc:sldMk cId="1681126152" sldId="334"/>
+            <ac:spMk id="8" creationId="{F8A099AC-6E9C-5417-A54C-20449FEF5009}"/>
+          </ac:spMkLst>
+        </pc:spChg>
+        <pc:spChg chg="add mod">
+          <ac:chgData name="Simeon Wong" userId="6a6fb664-499b-4396-8c93-53d6c9eb1a86" providerId="ADAL" clId="{6C2B19A1-ADFC-410E-B65E-71C032113A05}" dt="2024-01-06T20:23:15.208" v="5770" actId="1076"/>
+          <ac:spMkLst>
+            <pc:docMk/>
+            <pc:sldMk cId="1681126152" sldId="334"/>
+            <ac:spMk id="9" creationId="{47DACF07-E5AB-5A1C-9020-7114D2EA2B8E}"/>
+          </ac:spMkLst>
+        </pc:spChg>
+        <pc:spChg chg="add mod">
+          <ac:chgData name="Simeon Wong" userId="6a6fb664-499b-4396-8c93-53d6c9eb1a86" providerId="ADAL" clId="{6C2B19A1-ADFC-410E-B65E-71C032113A05}" dt="2024-01-06T20:23:15.208" v="5770" actId="1076"/>
+          <ac:spMkLst>
+            <pc:docMk/>
+            <pc:sldMk cId="1681126152" sldId="334"/>
+            <ac:spMk id="10" creationId="{F1254054-1E28-F8FF-C662-6A84F2CE502B}"/>
+          </ac:spMkLst>
+        </pc:spChg>
+        <pc:spChg chg="add mod">
+          <ac:chgData name="Simeon Wong" userId="6a6fb664-499b-4396-8c93-53d6c9eb1a86" providerId="ADAL" clId="{6C2B19A1-ADFC-410E-B65E-71C032113A05}" dt="2024-01-06T20:25:08.529" v="5785" actId="1076"/>
+          <ac:spMkLst>
+            <pc:docMk/>
+            <pc:sldMk cId="1681126152" sldId="334"/>
+            <ac:spMk id="11" creationId="{460C7EA4-160A-6B56-039B-E1497ADBD1B0}"/>
+          </ac:spMkLst>
+        </pc:spChg>
+        <pc:spChg chg="add mod">
+          <ac:chgData name="Simeon Wong" userId="6a6fb664-499b-4396-8c93-53d6c9eb1a86" providerId="ADAL" clId="{6C2B19A1-ADFC-410E-B65E-71C032113A05}" dt="2024-01-06T20:25:08.529" v="5785" actId="1076"/>
+          <ac:spMkLst>
+            <pc:docMk/>
+            <pc:sldMk cId="1681126152" sldId="334"/>
+            <ac:spMk id="26" creationId="{D65A517B-042C-3EAB-A0C1-63CD53A92AC7}"/>
+          </ac:spMkLst>
+        </pc:spChg>
+        <pc:spChg chg="add mod">
+          <ac:chgData name="Simeon Wong" userId="6a6fb664-499b-4396-8c93-53d6c9eb1a86" providerId="ADAL" clId="{6C2B19A1-ADFC-410E-B65E-71C032113A05}" dt="2024-01-06T20:25:08.529" v="5785" actId="1076"/>
+          <ac:spMkLst>
+            <pc:docMk/>
+            <pc:sldMk cId="1681126152" sldId="334"/>
+            <ac:spMk id="29" creationId="{2E506D5E-FE81-804C-AB96-1467B8E185B6}"/>
+          </ac:spMkLst>
+        </pc:spChg>
+        <pc:spChg chg="add mod">
+          <ac:chgData name="Simeon Wong" userId="6a6fb664-499b-4396-8c93-53d6c9eb1a86" providerId="ADAL" clId="{6C2B19A1-ADFC-410E-B65E-71C032113A05}" dt="2024-01-06T20:25:08.529" v="5785" actId="1076"/>
+          <ac:spMkLst>
+            <pc:docMk/>
+            <pc:sldMk cId="1681126152" sldId="334"/>
+            <ac:spMk id="30" creationId="{08469014-3519-9E7C-D068-43DAD6E955B5}"/>
+          </ac:spMkLst>
+        </pc:spChg>
+        <pc:spChg chg="add mod">
+          <ac:chgData name="Simeon Wong" userId="6a6fb664-499b-4396-8c93-53d6c9eb1a86" providerId="ADAL" clId="{6C2B19A1-ADFC-410E-B65E-71C032113A05}" dt="2024-01-06T20:25:08.529" v="5785" actId="1076"/>
+          <ac:spMkLst>
+            <pc:docMk/>
+            <pc:sldMk cId="1681126152" sldId="334"/>
+            <ac:spMk id="31" creationId="{6A19AA5A-15B0-E5BC-603A-29EE054C16BA}"/>
+          </ac:spMkLst>
+        </pc:spChg>
+        <pc:spChg chg="add mod">
+          <ac:chgData name="Simeon Wong" userId="6a6fb664-499b-4396-8c93-53d6c9eb1a86" providerId="ADAL" clId="{6C2B19A1-ADFC-410E-B65E-71C032113A05}" dt="2024-01-06T20:25:08.529" v="5785" actId="1076"/>
+          <ac:spMkLst>
+            <pc:docMk/>
+            <pc:sldMk cId="1681126152" sldId="334"/>
+            <ac:spMk id="33" creationId="{B6042DCB-D31A-6347-1C75-87BFDCEEA527}"/>
+          </ac:spMkLst>
+        </pc:spChg>
+        <pc:spChg chg="add del mod">
+          <ac:chgData name="Simeon Wong" userId="6a6fb664-499b-4396-8c93-53d6c9eb1a86" providerId="ADAL" clId="{6C2B19A1-ADFC-410E-B65E-71C032113A05}" dt="2024-01-06T20:25:00.483" v="5784" actId="1582"/>
+          <ac:spMkLst>
+            <pc:docMk/>
+            <pc:sldMk cId="1681126152" sldId="334"/>
+            <ac:spMk id="49" creationId="{43AAE7F2-9EEB-2477-6A6B-1B2FECFD5DEF}"/>
+          </ac:spMkLst>
+        </pc:spChg>
+        <pc:spChg chg="add mod">
+          <ac:chgData name="Simeon Wong" userId="6a6fb664-499b-4396-8c93-53d6c9eb1a86" providerId="ADAL" clId="{6C2B19A1-ADFC-410E-B65E-71C032113A05}" dt="2024-01-06T20:23:58.074" v="5778" actId="1076"/>
+          <ac:spMkLst>
+            <pc:docMk/>
+            <pc:sldMk cId="1681126152" sldId="334"/>
+            <ac:spMk id="52" creationId="{AAC2816F-418B-6470-0BE7-0D0A7F19901C}"/>
+          </ac:spMkLst>
+        </pc:spChg>
+        <pc:spChg chg="add mod">
+          <ac:chgData name="Simeon Wong" userId="6a6fb664-499b-4396-8c93-53d6c9eb1a86" providerId="ADAL" clId="{6C2B19A1-ADFC-410E-B65E-71C032113A05}" dt="2024-01-06T20:37:49.649" v="6291" actId="20577"/>
+          <ac:spMkLst>
+            <pc:docMk/>
+            <pc:sldMk cId="1681126152" sldId="334"/>
+            <ac:spMk id="67" creationId="{10F39A64-8E7E-FAB3-A03A-AB0C35C5638F}"/>
+          </ac:spMkLst>
+        </pc:spChg>
+        <pc:spChg chg="add mod">
+          <ac:chgData name="Simeon Wong" userId="6a6fb664-499b-4396-8c93-53d6c9eb1a86" providerId="ADAL" clId="{6C2B19A1-ADFC-410E-B65E-71C032113A05}" dt="2024-01-06T20:37:47.465" v="6288" actId="20577"/>
+          <ac:spMkLst>
+            <pc:docMk/>
+            <pc:sldMk cId="1681126152" sldId="334"/>
+            <ac:spMk id="68" creationId="{126904CE-D104-2C27-9823-C920B73EEF95}"/>
+          </ac:spMkLst>
+        </pc:spChg>
+        <pc:spChg chg="add del mod">
+          <ac:chgData name="Simeon Wong" userId="6a6fb664-499b-4396-8c93-53d6c9eb1a86" providerId="ADAL" clId="{6C2B19A1-ADFC-410E-B65E-71C032113A05}" dt="2024-01-06T20:25:52.549" v="5834" actId="478"/>
+          <ac:spMkLst>
+            <pc:docMk/>
+            <pc:sldMk cId="1681126152" sldId="334"/>
+            <ac:spMk id="69" creationId="{8983B87C-2BA4-6D11-EF0C-89ED9E2E2084}"/>
+          </ac:spMkLst>
+        </pc:spChg>
+        <pc:spChg chg="add mod">
+          <ac:chgData name="Simeon Wong" userId="6a6fb664-499b-4396-8c93-53d6c9eb1a86" providerId="ADAL" clId="{6C2B19A1-ADFC-410E-B65E-71C032113A05}" dt="2024-01-06T20:26:12.590" v="5865" actId="1076"/>
+          <ac:spMkLst>
+            <pc:docMk/>
+            <pc:sldMk cId="1681126152" sldId="334"/>
+            <ac:spMk id="70" creationId="{124FFD0F-C9DF-FE13-EF3F-2FA17B52067B}"/>
+          </ac:spMkLst>
+        </pc:spChg>
+        <pc:spChg chg="add del mod">
+          <ac:chgData name="Simeon Wong" userId="6a6fb664-499b-4396-8c93-53d6c9eb1a86" providerId="ADAL" clId="{6C2B19A1-ADFC-410E-B65E-71C032113A05}" dt="2024-01-06T20:26:14.080" v="5866" actId="478"/>
+          <ac:spMkLst>
+            <pc:docMk/>
+            <pc:sldMk cId="1681126152" sldId="334"/>
+            <ac:spMk id="71" creationId="{B732A258-08F2-6DD0-0A5D-9B507B0FE595}"/>
+          </ac:spMkLst>
+        </pc:spChg>
+        <pc:spChg chg="add mod">
+          <ac:chgData name="Simeon Wong" userId="6a6fb664-499b-4396-8c93-53d6c9eb1a86" providerId="ADAL" clId="{6C2B19A1-ADFC-410E-B65E-71C032113A05}" dt="2024-01-06T20:26:19.124" v="5868" actId="1076"/>
+          <ac:spMkLst>
+            <pc:docMk/>
+            <pc:sldMk cId="1681126152" sldId="334"/>
+            <ac:spMk id="72" creationId="{901A89E5-FB66-596E-D7DF-A051085FB47C}"/>
+          </ac:spMkLst>
+        </pc:spChg>
+        <pc:spChg chg="add del mod">
+          <ac:chgData name="Simeon Wong" userId="6a6fb664-499b-4396-8c93-53d6c9eb1a86" providerId="ADAL" clId="{6C2B19A1-ADFC-410E-B65E-71C032113A05}" dt="2024-01-06T20:26:36.727" v="5889" actId="478"/>
+          <ac:spMkLst>
+            <pc:docMk/>
+            <pc:sldMk cId="1681126152" sldId="334"/>
+            <ac:spMk id="73" creationId="{0BFCCE68-3E08-3DB7-DA3D-17E08BD86617}"/>
+          </ac:spMkLst>
+        </pc:spChg>
+        <pc:spChg chg="add mod">
+          <ac:chgData name="Simeon Wong" userId="6a6fb664-499b-4396-8c93-53d6c9eb1a86" providerId="ADAL" clId="{6C2B19A1-ADFC-410E-B65E-71C032113A05}" dt="2024-01-06T20:26:45.367" v="5909" actId="20577"/>
+          <ac:spMkLst>
+            <pc:docMk/>
+            <pc:sldMk cId="1681126152" sldId="334"/>
+            <ac:spMk id="74" creationId="{9917A4D2-B825-DCC1-DD61-90B01E038BAD}"/>
+          </ac:spMkLst>
+        </pc:spChg>
+        <pc:spChg chg="add mod">
+          <ac:chgData name="Simeon Wong" userId="6a6fb664-499b-4396-8c93-53d6c9eb1a86" providerId="ADAL" clId="{6C2B19A1-ADFC-410E-B65E-71C032113A05}" dt="2024-01-06T20:27:48.419" v="5961" actId="12789"/>
+          <ac:spMkLst>
+            <pc:docMk/>
+            <pc:sldMk cId="1681126152" sldId="334"/>
+            <ac:spMk id="75" creationId="{D6AA5435-999F-CD84-B9EC-95B9F01EEE10}"/>
+          </ac:spMkLst>
+        </pc:spChg>
+        <pc:spChg chg="add mod">
+          <ac:chgData name="Simeon Wong" userId="6a6fb664-499b-4396-8c93-53d6c9eb1a86" providerId="ADAL" clId="{6C2B19A1-ADFC-410E-B65E-71C032113A05}" dt="2024-01-06T20:27:07.272" v="5932" actId="1076"/>
+          <ac:spMkLst>
+            <pc:docMk/>
+            <pc:sldMk cId="1681126152" sldId="334"/>
+            <ac:spMk id="76" creationId="{3098222A-9ADC-A898-A607-B5DBE646E814}"/>
+          </ac:spMkLst>
+        </pc:spChg>
+        <pc:spChg chg="add mod">
+          <ac:chgData name="Simeon Wong" userId="6a6fb664-499b-4396-8c93-53d6c9eb1a86" providerId="ADAL" clId="{6C2B19A1-ADFC-410E-B65E-71C032113A05}" dt="2024-01-06T20:27:10.806" v="5934" actId="1076"/>
+          <ac:spMkLst>
+            <pc:docMk/>
+            <pc:sldMk cId="1681126152" sldId="334"/>
+            <ac:spMk id="77" creationId="{7642933F-A990-71BD-D3CA-24BF00C5269C}"/>
+          </ac:spMkLst>
+        </pc:spChg>
+        <pc:spChg chg="add mod">
+          <ac:chgData name="Simeon Wong" userId="6a6fb664-499b-4396-8c93-53d6c9eb1a86" providerId="ADAL" clId="{6C2B19A1-ADFC-410E-B65E-71C032113A05}" dt="2024-01-06T20:27:17.856" v="5938" actId="1076"/>
+          <ac:spMkLst>
+            <pc:docMk/>
+            <pc:sldMk cId="1681126152" sldId="334"/>
+            <ac:spMk id="78" creationId="{65BB0B7C-6A9D-2B2E-52DA-3602576901B1}"/>
+          </ac:spMkLst>
+        </pc:spChg>
+        <pc:spChg chg="add mod">
+          <ac:chgData name="Simeon Wong" userId="6a6fb664-499b-4396-8c93-53d6c9eb1a86" providerId="ADAL" clId="{6C2B19A1-ADFC-410E-B65E-71C032113A05}" dt="2024-01-06T20:27:20.779" v="5939" actId="1076"/>
+          <ac:spMkLst>
+            <pc:docMk/>
+            <pc:sldMk cId="1681126152" sldId="334"/>
+            <ac:spMk id="79" creationId="{23F59E93-E2B7-B1AC-9075-622392ECA80E}"/>
+          </ac:spMkLst>
+        </pc:spChg>
+        <pc:spChg chg="add mod">
+          <ac:chgData name="Simeon Wong" userId="6a6fb664-499b-4396-8c93-53d6c9eb1a86" providerId="ADAL" clId="{6C2B19A1-ADFC-410E-B65E-71C032113A05}" dt="2024-01-06T20:27:55.193" v="5984" actId="1038"/>
+          <ac:spMkLst>
+            <pc:docMk/>
+            <pc:sldMk cId="1681126152" sldId="334"/>
+            <ac:spMk id="80" creationId="{EC679CCD-CF02-405A-C337-2F05C57D028A}"/>
+          </ac:spMkLst>
+        </pc:spChg>
+        <pc:spChg chg="add mod">
+          <ac:chgData name="Simeon Wong" userId="6a6fb664-499b-4396-8c93-53d6c9eb1a86" providerId="ADAL" clId="{6C2B19A1-ADFC-410E-B65E-71C032113A05}" dt="2024-01-06T20:33:22.473" v="6277" actId="20577"/>
+          <ac:spMkLst>
+            <pc:docMk/>
+            <pc:sldMk cId="1681126152" sldId="334"/>
+            <ac:spMk id="81" creationId="{3B0F4FC6-242A-AB6A-1AFC-D6228C325D50}"/>
+          </ac:spMkLst>
+        </pc:spChg>
+        <pc:picChg chg="add del mod">
+          <ac:chgData name="Simeon Wong" userId="6a6fb664-499b-4396-8c93-53d6c9eb1a86" providerId="ADAL" clId="{6C2B19A1-ADFC-410E-B65E-71C032113A05}" dt="2024-01-06T20:17:34.321" v="5645" actId="478"/>
+          <ac:picMkLst>
+            <pc:docMk/>
+            <pc:sldMk cId="1681126152" sldId="334"/>
+            <ac:picMk id="6" creationId="{9451A873-2A65-EB32-9162-2550C753FE91}"/>
+          </ac:picMkLst>
+        </pc:picChg>
+        <pc:cxnChg chg="add mod">
+          <ac:chgData name="Simeon Wong" userId="6a6fb664-499b-4396-8c93-53d6c9eb1a86" providerId="ADAL" clId="{6C2B19A1-ADFC-410E-B65E-71C032113A05}" dt="2024-01-06T20:23:15.208" v="5770" actId="1076"/>
+          <ac:cxnSpMkLst>
+            <pc:docMk/>
+            <pc:sldMk cId="1681126152" sldId="334"/>
+            <ac:cxnSpMk id="13" creationId="{6EE24979-E246-0CC9-D044-7DDF002DF783}"/>
+          </ac:cxnSpMkLst>
+        </pc:cxnChg>
+        <pc:cxnChg chg="add mod">
+          <ac:chgData name="Simeon Wong" userId="6a6fb664-499b-4396-8c93-53d6c9eb1a86" providerId="ADAL" clId="{6C2B19A1-ADFC-410E-B65E-71C032113A05}" dt="2024-01-06T20:23:15.208" v="5770" actId="1076"/>
+          <ac:cxnSpMkLst>
+            <pc:docMk/>
+            <pc:sldMk cId="1681126152" sldId="334"/>
+            <ac:cxnSpMk id="15" creationId="{ABFD3466-522A-BA42-5589-37EA4783798A}"/>
+          </ac:cxnSpMkLst>
+        </pc:cxnChg>
+        <pc:cxnChg chg="add mod">
+          <ac:chgData name="Simeon Wong" userId="6a6fb664-499b-4396-8c93-53d6c9eb1a86" providerId="ADAL" clId="{6C2B19A1-ADFC-410E-B65E-71C032113A05}" dt="2024-01-06T20:23:15.208" v="5770" actId="1076"/>
+          <ac:cxnSpMkLst>
+            <pc:docMk/>
+            <pc:sldMk cId="1681126152" sldId="334"/>
+            <ac:cxnSpMk id="18" creationId="{213F1DC1-609B-4769-4A55-01FCCFDA9BAF}"/>
+          </ac:cxnSpMkLst>
+        </pc:cxnChg>
+        <pc:cxnChg chg="add mod">
+          <ac:chgData name="Simeon Wong" userId="6a6fb664-499b-4396-8c93-53d6c9eb1a86" providerId="ADAL" clId="{6C2B19A1-ADFC-410E-B65E-71C032113A05}" dt="2024-01-06T20:24:11.664" v="5779" actId="14100"/>
+          <ac:cxnSpMkLst>
+            <pc:docMk/>
+            <pc:sldMk cId="1681126152" sldId="334"/>
+            <ac:cxnSpMk id="19" creationId="{F4BDFCDC-6F0D-0141-3D6E-DAB709DBE38F}"/>
+          </ac:cxnSpMkLst>
+        </pc:cxnChg>
+        <pc:cxnChg chg="add mod">
+          <ac:chgData name="Simeon Wong" userId="6a6fb664-499b-4396-8c93-53d6c9eb1a86" providerId="ADAL" clId="{6C2B19A1-ADFC-410E-B65E-71C032113A05}" dt="2024-01-06T20:25:08.529" v="5785" actId="1076"/>
+          <ac:cxnSpMkLst>
+            <pc:docMk/>
+            <pc:sldMk cId="1681126152" sldId="334"/>
+            <ac:cxnSpMk id="24" creationId="{C0E98647-5860-2EFC-DF48-C8DAD1078D0C}"/>
+          </ac:cxnSpMkLst>
+        </pc:cxnChg>
+        <pc:cxnChg chg="add mod">
+          <ac:chgData name="Simeon Wong" userId="6a6fb664-499b-4396-8c93-53d6c9eb1a86" providerId="ADAL" clId="{6C2B19A1-ADFC-410E-B65E-71C032113A05}" dt="2024-01-06T20:25:08.529" v="5785" actId="1076"/>
+          <ac:cxnSpMkLst>
+            <pc:docMk/>
+            <pc:sldMk cId="1681126152" sldId="334"/>
+            <ac:cxnSpMk id="36" creationId="{EDB345E0-714F-C4BA-CD54-B0770BA4251B}"/>
+          </ac:cxnSpMkLst>
+        </pc:cxnChg>
+        <pc:cxnChg chg="add mod">
+          <ac:chgData name="Simeon Wong" userId="6a6fb664-499b-4396-8c93-53d6c9eb1a86" providerId="ADAL" clId="{6C2B19A1-ADFC-410E-B65E-71C032113A05}" dt="2024-01-06T20:25:08.529" v="5785" actId="1076"/>
+          <ac:cxnSpMkLst>
+            <pc:docMk/>
+            <pc:sldMk cId="1681126152" sldId="334"/>
+            <ac:cxnSpMk id="38" creationId="{EFFC9FA3-74B6-AC5D-BEB6-3B686196AD90}"/>
+          </ac:cxnSpMkLst>
+        </pc:cxnChg>
+        <pc:cxnChg chg="add mod">
+          <ac:chgData name="Simeon Wong" userId="6a6fb664-499b-4396-8c93-53d6c9eb1a86" providerId="ADAL" clId="{6C2B19A1-ADFC-410E-B65E-71C032113A05}" dt="2024-01-06T20:25:08.529" v="5785" actId="1076"/>
+          <ac:cxnSpMkLst>
+            <pc:docMk/>
+            <pc:sldMk cId="1681126152" sldId="334"/>
+            <ac:cxnSpMk id="40" creationId="{A6DCD28C-3B53-8A21-5677-0C72B354402F}"/>
+          </ac:cxnSpMkLst>
+        </pc:cxnChg>
+        <pc:cxnChg chg="add mod">
+          <ac:chgData name="Simeon Wong" userId="6a6fb664-499b-4396-8c93-53d6c9eb1a86" providerId="ADAL" clId="{6C2B19A1-ADFC-410E-B65E-71C032113A05}" dt="2024-01-06T20:25:08.529" v="5785" actId="1076"/>
+          <ac:cxnSpMkLst>
+            <pc:docMk/>
+            <pc:sldMk cId="1681126152" sldId="334"/>
+            <ac:cxnSpMk id="42" creationId="{0471E211-D52F-EC23-9A21-F3DD7B08461C}"/>
+          </ac:cxnSpMkLst>
+        </pc:cxnChg>
+        <pc:cxnChg chg="add mod">
+          <ac:chgData name="Simeon Wong" userId="6a6fb664-499b-4396-8c93-53d6c9eb1a86" providerId="ADAL" clId="{6C2B19A1-ADFC-410E-B65E-71C032113A05}" dt="2024-01-06T20:25:08.529" v="5785" actId="1076"/>
+          <ac:cxnSpMkLst>
+            <pc:docMk/>
+            <pc:sldMk cId="1681126152" sldId="334"/>
+            <ac:cxnSpMk id="44" creationId="{9EF9B9C2-1C25-36AA-A444-5414CF7A8EDD}"/>
+          </ac:cxnSpMkLst>
+        </pc:cxnChg>
+        <pc:cxnChg chg="add mod">
+          <ac:chgData name="Simeon Wong" userId="6a6fb664-499b-4396-8c93-53d6c9eb1a86" providerId="ADAL" clId="{6C2B19A1-ADFC-410E-B65E-71C032113A05}" dt="2024-01-06T20:25:08.529" v="5785" actId="1076"/>
+          <ac:cxnSpMkLst>
+            <pc:docMk/>
+            <pc:sldMk cId="1681126152" sldId="334"/>
+            <ac:cxnSpMk id="46" creationId="{ACCA7AC1-401C-5483-2307-00DC8E5661E6}"/>
+          </ac:cxnSpMkLst>
+        </pc:cxnChg>
+        <pc:cxnChg chg="add mod">
+          <ac:chgData name="Simeon Wong" userId="6a6fb664-499b-4396-8c93-53d6c9eb1a86" providerId="ADAL" clId="{6C2B19A1-ADFC-410E-B65E-71C032113A05}" dt="2024-01-06T20:25:00.483" v="5784" actId="1582"/>
+          <ac:cxnSpMkLst>
+            <pc:docMk/>
+            <pc:sldMk cId="1681126152" sldId="334"/>
+            <ac:cxnSpMk id="48" creationId="{5C3071B7-1886-5EA9-14E6-EAC5EAA8EB9D}"/>
+          </ac:cxnSpMkLst>
+        </pc:cxnChg>
+        <pc:cxnChg chg="add del mod">
+          <ac:chgData name="Simeon Wong" userId="6a6fb664-499b-4396-8c93-53d6c9eb1a86" providerId="ADAL" clId="{6C2B19A1-ADFC-410E-B65E-71C032113A05}" dt="2024-01-06T20:22:59.685" v="5765" actId="478"/>
+          <ac:cxnSpMkLst>
+            <pc:docMk/>
+            <pc:sldMk cId="1681126152" sldId="334"/>
+            <ac:cxnSpMk id="54" creationId="{A2DE06D5-AB31-6BF6-608A-15ADF1C24682}"/>
+          </ac:cxnSpMkLst>
+        </pc:cxnChg>
+        <pc:cxnChg chg="add mod">
+          <ac:chgData name="Simeon Wong" userId="6a6fb664-499b-4396-8c93-53d6c9eb1a86" providerId="ADAL" clId="{6C2B19A1-ADFC-410E-B65E-71C032113A05}" dt="2024-01-06T20:25:00.483" v="5784" actId="1582"/>
+          <ac:cxnSpMkLst>
+            <pc:docMk/>
+            <pc:sldMk cId="1681126152" sldId="334"/>
+            <ac:cxnSpMk id="60" creationId="{7FD2282C-F764-9F14-1E9F-EA745E8399FD}"/>
+          </ac:cxnSpMkLst>
+        </pc:cxnChg>
+      </pc:sldChg>
+      <pc:sldChg chg="addSp modSp new mod">
+        <pc:chgData name="Simeon Wong" userId="6a6fb664-499b-4396-8c93-53d6c9eb1a86" providerId="ADAL" clId="{6C2B19A1-ADFC-410E-B65E-71C032113A05}" dt="2024-01-06T20:52:01.739" v="6866"/>
+        <pc:sldMkLst>
+          <pc:docMk/>
+          <pc:sldMk cId="3940674962" sldId="335"/>
+        </pc:sldMkLst>
+        <pc:spChg chg="mod">
+          <ac:chgData name="Simeon Wong" userId="6a6fb664-499b-4396-8c93-53d6c9eb1a86" providerId="ADAL" clId="{6C2B19A1-ADFC-410E-B65E-71C032113A05}" dt="2024-01-06T20:40:49.971" v="6375" actId="20577"/>
+          <ac:spMkLst>
+            <pc:docMk/>
+            <pc:sldMk cId="3940674962" sldId="335"/>
+            <ac:spMk id="2" creationId="{ED95BB5C-2981-ECE2-1930-82BE133CC244}"/>
+          </ac:spMkLst>
+        </pc:spChg>
+        <pc:spChg chg="mod">
+          <ac:chgData name="Simeon Wong" userId="6a6fb664-499b-4396-8c93-53d6c9eb1a86" providerId="ADAL" clId="{6C2B19A1-ADFC-410E-B65E-71C032113A05}" dt="2024-01-06T20:52:01.739" v="6866"/>
+          <ac:spMkLst>
+            <pc:docMk/>
+            <pc:sldMk cId="3940674962" sldId="335"/>
+            <ac:spMk id="5" creationId="{A7F0CD72-2806-B7D9-958C-E7450E424A57}"/>
+          </ac:spMkLst>
+        </pc:spChg>
+        <pc:picChg chg="add mod">
+          <ac:chgData name="Simeon Wong" userId="6a6fb664-499b-4396-8c93-53d6c9eb1a86" providerId="ADAL" clId="{6C2B19A1-ADFC-410E-B65E-71C032113A05}" dt="2024-01-06T20:39:33.598" v="6334" actId="1076"/>
+          <ac:picMkLst>
+            <pc:docMk/>
+            <pc:sldMk cId="3940674962" sldId="335"/>
+            <ac:picMk id="7" creationId="{36389491-A966-CCF4-5BE3-D71EFFE3894C}"/>
+          </ac:picMkLst>
+        </pc:picChg>
+      </pc:sldChg>
+      <pc:sldChg chg="addSp delSp modSp new mod">
+        <pc:chgData name="Simeon Wong" userId="6a6fb664-499b-4396-8c93-53d6c9eb1a86" providerId="ADAL" clId="{6C2B19A1-ADFC-410E-B65E-71C032113A05}" dt="2024-01-06T20:52:04.929" v="6867"/>
+        <pc:sldMkLst>
+          <pc:docMk/>
+          <pc:sldMk cId="1801656646" sldId="336"/>
+        </pc:sldMkLst>
+        <pc:spChg chg="mod">
+          <ac:chgData name="Simeon Wong" userId="6a6fb664-499b-4396-8c93-53d6c9eb1a86" providerId="ADAL" clId="{6C2B19A1-ADFC-410E-B65E-71C032113A05}" dt="2024-01-06T20:40:44.145" v="6373" actId="20577"/>
+          <ac:spMkLst>
+            <pc:docMk/>
+            <pc:sldMk cId="1801656646" sldId="336"/>
+            <ac:spMk id="2" creationId="{393DCBEC-3E38-FCD4-3ADC-83DD4A364952}"/>
+          </ac:spMkLst>
+        </pc:spChg>
+        <pc:spChg chg="del">
+          <ac:chgData name="Simeon Wong" userId="6a6fb664-499b-4396-8c93-53d6c9eb1a86" providerId="ADAL" clId="{6C2B19A1-ADFC-410E-B65E-71C032113A05}" dt="2024-01-06T20:40:40.872" v="6371" actId="22"/>
+          <ac:spMkLst>
+            <pc:docMk/>
+            <pc:sldMk cId="1801656646" sldId="336"/>
+            <ac:spMk id="3" creationId="{CA441C2E-54F5-4212-8D0A-2CEBB12852AD}"/>
+          </ac:spMkLst>
+        </pc:spChg>
+        <pc:spChg chg="mod">
+          <ac:chgData name="Simeon Wong" userId="6a6fb664-499b-4396-8c93-53d6c9eb1a86" providerId="ADAL" clId="{6C2B19A1-ADFC-410E-B65E-71C032113A05}" dt="2024-01-06T20:52:04.929" v="6867"/>
+          <ac:spMkLst>
+            <pc:docMk/>
+            <pc:sldMk cId="1801656646" sldId="336"/>
+            <ac:spMk id="5" creationId="{2BF2906E-E669-92FF-26DB-85394F98446F}"/>
+          </ac:spMkLst>
+        </pc:spChg>
+        <pc:picChg chg="add mod ord">
+          <ac:chgData name="Simeon Wong" userId="6a6fb664-499b-4396-8c93-53d6c9eb1a86" providerId="ADAL" clId="{6C2B19A1-ADFC-410E-B65E-71C032113A05}" dt="2024-01-06T20:41:29.365" v="6382" actId="1076"/>
+          <ac:picMkLst>
+            <pc:docMk/>
+            <pc:sldMk cId="1801656646" sldId="336"/>
+            <ac:picMk id="7" creationId="{35A879A1-C0B0-FC8B-A1AA-5007033FB570}"/>
+          </ac:picMkLst>
+        </pc:picChg>
+        <pc:picChg chg="add mod">
+          <ac:chgData name="Simeon Wong" userId="6a6fb664-499b-4396-8c93-53d6c9eb1a86" providerId="ADAL" clId="{6C2B19A1-ADFC-410E-B65E-71C032113A05}" dt="2024-01-06T20:41:30.618" v="6383" actId="1076"/>
+          <ac:picMkLst>
+            <pc:docMk/>
+            <pc:sldMk cId="1801656646" sldId="336"/>
+            <ac:picMk id="9" creationId="{8C82B9AF-587A-CBDB-1586-70A0569B2345}"/>
+          </ac:picMkLst>
+        </pc:picChg>
+      </pc:sldChg>
+      <pc:sldChg chg="addSp delSp modSp new mod">
+        <pc:chgData name="Simeon Wong" userId="6a6fb664-499b-4396-8c93-53d6c9eb1a86" providerId="ADAL" clId="{6C2B19A1-ADFC-410E-B65E-71C032113A05}" dt="2024-01-06T20:52:07.659" v="6868"/>
+        <pc:sldMkLst>
+          <pc:docMk/>
+          <pc:sldMk cId="3459658886" sldId="337"/>
+        </pc:sldMkLst>
+        <pc:spChg chg="mod">
+          <ac:chgData name="Simeon Wong" userId="6a6fb664-499b-4396-8c93-53d6c9eb1a86" providerId="ADAL" clId="{6C2B19A1-ADFC-410E-B65E-71C032113A05}" dt="2024-01-06T20:42:19.720" v="6417" actId="20577"/>
+          <ac:spMkLst>
+            <pc:docMk/>
+            <pc:sldMk cId="3459658886" sldId="337"/>
+            <ac:spMk id="2" creationId="{0E0B3D46-52F9-1BCB-6300-41506BC7034F}"/>
+          </ac:spMkLst>
+        </pc:spChg>
+        <pc:spChg chg="del">
+          <ac:chgData name="Simeon Wong" userId="6a6fb664-499b-4396-8c93-53d6c9eb1a86" providerId="ADAL" clId="{6C2B19A1-ADFC-410E-B65E-71C032113A05}" dt="2024-01-06T20:42:29.405" v="6419" actId="478"/>
+          <ac:spMkLst>
+            <pc:docMk/>
+            <pc:sldMk cId="3459658886" sldId="337"/>
+            <ac:spMk id="3" creationId="{FB2FD7EB-E40D-B4D5-BB5C-8A55B0DE249A}"/>
+          </ac:spMkLst>
+        </pc:spChg>
+        <pc:spChg chg="mod">
+          <ac:chgData name="Simeon Wong" userId="6a6fb664-499b-4396-8c93-53d6c9eb1a86" providerId="ADAL" clId="{6C2B19A1-ADFC-410E-B65E-71C032113A05}" dt="2024-01-06T20:52:07.659" v="6868"/>
+          <ac:spMkLst>
+            <pc:docMk/>
+            <pc:sldMk cId="3459658886" sldId="337"/>
+            <ac:spMk id="5" creationId="{D1FC6D71-57DC-9DCB-520E-5BC945ED4EFE}"/>
+          </ac:spMkLst>
+        </pc:spChg>
+        <pc:spChg chg="add del mod">
+          <ac:chgData name="Simeon Wong" userId="6a6fb664-499b-4396-8c93-53d6c9eb1a86" providerId="ADAL" clId="{6C2B19A1-ADFC-410E-B65E-71C032113A05}" dt="2024-01-06T20:43:23.695" v="6431" actId="478"/>
+          <ac:spMkLst>
+            <pc:docMk/>
+            <pc:sldMk cId="3459658886" sldId="337"/>
+            <ac:spMk id="10" creationId="{7F916D2E-B8D7-34A1-F33C-020A18481D20}"/>
+          </ac:spMkLst>
+        </pc:spChg>
+        <pc:spChg chg="add mod">
+          <ac:chgData name="Simeon Wong" userId="6a6fb664-499b-4396-8c93-53d6c9eb1a86" providerId="ADAL" clId="{6C2B19A1-ADFC-410E-B65E-71C032113A05}" dt="2024-01-06T20:43:39.494" v="6436" actId="1076"/>
+          <ac:spMkLst>
+            <pc:docMk/>
+            <pc:sldMk cId="3459658886" sldId="337"/>
+            <ac:spMk id="11" creationId="{199B04CF-4652-5D9E-609A-36C010D9B8D1}"/>
+          </ac:spMkLst>
+        </pc:spChg>
+        <pc:picChg chg="add del mod">
+          <ac:chgData name="Simeon Wong" userId="6a6fb664-499b-4396-8c93-53d6c9eb1a86" providerId="ADAL" clId="{6C2B19A1-ADFC-410E-B65E-71C032113A05}" dt="2024-01-06T20:42:51.063" v="6423" actId="22"/>
+          <ac:picMkLst>
+            <pc:docMk/>
+            <pc:sldMk cId="3459658886" sldId="337"/>
+            <ac:picMk id="7" creationId="{323FC3BD-DCE6-2836-CFB2-272ED3EBAEC7}"/>
+          </ac:picMkLst>
+        </pc:picChg>
+        <pc:picChg chg="add mod">
+          <ac:chgData name="Simeon Wong" userId="6a6fb664-499b-4396-8c93-53d6c9eb1a86" providerId="ADAL" clId="{6C2B19A1-ADFC-410E-B65E-71C032113A05}" dt="2024-01-06T20:43:07.905" v="6426" actId="1076"/>
+          <ac:picMkLst>
+            <pc:docMk/>
+            <pc:sldMk cId="3459658886" sldId="337"/>
+            <ac:picMk id="9" creationId="{31271767-453B-41A6-A481-A5C11F3DA019}"/>
+          </ac:picMkLst>
+        </pc:picChg>
+      </pc:sldChg>
+      <pc:sldChg chg="addSp delSp modSp new mod">
+        <pc:chgData name="Simeon Wong" userId="6a6fb664-499b-4396-8c93-53d6c9eb1a86" providerId="ADAL" clId="{6C2B19A1-ADFC-410E-B65E-71C032113A05}" dt="2024-01-06T20:59:52.488" v="6912" actId="1076"/>
+        <pc:sldMkLst>
+          <pc:docMk/>
+          <pc:sldMk cId="98814715" sldId="338"/>
+        </pc:sldMkLst>
+        <pc:spChg chg="mod">
+          <ac:chgData name="Simeon Wong" userId="6a6fb664-499b-4396-8c93-53d6c9eb1a86" providerId="ADAL" clId="{6C2B19A1-ADFC-410E-B65E-71C032113A05}" dt="2024-01-06T20:44:50.422" v="6452" actId="20577"/>
+          <ac:spMkLst>
+            <pc:docMk/>
+            <pc:sldMk cId="98814715" sldId="338"/>
+            <ac:spMk id="2" creationId="{785B07C6-ABF1-0566-C5A2-2B6A22EC8F68}"/>
+          </ac:spMkLst>
+        </pc:spChg>
+        <pc:spChg chg="del">
+          <ac:chgData name="Simeon Wong" userId="6a6fb664-499b-4396-8c93-53d6c9eb1a86" providerId="ADAL" clId="{6C2B19A1-ADFC-410E-B65E-71C032113A05}" dt="2024-01-06T20:45:07.981" v="6454" actId="478"/>
+          <ac:spMkLst>
+            <pc:docMk/>
+            <pc:sldMk cId="98814715" sldId="338"/>
+            <ac:spMk id="3" creationId="{67CA7BD9-37D5-C74B-06D0-1E26435D3B5B}"/>
+          </ac:spMkLst>
+        </pc:spChg>
+        <pc:spChg chg="mod">
+          <ac:chgData name="Simeon Wong" userId="6a6fb664-499b-4396-8c93-53d6c9eb1a86" providerId="ADAL" clId="{6C2B19A1-ADFC-410E-B65E-71C032113A05}" dt="2024-01-06T20:52:10.278" v="6869"/>
+          <ac:spMkLst>
+            <pc:docMk/>
+            <pc:sldMk cId="98814715" sldId="338"/>
+            <ac:spMk id="5" creationId="{B17E1C1F-666F-5AF0-9E6D-69676AC95C06}"/>
+          </ac:spMkLst>
+        </pc:spChg>
+        <pc:picChg chg="add mod">
+          <ac:chgData name="Simeon Wong" userId="6a6fb664-499b-4396-8c93-53d6c9eb1a86" providerId="ADAL" clId="{6C2B19A1-ADFC-410E-B65E-71C032113A05}" dt="2024-01-06T20:45:11.892" v="6457" actId="1076"/>
+          <ac:picMkLst>
+            <pc:docMk/>
+            <pc:sldMk cId="98814715" sldId="338"/>
+            <ac:picMk id="7" creationId="{61A7D368-F0A9-8441-8AC0-FFF2A1EA5E35}"/>
+          </ac:picMkLst>
+        </pc:picChg>
+        <pc:picChg chg="add mod">
+          <ac:chgData name="Simeon Wong" userId="6a6fb664-499b-4396-8c93-53d6c9eb1a86" providerId="ADAL" clId="{6C2B19A1-ADFC-410E-B65E-71C032113A05}" dt="2024-01-06T20:59:52.488" v="6912" actId="1076"/>
+          <ac:picMkLst>
+            <pc:docMk/>
+            <pc:sldMk cId="98814715" sldId="338"/>
+            <ac:picMk id="9" creationId="{51C3BB5A-6A64-AE43-0770-A61C6BD5C845}"/>
+          </ac:picMkLst>
+        </pc:picChg>
+      </pc:sldChg>
+      <pc:sldChg chg="addSp delSp modSp new mod">
+        <pc:chgData name="Simeon Wong" userId="6a6fb664-499b-4396-8c93-53d6c9eb1a86" providerId="ADAL" clId="{6C2B19A1-ADFC-410E-B65E-71C032113A05}" dt="2024-01-06T20:52:18.479" v="6872"/>
+        <pc:sldMkLst>
+          <pc:docMk/>
+          <pc:sldMk cId="1004436770" sldId="339"/>
+        </pc:sldMkLst>
+        <pc:spChg chg="mod">
+          <ac:chgData name="Simeon Wong" userId="6a6fb664-499b-4396-8c93-53d6c9eb1a86" providerId="ADAL" clId="{6C2B19A1-ADFC-410E-B65E-71C032113A05}" dt="2024-01-06T20:45:23.519" v="6502" actId="20577"/>
+          <ac:spMkLst>
+            <pc:docMk/>
+            <pc:sldMk cId="1004436770" sldId="339"/>
+            <ac:spMk id="2" creationId="{38BF372A-0131-4ED2-65F8-712EBE06362D}"/>
+          </ac:spMkLst>
+        </pc:spChg>
+        <pc:spChg chg="mod">
+          <ac:chgData name="Simeon Wong" userId="6a6fb664-499b-4396-8c93-53d6c9eb1a86" providerId="ADAL" clId="{6C2B19A1-ADFC-410E-B65E-71C032113A05}" dt="2024-01-06T20:49:44.972" v="6793" actId="20577"/>
+          <ac:spMkLst>
+            <pc:docMk/>
+            <pc:sldMk cId="1004436770" sldId="339"/>
+            <ac:spMk id="3" creationId="{43F3C55D-C850-E1E9-5494-DF0B5A0663C6}"/>
+          </ac:spMkLst>
+        </pc:spChg>
+        <pc:spChg chg="mod">
+          <ac:chgData name="Simeon Wong" userId="6a6fb664-499b-4396-8c93-53d6c9eb1a86" providerId="ADAL" clId="{6C2B19A1-ADFC-410E-B65E-71C032113A05}" dt="2024-01-06T20:52:18.479" v="6872"/>
+          <ac:spMkLst>
+            <pc:docMk/>
+            <pc:sldMk cId="1004436770" sldId="339"/>
+            <ac:spMk id="5" creationId="{CDEC9D63-96F7-D3FE-A4BD-19CC0A4655E9}"/>
+          </ac:spMkLst>
+        </pc:spChg>
+        <pc:spChg chg="add del">
+          <ac:chgData name="Simeon Wong" userId="6a6fb664-499b-4396-8c93-53d6c9eb1a86" providerId="ADAL" clId="{6C2B19A1-ADFC-410E-B65E-71C032113A05}" dt="2024-01-06T20:48:28.434" v="6673" actId="22"/>
+          <ac:spMkLst>
+            <pc:docMk/>
+            <pc:sldMk cId="1004436770" sldId="339"/>
+            <ac:spMk id="7" creationId="{B54CECC3-6870-6420-E73C-9B2801F0B3C7}"/>
+          </ac:spMkLst>
+        </pc:spChg>
+        <pc:spChg chg="add mod">
+          <ac:chgData name="Simeon Wong" userId="6a6fb664-499b-4396-8c93-53d6c9eb1a86" providerId="ADAL" clId="{6C2B19A1-ADFC-410E-B65E-71C032113A05}" dt="2024-01-06T20:51:28.516" v="6846" actId="20577"/>
+          <ac:spMkLst>
+            <pc:docMk/>
+            <pc:sldMk cId="1004436770" sldId="339"/>
+            <ac:spMk id="8" creationId="{E152B6B2-E07A-B79F-19D3-9CFEE5FB782C}"/>
+          </ac:spMkLst>
+        </pc:spChg>
+      </pc:sldChg>
+      <pc:sldChg chg="addSp delSp modSp new mod">
+        <pc:chgData name="Simeon Wong" userId="6a6fb664-499b-4396-8c93-53d6c9eb1a86" providerId="ADAL" clId="{6C2B19A1-ADFC-410E-B65E-71C032113A05}" dt="2024-01-06T20:55:15.494" v="6909" actId="1582"/>
+        <pc:sldMkLst>
+          <pc:docMk/>
+          <pc:sldMk cId="2366904233" sldId="340"/>
+        </pc:sldMkLst>
+        <pc:spChg chg="mod">
+          <ac:chgData name="Simeon Wong" userId="6a6fb664-499b-4396-8c93-53d6c9eb1a86" providerId="ADAL" clId="{6C2B19A1-ADFC-410E-B65E-71C032113A05}" dt="2024-01-06T20:54:59.158" v="6903" actId="20577"/>
+          <ac:spMkLst>
+            <pc:docMk/>
+            <pc:sldMk cId="2366904233" sldId="340"/>
+            <ac:spMk id="2" creationId="{E2BCB830-9C98-07FF-F4B5-587143AD9121}"/>
+          </ac:spMkLst>
+        </pc:spChg>
+        <pc:spChg chg="del">
+          <ac:chgData name="Simeon Wong" userId="6a6fb664-499b-4396-8c93-53d6c9eb1a86" providerId="ADAL" clId="{6C2B19A1-ADFC-410E-B65E-71C032113A05}" dt="2024-01-06T20:54:50.155" v="6887" actId="478"/>
+          <ac:spMkLst>
+            <pc:docMk/>
+            <pc:sldMk cId="2366904233" sldId="340"/>
+            <ac:spMk id="3" creationId="{C90CAEC2-D0D0-5E3A-5CB6-F8FBA7CD5016}"/>
+          </ac:spMkLst>
+        </pc:spChg>
+        <pc:spChg chg="add mod">
+          <ac:chgData name="Simeon Wong" userId="6a6fb664-499b-4396-8c93-53d6c9eb1a86" providerId="ADAL" clId="{6C2B19A1-ADFC-410E-B65E-71C032113A05}" dt="2024-01-06T20:55:15.494" v="6909" actId="1582"/>
+          <ac:spMkLst>
+            <pc:docMk/>
+            <pc:sldMk cId="2366904233" sldId="340"/>
+            <ac:spMk id="8" creationId="{9D277760-6FEE-3975-EA6A-EF55364E138A}"/>
+          </ac:spMkLst>
+        </pc:spChg>
+        <pc:picChg chg="add mod">
+          <ac:chgData name="Simeon Wong" userId="6a6fb664-499b-4396-8c93-53d6c9eb1a86" providerId="ADAL" clId="{6C2B19A1-ADFC-410E-B65E-71C032113A05}" dt="2024-01-06T20:55:04.076" v="6905" actId="1076"/>
+          <ac:picMkLst>
+            <pc:docMk/>
+            <pc:sldMk cId="2366904233" sldId="340"/>
+            <ac:picMk id="7" creationId="{FCBAD359-D4F1-0492-8003-8115D7A006D6}"/>
+          </ac:picMkLst>
+        </pc:picChg>
+      </pc:sldChg>
+      <pc:sldChg chg="addSp modSp new mod">
+        <pc:chgData name="Simeon Wong" userId="6a6fb664-499b-4396-8c93-53d6c9eb1a86" providerId="ADAL" clId="{6C2B19A1-ADFC-410E-B65E-71C032113A05}" dt="2024-01-06T21:06:49.627" v="7009" actId="20577"/>
+        <pc:sldMkLst>
+          <pc:docMk/>
+          <pc:sldMk cId="3333508014" sldId="341"/>
+        </pc:sldMkLst>
+        <pc:spChg chg="mod">
+          <ac:chgData name="Simeon Wong" userId="6a6fb664-499b-4396-8c93-53d6c9eb1a86" providerId="ADAL" clId="{6C2B19A1-ADFC-410E-B65E-71C032113A05}" dt="2024-01-06T21:06:44.296" v="7006" actId="20577"/>
+          <ac:spMkLst>
+            <pc:docMk/>
+            <pc:sldMk cId="3333508014" sldId="341"/>
+            <ac:spMk id="2" creationId="{CAA25FB0-05E9-E92C-E1C8-4597E4B100DE}"/>
+          </ac:spMkLst>
+        </pc:spChg>
+        <pc:spChg chg="mod">
+          <ac:chgData name="Simeon Wong" userId="6a6fb664-499b-4396-8c93-53d6c9eb1a86" providerId="ADAL" clId="{6C2B19A1-ADFC-410E-B65E-71C032113A05}" dt="2024-01-06T21:06:49.627" v="7009" actId="20577"/>
+          <ac:spMkLst>
+            <pc:docMk/>
+            <pc:sldMk cId="3333508014" sldId="341"/>
+            <ac:spMk id="5" creationId="{8423E6C3-774E-B676-7BBD-AC1029A462A8}"/>
+          </ac:spMkLst>
+        </pc:spChg>
+        <pc:spChg chg="add mod">
+          <ac:chgData name="Simeon Wong" userId="6a6fb664-499b-4396-8c93-53d6c9eb1a86" providerId="ADAL" clId="{6C2B19A1-ADFC-410E-B65E-71C032113A05}" dt="2024-01-06T21:06:36.231" v="6974" actId="1582"/>
+          <ac:spMkLst>
+            <pc:docMk/>
+            <pc:sldMk cId="3333508014" sldId="341"/>
+            <ac:spMk id="8" creationId="{50985344-8FB7-83A4-5BA2-53AC811B7EE1}"/>
+          </ac:spMkLst>
+        </pc:spChg>
+        <pc:picChg chg="add mod">
+          <ac:chgData name="Simeon Wong" userId="6a6fb664-499b-4396-8c93-53d6c9eb1a86" providerId="ADAL" clId="{6C2B19A1-ADFC-410E-B65E-71C032113A05}" dt="2024-01-06T21:02:09.523" v="6916" actId="1076"/>
+          <ac:picMkLst>
+            <pc:docMk/>
+            <pc:sldMk cId="3333508014" sldId="341"/>
+            <ac:picMk id="7" creationId="{603D82A9-2250-7836-E4CC-9A8A95BBB6F8}"/>
+          </ac:picMkLst>
+        </pc:picChg>
+      </pc:sldChg>
+      <pc:sldChg chg="addSp modSp new mod">
+        <pc:chgData name="Simeon Wong" userId="6a6fb664-499b-4396-8c93-53d6c9eb1a86" providerId="ADAL" clId="{6C2B19A1-ADFC-410E-B65E-71C032113A05}" dt="2024-01-06T21:06:18.404" v="6971" actId="1076"/>
+        <pc:sldMkLst>
+          <pc:docMk/>
+          <pc:sldMk cId="2251103811" sldId="342"/>
+        </pc:sldMkLst>
+        <pc:spChg chg="mod">
+          <ac:chgData name="Simeon Wong" userId="6a6fb664-499b-4396-8c93-53d6c9eb1a86" providerId="ADAL" clId="{6C2B19A1-ADFC-410E-B65E-71C032113A05}" dt="2024-01-06T21:06:10.490" v="6969" actId="20577"/>
+          <ac:spMkLst>
+            <pc:docMk/>
+            <pc:sldMk cId="2251103811" sldId="342"/>
+            <ac:spMk id="2" creationId="{990872C2-6A98-2D31-44E0-395DC9CE4FDD}"/>
+          </ac:spMkLst>
+        </pc:spChg>
+        <pc:spChg chg="mod">
+          <ac:chgData name="Simeon Wong" userId="6a6fb664-499b-4396-8c93-53d6c9eb1a86" providerId="ADAL" clId="{6C2B19A1-ADFC-410E-B65E-71C032113A05}" dt="2024-01-06T21:06:15.763" v="6970"/>
+          <ac:spMkLst>
+            <pc:docMk/>
+            <pc:sldMk cId="2251103811" sldId="342"/>
+            <ac:spMk id="5" creationId="{C6DB4D2F-E876-CDBA-DECE-26E61245D411}"/>
+          </ac:spMkLst>
+        </pc:spChg>
+        <pc:picChg chg="add mod">
+          <ac:chgData name="Simeon Wong" userId="6a6fb664-499b-4396-8c93-53d6c9eb1a86" providerId="ADAL" clId="{6C2B19A1-ADFC-410E-B65E-71C032113A05}" dt="2024-01-06T21:06:18.404" v="6971" actId="1076"/>
+          <ac:picMkLst>
+            <pc:docMk/>
+            <pc:sldMk cId="2251103811" sldId="342"/>
+            <ac:picMk id="7" creationId="{04443DE0-9E7E-5D2B-C741-B7D01C2DBEDE}"/>
+          </ac:picMkLst>
+        </pc:picChg>
+      </pc:sldChg>
+      <pc:sldChg chg="addSp modSp new mod">
+        <pc:chgData name="Simeon Wong" userId="6a6fb664-499b-4396-8c93-53d6c9eb1a86" providerId="ADAL" clId="{6C2B19A1-ADFC-410E-B65E-71C032113A05}" dt="2024-01-06T21:07:45.086" v="7136" actId="1076"/>
+        <pc:sldMkLst>
+          <pc:docMk/>
+          <pc:sldMk cId="4119954579" sldId="343"/>
+        </pc:sldMkLst>
+        <pc:spChg chg="mod">
+          <ac:chgData name="Simeon Wong" userId="6a6fb664-499b-4396-8c93-53d6c9eb1a86" providerId="ADAL" clId="{6C2B19A1-ADFC-410E-B65E-71C032113A05}" dt="2024-01-06T21:07:20.643" v="7038" actId="20577"/>
+          <ac:spMkLst>
+            <pc:docMk/>
+            <pc:sldMk cId="4119954579" sldId="343"/>
+            <ac:spMk id="2" creationId="{35CEAAFD-FE8F-3CEA-3506-4A485DB7A9FC}"/>
+          </ac:spMkLst>
+        </pc:spChg>
+        <pc:spChg chg="mod">
+          <ac:chgData name="Simeon Wong" userId="6a6fb664-499b-4396-8c93-53d6c9eb1a86" providerId="ADAL" clId="{6C2B19A1-ADFC-410E-B65E-71C032113A05}" dt="2024-01-06T21:07:41.218" v="7135" actId="20577"/>
+          <ac:spMkLst>
+            <pc:docMk/>
+            <pc:sldMk cId="4119954579" sldId="343"/>
+            <ac:spMk id="3" creationId="{B435FB1E-841B-15D5-AD4E-495D7DAA0BFF}"/>
+          </ac:spMkLst>
+        </pc:spChg>
+        <pc:spChg chg="mod">
+          <ac:chgData name="Simeon Wong" userId="6a6fb664-499b-4396-8c93-53d6c9eb1a86" providerId="ADAL" clId="{6C2B19A1-ADFC-410E-B65E-71C032113A05}" dt="2024-01-06T21:07:25.801" v="7039"/>
+          <ac:spMkLst>
+            <pc:docMk/>
+            <pc:sldMk cId="4119954579" sldId="343"/>
+            <ac:spMk id="5" creationId="{90862503-45EE-1B26-27BF-0DCB418AD871}"/>
+          </ac:spMkLst>
+        </pc:spChg>
+        <pc:picChg chg="add mod">
+          <ac:chgData name="Simeon Wong" userId="6a6fb664-499b-4396-8c93-53d6c9eb1a86" providerId="ADAL" clId="{6C2B19A1-ADFC-410E-B65E-71C032113A05}" dt="2024-01-06T21:07:45.086" v="7136" actId="1076"/>
+          <ac:picMkLst>
+            <pc:docMk/>
+            <pc:sldMk cId="4119954579" sldId="343"/>
+            <ac:picMk id="7" creationId="{0659A19A-79AB-E64B-C11E-9AB0F8C0625E}"/>
+          </ac:picMkLst>
+        </pc:picChg>
+      </pc:sldChg>
+      <pc:sldChg chg="modSp new mod">
+        <pc:chgData name="Simeon Wong" userId="6a6fb664-499b-4396-8c93-53d6c9eb1a86" providerId="ADAL" clId="{6C2B19A1-ADFC-410E-B65E-71C032113A05}" dt="2024-01-06T21:11:11.928" v="7739" actId="20577"/>
+        <pc:sldMkLst>
+          <pc:docMk/>
+          <pc:sldMk cId="3499757819" sldId="344"/>
+        </pc:sldMkLst>
+        <pc:spChg chg="mod">
+          <ac:chgData name="Simeon Wong" userId="6a6fb664-499b-4396-8c93-53d6c9eb1a86" providerId="ADAL" clId="{6C2B19A1-ADFC-410E-B65E-71C032113A05}" dt="2024-01-06T21:09:00.754" v="7195" actId="20577"/>
+          <ac:spMkLst>
+            <pc:docMk/>
+            <pc:sldMk cId="3499757819" sldId="344"/>
+            <ac:spMk id="2" creationId="{DBF8B0B4-28BA-1273-D096-108DFE77F67F}"/>
+          </ac:spMkLst>
+        </pc:spChg>
+        <pc:spChg chg="mod">
+          <ac:chgData name="Simeon Wong" userId="6a6fb664-499b-4396-8c93-53d6c9eb1a86" providerId="ADAL" clId="{6C2B19A1-ADFC-410E-B65E-71C032113A05}" dt="2024-01-06T21:11:11.928" v="7739" actId="20577"/>
+          <ac:spMkLst>
+            <pc:docMk/>
+            <pc:sldMk cId="3499757819" sldId="344"/>
+            <ac:spMk id="3" creationId="{2685782B-59CE-3916-03A4-BE03AAF9D3C4}"/>
+          </ac:spMkLst>
+        </pc:spChg>
+        <pc:spChg chg="mod">
+          <ac:chgData name="Simeon Wong" userId="6a6fb664-499b-4396-8c93-53d6c9eb1a86" providerId="ADAL" clId="{6C2B19A1-ADFC-410E-B65E-71C032113A05}" dt="2024-01-06T21:09:07.578" v="7196"/>
+          <ac:spMkLst>
+            <pc:docMk/>
+            <pc:sldMk cId="3499757819" sldId="344"/>
+            <ac:spMk id="5" creationId="{01263A3F-D07B-82BD-9B2C-D4305BE76871}"/>
+          </ac:spMkLst>
+        </pc:spChg>
+      </pc:sldChg>
+      <pc:sldChg chg="modSp new mod">
+        <pc:chgData name="Simeon Wong" userId="6a6fb664-499b-4396-8c93-53d6c9eb1a86" providerId="ADAL" clId="{6C2B19A1-ADFC-410E-B65E-71C032113A05}" dt="2024-01-06T21:22:14.578" v="8409" actId="20577"/>
+        <pc:sldMkLst>
+          <pc:docMk/>
+          <pc:sldMk cId="1302102575" sldId="345"/>
+        </pc:sldMkLst>
+        <pc:spChg chg="mod">
+          <ac:chgData name="Simeon Wong" userId="6a6fb664-499b-4396-8c93-53d6c9eb1a86" providerId="ADAL" clId="{6C2B19A1-ADFC-410E-B65E-71C032113A05}" dt="2024-01-06T21:12:07.814" v="7799" actId="20577"/>
+          <ac:spMkLst>
+            <pc:docMk/>
+            <pc:sldMk cId="1302102575" sldId="345"/>
+            <ac:spMk id="2" creationId="{D30AA25A-A01F-96C9-AFBF-60CBE7F140C7}"/>
+          </ac:spMkLst>
+        </pc:spChg>
+        <pc:spChg chg="mod">
+          <ac:chgData name="Simeon Wong" userId="6a6fb664-499b-4396-8c93-53d6c9eb1a86" providerId="ADAL" clId="{6C2B19A1-ADFC-410E-B65E-71C032113A05}" dt="2024-01-06T21:12:32.512" v="7815" actId="14100"/>
+          <ac:spMkLst>
+            <pc:docMk/>
+            <pc:sldMk cId="1302102575" sldId="345"/>
+            <ac:spMk id="3" creationId="{85FA600A-7A62-17D4-8ED3-B4FDA127C3D3}"/>
+          </ac:spMkLst>
+        </pc:spChg>
+        <pc:spChg chg="mod">
+          <ac:chgData name="Simeon Wong" userId="6a6fb664-499b-4396-8c93-53d6c9eb1a86" providerId="ADAL" clId="{6C2B19A1-ADFC-410E-B65E-71C032113A05}" dt="2024-01-06T21:22:14.578" v="8409" actId="20577"/>
+          <ac:spMkLst>
+            <pc:docMk/>
+            <pc:sldMk cId="1302102575" sldId="345"/>
+            <ac:spMk id="5" creationId="{C618E4F3-2B0F-95F7-03BA-58F3C185011C}"/>
+          </ac:spMkLst>
+        </pc:spChg>
+      </pc:sldChg>
+      <pc:sldChg chg="add">
+        <pc:chgData name="Simeon Wong" userId="6a6fb664-499b-4396-8c93-53d6c9eb1a86" providerId="ADAL" clId="{6C2B19A1-ADFC-410E-B65E-71C032113A05}" dt="2024-01-06T21:11:46.792" v="7743"/>
+        <pc:sldMkLst>
+          <pc:docMk/>
+          <pc:sldMk cId="1765809140" sldId="397"/>
+        </pc:sldMkLst>
+      </pc:sldChg>
+      <pc:sldChg chg="modSp new mod">
+        <pc:chgData name="Simeon Wong" userId="6a6fb664-499b-4396-8c93-53d6c9eb1a86" providerId="ADAL" clId="{6C2B19A1-ADFC-410E-B65E-71C032113A05}" dt="2024-01-06T21:22:17.650" v="8410"/>
+        <pc:sldMkLst>
+          <pc:docMk/>
+          <pc:sldMk cId="966218344" sldId="398"/>
+        </pc:sldMkLst>
+        <pc:spChg chg="mod">
+          <ac:chgData name="Simeon Wong" userId="6a6fb664-499b-4396-8c93-53d6c9eb1a86" providerId="ADAL" clId="{6C2B19A1-ADFC-410E-B65E-71C032113A05}" dt="2024-01-06T21:13:22.006" v="7841"/>
+          <ac:spMkLst>
+            <pc:docMk/>
+            <pc:sldMk cId="966218344" sldId="398"/>
+            <ac:spMk id="2" creationId="{A0F5457C-7D83-66FB-4872-7DE90806863A}"/>
+          </ac:spMkLst>
+        </pc:spChg>
+        <pc:spChg chg="mod">
+          <ac:chgData name="Simeon Wong" userId="6a6fb664-499b-4396-8c93-53d6c9eb1a86" providerId="ADAL" clId="{6C2B19A1-ADFC-410E-B65E-71C032113A05}" dt="2024-01-06T21:13:52.114" v="7879" actId="113"/>
+          <ac:spMkLst>
+            <pc:docMk/>
+            <pc:sldMk cId="966218344" sldId="398"/>
+            <ac:spMk id="3" creationId="{FA90DB47-2E26-7B82-3D41-773570C9C4B3}"/>
+          </ac:spMkLst>
+        </pc:spChg>
+        <pc:spChg chg="mod">
+          <ac:chgData name="Simeon Wong" userId="6a6fb664-499b-4396-8c93-53d6c9eb1a86" providerId="ADAL" clId="{6C2B19A1-ADFC-410E-B65E-71C032113A05}" dt="2024-01-06T21:22:17.650" v="8410"/>
+          <ac:spMkLst>
+            <pc:docMk/>
+            <pc:sldMk cId="966218344" sldId="398"/>
+            <ac:spMk id="5" creationId="{CB0DA9C2-CFBC-815C-CC5D-2267DCAA653D}"/>
+          </ac:spMkLst>
+        </pc:spChg>
+      </pc:sldChg>
+      <pc:sldChg chg="modSp new mod">
+        <pc:chgData name="Simeon Wong" userId="6a6fb664-499b-4396-8c93-53d6c9eb1a86" providerId="ADAL" clId="{6C2B19A1-ADFC-410E-B65E-71C032113A05}" dt="2024-01-06T21:22:56.364" v="8437"/>
+        <pc:sldMkLst>
+          <pc:docMk/>
+          <pc:sldMk cId="3413334264" sldId="399"/>
+        </pc:sldMkLst>
+        <pc:spChg chg="mod">
+          <ac:chgData name="Simeon Wong" userId="6a6fb664-499b-4396-8c93-53d6c9eb1a86" providerId="ADAL" clId="{6C2B19A1-ADFC-410E-B65E-71C032113A05}" dt="2024-01-06T21:22:51.813" v="8436" actId="20577"/>
+          <ac:spMkLst>
+            <pc:docMk/>
+            <pc:sldMk cId="3413334264" sldId="399"/>
+            <ac:spMk id="2" creationId="{762DE063-1048-B81E-2FFB-BA33F35DD705}"/>
+          </ac:spMkLst>
+        </pc:spChg>
+        <pc:spChg chg="mod">
+          <ac:chgData name="Simeon Wong" userId="6a6fb664-499b-4396-8c93-53d6c9eb1a86" providerId="ADAL" clId="{6C2B19A1-ADFC-410E-B65E-71C032113A05}" dt="2024-01-06T21:15:52.094" v="8036" actId="113"/>
+          <ac:spMkLst>
+            <pc:docMk/>
+            <pc:sldMk cId="3413334264" sldId="399"/>
+            <ac:spMk id="3" creationId="{FAEF3FC8-09BC-0219-70CB-B4ACA1DC2C4A}"/>
+          </ac:spMkLst>
+        </pc:spChg>
+        <pc:spChg chg="mod">
+          <ac:chgData name="Simeon Wong" userId="6a6fb664-499b-4396-8c93-53d6c9eb1a86" providerId="ADAL" clId="{6C2B19A1-ADFC-410E-B65E-71C032113A05}" dt="2024-01-06T21:22:56.364" v="8437"/>
+          <ac:spMkLst>
+            <pc:docMk/>
+            <pc:sldMk cId="3413334264" sldId="399"/>
+            <ac:spMk id="5" creationId="{081B4B92-219A-7D4A-C0EA-5FAC8FDF93CF}"/>
+          </ac:spMkLst>
+        </pc:spChg>
+      </pc:sldChg>
+      <pc:sldChg chg="modSp new mod">
+        <pc:chgData name="Simeon Wong" userId="6a6fb664-499b-4396-8c93-53d6c9eb1a86" providerId="ADAL" clId="{6C2B19A1-ADFC-410E-B65E-71C032113A05}" dt="2024-01-06T21:22:46.332" v="8432"/>
+        <pc:sldMkLst>
+          <pc:docMk/>
+          <pc:sldMk cId="1002186943" sldId="400"/>
+        </pc:sldMkLst>
+        <pc:spChg chg="mod">
+          <ac:chgData name="Simeon Wong" userId="6a6fb664-499b-4396-8c93-53d6c9eb1a86" providerId="ADAL" clId="{6C2B19A1-ADFC-410E-B65E-71C032113A05}" dt="2024-01-06T21:22:46.332" v="8432"/>
+          <ac:spMkLst>
+            <pc:docMk/>
+            <pc:sldMk cId="1002186943" sldId="400"/>
+            <ac:spMk id="2" creationId="{75A9B995-A234-5768-EE94-380E401A7DFA}"/>
+          </ac:spMkLst>
+        </pc:spChg>
+        <pc:spChg chg="mod">
+          <ac:chgData name="Simeon Wong" userId="6a6fb664-499b-4396-8c93-53d6c9eb1a86" providerId="ADAL" clId="{6C2B19A1-ADFC-410E-B65E-71C032113A05}" dt="2024-01-06T21:18:26.738" v="8310" actId="1076"/>
+          <ac:spMkLst>
+            <pc:docMk/>
+            <pc:sldMk cId="1002186943" sldId="400"/>
+            <ac:spMk id="3" creationId="{112FC72F-4CCA-E3B3-6D48-0F532A43B529}"/>
+          </ac:spMkLst>
+        </pc:spChg>
+        <pc:spChg chg="mod">
+          <ac:chgData name="Simeon Wong" userId="6a6fb664-499b-4396-8c93-53d6c9eb1a86" providerId="ADAL" clId="{6C2B19A1-ADFC-410E-B65E-71C032113A05}" dt="2024-01-06T21:22:19.577" v="8411"/>
+          <ac:spMkLst>
+            <pc:docMk/>
+            <pc:sldMk cId="1002186943" sldId="400"/>
+            <ac:spMk id="5" creationId="{20777E0D-7E61-94D3-092E-BE85F9092625}"/>
+          </ac:spMkLst>
+        </pc:spChg>
+      </pc:sldChg>
+      <pc:sldChg chg="modSp new mod">
+        <pc:chgData name="Simeon Wong" userId="6a6fb664-499b-4396-8c93-53d6c9eb1a86" providerId="ADAL" clId="{6C2B19A1-ADFC-410E-B65E-71C032113A05}" dt="2024-01-06T21:22:44.386" v="8431"/>
+        <pc:sldMkLst>
+          <pc:docMk/>
+          <pc:sldMk cId="495665906" sldId="401"/>
+        </pc:sldMkLst>
+        <pc:spChg chg="mod">
+          <ac:chgData name="Simeon Wong" userId="6a6fb664-499b-4396-8c93-53d6c9eb1a86" providerId="ADAL" clId="{6C2B19A1-ADFC-410E-B65E-71C032113A05}" dt="2024-01-06T21:22:44.386" v="8431"/>
+          <ac:spMkLst>
+            <pc:docMk/>
+            <pc:sldMk cId="495665906" sldId="401"/>
+            <ac:spMk id="2" creationId="{56407309-B458-D302-4A0C-D3417164986B}"/>
+          </ac:spMkLst>
+        </pc:spChg>
+        <pc:spChg chg="mod">
+          <ac:chgData name="Simeon Wong" userId="6a6fb664-499b-4396-8c93-53d6c9eb1a86" providerId="ADAL" clId="{6C2B19A1-ADFC-410E-B65E-71C032113A05}" dt="2024-01-06T21:19:17.350" v="8346" actId="20577"/>
+          <ac:spMkLst>
+            <pc:docMk/>
+            <pc:sldMk cId="495665906" sldId="401"/>
+            <ac:spMk id="3" creationId="{4B711922-BAC0-C0A7-C7A6-F24684283AF3}"/>
+          </ac:spMkLst>
+        </pc:spChg>
+        <pc:spChg chg="mod">
+          <ac:chgData name="Simeon Wong" userId="6a6fb664-499b-4396-8c93-53d6c9eb1a86" providerId="ADAL" clId="{6C2B19A1-ADFC-410E-B65E-71C032113A05}" dt="2024-01-06T21:22:21.500" v="8412"/>
+          <ac:spMkLst>
+            <pc:docMk/>
+            <pc:sldMk cId="495665906" sldId="401"/>
+            <ac:spMk id="5" creationId="{1043AA04-C72A-A1D2-0754-E1628404EAC3}"/>
+          </ac:spMkLst>
+        </pc:spChg>
+      </pc:sldChg>
+      <pc:sldChg chg="addSp delSp modSp new mod">
+        <pc:chgData name="Simeon Wong" userId="6a6fb664-499b-4396-8c93-53d6c9eb1a86" providerId="ADAL" clId="{6C2B19A1-ADFC-410E-B65E-71C032113A05}" dt="2024-01-06T21:23:37.246" v="8445" actId="1076"/>
+        <pc:sldMkLst>
+          <pc:docMk/>
+          <pc:sldMk cId="4001650779" sldId="402"/>
+        </pc:sldMkLst>
+        <pc:spChg chg="mod">
+          <ac:chgData name="Simeon Wong" userId="6a6fb664-499b-4396-8c93-53d6c9eb1a86" providerId="ADAL" clId="{6C2B19A1-ADFC-410E-B65E-71C032113A05}" dt="2024-01-06T21:22:37.560" v="8430" actId="20577"/>
+          <ac:spMkLst>
+            <pc:docMk/>
+            <pc:sldMk cId="4001650779" sldId="402"/>
+            <ac:spMk id="2" creationId="{81E6472A-54D3-B7C4-7B45-D5689FDFEE8F}"/>
+          </ac:spMkLst>
+        </pc:spChg>
+        <pc:spChg chg="mod">
+          <ac:chgData name="Simeon Wong" userId="6a6fb664-499b-4396-8c93-53d6c9eb1a86" providerId="ADAL" clId="{6C2B19A1-ADFC-410E-B65E-71C032113A05}" dt="2024-01-06T21:21:25.264" v="8375" actId="113"/>
+          <ac:spMkLst>
+            <pc:docMk/>
+            <pc:sldMk cId="4001650779" sldId="402"/>
+            <ac:spMk id="3" creationId="{C728AFBE-A8FB-4488-98E8-21F154A07E14}"/>
+          </ac:spMkLst>
+        </pc:spChg>
+        <pc:spChg chg="mod">
+          <ac:chgData name="Simeon Wong" userId="6a6fb664-499b-4396-8c93-53d6c9eb1a86" providerId="ADAL" clId="{6C2B19A1-ADFC-410E-B65E-71C032113A05}" dt="2024-01-06T21:22:23.225" v="8413"/>
+          <ac:spMkLst>
+            <pc:docMk/>
+            <pc:sldMk cId="4001650779" sldId="402"/>
+            <ac:spMk id="5" creationId="{B78D5D64-8972-AEF5-C1A0-F62A5B81EA22}"/>
+          </ac:spMkLst>
+        </pc:spChg>
+        <pc:picChg chg="add del mod">
+          <ac:chgData name="Simeon Wong" userId="6a6fb664-499b-4396-8c93-53d6c9eb1a86" providerId="ADAL" clId="{6C2B19A1-ADFC-410E-B65E-71C032113A05}" dt="2024-01-06T21:23:26.359" v="8441" actId="478"/>
+          <ac:picMkLst>
+            <pc:docMk/>
+            <pc:sldMk cId="4001650779" sldId="402"/>
+            <ac:picMk id="7" creationId="{859A52F8-51B9-9A8F-0219-48141F4C7F18}"/>
+          </ac:picMkLst>
+        </pc:picChg>
+        <pc:picChg chg="add mod">
+          <ac:chgData name="Simeon Wong" userId="6a6fb664-499b-4396-8c93-53d6c9eb1a86" providerId="ADAL" clId="{6C2B19A1-ADFC-410E-B65E-71C032113A05}" dt="2024-01-06T21:23:37.246" v="8445" actId="1076"/>
+          <ac:picMkLst>
+            <pc:docMk/>
+            <pc:sldMk cId="4001650779" sldId="402"/>
+            <ac:picMk id="9" creationId="{411AA1D9-8133-1C4A-75BE-74CBF466A2F5}"/>
+          </ac:picMkLst>
+        </pc:picChg>
+      </pc:sldChg>
+      <pc:sldChg chg="modSp new mod">
+        <pc:chgData name="Simeon Wong" userId="6a6fb664-499b-4396-8c93-53d6c9eb1a86" providerId="ADAL" clId="{6C2B19A1-ADFC-410E-B65E-71C032113A05}" dt="2024-01-06T21:24:34.872" v="8473" actId="20577"/>
+        <pc:sldMkLst>
+          <pc:docMk/>
+          <pc:sldMk cId="2207720001" sldId="403"/>
+        </pc:sldMkLst>
+        <pc:spChg chg="mod">
+          <ac:chgData name="Simeon Wong" userId="6a6fb664-499b-4396-8c93-53d6c9eb1a86" providerId="ADAL" clId="{6C2B19A1-ADFC-410E-B65E-71C032113A05}" dt="2024-01-06T21:24:11.401" v="8467" actId="20577"/>
+          <ac:spMkLst>
+            <pc:docMk/>
+            <pc:sldMk cId="2207720001" sldId="403"/>
+            <ac:spMk id="2" creationId="{3C451078-9519-321F-EF78-ADF0789CC446}"/>
+          </ac:spMkLst>
+        </pc:spChg>
+        <pc:spChg chg="mod">
+          <ac:chgData name="Simeon Wong" userId="6a6fb664-499b-4396-8c93-53d6c9eb1a86" providerId="ADAL" clId="{6C2B19A1-ADFC-410E-B65E-71C032113A05}" dt="2024-01-06T21:24:34.872" v="8473" actId="20577"/>
+          <ac:spMkLst>
+            <pc:docMk/>
+            <pc:sldMk cId="2207720001" sldId="403"/>
+            <ac:spMk id="3" creationId="{B0B09D09-DD00-603E-6275-0C6719CEDCCB}"/>
+          </ac:spMkLst>
+        </pc:spChg>
+        <pc:spChg chg="mod">
+          <ac:chgData name="Simeon Wong" userId="6a6fb664-499b-4396-8c93-53d6c9eb1a86" providerId="ADAL" clId="{6C2B19A1-ADFC-410E-B65E-71C032113A05}" dt="2024-01-06T21:24:19.031" v="8469" actId="20577"/>
+          <ac:spMkLst>
+            <pc:docMk/>
+            <pc:sldMk cId="2207720001" sldId="403"/>
+            <ac:spMk id="5" creationId="{04DFFD2E-F628-22CF-AEFC-CD2091714DF1}"/>
+          </ac:spMkLst>
+        </pc:spChg>
+      </pc:sldChg>
+      <pc:sldChg chg="modSp new del mod">
+        <pc:chgData name="Simeon Wong" userId="6a6fb664-499b-4396-8c93-53d6c9eb1a86" providerId="ADAL" clId="{6C2B19A1-ADFC-410E-B65E-71C032113A05}" dt="2024-01-06T21:25:08.343" v="8477" actId="47"/>
+        <pc:sldMkLst>
+          <pc:docMk/>
+          <pc:sldMk cId="3008576663" sldId="404"/>
+        </pc:sldMkLst>
+        <pc:spChg chg="mod">
+          <ac:chgData name="Simeon Wong" userId="6a6fb664-499b-4396-8c93-53d6c9eb1a86" providerId="ADAL" clId="{6C2B19A1-ADFC-410E-B65E-71C032113A05}" dt="2024-01-06T21:25:03.779" v="8475"/>
+          <ac:spMkLst>
+            <pc:docMk/>
+            <pc:sldMk cId="3008576663" sldId="404"/>
+            <ac:spMk id="5" creationId="{822F49EA-7D2D-09EB-B9A6-C6A787101C78}"/>
+          </ac:spMkLst>
+        </pc:spChg>
+      </pc:sldChg>
+      <pc:sldChg chg="modSp add mod">
+        <pc:chgData name="Simeon Wong" userId="6a6fb664-499b-4396-8c93-53d6c9eb1a86" providerId="ADAL" clId="{6C2B19A1-ADFC-410E-B65E-71C032113A05}" dt="2024-01-06T21:26:07.012" v="8522" actId="113"/>
+        <pc:sldMkLst>
+          <pc:docMk/>
+          <pc:sldMk cId="1062113770" sldId="405"/>
+        </pc:sldMkLst>
+        <pc:spChg chg="mod">
+          <ac:chgData name="Simeon Wong" userId="6a6fb664-499b-4396-8c93-53d6c9eb1a86" providerId="ADAL" clId="{6C2B19A1-ADFC-410E-B65E-71C032113A05}" dt="2024-01-06T21:26:07.012" v="8522" actId="113"/>
+          <ac:spMkLst>
+            <pc:docMk/>
+            <pc:sldMk cId="1062113770" sldId="405"/>
+            <ac:spMk id="2" creationId="{3C451078-9519-321F-EF78-ADF0789CC446}"/>
+          </ac:spMkLst>
+        </pc:spChg>
+        <pc:spChg chg="mod">
+          <ac:chgData name="Simeon Wong" userId="6a6fb664-499b-4396-8c93-53d6c9eb1a86" providerId="ADAL" clId="{6C2B19A1-ADFC-410E-B65E-71C032113A05}" dt="2024-01-06T21:25:19.433" v="8483" actId="27636"/>
+          <ac:spMkLst>
+            <pc:docMk/>
+            <pc:sldMk cId="1062113770" sldId="405"/>
+            <ac:spMk id="3" creationId="{B0B09D09-DD00-603E-6275-0C6719CEDCCB}"/>
+          </ac:spMkLst>
+        </pc:spChg>
+      </pc:sldChg>
+      <pc:sldChg chg="new del">
+        <pc:chgData name="Simeon Wong" userId="6a6fb664-499b-4396-8c93-53d6c9eb1a86" providerId="ADAL" clId="{6C2B19A1-ADFC-410E-B65E-71C032113A05}" dt="2024-01-06T21:25:36.027" v="8486" actId="47"/>
+        <pc:sldMkLst>
+          <pc:docMk/>
+          <pc:sldMk cId="386156761" sldId="406"/>
+        </pc:sldMkLst>
+      </pc:sldChg>
+      <pc:sldChg chg="modSp add mod">
+        <pc:chgData name="Simeon Wong" userId="6a6fb664-499b-4396-8c93-53d6c9eb1a86" providerId="ADAL" clId="{6C2B19A1-ADFC-410E-B65E-71C032113A05}" dt="2024-01-06T21:26:10.500" v="8523"/>
+        <pc:sldMkLst>
+          <pc:docMk/>
+          <pc:sldMk cId="287918166" sldId="407"/>
+        </pc:sldMkLst>
+        <pc:spChg chg="mod">
+          <ac:chgData name="Simeon Wong" userId="6a6fb664-499b-4396-8c93-53d6c9eb1a86" providerId="ADAL" clId="{6C2B19A1-ADFC-410E-B65E-71C032113A05}" dt="2024-01-06T21:26:10.500" v="8523"/>
+          <ac:spMkLst>
+            <pc:docMk/>
+            <pc:sldMk cId="287918166" sldId="407"/>
+            <ac:spMk id="2" creationId="{3C451078-9519-321F-EF78-ADF0789CC446}"/>
+          </ac:spMkLst>
+        </pc:spChg>
+        <pc:spChg chg="mod">
+          <ac:chgData name="Simeon Wong" userId="6a6fb664-499b-4396-8c93-53d6c9eb1a86" providerId="ADAL" clId="{6C2B19A1-ADFC-410E-B65E-71C032113A05}" dt="2024-01-06T21:25:52.492" v="8500" actId="27636"/>
+          <ac:spMkLst>
+            <pc:docMk/>
+            <pc:sldMk cId="287918166" sldId="407"/>
+            <ac:spMk id="3" creationId="{B0B09D09-DD00-603E-6275-0C6719CEDCCB}"/>
+          </ac:spMkLst>
+        </pc:spChg>
+      </pc:sldChg>
+      <pc:sldChg chg="modSp new mod">
+        <pc:chgData name="Simeon Wong" userId="6a6fb664-499b-4396-8c93-53d6c9eb1a86" providerId="ADAL" clId="{6C2B19A1-ADFC-410E-B65E-71C032113A05}" dt="2024-01-06T21:26:37.864" v="8573" actId="20577"/>
+        <pc:sldMkLst>
+          <pc:docMk/>
+          <pc:sldMk cId="3712943069" sldId="408"/>
+        </pc:sldMkLst>
+        <pc:spChg chg="mod">
+          <ac:chgData name="Simeon Wong" userId="6a6fb664-499b-4396-8c93-53d6c9eb1a86" providerId="ADAL" clId="{6C2B19A1-ADFC-410E-B65E-71C032113A05}" dt="2024-01-06T21:26:22.947" v="8563" actId="20577"/>
+          <ac:spMkLst>
+            <pc:docMk/>
+            <pc:sldMk cId="3712943069" sldId="408"/>
+            <ac:spMk id="2" creationId="{73E60F87-09AD-CB40-47A9-327DA7B47321}"/>
+          </ac:spMkLst>
+        </pc:spChg>
+        <pc:spChg chg="mod">
+          <ac:chgData name="Simeon Wong" userId="6a6fb664-499b-4396-8c93-53d6c9eb1a86" providerId="ADAL" clId="{6C2B19A1-ADFC-410E-B65E-71C032113A05}" dt="2024-01-06T21:26:30.255" v="8571" actId="27636"/>
+          <ac:spMkLst>
+            <pc:docMk/>
+            <pc:sldMk cId="3712943069" sldId="408"/>
+            <ac:spMk id="3" creationId="{8966907B-39E3-4704-0C37-67E5E4B97BA1}"/>
+          </ac:spMkLst>
+        </pc:spChg>
+        <pc:spChg chg="mod">
+          <ac:chgData name="Simeon Wong" userId="6a6fb664-499b-4396-8c93-53d6c9eb1a86" providerId="ADAL" clId="{6C2B19A1-ADFC-410E-B65E-71C032113A05}" dt="2024-01-06T21:26:37.864" v="8573" actId="20577"/>
+          <ac:spMkLst>
+            <pc:docMk/>
+            <pc:sldMk cId="3712943069" sldId="408"/>
+            <ac:spMk id="5" creationId="{4CF1E23F-6EDD-91A9-0B1B-9C45B3DF76A3}"/>
+          </ac:spMkLst>
+        </pc:spChg>
+      </pc:sldChg>
+      <pc:sldChg chg="modSp new mod">
+        <pc:chgData name="Simeon Wong" userId="6a6fb664-499b-4396-8c93-53d6c9eb1a86" providerId="ADAL" clId="{6C2B19A1-ADFC-410E-B65E-71C032113A05}" dt="2024-01-06T21:28:05.122" v="8826" actId="113"/>
+        <pc:sldMkLst>
+          <pc:docMk/>
+          <pc:sldMk cId="974050024" sldId="409"/>
+        </pc:sldMkLst>
+        <pc:spChg chg="mod">
+          <ac:chgData name="Simeon Wong" userId="6a6fb664-499b-4396-8c93-53d6c9eb1a86" providerId="ADAL" clId="{6C2B19A1-ADFC-410E-B65E-71C032113A05}" dt="2024-01-06T21:27:09.441" v="8596" actId="20577"/>
+          <ac:spMkLst>
+            <pc:docMk/>
+            <pc:sldMk cId="974050024" sldId="409"/>
+            <ac:spMk id="2" creationId="{7F13598B-D2D5-E018-C2BF-CB151DB2D8B2}"/>
+          </ac:spMkLst>
+        </pc:spChg>
+        <pc:spChg chg="mod">
+          <ac:chgData name="Simeon Wong" userId="6a6fb664-499b-4396-8c93-53d6c9eb1a86" providerId="ADAL" clId="{6C2B19A1-ADFC-410E-B65E-71C032113A05}" dt="2024-01-06T21:28:05.122" v="8826" actId="113"/>
+          <ac:spMkLst>
+            <pc:docMk/>
+            <pc:sldMk cId="974050024" sldId="409"/>
+            <ac:spMk id="3" creationId="{83944FD6-2F0D-5D3A-3AC3-7E6EFB676620}"/>
+          </ac:spMkLst>
+        </pc:spChg>
+        <pc:spChg chg="mod">
+          <ac:chgData name="Simeon Wong" userId="6a6fb664-499b-4396-8c93-53d6c9eb1a86" providerId="ADAL" clId="{6C2B19A1-ADFC-410E-B65E-71C032113A05}" dt="2024-01-06T21:27:06.249" v="8576" actId="20577"/>
+          <ac:spMkLst>
+            <pc:docMk/>
+            <pc:sldMk cId="974050024" sldId="409"/>
+            <ac:spMk id="5" creationId="{C5CAF106-1BB0-C4B4-ED61-4434C5BE4D95}"/>
+          </ac:spMkLst>
+        </pc:spChg>
+      </pc:sldChg>
+      <pc:sldChg chg="add">
+        <pc:chgData name="Simeon Wong" userId="6a6fb664-499b-4396-8c93-53d6c9eb1a86" providerId="ADAL" clId="{6C2B19A1-ADFC-410E-B65E-71C032113A05}" dt="2024-01-06T21:28:15.146" v="8827"/>
+        <pc:sldMkLst>
+          <pc:docMk/>
+          <pc:sldMk cId="554870217" sldId="410"/>
+        </pc:sldMkLst>
+      </pc:sldChg>
+      <pc:sldChg chg="add">
+        <pc:chgData name="Simeon Wong" userId="6a6fb664-499b-4396-8c93-53d6c9eb1a86" providerId="ADAL" clId="{6C2B19A1-ADFC-410E-B65E-71C032113A05}" dt="2024-01-06T21:28:26.082" v="8828"/>
+        <pc:sldMkLst>
+          <pc:docMk/>
+          <pc:sldMk cId="3186682779" sldId="411"/>
+        </pc:sldMkLst>
+      </pc:sldChg>
+      <pc:sldChg chg="modSp add setFolMasterAnim modAnim">
+        <pc:chgData name="Simeon Wong" userId="6a6fb664-499b-4396-8c93-53d6c9eb1a86" providerId="ADAL" clId="{6C2B19A1-ADFC-410E-B65E-71C032113A05}" dt="2024-01-06T21:28:53.429" v="8833" actId="113"/>
+        <pc:sldMkLst>
+          <pc:docMk/>
+          <pc:sldMk cId="2452444613" sldId="412"/>
+        </pc:sldMkLst>
+        <pc:spChg chg="mod">
+          <ac:chgData name="Simeon Wong" userId="6a6fb664-499b-4396-8c93-53d6c9eb1a86" providerId="ADAL" clId="{6C2B19A1-ADFC-410E-B65E-71C032113A05}" dt="2024-01-06T21:28:53.429" v="8833" actId="113"/>
+          <ac:spMkLst>
+            <pc:docMk/>
+            <pc:sldMk cId="2452444613" sldId="412"/>
+            <ac:spMk id="3" creationId="{DC3ABD3F-A9B1-794C-7F64-D0882E307D41}"/>
+          </ac:spMkLst>
+        </pc:spChg>
+      </pc:sldChg>
+      <pc:sldChg chg="modSp add mod ord">
+        <pc:chgData name="Simeon Wong" userId="6a6fb664-499b-4396-8c93-53d6c9eb1a86" providerId="ADAL" clId="{6C2B19A1-ADFC-410E-B65E-71C032113A05}" dt="2024-01-06T21:30:50.994" v="9226"/>
+        <pc:sldMkLst>
+          <pc:docMk/>
+          <pc:sldMk cId="2478073401" sldId="413"/>
+        </pc:sldMkLst>
+        <pc:spChg chg="mod">
+          <ac:chgData name="Simeon Wong" userId="6a6fb664-499b-4396-8c93-53d6c9eb1a86" providerId="ADAL" clId="{6C2B19A1-ADFC-410E-B65E-71C032113A05}" dt="2024-01-06T21:30:50.994" v="9226"/>
+          <ac:spMkLst>
+            <pc:docMk/>
+            <pc:sldMk cId="2478073401" sldId="413"/>
+            <ac:spMk id="7" creationId="{C85E02BE-80A6-BB20-758C-42926D1E5FCC}"/>
+          </ac:spMkLst>
+        </pc:spChg>
+      </pc:sldChg>
+      <pc:sldChg chg="modSp new mod">
+        <pc:chgData name="Simeon Wong" userId="6a6fb664-499b-4396-8c93-53d6c9eb1a86" providerId="ADAL" clId="{6C2B19A1-ADFC-410E-B65E-71C032113A05}" dt="2024-01-06T21:32:56.900" v="9706" actId="20577"/>
+        <pc:sldMkLst>
+          <pc:docMk/>
+          <pc:sldMk cId="4239102096" sldId="414"/>
+        </pc:sldMkLst>
+        <pc:spChg chg="mod">
+          <ac:chgData name="Simeon Wong" userId="6a6fb664-499b-4396-8c93-53d6c9eb1a86" providerId="ADAL" clId="{6C2B19A1-ADFC-410E-B65E-71C032113A05}" dt="2024-01-06T21:31:00.568" v="9266" actId="20577"/>
+          <ac:spMkLst>
+            <pc:docMk/>
+            <pc:sldMk cId="4239102096" sldId="414"/>
+            <ac:spMk id="2" creationId="{A269F49E-BBC4-C0B8-3538-7DDED9E1BC30}"/>
+          </ac:spMkLst>
+        </pc:spChg>
+        <pc:spChg chg="mod">
+          <ac:chgData name="Simeon Wong" userId="6a6fb664-499b-4396-8c93-53d6c9eb1a86" providerId="ADAL" clId="{6C2B19A1-ADFC-410E-B65E-71C032113A05}" dt="2024-01-06T21:32:56.900" v="9706" actId="20577"/>
+          <ac:spMkLst>
+            <pc:docMk/>
+            <pc:sldMk cId="4239102096" sldId="414"/>
+            <ac:spMk id="3" creationId="{44E72118-D7E7-ECCB-019F-40952BB3132F}"/>
+          </ac:spMkLst>
+        </pc:spChg>
+      </pc:sldChg>
+      <pc:sldChg chg="addSp delSp modSp new mod setFolMasterAnim modClrScheme modAnim chgLayout">
+        <pc:chgData name="Simeon Wong" userId="6a6fb664-499b-4396-8c93-53d6c9eb1a86" providerId="ADAL" clId="{6C2B19A1-ADFC-410E-B65E-71C032113A05}" dt="2024-01-08T02:38:32.855" v="10594"/>
+        <pc:sldMkLst>
+          <pc:docMk/>
+          <pc:sldMk cId="299947185" sldId="415"/>
+        </pc:sldMkLst>
+        <pc:spChg chg="del mod ord">
+          <ac:chgData name="Simeon Wong" userId="6a6fb664-499b-4396-8c93-53d6c9eb1a86" providerId="ADAL" clId="{6C2B19A1-ADFC-410E-B65E-71C032113A05}" dt="2024-01-07T15:29:56.064" v="9710" actId="700"/>
+          <ac:spMkLst>
+            <pc:docMk/>
+            <pc:sldMk cId="299947185" sldId="415"/>
+            <ac:spMk id="2" creationId="{8365F806-560B-A333-CB00-684A97356505}"/>
+          </ac:spMkLst>
+        </pc:spChg>
+        <pc:spChg chg="del mod ord">
+          <ac:chgData name="Simeon Wong" userId="6a6fb664-499b-4396-8c93-53d6c9eb1a86" providerId="ADAL" clId="{6C2B19A1-ADFC-410E-B65E-71C032113A05}" dt="2024-01-07T15:29:56.064" v="9710" actId="700"/>
+          <ac:spMkLst>
+            <pc:docMk/>
+            <pc:sldMk cId="299947185" sldId="415"/>
+            <ac:spMk id="3" creationId="{8F32AAD1-4791-7C0B-FE49-364AB5684443}"/>
+          </ac:spMkLst>
+        </pc:spChg>
+        <pc:spChg chg="mod ord">
+          <ac:chgData name="Simeon Wong" userId="6a6fb664-499b-4396-8c93-53d6c9eb1a86" providerId="ADAL" clId="{6C2B19A1-ADFC-410E-B65E-71C032113A05}" dt="2024-01-07T15:29:56.064" v="9710" actId="700"/>
+          <ac:spMkLst>
+            <pc:docMk/>
+            <pc:sldMk cId="299947185" sldId="415"/>
+            <ac:spMk id="4" creationId="{BD40EAA9-1110-501D-DEE5-A2EAABEEBE80}"/>
+          </ac:spMkLst>
+        </pc:spChg>
+        <pc:spChg chg="add mod ord">
+          <ac:chgData name="Simeon Wong" userId="6a6fb664-499b-4396-8c93-53d6c9eb1a86" providerId="ADAL" clId="{6C2B19A1-ADFC-410E-B65E-71C032113A05}" dt="2024-01-07T15:30:26.623" v="9825" actId="20577"/>
+          <ac:spMkLst>
+            <pc:docMk/>
+            <pc:sldMk cId="299947185" sldId="415"/>
+            <ac:spMk id="5" creationId="{6A8CED76-E51A-7E7E-A21D-7982CB79E8F5}"/>
+          </ac:spMkLst>
+        </pc:spChg>
+        <pc:spChg chg="add mod ord">
+          <ac:chgData name="Simeon Wong" userId="6a6fb664-499b-4396-8c93-53d6c9eb1a86" providerId="ADAL" clId="{6C2B19A1-ADFC-410E-B65E-71C032113A05}" dt="2024-01-07T15:32:10.536" v="10452" actId="20577"/>
+          <ac:spMkLst>
+            <pc:docMk/>
+            <pc:sldMk cId="299947185" sldId="415"/>
+            <ac:spMk id="6" creationId="{37B68150-F896-EED6-3C90-6BA0356F20DE}"/>
+          </ac:spMkLst>
+        </pc:spChg>
+        <pc:spChg chg="add mod ord">
+          <ac:chgData name="Simeon Wong" userId="6a6fb664-499b-4396-8c93-53d6c9eb1a86" providerId="ADAL" clId="{6C2B19A1-ADFC-410E-B65E-71C032113A05}" dt="2024-01-07T15:30:01.862" v="9735" actId="20577"/>
+          <ac:spMkLst>
+            <pc:docMk/>
+            <pc:sldMk cId="299947185" sldId="415"/>
+            <ac:spMk id="7" creationId="{BF62F5D4-E2B2-4B13-806C-0703EE799A39}"/>
+          </ac:spMkLst>
+        </pc:spChg>
+      </pc:sldChg>
+      <pc:sldChg chg="new del">
+        <pc:chgData name="Simeon Wong" userId="6a6fb664-499b-4396-8c93-53d6c9eb1a86" providerId="ADAL" clId="{6C2B19A1-ADFC-410E-B65E-71C032113A05}" dt="2024-01-07T15:32:15.018" v="10455" actId="47"/>
+        <pc:sldMkLst>
+          <pc:docMk/>
+          <pc:sldMk cId="3248399662" sldId="416"/>
+        </pc:sldMkLst>
+      </pc:sldChg>
+      <pc:sldChg chg="modSp add mod setFolMasterAnim modAnim">
+        <pc:chgData name="Simeon Wong" userId="6a6fb664-499b-4396-8c93-53d6c9eb1a86" providerId="ADAL" clId="{6C2B19A1-ADFC-410E-B65E-71C032113A05}" dt="2024-01-08T02:57:47.520" v="11951" actId="20577"/>
+        <pc:sldMkLst>
+          <pc:docMk/>
+          <pc:sldMk cId="4029205479" sldId="417"/>
+        </pc:sldMkLst>
+        <pc:spChg chg="mod">
+          <ac:chgData name="Simeon Wong" userId="6a6fb664-499b-4396-8c93-53d6c9eb1a86" providerId="ADAL" clId="{6C2B19A1-ADFC-410E-B65E-71C032113A05}" dt="2024-01-08T02:57:47.520" v="11951" actId="20577"/>
+          <ac:spMkLst>
+            <pc:docMk/>
+            <pc:sldMk cId="4029205479" sldId="417"/>
+            <ac:spMk id="6" creationId="{37B68150-F896-EED6-3C90-6BA0356F20DE}"/>
+          </ac:spMkLst>
+        </pc:spChg>
+      </pc:sldChg>
+      <pc:sldMasterChg chg="addSldLayout modSldLayout">
+        <pc:chgData name="Simeon Wong" userId="6a6fb664-499b-4396-8c93-53d6c9eb1a86" providerId="ADAL" clId="{6C2B19A1-ADFC-410E-B65E-71C032113A05}" dt="2024-01-06T20:07:56.285" v="5308" actId="14100"/>
+        <pc:sldMasterMkLst>
+          <pc:docMk/>
+          <pc:sldMasterMk cId="1446897653" sldId="2147483648"/>
+        </pc:sldMasterMkLst>
+        <pc:sldLayoutChg chg="addSp delSp modSp new mod">
+          <pc:chgData name="Simeon Wong" userId="6a6fb664-499b-4396-8c93-53d6c9eb1a86" providerId="ADAL" clId="{6C2B19A1-ADFC-410E-B65E-71C032113A05}" dt="2024-01-06T20:07:56.285" v="5308" actId="14100"/>
+          <pc:sldLayoutMkLst>
+            <pc:docMk/>
+            <pc:sldMasterMk cId="1446897653" sldId="2147483648"/>
+            <pc:sldLayoutMk cId="3184874165" sldId="2147483661"/>
+          </pc:sldLayoutMkLst>
+          <pc:spChg chg="del mod">
+            <ac:chgData name="Simeon Wong" userId="6a6fb664-499b-4396-8c93-53d6c9eb1a86" providerId="ADAL" clId="{6C2B19A1-ADFC-410E-B65E-71C032113A05}" dt="2024-01-06T20:07:23.342" v="5293" actId="478"/>
+            <ac:spMkLst>
+              <pc:docMk/>
+              <pc:sldMasterMk cId="1446897653" sldId="2147483648"/>
+              <pc:sldLayoutMk cId="3184874165" sldId="2147483661"/>
+              <ac:spMk id="2" creationId="{E097D8A4-6B2C-D825-E44D-34ED42BA926A}"/>
+            </ac:spMkLst>
+          </pc:spChg>
+          <pc:spChg chg="add mod">
+            <ac:chgData name="Simeon Wong" userId="6a6fb664-499b-4396-8c93-53d6c9eb1a86" providerId="ADAL" clId="{6C2B19A1-ADFC-410E-B65E-71C032113A05}" dt="2024-01-06T20:07:17.714" v="5290" actId="207"/>
+            <ac:spMkLst>
+              <pc:docMk/>
+              <pc:sldMasterMk cId="1446897653" sldId="2147483648"/>
+              <pc:sldLayoutMk cId="3184874165" sldId="2147483661"/>
+              <ac:spMk id="6" creationId="{28340268-2E75-A5A1-404B-C7054331ACCA}"/>
+            </ac:spMkLst>
+          </pc:spChg>
+          <pc:spChg chg="add del">
+            <ac:chgData name="Simeon Wong" userId="6a6fb664-499b-4396-8c93-53d6c9eb1a86" providerId="ADAL" clId="{6C2B19A1-ADFC-410E-B65E-71C032113A05}" dt="2024-01-06T20:07:32.039" v="5294" actId="11529"/>
+            <ac:spMkLst>
+              <pc:docMk/>
+              <pc:sldMasterMk cId="1446897653" sldId="2147483648"/>
+              <pc:sldLayoutMk cId="3184874165" sldId="2147483661"/>
+              <ac:spMk id="7" creationId="{8A533F89-2571-C961-27FD-D9B083AB24A4}"/>
+            </ac:spMkLst>
+          </pc:spChg>
+          <pc:spChg chg="add mod">
+            <ac:chgData name="Simeon Wong" userId="6a6fb664-499b-4396-8c93-53d6c9eb1a86" providerId="ADAL" clId="{6C2B19A1-ADFC-410E-B65E-71C032113A05}" dt="2024-01-06T20:07:56.285" v="5308" actId="14100"/>
+            <ac:spMkLst>
+              <pc:docMk/>
+              <pc:sldMasterMk cId="1446897653" sldId="2147483648"/>
+              <pc:sldLayoutMk cId="3184874165" sldId="2147483661"/>
+              <ac:spMk id="8" creationId="{62B0388E-769F-5C0A-898D-9C3B0E1E6ED2}"/>
+            </ac:spMkLst>
+          </pc:spChg>
+        </pc:sldLayoutChg>
+      </pc:sldMasterChg>
+      <pc:sldMasterChg chg="new del mod addSldLayout delSldLayout">
+        <pc:chgData name="Simeon Wong" userId="6a6fb664-499b-4396-8c93-53d6c9eb1a86" providerId="ADAL" clId="{6C2B19A1-ADFC-410E-B65E-71C032113A05}" dt="2024-01-06T20:06:21.020" v="5280" actId="6938"/>
+        <pc:sldMasterMkLst>
+          <pc:docMk/>
+          <pc:sldMasterMk cId="3432074863" sldId="2147483661"/>
+        </pc:sldMasterMkLst>
+        <pc:sldLayoutChg chg="new del replId">
+          <pc:chgData name="Simeon Wong" userId="6a6fb664-499b-4396-8c93-53d6c9eb1a86" providerId="ADAL" clId="{6C2B19A1-ADFC-410E-B65E-71C032113A05}" dt="2024-01-06T20:06:21.020" v="5280" actId="6938"/>
+          <pc:sldLayoutMkLst>
+            <pc:docMk/>
+            <pc:sldMasterMk cId="3432074863" sldId="2147483661"/>
+            <pc:sldLayoutMk cId="1738819144" sldId="2147483662"/>
+          </pc:sldLayoutMkLst>
+        </pc:sldLayoutChg>
+        <pc:sldLayoutChg chg="new del replId">
+          <pc:chgData name="Simeon Wong" userId="6a6fb664-499b-4396-8c93-53d6c9eb1a86" providerId="ADAL" clId="{6C2B19A1-ADFC-410E-B65E-71C032113A05}" dt="2024-01-06T20:06:21.020" v="5280" actId="6938"/>
+          <pc:sldLayoutMkLst>
+            <pc:docMk/>
+            <pc:sldMasterMk cId="3432074863" sldId="2147483661"/>
+            <pc:sldLayoutMk cId="1275934751" sldId="2147483663"/>
+          </pc:sldLayoutMkLst>
+        </pc:sldLayoutChg>
+        <pc:sldLayoutChg chg="new del replId">
+          <pc:chgData name="Simeon Wong" userId="6a6fb664-499b-4396-8c93-53d6c9eb1a86" providerId="ADAL" clId="{6C2B19A1-ADFC-410E-B65E-71C032113A05}" dt="2024-01-06T20:06:21.020" v="5280" actId="6938"/>
+          <pc:sldLayoutMkLst>
+            <pc:docMk/>
+            <pc:sldMasterMk cId="3432074863" sldId="2147483661"/>
+            <pc:sldLayoutMk cId="3079991192" sldId="2147483664"/>
+          </pc:sldLayoutMkLst>
+        </pc:sldLayoutChg>
+        <pc:sldLayoutChg chg="new del replId">
+          <pc:chgData name="Simeon Wong" userId="6a6fb664-499b-4396-8c93-53d6c9eb1a86" providerId="ADAL" clId="{6C2B19A1-ADFC-410E-B65E-71C032113A05}" dt="2024-01-06T20:06:21.020" v="5280" actId="6938"/>
+          <pc:sldLayoutMkLst>
+            <pc:docMk/>
+            <pc:sldMasterMk cId="3432074863" sldId="2147483661"/>
+            <pc:sldLayoutMk cId="570047078" sldId="2147483665"/>
+          </pc:sldLayoutMkLst>
+        </pc:sldLayoutChg>
+        <pc:sldLayoutChg chg="new del replId">
+          <pc:chgData name="Simeon Wong" userId="6a6fb664-499b-4396-8c93-53d6c9eb1a86" providerId="ADAL" clId="{6C2B19A1-ADFC-410E-B65E-71C032113A05}" dt="2024-01-06T20:06:21.020" v="5280" actId="6938"/>
+          <pc:sldLayoutMkLst>
+            <pc:docMk/>
+            <pc:sldMasterMk cId="3432074863" sldId="2147483661"/>
+            <pc:sldLayoutMk cId="1639693228" sldId="2147483666"/>
+          </pc:sldLayoutMkLst>
+        </pc:sldLayoutChg>
+        <pc:sldLayoutChg chg="new del replId">
+          <pc:chgData name="Simeon Wong" userId="6a6fb664-499b-4396-8c93-53d6c9eb1a86" providerId="ADAL" clId="{6C2B19A1-ADFC-410E-B65E-71C032113A05}" dt="2024-01-06T20:06:21.020" v="5280" actId="6938"/>
+          <pc:sldLayoutMkLst>
+            <pc:docMk/>
+            <pc:sldMasterMk cId="3432074863" sldId="2147483661"/>
+            <pc:sldLayoutMk cId="4000066311" sldId="2147483667"/>
+          </pc:sldLayoutMkLst>
+        </pc:sldLayoutChg>
+        <pc:sldLayoutChg chg="new del replId">
+          <pc:chgData name="Simeon Wong" userId="6a6fb664-499b-4396-8c93-53d6c9eb1a86" providerId="ADAL" clId="{6C2B19A1-ADFC-410E-B65E-71C032113A05}" dt="2024-01-06T20:06:21.020" v="5280" actId="6938"/>
+          <pc:sldLayoutMkLst>
+            <pc:docMk/>
+            <pc:sldMasterMk cId="3432074863" sldId="2147483661"/>
+            <pc:sldLayoutMk cId="2125625543" sldId="2147483668"/>
+          </pc:sldLayoutMkLst>
+        </pc:sldLayoutChg>
+        <pc:sldLayoutChg chg="new del replId">
+          <pc:chgData name="Simeon Wong" userId="6a6fb664-499b-4396-8c93-53d6c9eb1a86" providerId="ADAL" clId="{6C2B19A1-ADFC-410E-B65E-71C032113A05}" dt="2024-01-06T20:06:21.020" v="5280" actId="6938"/>
+          <pc:sldLayoutMkLst>
+            <pc:docMk/>
+            <pc:sldMasterMk cId="3432074863" sldId="2147483661"/>
+            <pc:sldLayoutMk cId="2191944356" sldId="2147483669"/>
+          </pc:sldLayoutMkLst>
+        </pc:sldLayoutChg>
+        <pc:sldLayoutChg chg="new del replId">
+          <pc:chgData name="Simeon Wong" userId="6a6fb664-499b-4396-8c93-53d6c9eb1a86" providerId="ADAL" clId="{6C2B19A1-ADFC-410E-B65E-71C032113A05}" dt="2024-01-06T20:06:21.020" v="5280" actId="6938"/>
+          <pc:sldLayoutMkLst>
+            <pc:docMk/>
+            <pc:sldMasterMk cId="3432074863" sldId="2147483661"/>
+            <pc:sldLayoutMk cId="2438762282" sldId="2147483670"/>
+          </pc:sldLayoutMkLst>
+        </pc:sldLayoutChg>
+        <pc:sldLayoutChg chg="new del replId">
+          <pc:chgData name="Simeon Wong" userId="6a6fb664-499b-4396-8c93-53d6c9eb1a86" providerId="ADAL" clId="{6C2B19A1-ADFC-410E-B65E-71C032113A05}" dt="2024-01-06T20:06:21.020" v="5280" actId="6938"/>
+          <pc:sldLayoutMkLst>
+            <pc:docMk/>
+            <pc:sldMasterMk cId="3432074863" sldId="2147483661"/>
+            <pc:sldLayoutMk cId="2436389587" sldId="2147483671"/>
+          </pc:sldLayoutMkLst>
+        </pc:sldLayoutChg>
+        <pc:sldLayoutChg chg="new del replId">
+          <pc:chgData name="Simeon Wong" userId="6a6fb664-499b-4396-8c93-53d6c9eb1a86" providerId="ADAL" clId="{6C2B19A1-ADFC-410E-B65E-71C032113A05}" dt="2024-01-06T20:06:21.020" v="5280" actId="6938"/>
+          <pc:sldLayoutMkLst>
+            <pc:docMk/>
+            <pc:sldMasterMk cId="3432074863" sldId="2147483661"/>
+            <pc:sldLayoutMk cId="3127427579" sldId="2147483672"/>
+          </pc:sldLayoutMkLst>
+        </pc:sldLayoutChg>
+      </pc:sldMasterChg>
+    </pc:docChg>
+  </pc:docChgLst>
 </pc:chgInfo>
 </file>
 
@@ -2257,7 +2254,7 @@
           <a:p>
             <a:fld id="{DB0822CF-44C7-4F54-8042-D2C639435B02}" type="datetimeFigureOut">
               <a:rPr lang="en-CA" smtClean="0"/>
-              <a:t>2024-02-05</a:t>
+              <a:t>2024-02-26</a:t>
             </a:fld>
             <a:endParaRPr lang="en-CA"/>
           </a:p>
@@ -2680,7 +2677,7 @@
           <a:p>
             <a:fld id="{E90DDB1C-9AD6-42C0-80A8-4585A70457A2}" type="slidenum">
               <a:rPr lang="en-CA" smtClean="0"/>
-              <a:t>3</a:t>
+              <a:t>2</a:t>
             </a:fld>
             <a:endParaRPr lang="en-CA"/>
           </a:p>
@@ -2764,7 +2761,7 @@
           <a:p>
             <a:fld id="{E90DDB1C-9AD6-42C0-80A8-4585A70457A2}" type="slidenum">
               <a:rPr lang="en-CA" smtClean="0"/>
-              <a:t>7</a:t>
+              <a:t>6</a:t>
             </a:fld>
             <a:endParaRPr lang="en-CA"/>
           </a:p>
@@ -2774,90 +2771,6 @@
     <p:extLst>
       <p:ext uri="{BB962C8B-B14F-4D97-AF65-F5344CB8AC3E}">
         <p14:creationId xmlns:p14="http://schemas.microsoft.com/office/powerpoint/2010/main" val="2622958273"/>
-      </p:ext>
-    </p:extLst>
-  </p:cSld>
-  <p:clrMapOvr>
-    <a:masterClrMapping/>
-  </p:clrMapOvr>
-</p:notes>
-</file>
-
-<file path=ppt/notesSlides/notesSlide4.xml><?xml version="1.0" encoding="utf-8"?>
-<p:notes xmlns:a="http://schemas.openxmlformats.org/drawingml/2006/main" xmlns:r="http://schemas.openxmlformats.org/officeDocument/2006/relationships" xmlns:p="http://schemas.openxmlformats.org/presentationml/2006/main">
-  <p:cSld>
-    <p:spTree>
-      <p:nvGrpSpPr>
-        <p:cNvPr id="1" name=""/>
-        <p:cNvGrpSpPr/>
-        <p:nvPr/>
-      </p:nvGrpSpPr>
-      <p:grpSpPr>
-        <a:xfrm>
-          <a:off x="0" y="0"/>
-          <a:ext cx="0" cy="0"/>
-          <a:chOff x="0" y="0"/>
-          <a:chExt cx="0" cy="0"/>
-        </a:xfrm>
-      </p:grpSpPr>
-      <p:sp>
-        <p:nvSpPr>
-          <p:cNvPr id="2" name="Slide Image Placeholder 1"/>
-          <p:cNvSpPr>
-            <a:spLocks noGrp="1" noRot="1" noChangeAspect="1"/>
-          </p:cNvSpPr>
-          <p:nvPr>
-            <p:ph type="sldImg"/>
-          </p:nvPr>
-        </p:nvSpPr>
-        <p:spPr/>
-      </p:sp>
-      <p:sp>
-        <p:nvSpPr>
-          <p:cNvPr id="3" name="Notes Placeholder 2"/>
-          <p:cNvSpPr>
-            <a:spLocks noGrp="1"/>
-          </p:cNvSpPr>
-          <p:nvPr>
-            <p:ph type="body" idx="1"/>
-          </p:nvPr>
-        </p:nvSpPr>
-        <p:spPr/>
-        <p:txBody>
-          <a:bodyPr/>
-          <a:lstStyle/>
-          <a:p>
-            <a:endParaRPr lang="en-CA" dirty="0"/>
-          </a:p>
-        </p:txBody>
-      </p:sp>
-      <p:sp>
-        <p:nvSpPr>
-          <p:cNvPr id="4" name="Slide Number Placeholder 3"/>
-          <p:cNvSpPr>
-            <a:spLocks noGrp="1"/>
-          </p:cNvSpPr>
-          <p:nvPr>
-            <p:ph type="sldNum" sz="quarter" idx="5"/>
-          </p:nvPr>
-        </p:nvSpPr>
-        <p:spPr/>
-        <p:txBody>
-          <a:bodyPr/>
-          <a:lstStyle/>
-          <a:p>
-            <a:fld id="{E90DDB1C-9AD6-42C0-80A8-4585A70457A2}" type="slidenum">
-              <a:rPr lang="en-CA" smtClean="0"/>
-              <a:t>39</a:t>
-            </a:fld>
-            <a:endParaRPr lang="en-CA"/>
-          </a:p>
-        </p:txBody>
-      </p:sp>
-    </p:spTree>
-    <p:extLst>
-      <p:ext uri="{BB962C8B-B14F-4D97-AF65-F5344CB8AC3E}">
-        <p14:creationId xmlns:p14="http://schemas.microsoft.com/office/powerpoint/2010/main" val="999783305"/>
       </p:ext>
     </p:extLst>
   </p:cSld>
@@ -3016,7 +2929,7 @@
           <a:p>
             <a:fld id="{15DD531D-CD33-4CCA-A9F4-801B4DC6DE97}" type="datetime1">
               <a:rPr lang="en-CA" smtClean="0"/>
-              <a:t>2024-02-05</a:t>
+              <a:t>2024-02-26</a:t>
             </a:fld>
             <a:endParaRPr lang="en-CA"/>
           </a:p>
@@ -3216,7 +3129,7 @@
           <a:p>
             <a:fld id="{881C09FB-5088-4BB5-926E-AD501C410C89}" type="datetime1">
               <a:rPr lang="en-CA" smtClean="0"/>
-              <a:t>2024-02-05</a:t>
+              <a:t>2024-02-26</a:t>
             </a:fld>
             <a:endParaRPr lang="en-CA"/>
           </a:p>
@@ -3426,7 +3339,7 @@
           <a:p>
             <a:fld id="{D51DB666-4A5D-4131-9BFC-FF078879E05A}" type="datetime1">
               <a:rPr lang="en-CA" smtClean="0"/>
-              <a:t>2024-02-05</a:t>
+              <a:t>2024-02-26</a:t>
             </a:fld>
             <a:endParaRPr lang="en-CA"/>
           </a:p>
@@ -3665,7 +3578,7 @@
           <a:p>
             <a:fld id="{3DE21B8F-B226-45BF-A0F0-9EE6BFA2E9CB}" type="datetime1">
               <a:rPr lang="en-CA" smtClean="0"/>
-              <a:t>2024-02-05</a:t>
+              <a:t>2024-02-26</a:t>
             </a:fld>
             <a:endParaRPr lang="en-CA"/>
           </a:p>
@@ -4193,7 +4106,7 @@
           <a:p>
             <a:fld id="{FBA8854A-CB01-42ED-8006-63C1259CF1B0}" type="datetime1">
               <a:rPr lang="en-CA" smtClean="0"/>
-              <a:t>2024-02-05</a:t>
+              <a:t>2024-02-26</a:t>
             </a:fld>
             <a:endParaRPr lang="en-CA"/>
           </a:p>
@@ -4490,7 +4403,7 @@
           <a:p>
             <a:fld id="{EACA304B-0E3F-4D87-8DB6-2CE65829C064}" type="datetime1">
               <a:rPr lang="en-CA" smtClean="0"/>
-              <a:t>2024-02-05</a:t>
+              <a:t>2024-02-26</a:t>
             </a:fld>
             <a:endParaRPr lang="en-CA"/>
           </a:p>
@@ -4766,7 +4679,7 @@
           <a:p>
             <a:fld id="{99D8F586-4F73-4F59-9718-A84B96C93025}" type="datetime1">
               <a:rPr lang="en-CA" smtClean="0"/>
-              <a:t>2024-02-05</a:t>
+              <a:t>2024-02-26</a:t>
             </a:fld>
             <a:endParaRPr lang="en-CA"/>
           </a:p>
@@ -5077,7 +4990,7 @@
           <a:p>
             <a:fld id="{FA0EB9DB-77FC-4059-BA28-39DC1E61FE1D}" type="datetime1">
               <a:rPr lang="en-CA" smtClean="0"/>
-              <a:t>2024-02-05</a:t>
+              <a:t>2024-02-26</a:t>
             </a:fld>
             <a:endParaRPr lang="en-CA"/>
           </a:p>
@@ -5492,7 +5405,7 @@
           <a:p>
             <a:fld id="{81E4BCF9-C67B-47AB-89A7-C1D6E0C877A5}" type="datetime1">
               <a:rPr lang="en-CA" smtClean="0"/>
-              <a:t>2024-02-05</a:t>
+              <a:t>2024-02-26</a:t>
             </a:fld>
             <a:endParaRPr lang="en-CA"/>
           </a:p>
@@ -5634,7 +5547,7 @@
           <a:p>
             <a:fld id="{A43972BF-200C-4958-8111-AE14FB3A3FC9}" type="datetime1">
               <a:rPr lang="en-CA" smtClean="0"/>
-              <a:t>2024-02-05</a:t>
+              <a:t>2024-02-26</a:t>
             </a:fld>
             <a:endParaRPr lang="en-CA"/>
           </a:p>
@@ -5747,7 +5660,7 @@
           <a:p>
             <a:fld id="{C701C174-D9A9-489B-A9F7-D67F7421F94A}" type="datetime1">
               <a:rPr lang="en-CA" smtClean="0"/>
-              <a:t>2024-02-05</a:t>
+              <a:t>2024-02-26</a:t>
             </a:fld>
             <a:endParaRPr lang="en-CA"/>
           </a:p>
@@ -6060,7 +5973,7 @@
           <a:p>
             <a:fld id="{857CEB7D-97D3-47A9-9A07-1A14BC5DF2FC}" type="datetime1">
               <a:rPr lang="en-CA" smtClean="0"/>
-              <a:t>2024-02-05</a:t>
+              <a:t>2024-02-26</a:t>
             </a:fld>
             <a:endParaRPr lang="en-CA"/>
           </a:p>
@@ -6349,7 +6262,7 @@
           <a:p>
             <a:fld id="{0EC688DA-DA88-4D59-975E-F54BEE572667}" type="datetime1">
               <a:rPr lang="en-CA" smtClean="0"/>
-              <a:t>2024-02-05</a:t>
+              <a:t>2024-02-26</a:t>
             </a:fld>
             <a:endParaRPr lang="en-CA"/>
           </a:p>
@@ -6592,7 +6505,7 @@
           <a:p>
             <a:fld id="{FBA8854A-CB01-42ED-8006-63C1259CF1B0}" type="datetime1">
               <a:rPr lang="en-CA" smtClean="0"/>
-              <a:t>2024-02-05</a:t>
+              <a:t>2024-02-26</a:t>
             </a:fld>
             <a:endParaRPr lang="en-CA"/>
           </a:p>
@@ -7125,17 +7038,6 @@
               <a:t>University of Toronto</a:t>
             </a:r>
           </a:p>
-          <a:p>
-            <a:pPr algn="l"/>
-            <a:endParaRPr lang="en-CA" dirty="0"/>
-          </a:p>
-          <a:p>
-            <a:pPr algn="l"/>
-            <a:r>
-              <a:rPr lang="en-CA" b="1" dirty="0"/>
-              <a:t>Simeon Wong</a:t>
-            </a:r>
-          </a:p>
         </p:txBody>
       </p:sp>
       <p:pic>
@@ -7279,176 +7181,6 @@
           <p:cNvPr id="2" name="Title 1">
             <a:extLst>
               <a:ext uri="{FF2B5EF4-FFF2-40B4-BE49-F238E27FC236}">
-                <a16:creationId xmlns:a16="http://schemas.microsoft.com/office/drawing/2014/main" id="{ED95BB5C-2981-ECE2-1930-82BE133CC244}"/>
-              </a:ext>
-            </a:extLst>
-          </p:cNvPr>
-          <p:cNvSpPr>
-            <a:spLocks noGrp="1"/>
-          </p:cNvSpPr>
-          <p:nvPr>
-            <p:ph type="title"/>
-          </p:nvPr>
-        </p:nvSpPr>
-        <p:spPr/>
-        <p:txBody>
-          <a:bodyPr/>
-          <a:lstStyle/>
-          <a:p>
-            <a:r>
-              <a:rPr lang="en-CA" dirty="0"/>
-              <a:t>GitHub Issues tracks proposed changes</a:t>
-            </a:r>
-          </a:p>
-        </p:txBody>
-      </p:sp>
-      <p:sp>
-        <p:nvSpPr>
-          <p:cNvPr id="3" name="Content Placeholder 2">
-            <a:extLst>
-              <a:ext uri="{FF2B5EF4-FFF2-40B4-BE49-F238E27FC236}">
-                <a16:creationId xmlns:a16="http://schemas.microsoft.com/office/drawing/2014/main" id="{DABE1EFA-5710-B806-B1F6-43696FAA08C3}"/>
-              </a:ext>
-            </a:extLst>
-          </p:cNvPr>
-          <p:cNvSpPr>
-            <a:spLocks noGrp="1"/>
-          </p:cNvSpPr>
-          <p:nvPr>
-            <p:ph idx="1"/>
-          </p:nvPr>
-        </p:nvSpPr>
-        <p:spPr/>
-        <p:txBody>
-          <a:bodyPr/>
-          <a:lstStyle/>
-          <a:p>
-            <a:endParaRPr lang="en-CA"/>
-          </a:p>
-        </p:txBody>
-      </p:sp>
-      <p:sp>
-        <p:nvSpPr>
-          <p:cNvPr id="4" name="Slide Number Placeholder 3">
-            <a:extLst>
-              <a:ext uri="{FF2B5EF4-FFF2-40B4-BE49-F238E27FC236}">
-                <a16:creationId xmlns:a16="http://schemas.microsoft.com/office/drawing/2014/main" id="{8B2E77E2-977F-FF28-5030-B97D93888E31}"/>
-              </a:ext>
-            </a:extLst>
-          </p:cNvPr>
-          <p:cNvSpPr>
-            <a:spLocks noGrp="1"/>
-          </p:cNvSpPr>
-          <p:nvPr>
-            <p:ph type="sldNum" sz="quarter" idx="12"/>
-          </p:nvPr>
-        </p:nvSpPr>
-        <p:spPr/>
-        <p:txBody>
-          <a:bodyPr/>
-          <a:lstStyle/>
-          <a:p>
-            <a:fld id="{4F883B06-9FA1-44A8-8ACD-51391BD89E0C}" type="slidenum">
-              <a:rPr lang="en-CA" smtClean="0"/>
-              <a:t>10</a:t>
-            </a:fld>
-            <a:endParaRPr lang="en-CA"/>
-          </a:p>
-        </p:txBody>
-      </p:sp>
-      <p:sp>
-        <p:nvSpPr>
-          <p:cNvPr id="5" name="Text Placeholder 4">
-            <a:extLst>
-              <a:ext uri="{FF2B5EF4-FFF2-40B4-BE49-F238E27FC236}">
-                <a16:creationId xmlns:a16="http://schemas.microsoft.com/office/drawing/2014/main" id="{A7F0CD72-2806-B7D9-958C-E7450E424A57}"/>
-              </a:ext>
-            </a:extLst>
-          </p:cNvPr>
-          <p:cNvSpPr>
-            <a:spLocks noGrp="1"/>
-          </p:cNvSpPr>
-          <p:nvPr>
-            <p:ph type="body" sz="quarter" idx="13"/>
-          </p:nvPr>
-        </p:nvSpPr>
-        <p:spPr/>
-        <p:txBody>
-          <a:bodyPr/>
-          <a:lstStyle/>
-          <a:p>
-            <a:r>
-              <a:rPr lang="en-CA" dirty="0"/>
-              <a:t>Working in software teams</a:t>
-            </a:r>
-          </a:p>
-        </p:txBody>
-      </p:sp>
-      <p:pic>
-        <p:nvPicPr>
-          <p:cNvPr id="7" name="Picture 6">
-            <a:extLst>
-              <a:ext uri="{FF2B5EF4-FFF2-40B4-BE49-F238E27FC236}">
-                <a16:creationId xmlns:a16="http://schemas.microsoft.com/office/drawing/2014/main" id="{36389491-A966-CCF4-5BE3-D71EFFE3894C}"/>
-              </a:ext>
-            </a:extLst>
-          </p:cNvPr>
-          <p:cNvPicPr>
-            <a:picLocks noChangeAspect="1"/>
-          </p:cNvPicPr>
-          <p:nvPr/>
-        </p:nvPicPr>
-        <p:blipFill>
-          <a:blip r:embed="rId2"/>
-          <a:stretch>
-            <a:fillRect/>
-          </a:stretch>
-        </p:blipFill>
-        <p:spPr>
-          <a:xfrm>
-            <a:off x="1589784" y="1800302"/>
-            <a:ext cx="9012432" cy="4734267"/>
-          </a:xfrm>
-          <a:prstGeom prst="rect">
-            <a:avLst/>
-          </a:prstGeom>
-        </p:spPr>
-      </p:pic>
-    </p:spTree>
-    <p:extLst>
-      <p:ext uri="{BB962C8B-B14F-4D97-AF65-F5344CB8AC3E}">
-        <p14:creationId xmlns:p14="http://schemas.microsoft.com/office/powerpoint/2010/main" val="3940674962"/>
-      </p:ext>
-    </p:extLst>
-  </p:cSld>
-  <p:clrMapOvr>
-    <a:masterClrMapping/>
-  </p:clrMapOvr>
-</p:sld>
-</file>
-
-<file path=ppt/slides/slide11.xml><?xml version="1.0" encoding="utf-8"?>
-<p:sld xmlns:a="http://schemas.openxmlformats.org/drawingml/2006/main" xmlns:r="http://schemas.openxmlformats.org/officeDocument/2006/relationships" xmlns:p="http://schemas.openxmlformats.org/presentationml/2006/main">
-  <p:cSld>
-    <p:spTree>
-      <p:nvGrpSpPr>
-        <p:cNvPr id="1" name=""/>
-        <p:cNvGrpSpPr/>
-        <p:nvPr/>
-      </p:nvGrpSpPr>
-      <p:grpSpPr>
-        <a:xfrm>
-          <a:off x="0" y="0"/>
-          <a:ext cx="0" cy="0"/>
-          <a:chOff x="0" y="0"/>
-          <a:chExt cx="0" cy="0"/>
-        </a:xfrm>
-      </p:grpSpPr>
-      <p:sp>
-        <p:nvSpPr>
-          <p:cNvPr id="2" name="Title 1">
-            <a:extLst>
-              <a:ext uri="{FF2B5EF4-FFF2-40B4-BE49-F238E27FC236}">
                 <a16:creationId xmlns:a16="http://schemas.microsoft.com/office/drawing/2014/main" id="{393DCBEC-3E38-FCD4-3ADC-83DD4A364952}"/>
               </a:ext>
             </a:extLst>
@@ -7524,7 +7256,7 @@
           <a:p>
             <a:fld id="{4F883B06-9FA1-44A8-8ACD-51391BD89E0C}" type="slidenum">
               <a:rPr lang="en-CA" smtClean="0"/>
-              <a:t>11</a:t>
+              <a:t>10</a:t>
             </a:fld>
             <a:endParaRPr lang="en-CA"/>
           </a:p>
@@ -7601,7 +7333,7 @@
 </p:sld>
 </file>
 
-<file path=ppt/slides/slide12.xml><?xml version="1.0" encoding="utf-8"?>
+<file path=ppt/slides/slide11.xml><?xml version="1.0" encoding="utf-8"?>
 <p:sld xmlns:a="http://schemas.openxmlformats.org/drawingml/2006/main" xmlns:r="http://schemas.openxmlformats.org/officeDocument/2006/relationships" xmlns:p="http://schemas.openxmlformats.org/presentationml/2006/main">
   <p:cSld>
     <p:spTree>
@@ -7669,7 +7401,7 @@
           <a:p>
             <a:fld id="{4F883B06-9FA1-44A8-8ACD-51391BD89E0C}" type="slidenum">
               <a:rPr lang="en-CA" smtClean="0"/>
-              <a:t>12</a:t>
+              <a:t>11</a:t>
             </a:fld>
             <a:endParaRPr lang="en-CA"/>
           </a:p>
@@ -7800,7 +7532,7 @@
 </p:sld>
 </file>
 
-<file path=ppt/slides/slide13.xml><?xml version="1.0" encoding="utf-8"?>
+<file path=ppt/slides/slide12.xml><?xml version="1.0" encoding="utf-8"?>
 <p:sld xmlns:a="http://schemas.openxmlformats.org/drawingml/2006/main" xmlns:r="http://schemas.openxmlformats.org/officeDocument/2006/relationships" xmlns:p="http://schemas.openxmlformats.org/presentationml/2006/main">
   <p:cSld>
     <p:spTree>
@@ -7868,7 +7600,7 @@
           <a:p>
             <a:fld id="{4F883B06-9FA1-44A8-8ACD-51391BD89E0C}" type="slidenum">
               <a:rPr lang="en-CA" smtClean="0"/>
-              <a:t>13</a:t>
+              <a:t>12</a:t>
             </a:fld>
             <a:endParaRPr lang="en-CA"/>
           </a:p>
@@ -7994,7 +7726,7 @@
 </p:sld>
 </file>
 
-<file path=ppt/slides/slide14.xml><?xml version="1.0" encoding="utf-8"?>
+<file path=ppt/slides/slide13.xml><?xml version="1.0" encoding="utf-8"?>
 <p:sld xmlns:a="http://schemas.openxmlformats.org/drawingml/2006/main" xmlns:r="http://schemas.openxmlformats.org/officeDocument/2006/relationships" xmlns:p="http://schemas.openxmlformats.org/presentationml/2006/main">
   <p:cSld>
     <p:spTree>
@@ -8142,7 +7874,7 @@
           <a:p>
             <a:fld id="{4F883B06-9FA1-44A8-8ACD-51391BD89E0C}" type="slidenum">
               <a:rPr lang="en-CA" smtClean="0"/>
-              <a:t>14</a:t>
+              <a:t>13</a:t>
             </a:fld>
             <a:endParaRPr lang="en-CA"/>
           </a:p>
@@ -8193,7 +7925,7 @@
 </p:sld>
 </file>
 
-<file path=ppt/slides/slide15.xml><?xml version="1.0" encoding="utf-8"?>
+<file path=ppt/slides/slide14.xml><?xml version="1.0" encoding="utf-8"?>
 <p:sld xmlns:a="http://schemas.openxmlformats.org/drawingml/2006/main" xmlns:r="http://schemas.openxmlformats.org/officeDocument/2006/relationships" xmlns:p="http://schemas.openxmlformats.org/presentationml/2006/main">
   <p:cSld>
     <p:spTree>
@@ -8359,7 +8091,7 @@
           <a:p>
             <a:fld id="{4F883B06-9FA1-44A8-8ACD-51391BD89E0C}" type="slidenum">
               <a:rPr lang="en-CA" smtClean="0"/>
-              <a:t>15</a:t>
+              <a:t>14</a:t>
             </a:fld>
             <a:endParaRPr lang="en-CA"/>
           </a:p>
@@ -8410,7 +8142,7 @@
 </p:sld>
 </file>
 
-<file path=ppt/slides/slide16.xml><?xml version="1.0" encoding="utf-8"?>
+<file path=ppt/slides/slide15.xml><?xml version="1.0" encoding="utf-8"?>
 <p:sld xmlns:a="http://schemas.openxmlformats.org/drawingml/2006/main" xmlns:r="http://schemas.openxmlformats.org/officeDocument/2006/relationships" xmlns:p="http://schemas.openxmlformats.org/presentationml/2006/main">
   <p:cSld>
     <p:spTree>
@@ -8495,7 +8227,7 @@
           <a:p>
             <a:fld id="{4F883B06-9FA1-44A8-8ACD-51391BD89E0C}" type="slidenum">
               <a:rPr lang="en-CA" smtClean="0"/>
-              <a:t>16</a:t>
+              <a:t>15</a:t>
             </a:fld>
             <a:endParaRPr lang="en-CA"/>
           </a:p>
@@ -8514,7 +8246,7 @@
 </p:sld>
 </file>
 
-<file path=ppt/slides/slide17.xml><?xml version="1.0" encoding="utf-8"?>
+<file path=ppt/slides/slide16.xml><?xml version="1.0" encoding="utf-8"?>
 <p:sld xmlns:a="http://schemas.openxmlformats.org/drawingml/2006/main" xmlns:r="http://schemas.openxmlformats.org/officeDocument/2006/relationships" xmlns:p="http://schemas.openxmlformats.org/presentationml/2006/main">
   <p:cSld>
     <p:spTree>
@@ -8582,7 +8314,7 @@
           <a:p>
             <a:fld id="{4F883B06-9FA1-44A8-8ACD-51391BD89E0C}" type="slidenum">
               <a:rPr lang="en-CA" smtClean="0"/>
-              <a:t>17</a:t>
+              <a:t>16</a:t>
             </a:fld>
             <a:endParaRPr lang="en-CA"/>
           </a:p>
@@ -8689,6 +8421,188 @@
 </p:sld>
 </file>
 
+<file path=ppt/slides/slide17.xml><?xml version="1.0" encoding="utf-8"?>
+<p:sld xmlns:a="http://schemas.openxmlformats.org/drawingml/2006/main" xmlns:r="http://schemas.openxmlformats.org/officeDocument/2006/relationships" xmlns:p="http://schemas.openxmlformats.org/presentationml/2006/main">
+  <p:cSld>
+    <p:spTree>
+      <p:nvGrpSpPr>
+        <p:cNvPr id="1" name=""/>
+        <p:cNvGrpSpPr/>
+        <p:nvPr/>
+      </p:nvGrpSpPr>
+      <p:grpSpPr>
+        <a:xfrm>
+          <a:off x="0" y="0"/>
+          <a:ext cx="0" cy="0"/>
+          <a:chOff x="0" y="0"/>
+          <a:chExt cx="0" cy="0"/>
+        </a:xfrm>
+      </p:grpSpPr>
+      <p:sp>
+        <p:nvSpPr>
+          <p:cNvPr id="2" name="Title 1">
+            <a:extLst>
+              <a:ext uri="{FF2B5EF4-FFF2-40B4-BE49-F238E27FC236}">
+                <a16:creationId xmlns:a16="http://schemas.microsoft.com/office/drawing/2014/main" id="{5553B480-87D0-8089-2DAB-F13F3974A235}"/>
+              </a:ext>
+            </a:extLst>
+          </p:cNvPr>
+          <p:cNvSpPr>
+            <a:spLocks noGrp="1"/>
+          </p:cNvSpPr>
+          <p:nvPr>
+            <p:ph type="title"/>
+          </p:nvPr>
+        </p:nvSpPr>
+        <p:spPr/>
+        <p:txBody>
+          <a:bodyPr/>
+          <a:lstStyle/>
+          <a:p>
+            <a:r>
+              <a:rPr lang="en-CA" dirty="0"/>
+              <a:t>Why software project management?</a:t>
+            </a:r>
+          </a:p>
+        </p:txBody>
+      </p:sp>
+      <p:sp>
+        <p:nvSpPr>
+          <p:cNvPr id="3" name="Content Placeholder 2">
+            <a:extLst>
+              <a:ext uri="{FF2B5EF4-FFF2-40B4-BE49-F238E27FC236}">
+                <a16:creationId xmlns:a16="http://schemas.microsoft.com/office/drawing/2014/main" id="{21F68AA1-06EE-1E72-0A33-7E5753E3F0FB}"/>
+              </a:ext>
+            </a:extLst>
+          </p:cNvPr>
+          <p:cNvSpPr>
+            <a:spLocks noGrp="1"/>
+          </p:cNvSpPr>
+          <p:nvPr>
+            <p:ph idx="1"/>
+          </p:nvPr>
+        </p:nvSpPr>
+        <p:spPr/>
+        <p:txBody>
+          <a:bodyPr/>
+          <a:lstStyle/>
+          <a:p>
+            <a:pPr marL="0" indent="0">
+              <a:buNone/>
+            </a:pPr>
+            <a:r>
+              <a:rPr lang="en-CA" b="1" dirty="0"/>
+              <a:t>Scenario</a:t>
+            </a:r>
+            <a:r>
+              <a:rPr lang="en-CA" dirty="0"/>
+              <a:t>: Alex is a developer for a business-intelligence dashboard project.</a:t>
+            </a:r>
+          </a:p>
+          <a:p>
+            <a:r>
+              <a:rPr lang="en-CA" dirty="0"/>
+              <a:t>Alex’s finishes his big project: upgrading a financials chart</a:t>
+            </a:r>
+          </a:p>
+          <a:p>
+            <a:r>
+              <a:rPr lang="en-CA" dirty="0"/>
+              <a:t>Avery, the engineering manager wants to make sure:</a:t>
+            </a:r>
+          </a:p>
+          <a:p>
+            <a:pPr lvl="1"/>
+            <a:r>
+              <a:rPr lang="en-CA" dirty="0"/>
+              <a:t>Alex’s feature has been peer-reviewed</a:t>
+            </a:r>
+          </a:p>
+          <a:p>
+            <a:pPr lvl="1"/>
+            <a:r>
+              <a:rPr lang="en-CA" dirty="0"/>
+              <a:t>The new charting code integrates well into the dashboard</a:t>
+            </a:r>
+          </a:p>
+          <a:p>
+            <a:r>
+              <a:rPr lang="en-CA" dirty="0"/>
+              <a:t>Alex wants to make sure his colleagues can understand how to use his code</a:t>
+            </a:r>
+          </a:p>
+        </p:txBody>
+      </p:sp>
+      <p:sp>
+        <p:nvSpPr>
+          <p:cNvPr id="4" name="Slide Number Placeholder 3">
+            <a:extLst>
+              <a:ext uri="{FF2B5EF4-FFF2-40B4-BE49-F238E27FC236}">
+                <a16:creationId xmlns:a16="http://schemas.microsoft.com/office/drawing/2014/main" id="{6BC51B96-27FC-7DFB-619C-AB7F7794D0DA}"/>
+              </a:ext>
+            </a:extLst>
+          </p:cNvPr>
+          <p:cNvSpPr>
+            <a:spLocks noGrp="1"/>
+          </p:cNvSpPr>
+          <p:nvPr>
+            <p:ph type="sldNum" sz="quarter" idx="12"/>
+          </p:nvPr>
+        </p:nvSpPr>
+        <p:spPr/>
+        <p:txBody>
+          <a:bodyPr/>
+          <a:lstStyle/>
+          <a:p>
+            <a:fld id="{4F883B06-9FA1-44A8-8ACD-51391BD89E0C}" type="slidenum">
+              <a:rPr lang="en-CA" smtClean="0"/>
+              <a:t>17</a:t>
+            </a:fld>
+            <a:endParaRPr lang="en-CA"/>
+          </a:p>
+        </p:txBody>
+      </p:sp>
+      <p:sp>
+        <p:nvSpPr>
+          <p:cNvPr id="5" name="Text Placeholder 4">
+            <a:extLst>
+              <a:ext uri="{FF2B5EF4-FFF2-40B4-BE49-F238E27FC236}">
+                <a16:creationId xmlns:a16="http://schemas.microsoft.com/office/drawing/2014/main" id="{81EAD386-FC17-4D54-5209-EB64D22D20F0}"/>
+              </a:ext>
+            </a:extLst>
+          </p:cNvPr>
+          <p:cNvSpPr>
+            <a:spLocks noGrp="1"/>
+          </p:cNvSpPr>
+          <p:nvPr>
+            <p:ph type="body" sz="quarter" idx="13"/>
+          </p:nvPr>
+        </p:nvSpPr>
+        <p:spPr/>
+        <p:txBody>
+          <a:bodyPr/>
+          <a:lstStyle/>
+          <a:p>
+            <a:r>
+              <a:rPr lang="en-CA" dirty="0"/>
+              <a:t>Working in software teams</a:t>
+            </a:r>
+          </a:p>
+        </p:txBody>
+      </p:sp>
+    </p:spTree>
+    <p:extLst>
+      <p:ext uri="{BB962C8B-B14F-4D97-AF65-F5344CB8AC3E}">
+        <p14:creationId xmlns:p14="http://schemas.microsoft.com/office/powerpoint/2010/main" val="840473690"/>
+      </p:ext>
+    </p:extLst>
+  </p:cSld>
+  <p:clrMapOvr>
+    <a:masterClrMapping/>
+  </p:clrMapOvr>
+</p:sld>
+</file>
+
 <file path=ppt/slides/slide18.xml><?xml version="1.0" encoding="utf-8"?>
 <p:sld xmlns:a="http://schemas.openxmlformats.org/drawingml/2006/main" xmlns:r="http://schemas.openxmlformats.org/officeDocument/2006/relationships" xmlns:p="http://schemas.openxmlformats.org/presentationml/2006/main">
   <p:cSld>
@@ -8711,7 +8625,7 @@
           <p:cNvPr id="2" name="Title 1">
             <a:extLst>
               <a:ext uri="{FF2B5EF4-FFF2-40B4-BE49-F238E27FC236}">
-                <a16:creationId xmlns:a16="http://schemas.microsoft.com/office/drawing/2014/main" id="{5553B480-87D0-8089-2DAB-F13F3974A235}"/>
+                <a16:creationId xmlns:a16="http://schemas.microsoft.com/office/drawing/2014/main" id="{206AB119-3819-6007-54E3-32DB7468895F}"/>
               </a:ext>
             </a:extLst>
           </p:cNvPr>
@@ -8729,7 +8643,7 @@
           <a:p>
             <a:r>
               <a:rPr lang="en-CA" dirty="0"/>
-              <a:t>Why software project management?</a:t>
+              <a:t>GitHub</a:t>
             </a:r>
           </a:p>
         </p:txBody>
@@ -8739,7 +8653,7 @@
           <p:cNvPr id="3" name="Content Placeholder 2">
             <a:extLst>
               <a:ext uri="{FF2B5EF4-FFF2-40B4-BE49-F238E27FC236}">
-                <a16:creationId xmlns:a16="http://schemas.microsoft.com/office/drawing/2014/main" id="{21F68AA1-06EE-1E72-0A33-7E5753E3F0FB}"/>
+                <a16:creationId xmlns:a16="http://schemas.microsoft.com/office/drawing/2014/main" id="{D72AB265-F26A-723A-C077-FF1A52EEFB99}"/>
               </a:ext>
             </a:extLst>
           </p:cNvPr>
@@ -8755,48 +8669,61 @@
           <a:bodyPr/>
           <a:lstStyle/>
           <a:p>
-            <a:pPr marL="0" indent="0">
-              <a:buNone/>
-            </a:pPr>
-            <a:r>
-              <a:rPr lang="en-CA" b="1" dirty="0"/>
-              <a:t>Scenario</a:t>
-            </a:r>
             <a:r>
               <a:rPr lang="en-CA" dirty="0"/>
-              <a:t>: Alex is a developer for a business-intelligence dashboard project.</a:t>
-            </a:r>
-          </a:p>
-          <a:p>
+              <a:t>Continuous Integration</a:t>
+            </a:r>
+          </a:p>
+          <a:p>
+            <a:pPr lvl="1"/>
             <a:r>
               <a:rPr lang="en-CA" dirty="0"/>
-              <a:t>Alex’s finishes his big project: upgrading a financials chart</a:t>
-            </a:r>
-          </a:p>
-          <a:p>
+              <a:t>Alex’s code is automatically tested with </a:t>
+            </a:r>
+            <a:r>
+              <a:rPr lang="en-CA" dirty="0" err="1">
+                <a:latin typeface="Cascadia Code" panose="020B0609020000020004" pitchFamily="49" charset="0"/>
+                <a:ea typeface="Cascadia Code" panose="020B0609020000020004" pitchFamily="49" charset="0"/>
+                <a:cs typeface="Cascadia Code" panose="020B0609020000020004" pitchFamily="49" charset="0"/>
+              </a:rPr>
+              <a:t>pytest</a:t>
+            </a:r>
             <a:r>
               <a:rPr lang="en-CA" dirty="0"/>
-              <a:t>Avery, the engineering manager wants to make sure:</a:t>
+              <a:t> on GitHub actions</a:t>
+            </a:r>
+          </a:p>
+          <a:p>
+            <a:r>
+              <a:rPr lang="en-CA" dirty="0"/>
+              <a:t>Code review and approvals</a:t>
             </a:r>
           </a:p>
           <a:p>
             <a:pPr lvl="1"/>
             <a:r>
               <a:rPr lang="en-CA" dirty="0"/>
-              <a:t>Alex’s feature has been peer-reviewed</a:t>
+              <a:t>Alex can request a colleague to peer review his code and make comments overall, or even line-by-line</a:t>
+            </a:r>
+          </a:p>
+          <a:p>
+            <a:r>
+              <a:rPr lang="en-CA" dirty="0"/>
+              <a:t>Granular read/write access controls</a:t>
             </a:r>
           </a:p>
           <a:p>
             <a:pPr lvl="1"/>
             <a:r>
               <a:rPr lang="en-CA" dirty="0"/>
-              <a:t>The new charting code integrates well into the dashboard</a:t>
-            </a:r>
-          </a:p>
-          <a:p>
+              <a:t>Pull requests on the main repository can have requirements</a:t>
+            </a:r>
+          </a:p>
+          <a:p>
+            <a:pPr lvl="1"/>
             <a:r>
               <a:rPr lang="en-CA" dirty="0"/>
-              <a:t>Alex wants to make sure his colleagues can understand how to use his code</a:t>
+              <a:t>e.g. must be approved by one or more colleagues, must pass all unit tests</a:t>
             </a:r>
           </a:p>
         </p:txBody>
@@ -8806,7 +8733,7 @@
           <p:cNvPr id="4" name="Slide Number Placeholder 3">
             <a:extLst>
               <a:ext uri="{FF2B5EF4-FFF2-40B4-BE49-F238E27FC236}">
-                <a16:creationId xmlns:a16="http://schemas.microsoft.com/office/drawing/2014/main" id="{6BC51B96-27FC-7DFB-619C-AB7F7794D0DA}"/>
+                <a16:creationId xmlns:a16="http://schemas.microsoft.com/office/drawing/2014/main" id="{4997F330-60C3-8AAE-7805-F038E5CDE44E}"/>
               </a:ext>
             </a:extLst>
           </p:cNvPr>
@@ -8835,7 +8762,7 @@
           <p:cNvPr id="5" name="Text Placeholder 4">
             <a:extLst>
               <a:ext uri="{FF2B5EF4-FFF2-40B4-BE49-F238E27FC236}">
-                <a16:creationId xmlns:a16="http://schemas.microsoft.com/office/drawing/2014/main" id="{81EAD386-FC17-4D54-5209-EB64D22D20F0}"/>
+                <a16:creationId xmlns:a16="http://schemas.microsoft.com/office/drawing/2014/main" id="{71BEE380-F1E0-C966-6162-6974FD5C85F5}"/>
               </a:ext>
             </a:extLst>
           </p:cNvPr>
@@ -8861,7 +8788,7 @@
     </p:spTree>
     <p:extLst>
       <p:ext uri="{BB962C8B-B14F-4D97-AF65-F5344CB8AC3E}">
-        <p14:creationId xmlns:p14="http://schemas.microsoft.com/office/powerpoint/2010/main" val="840473690"/>
+        <p14:creationId xmlns:p14="http://schemas.microsoft.com/office/powerpoint/2010/main" val="3152143147"/>
       </p:ext>
     </p:extLst>
   </p:cSld>
@@ -8893,7 +8820,7 @@
           <p:cNvPr id="2" name="Title 1">
             <a:extLst>
               <a:ext uri="{FF2B5EF4-FFF2-40B4-BE49-F238E27FC236}">
-                <a16:creationId xmlns:a16="http://schemas.microsoft.com/office/drawing/2014/main" id="{206AB119-3819-6007-54E3-32DB7468895F}"/>
+                <a16:creationId xmlns:a16="http://schemas.microsoft.com/office/drawing/2014/main" id="{990872C2-6A98-2D31-44E0-395DC9CE4FDD}"/>
               </a:ext>
             </a:extLst>
           </p:cNvPr>
@@ -8911,7 +8838,7 @@
           <a:p>
             <a:r>
               <a:rPr lang="en-CA" dirty="0"/>
-              <a:t>GitHub</a:t>
+              <a:t>Continuous integration code testing</a:t>
             </a:r>
           </a:p>
         </p:txBody>
@@ -8921,7 +8848,7 @@
           <p:cNvPr id="3" name="Content Placeholder 2">
             <a:extLst>
               <a:ext uri="{FF2B5EF4-FFF2-40B4-BE49-F238E27FC236}">
-                <a16:creationId xmlns:a16="http://schemas.microsoft.com/office/drawing/2014/main" id="{D72AB265-F26A-723A-C077-FF1A52EEFB99}"/>
+                <a16:creationId xmlns:a16="http://schemas.microsoft.com/office/drawing/2014/main" id="{252D2F66-BA42-1003-884A-0F444E65672F}"/>
               </a:ext>
             </a:extLst>
           </p:cNvPr>
@@ -8937,62 +8864,7 @@
           <a:bodyPr/>
           <a:lstStyle/>
           <a:p>
-            <a:r>
-              <a:rPr lang="en-CA" dirty="0"/>
-              <a:t>Continuous Integration</a:t>
-            </a:r>
-          </a:p>
-          <a:p>
-            <a:pPr lvl="1"/>
-            <a:r>
-              <a:rPr lang="en-CA" dirty="0"/>
-              <a:t>Alex’s code is automatically tested with </a:t>
-            </a:r>
-            <a:r>
-              <a:rPr lang="en-CA" dirty="0" err="1">
-                <a:latin typeface="Cascadia Code" panose="020B0609020000020004" pitchFamily="49" charset="0"/>
-                <a:ea typeface="Cascadia Code" panose="020B0609020000020004" pitchFamily="49" charset="0"/>
-                <a:cs typeface="Cascadia Code" panose="020B0609020000020004" pitchFamily="49" charset="0"/>
-              </a:rPr>
-              <a:t>pytest</a:t>
-            </a:r>
-            <a:r>
-              <a:rPr lang="en-CA" dirty="0"/>
-              <a:t> on GitHub actions</a:t>
-            </a:r>
-          </a:p>
-          <a:p>
-            <a:r>
-              <a:rPr lang="en-CA" dirty="0"/>
-              <a:t>Code review and approvals</a:t>
-            </a:r>
-          </a:p>
-          <a:p>
-            <a:pPr lvl="1"/>
-            <a:r>
-              <a:rPr lang="en-CA" dirty="0"/>
-              <a:t>Alex can request a colleague to peer review his code and make comments overall, or even line-by-line</a:t>
-            </a:r>
-          </a:p>
-          <a:p>
-            <a:r>
-              <a:rPr lang="en-CA" dirty="0"/>
-              <a:t>Granular read/write access controls</a:t>
-            </a:r>
-          </a:p>
-          <a:p>
-            <a:pPr lvl="1"/>
-            <a:r>
-              <a:rPr lang="en-CA" dirty="0"/>
-              <a:t>Pull requests on the main repository can have requirements</a:t>
-            </a:r>
-          </a:p>
-          <a:p>
-            <a:pPr lvl="1"/>
-            <a:r>
-              <a:rPr lang="en-CA" dirty="0"/>
-              <a:t>e.g. must be approved by one or more colleagues, must pass all unit tests</a:t>
-            </a:r>
+            <a:endParaRPr lang="en-CA"/>
           </a:p>
         </p:txBody>
       </p:sp>
@@ -9001,7 +8873,7 @@
           <p:cNvPr id="4" name="Slide Number Placeholder 3">
             <a:extLst>
               <a:ext uri="{FF2B5EF4-FFF2-40B4-BE49-F238E27FC236}">
-                <a16:creationId xmlns:a16="http://schemas.microsoft.com/office/drawing/2014/main" id="{4997F330-60C3-8AAE-7805-F038E5CDE44E}"/>
+                <a16:creationId xmlns:a16="http://schemas.microsoft.com/office/drawing/2014/main" id="{13762A83-9C01-8970-286A-F331B11F9595}"/>
               </a:ext>
             </a:extLst>
           </p:cNvPr>
@@ -9020,332 +8892,6 @@
             <a:fld id="{4F883B06-9FA1-44A8-8ACD-51391BD89E0C}" type="slidenum">
               <a:rPr lang="en-CA" smtClean="0"/>
               <a:t>19</a:t>
-            </a:fld>
-            <a:endParaRPr lang="en-CA"/>
-          </a:p>
-        </p:txBody>
-      </p:sp>
-      <p:sp>
-        <p:nvSpPr>
-          <p:cNvPr id="5" name="Text Placeholder 4">
-            <a:extLst>
-              <a:ext uri="{FF2B5EF4-FFF2-40B4-BE49-F238E27FC236}">
-                <a16:creationId xmlns:a16="http://schemas.microsoft.com/office/drawing/2014/main" id="{71BEE380-F1E0-C966-6162-6974FD5C85F5}"/>
-              </a:ext>
-            </a:extLst>
-          </p:cNvPr>
-          <p:cNvSpPr>
-            <a:spLocks noGrp="1"/>
-          </p:cNvSpPr>
-          <p:nvPr>
-            <p:ph type="body" sz="quarter" idx="13"/>
-          </p:nvPr>
-        </p:nvSpPr>
-        <p:spPr/>
-        <p:txBody>
-          <a:bodyPr/>
-          <a:lstStyle/>
-          <a:p>
-            <a:r>
-              <a:rPr lang="en-CA" dirty="0"/>
-              <a:t>Working in software teams</a:t>
-            </a:r>
-          </a:p>
-        </p:txBody>
-      </p:sp>
-    </p:spTree>
-    <p:extLst>
-      <p:ext uri="{BB962C8B-B14F-4D97-AF65-F5344CB8AC3E}">
-        <p14:creationId xmlns:p14="http://schemas.microsoft.com/office/powerpoint/2010/main" val="3152143147"/>
-      </p:ext>
-    </p:extLst>
-  </p:cSld>
-  <p:clrMapOvr>
-    <a:masterClrMapping/>
-  </p:clrMapOvr>
-</p:sld>
-</file>
-
-<file path=ppt/slides/slide2.xml><?xml version="1.0" encoding="utf-8"?>
-<p:sld xmlns:a="http://schemas.openxmlformats.org/drawingml/2006/main" xmlns:r="http://schemas.openxmlformats.org/officeDocument/2006/relationships" xmlns:p="http://schemas.openxmlformats.org/presentationml/2006/main">
-  <p:cSld>
-    <p:spTree>
-      <p:nvGrpSpPr>
-        <p:cNvPr id="1" name=""/>
-        <p:cNvGrpSpPr/>
-        <p:nvPr/>
-      </p:nvGrpSpPr>
-      <p:grpSpPr>
-        <a:xfrm>
-          <a:off x="0" y="0"/>
-          <a:ext cx="0" cy="0"/>
-          <a:chOff x="0" y="0"/>
-          <a:chExt cx="0" cy="0"/>
-        </a:xfrm>
-      </p:grpSpPr>
-      <p:sp>
-        <p:nvSpPr>
-          <p:cNvPr id="2" name="Title 1">
-            <a:extLst>
-              <a:ext uri="{FF2B5EF4-FFF2-40B4-BE49-F238E27FC236}">
-                <a16:creationId xmlns:a16="http://schemas.microsoft.com/office/drawing/2014/main" id="{4FE3458A-11F4-DE30-C0AD-5762187A0E89}"/>
-              </a:ext>
-            </a:extLst>
-          </p:cNvPr>
-          <p:cNvSpPr>
-            <a:spLocks noGrp="1"/>
-          </p:cNvSpPr>
-          <p:nvPr>
-            <p:ph type="title"/>
-          </p:nvPr>
-        </p:nvSpPr>
-        <p:spPr/>
-        <p:txBody>
-          <a:bodyPr/>
-          <a:lstStyle/>
-          <a:p>
-            <a:r>
-              <a:rPr lang="en-CA" dirty="0"/>
-              <a:t>Asking questions</a:t>
-            </a:r>
-          </a:p>
-        </p:txBody>
-      </p:sp>
-      <p:sp>
-        <p:nvSpPr>
-          <p:cNvPr id="3" name="Content Placeholder 2">
-            <a:extLst>
-              <a:ext uri="{FF2B5EF4-FFF2-40B4-BE49-F238E27FC236}">
-                <a16:creationId xmlns:a16="http://schemas.microsoft.com/office/drawing/2014/main" id="{9BA935A1-37DB-D945-08B6-B8E2A0C31128}"/>
-              </a:ext>
-            </a:extLst>
-          </p:cNvPr>
-          <p:cNvSpPr>
-            <a:spLocks noGrp="1"/>
-          </p:cNvSpPr>
-          <p:nvPr>
-            <p:ph idx="1"/>
-          </p:nvPr>
-        </p:nvSpPr>
-        <p:spPr/>
-        <p:txBody>
-          <a:bodyPr/>
-          <a:lstStyle/>
-          <a:p>
-            <a:r>
-              <a:rPr lang="en-CA" dirty="0"/>
-              <a:t>Zoom chat during class</a:t>
-            </a:r>
-          </a:p>
-          <a:p>
-            <a:pPr lvl="1"/>
-            <a:r>
-              <a:rPr lang="en-CA" dirty="0"/>
-              <a:t>Feel free to post and answer questions at any time</a:t>
-            </a:r>
-          </a:p>
-          <a:p>
-            <a:pPr lvl="1"/>
-            <a:r>
-              <a:rPr lang="en-CA" dirty="0"/>
-              <a:t>Please use the raise hand feature for verbal questions </a:t>
-            </a:r>
-          </a:p>
-          <a:p>
-            <a:r>
-              <a:rPr lang="en-CA" dirty="0"/>
-              <a:t>Pre- / Post-class office hours with Tong</a:t>
-            </a:r>
-          </a:p>
-          <a:p>
-            <a:r>
-              <a:rPr lang="en-CA" dirty="0"/>
-              <a:t>Email</a:t>
-            </a:r>
-          </a:p>
-          <a:p>
-            <a:pPr lvl="1"/>
-            <a:r>
-              <a:rPr lang="en-CA" dirty="0">
-                <a:hlinkClick r:id="rId2"/>
-              </a:rPr>
-              <a:t>simeonm.wong@mail.utoronto.ca</a:t>
-            </a:r>
-            <a:endParaRPr lang="en-CA" dirty="0"/>
-          </a:p>
-          <a:p>
-            <a:pPr lvl="1"/>
-            <a:r>
-              <a:rPr lang="en-CA" dirty="0">
-                <a:hlinkClick r:id="rId3"/>
-              </a:rPr>
-              <a:t>tong.su@mail.utoronto.ca</a:t>
-            </a:r>
-            <a:endParaRPr lang="en-CA" dirty="0"/>
-          </a:p>
-        </p:txBody>
-      </p:sp>
-      <p:sp>
-        <p:nvSpPr>
-          <p:cNvPr id="4" name="Slide Number Placeholder 3">
-            <a:extLst>
-              <a:ext uri="{FF2B5EF4-FFF2-40B4-BE49-F238E27FC236}">
-                <a16:creationId xmlns:a16="http://schemas.microsoft.com/office/drawing/2014/main" id="{792A0F21-D314-F98A-30D3-A8F746F3CC60}"/>
-              </a:ext>
-            </a:extLst>
-          </p:cNvPr>
-          <p:cNvSpPr>
-            <a:spLocks noGrp="1"/>
-          </p:cNvSpPr>
-          <p:nvPr>
-            <p:ph type="sldNum" sz="quarter" idx="12"/>
-          </p:nvPr>
-        </p:nvSpPr>
-        <p:spPr/>
-        <p:txBody>
-          <a:bodyPr/>
-          <a:lstStyle/>
-          <a:p>
-            <a:fld id="{4F883B06-9FA1-44A8-8ACD-51391BD89E0C}" type="slidenum">
-              <a:rPr lang="en-CA" smtClean="0"/>
-              <a:t>2</a:t>
-            </a:fld>
-            <a:endParaRPr lang="en-CA"/>
-          </a:p>
-        </p:txBody>
-      </p:sp>
-      <p:sp>
-        <p:nvSpPr>
-          <p:cNvPr id="5" name="Text Placeholder 4">
-            <a:extLst>
-              <a:ext uri="{FF2B5EF4-FFF2-40B4-BE49-F238E27FC236}">
-                <a16:creationId xmlns:a16="http://schemas.microsoft.com/office/drawing/2014/main" id="{89F445AD-7402-6C3E-D878-85EDD8A7D9A2}"/>
-              </a:ext>
-            </a:extLst>
-          </p:cNvPr>
-          <p:cNvSpPr>
-            <a:spLocks noGrp="1"/>
-          </p:cNvSpPr>
-          <p:nvPr>
-            <p:ph type="body" sz="quarter" idx="13"/>
-          </p:nvPr>
-        </p:nvSpPr>
-        <p:spPr/>
-        <p:txBody>
-          <a:bodyPr/>
-          <a:lstStyle/>
-          <a:p>
-            <a:endParaRPr lang="en-CA"/>
-          </a:p>
-        </p:txBody>
-      </p:sp>
-    </p:spTree>
-    <p:extLst>
-      <p:ext uri="{BB962C8B-B14F-4D97-AF65-F5344CB8AC3E}">
-        <p14:creationId xmlns:p14="http://schemas.microsoft.com/office/powerpoint/2010/main" val="216056995"/>
-      </p:ext>
-    </p:extLst>
-  </p:cSld>
-  <p:clrMapOvr>
-    <a:masterClrMapping/>
-  </p:clrMapOvr>
-</p:sld>
-</file>
-
-<file path=ppt/slides/slide20.xml><?xml version="1.0" encoding="utf-8"?>
-<p:sld xmlns:a="http://schemas.openxmlformats.org/drawingml/2006/main" xmlns:r="http://schemas.openxmlformats.org/officeDocument/2006/relationships" xmlns:p="http://schemas.openxmlformats.org/presentationml/2006/main">
-  <p:cSld>
-    <p:spTree>
-      <p:nvGrpSpPr>
-        <p:cNvPr id="1" name=""/>
-        <p:cNvGrpSpPr/>
-        <p:nvPr/>
-      </p:nvGrpSpPr>
-      <p:grpSpPr>
-        <a:xfrm>
-          <a:off x="0" y="0"/>
-          <a:ext cx="0" cy="0"/>
-          <a:chOff x="0" y="0"/>
-          <a:chExt cx="0" cy="0"/>
-        </a:xfrm>
-      </p:grpSpPr>
-      <p:sp>
-        <p:nvSpPr>
-          <p:cNvPr id="2" name="Title 1">
-            <a:extLst>
-              <a:ext uri="{FF2B5EF4-FFF2-40B4-BE49-F238E27FC236}">
-                <a16:creationId xmlns:a16="http://schemas.microsoft.com/office/drawing/2014/main" id="{990872C2-6A98-2D31-44E0-395DC9CE4FDD}"/>
-              </a:ext>
-            </a:extLst>
-          </p:cNvPr>
-          <p:cNvSpPr>
-            <a:spLocks noGrp="1"/>
-          </p:cNvSpPr>
-          <p:nvPr>
-            <p:ph type="title"/>
-          </p:nvPr>
-        </p:nvSpPr>
-        <p:spPr/>
-        <p:txBody>
-          <a:bodyPr/>
-          <a:lstStyle/>
-          <a:p>
-            <a:r>
-              <a:rPr lang="en-CA" dirty="0"/>
-              <a:t>Continuous integration code testing</a:t>
-            </a:r>
-          </a:p>
-        </p:txBody>
-      </p:sp>
-      <p:sp>
-        <p:nvSpPr>
-          <p:cNvPr id="3" name="Content Placeholder 2">
-            <a:extLst>
-              <a:ext uri="{FF2B5EF4-FFF2-40B4-BE49-F238E27FC236}">
-                <a16:creationId xmlns:a16="http://schemas.microsoft.com/office/drawing/2014/main" id="{252D2F66-BA42-1003-884A-0F444E65672F}"/>
-              </a:ext>
-            </a:extLst>
-          </p:cNvPr>
-          <p:cNvSpPr>
-            <a:spLocks noGrp="1"/>
-          </p:cNvSpPr>
-          <p:nvPr>
-            <p:ph idx="1"/>
-          </p:nvPr>
-        </p:nvSpPr>
-        <p:spPr/>
-        <p:txBody>
-          <a:bodyPr/>
-          <a:lstStyle/>
-          <a:p>
-            <a:endParaRPr lang="en-CA"/>
-          </a:p>
-        </p:txBody>
-      </p:sp>
-      <p:sp>
-        <p:nvSpPr>
-          <p:cNvPr id="4" name="Slide Number Placeholder 3">
-            <a:extLst>
-              <a:ext uri="{FF2B5EF4-FFF2-40B4-BE49-F238E27FC236}">
-                <a16:creationId xmlns:a16="http://schemas.microsoft.com/office/drawing/2014/main" id="{13762A83-9C01-8970-286A-F331B11F9595}"/>
-              </a:ext>
-            </a:extLst>
-          </p:cNvPr>
-          <p:cNvSpPr>
-            <a:spLocks noGrp="1"/>
-          </p:cNvSpPr>
-          <p:nvPr>
-            <p:ph type="sldNum" sz="quarter" idx="12"/>
-          </p:nvPr>
-        </p:nvSpPr>
-        <p:spPr/>
-        <p:txBody>
-          <a:bodyPr/>
-          <a:lstStyle/>
-          <a:p>
-            <a:fld id="{4F883B06-9FA1-44A8-8ACD-51391BD89E0C}" type="slidenum">
-              <a:rPr lang="en-CA" smtClean="0"/>
-              <a:t>20</a:t>
             </a:fld>
             <a:endParaRPr lang="en-CA"/>
           </a:p>
@@ -9425,7 +8971,7 @@
 </p:sld>
 </file>
 
-<file path=ppt/slides/slide21.xml><?xml version="1.0" encoding="utf-8"?>
+<file path=ppt/slides/slide2.xml><?xml version="1.0" encoding="utf-8"?>
 <p:sld xmlns:a="http://schemas.openxmlformats.org/drawingml/2006/main" xmlns:r="http://schemas.openxmlformats.org/officeDocument/2006/relationships" xmlns:p="http://schemas.openxmlformats.org/presentationml/2006/main">
   <p:cSld>
     <p:spTree>
@@ -9444,6 +8990,169 @@
       </p:grpSpPr>
       <p:sp>
         <p:nvSpPr>
+          <p:cNvPr id="4" name="Slide Number Placeholder 3">
+            <a:extLst>
+              <a:ext uri="{FF2B5EF4-FFF2-40B4-BE49-F238E27FC236}">
+                <a16:creationId xmlns:a16="http://schemas.microsoft.com/office/drawing/2014/main" id="{71D518A3-F353-1080-7557-1915EA890B0B}"/>
+              </a:ext>
+            </a:extLst>
+          </p:cNvPr>
+          <p:cNvSpPr>
+            <a:spLocks noGrp="1"/>
+          </p:cNvSpPr>
+          <p:nvPr>
+            <p:ph type="sldNum" sz="quarter" idx="12"/>
+          </p:nvPr>
+        </p:nvSpPr>
+        <p:spPr/>
+        <p:txBody>
+          <a:bodyPr/>
+          <a:lstStyle/>
+          <a:p>
+            <a:fld id="{4F883B06-9FA1-44A8-8ACD-51391BD89E0C}" type="slidenum">
+              <a:rPr lang="en-CA" smtClean="0"/>
+              <a:t>2</a:t>
+            </a:fld>
+            <a:endParaRPr lang="en-CA"/>
+          </a:p>
+        </p:txBody>
+      </p:sp>
+      <p:sp>
+        <p:nvSpPr>
+          <p:cNvPr id="6" name="Text Placeholder 5">
+            <a:extLst>
+              <a:ext uri="{FF2B5EF4-FFF2-40B4-BE49-F238E27FC236}">
+                <a16:creationId xmlns:a16="http://schemas.microsoft.com/office/drawing/2014/main" id="{9C07844A-948D-B95F-5AA6-8077039DA7AC}"/>
+              </a:ext>
+            </a:extLst>
+          </p:cNvPr>
+          <p:cNvSpPr>
+            <a:spLocks noGrp="1"/>
+          </p:cNvSpPr>
+          <p:nvPr>
+            <p:ph type="body" sz="quarter" idx="13"/>
+          </p:nvPr>
+        </p:nvSpPr>
+        <p:spPr>
+          <a:xfrm>
+            <a:off x="1410562" y="1230086"/>
+            <a:ext cx="8919981" cy="4397828"/>
+          </a:xfrm>
+        </p:spPr>
+        <p:txBody>
+          <a:bodyPr/>
+          <a:lstStyle/>
+          <a:p>
+            <a:pPr>
+              <a:lnSpc>
+                <a:spcPct val="125000"/>
+              </a:lnSpc>
+            </a:pPr>
+            <a:r>
+              <a:rPr lang="en-CA" sz="2400" dirty="0">
+                <a:solidFill>
+                  <a:srgbClr val="002A7E"/>
+                </a:solidFill>
+                <a:latin typeface="Inter Black" panose="02000A03000000020004" pitchFamily="2" charset="0"/>
+                <a:ea typeface="Inter Black" panose="02000A03000000020004" pitchFamily="2" charset="0"/>
+                <a:cs typeface="Inter Black" panose="02000A03000000020004" pitchFamily="2" charset="0"/>
+              </a:rPr>
+              <a:t>Course objective</a:t>
+            </a:r>
+          </a:p>
+          <a:p>
+            <a:pPr>
+              <a:lnSpc>
+                <a:spcPct val="125000"/>
+              </a:lnSpc>
+            </a:pPr>
+            <a:r>
+              <a:rPr lang="en-CA" dirty="0"/>
+              <a:t>How to write </a:t>
+            </a:r>
+            <a:r>
+              <a:rPr lang="en-CA" dirty="0">
+                <a:solidFill>
+                  <a:schemeClr val="accent1"/>
+                </a:solidFill>
+              </a:rPr>
+              <a:t>robust software</a:t>
+            </a:r>
+            <a:r>
+              <a:rPr lang="en-CA" dirty="0"/>
+              <a:t> in a </a:t>
+            </a:r>
+            <a:r>
+              <a:rPr lang="en-CA" dirty="0">
+                <a:solidFill>
+                  <a:schemeClr val="accent1"/>
+                </a:solidFill>
+              </a:rPr>
+              <a:t>team</a:t>
+            </a:r>
+            <a:r>
+              <a:rPr lang="en-CA" dirty="0"/>
+              <a:t> that we, our colleagues, and the public can </a:t>
+            </a:r>
+            <a:r>
+              <a:rPr lang="en-CA" dirty="0">
+                <a:solidFill>
+                  <a:schemeClr val="accent1"/>
+                </a:solidFill>
+              </a:rPr>
+              <a:t>trust</a:t>
+            </a:r>
+            <a:r>
+              <a:rPr lang="en-CA" dirty="0"/>
+              <a:t> and </a:t>
+            </a:r>
+            <a:r>
+              <a:rPr lang="en-CA" dirty="0">
+                <a:solidFill>
+                  <a:schemeClr val="accent1"/>
+                </a:solidFill>
+              </a:rPr>
+              <a:t>use with confidence</a:t>
+            </a:r>
+            <a:r>
+              <a:rPr lang="en-CA" dirty="0"/>
+              <a:t>.</a:t>
+            </a:r>
+          </a:p>
+        </p:txBody>
+      </p:sp>
+    </p:spTree>
+    <p:extLst>
+      <p:ext uri="{BB962C8B-B14F-4D97-AF65-F5344CB8AC3E}">
+        <p14:creationId xmlns:p14="http://schemas.microsoft.com/office/powerpoint/2010/main" val="133851565"/>
+      </p:ext>
+    </p:extLst>
+  </p:cSld>
+  <p:clrMapOvr>
+    <a:masterClrMapping/>
+  </p:clrMapOvr>
+</p:sld>
+</file>
+
+<file path=ppt/slides/slide20.xml><?xml version="1.0" encoding="utf-8"?>
+<p:sld xmlns:a="http://schemas.openxmlformats.org/drawingml/2006/main" xmlns:r="http://schemas.openxmlformats.org/officeDocument/2006/relationships" xmlns:p="http://schemas.openxmlformats.org/presentationml/2006/main">
+  <p:cSld>
+    <p:spTree>
+      <p:nvGrpSpPr>
+        <p:cNvPr id="1" name=""/>
+        <p:cNvGrpSpPr/>
+        <p:nvPr/>
+      </p:nvGrpSpPr>
+      <p:grpSpPr>
+        <a:xfrm>
+          <a:off x="0" y="0"/>
+          <a:ext cx="0" cy="0"/>
+          <a:chOff x="0" y="0"/>
+          <a:chExt cx="0" cy="0"/>
+        </a:xfrm>
+      </p:grpSpPr>
+      <p:sp>
+        <p:nvSpPr>
           <p:cNvPr id="2" name="Title 1">
             <a:extLst>
               <a:ext uri="{FF2B5EF4-FFF2-40B4-BE49-F238E27FC236}">
@@ -9518,7 +9227,7 @@
           <a:p>
             <a:fld id="{4F883B06-9FA1-44A8-8ACD-51391BD89E0C}" type="slidenum">
               <a:rPr lang="en-CA" smtClean="0"/>
-              <a:t>21</a:t>
+              <a:t>20</a:t>
             </a:fld>
             <a:endParaRPr lang="en-CA"/>
           </a:p>
@@ -9649,7 +9358,7 @@
 </p:sld>
 </file>
 
-<file path=ppt/slides/slide22.xml><?xml version="1.0" encoding="utf-8"?>
+<file path=ppt/slides/slide21.xml><?xml version="1.0" encoding="utf-8"?>
 <p:sld xmlns:a="http://schemas.openxmlformats.org/drawingml/2006/main" xmlns:r="http://schemas.openxmlformats.org/officeDocument/2006/relationships" xmlns:p="http://schemas.openxmlformats.org/presentationml/2006/main">
   <p:cSld>
     <p:spTree>
@@ -9745,7 +9454,7 @@
           <a:p>
             <a:fld id="{4F883B06-9FA1-44A8-8ACD-51391BD89E0C}" type="slidenum">
               <a:rPr lang="en-CA" smtClean="0"/>
-              <a:t>22</a:t>
+              <a:t>21</a:t>
             </a:fld>
             <a:endParaRPr lang="en-CA"/>
           </a:p>
@@ -9822,6 +9531,170 @@
 </p:sld>
 </file>
 
+<file path=ppt/slides/slide22.xml><?xml version="1.0" encoding="utf-8"?>
+<p:sld xmlns:a="http://schemas.openxmlformats.org/drawingml/2006/main" xmlns:r="http://schemas.openxmlformats.org/officeDocument/2006/relationships" xmlns:p="http://schemas.openxmlformats.org/presentationml/2006/main">
+  <p:cSld>
+    <p:spTree>
+      <p:nvGrpSpPr>
+        <p:cNvPr id="1" name=""/>
+        <p:cNvGrpSpPr/>
+        <p:nvPr/>
+      </p:nvGrpSpPr>
+      <p:grpSpPr>
+        <a:xfrm>
+          <a:off x="0" y="0"/>
+          <a:ext cx="0" cy="0"/>
+          <a:chOff x="0" y="0"/>
+          <a:chExt cx="0" cy="0"/>
+        </a:xfrm>
+      </p:grpSpPr>
+      <p:sp>
+        <p:nvSpPr>
+          <p:cNvPr id="2" name="Title 1">
+            <a:extLst>
+              <a:ext uri="{FF2B5EF4-FFF2-40B4-BE49-F238E27FC236}">
+                <a16:creationId xmlns:a16="http://schemas.microsoft.com/office/drawing/2014/main" id="{DBF8B0B4-28BA-1273-D096-108DFE77F67F}"/>
+              </a:ext>
+            </a:extLst>
+          </p:cNvPr>
+          <p:cNvSpPr>
+            <a:spLocks noGrp="1"/>
+          </p:cNvSpPr>
+          <p:nvPr>
+            <p:ph type="title"/>
+          </p:nvPr>
+        </p:nvSpPr>
+        <p:spPr/>
+        <p:txBody>
+          <a:bodyPr/>
+          <a:lstStyle/>
+          <a:p>
+            <a:r>
+              <a:rPr lang="en-CA" dirty="0"/>
+              <a:t>Using GitHub features wisely</a:t>
+            </a:r>
+          </a:p>
+        </p:txBody>
+      </p:sp>
+      <p:sp>
+        <p:nvSpPr>
+          <p:cNvPr id="3" name="Content Placeholder 2">
+            <a:extLst>
+              <a:ext uri="{FF2B5EF4-FFF2-40B4-BE49-F238E27FC236}">
+                <a16:creationId xmlns:a16="http://schemas.microsoft.com/office/drawing/2014/main" id="{2685782B-59CE-3916-03A4-BE03AAF9D3C4}"/>
+              </a:ext>
+            </a:extLst>
+          </p:cNvPr>
+          <p:cNvSpPr>
+            <a:spLocks noGrp="1"/>
+          </p:cNvSpPr>
+          <p:nvPr>
+            <p:ph idx="1"/>
+          </p:nvPr>
+        </p:nvSpPr>
+        <p:spPr/>
+        <p:txBody>
+          <a:bodyPr/>
+          <a:lstStyle/>
+          <a:p>
+            <a:r>
+              <a:rPr lang="en-CA" dirty="0"/>
+              <a:t>GitHub features are part of a comprehensive code quality strategy</a:t>
+            </a:r>
+            <a:endParaRPr lang="en-CA" b="1" dirty="0"/>
+          </a:p>
+          <a:p>
+            <a:r>
+              <a:rPr lang="en-CA" b="1" dirty="0"/>
+              <a:t>Recall from code testing: </a:t>
+            </a:r>
+            <a:br>
+              <a:rPr lang="en-CA" dirty="0"/>
+            </a:br>
+            <a:r>
+              <a:rPr lang="en-CA" dirty="0"/>
+              <a:t>Balance between impact/risk and engineering effort</a:t>
+            </a:r>
+          </a:p>
+          <a:p>
+            <a:pPr lvl="1"/>
+            <a:r>
+              <a:rPr lang="en-CA" dirty="0"/>
+              <a:t>Don’t overburden your contributors and teammates with hoops to jump through if they don’t contribute meaningfully to code quality</a:t>
+            </a:r>
+          </a:p>
+        </p:txBody>
+      </p:sp>
+      <p:sp>
+        <p:nvSpPr>
+          <p:cNvPr id="4" name="Slide Number Placeholder 3">
+            <a:extLst>
+              <a:ext uri="{FF2B5EF4-FFF2-40B4-BE49-F238E27FC236}">
+                <a16:creationId xmlns:a16="http://schemas.microsoft.com/office/drawing/2014/main" id="{7D13FB31-6BC8-9400-D6B7-681A154C7C28}"/>
+              </a:ext>
+            </a:extLst>
+          </p:cNvPr>
+          <p:cNvSpPr>
+            <a:spLocks noGrp="1"/>
+          </p:cNvSpPr>
+          <p:nvPr>
+            <p:ph type="sldNum" sz="quarter" idx="12"/>
+          </p:nvPr>
+        </p:nvSpPr>
+        <p:spPr/>
+        <p:txBody>
+          <a:bodyPr/>
+          <a:lstStyle/>
+          <a:p>
+            <a:fld id="{4F883B06-9FA1-44A8-8ACD-51391BD89E0C}" type="slidenum">
+              <a:rPr lang="en-CA" smtClean="0"/>
+              <a:t>22</a:t>
+            </a:fld>
+            <a:endParaRPr lang="en-CA"/>
+          </a:p>
+        </p:txBody>
+      </p:sp>
+      <p:sp>
+        <p:nvSpPr>
+          <p:cNvPr id="5" name="Text Placeholder 4">
+            <a:extLst>
+              <a:ext uri="{FF2B5EF4-FFF2-40B4-BE49-F238E27FC236}">
+                <a16:creationId xmlns:a16="http://schemas.microsoft.com/office/drawing/2014/main" id="{01263A3F-D07B-82BD-9B2C-D4305BE76871}"/>
+              </a:ext>
+            </a:extLst>
+          </p:cNvPr>
+          <p:cNvSpPr>
+            <a:spLocks noGrp="1"/>
+          </p:cNvSpPr>
+          <p:nvPr>
+            <p:ph type="body" sz="quarter" idx="13"/>
+          </p:nvPr>
+        </p:nvSpPr>
+        <p:spPr/>
+        <p:txBody>
+          <a:bodyPr/>
+          <a:lstStyle/>
+          <a:p>
+            <a:r>
+              <a:rPr lang="en-CA" dirty="0"/>
+              <a:t>Working in software teams</a:t>
+            </a:r>
+          </a:p>
+        </p:txBody>
+      </p:sp>
+    </p:spTree>
+    <p:extLst>
+      <p:ext uri="{BB962C8B-B14F-4D97-AF65-F5344CB8AC3E}">
+        <p14:creationId xmlns:p14="http://schemas.microsoft.com/office/powerpoint/2010/main" val="3499757819"/>
+      </p:ext>
+    </p:extLst>
+  </p:cSld>
+  <p:clrMapOvr>
+    <a:masterClrMapping/>
+  </p:clrMapOvr>
+</p:sld>
+</file>
+
 <file path=ppt/slides/slide23.xml><?xml version="1.0" encoding="utf-8"?>
 <p:sld xmlns:a="http://schemas.openxmlformats.org/drawingml/2006/main" xmlns:r="http://schemas.openxmlformats.org/officeDocument/2006/relationships" xmlns:p="http://schemas.openxmlformats.org/presentationml/2006/main">
   <p:cSld>
@@ -9844,170 +9717,6 @@
           <p:cNvPr id="2" name="Title 1">
             <a:extLst>
               <a:ext uri="{FF2B5EF4-FFF2-40B4-BE49-F238E27FC236}">
-                <a16:creationId xmlns:a16="http://schemas.microsoft.com/office/drawing/2014/main" id="{DBF8B0B4-28BA-1273-D096-108DFE77F67F}"/>
-              </a:ext>
-            </a:extLst>
-          </p:cNvPr>
-          <p:cNvSpPr>
-            <a:spLocks noGrp="1"/>
-          </p:cNvSpPr>
-          <p:nvPr>
-            <p:ph type="title"/>
-          </p:nvPr>
-        </p:nvSpPr>
-        <p:spPr/>
-        <p:txBody>
-          <a:bodyPr/>
-          <a:lstStyle/>
-          <a:p>
-            <a:r>
-              <a:rPr lang="en-CA" dirty="0"/>
-              <a:t>Using GitHub features wisely</a:t>
-            </a:r>
-          </a:p>
-        </p:txBody>
-      </p:sp>
-      <p:sp>
-        <p:nvSpPr>
-          <p:cNvPr id="3" name="Content Placeholder 2">
-            <a:extLst>
-              <a:ext uri="{FF2B5EF4-FFF2-40B4-BE49-F238E27FC236}">
-                <a16:creationId xmlns:a16="http://schemas.microsoft.com/office/drawing/2014/main" id="{2685782B-59CE-3916-03A4-BE03AAF9D3C4}"/>
-              </a:ext>
-            </a:extLst>
-          </p:cNvPr>
-          <p:cNvSpPr>
-            <a:spLocks noGrp="1"/>
-          </p:cNvSpPr>
-          <p:nvPr>
-            <p:ph idx="1"/>
-          </p:nvPr>
-        </p:nvSpPr>
-        <p:spPr/>
-        <p:txBody>
-          <a:bodyPr/>
-          <a:lstStyle/>
-          <a:p>
-            <a:r>
-              <a:rPr lang="en-CA" dirty="0"/>
-              <a:t>GitHub features are part of a comprehensive code quality strategy</a:t>
-            </a:r>
-            <a:endParaRPr lang="en-CA" b="1" dirty="0"/>
-          </a:p>
-          <a:p>
-            <a:r>
-              <a:rPr lang="en-CA" b="1" dirty="0"/>
-              <a:t>Recall from code testing: </a:t>
-            </a:r>
-            <a:br>
-              <a:rPr lang="en-CA" dirty="0"/>
-            </a:br>
-            <a:r>
-              <a:rPr lang="en-CA" dirty="0"/>
-              <a:t>Balance between impact/risk and engineering effort</a:t>
-            </a:r>
-          </a:p>
-          <a:p>
-            <a:pPr lvl="1"/>
-            <a:r>
-              <a:rPr lang="en-CA" dirty="0"/>
-              <a:t>Don’t overburden your contributors and teammates with hoops to jump through if they don’t contribute meaningfully to code quality</a:t>
-            </a:r>
-          </a:p>
-        </p:txBody>
-      </p:sp>
-      <p:sp>
-        <p:nvSpPr>
-          <p:cNvPr id="4" name="Slide Number Placeholder 3">
-            <a:extLst>
-              <a:ext uri="{FF2B5EF4-FFF2-40B4-BE49-F238E27FC236}">
-                <a16:creationId xmlns:a16="http://schemas.microsoft.com/office/drawing/2014/main" id="{7D13FB31-6BC8-9400-D6B7-681A154C7C28}"/>
-              </a:ext>
-            </a:extLst>
-          </p:cNvPr>
-          <p:cNvSpPr>
-            <a:spLocks noGrp="1"/>
-          </p:cNvSpPr>
-          <p:nvPr>
-            <p:ph type="sldNum" sz="quarter" idx="12"/>
-          </p:nvPr>
-        </p:nvSpPr>
-        <p:spPr/>
-        <p:txBody>
-          <a:bodyPr/>
-          <a:lstStyle/>
-          <a:p>
-            <a:fld id="{4F883B06-9FA1-44A8-8ACD-51391BD89E0C}" type="slidenum">
-              <a:rPr lang="en-CA" smtClean="0"/>
-              <a:t>23</a:t>
-            </a:fld>
-            <a:endParaRPr lang="en-CA"/>
-          </a:p>
-        </p:txBody>
-      </p:sp>
-      <p:sp>
-        <p:nvSpPr>
-          <p:cNvPr id="5" name="Text Placeholder 4">
-            <a:extLst>
-              <a:ext uri="{FF2B5EF4-FFF2-40B4-BE49-F238E27FC236}">
-                <a16:creationId xmlns:a16="http://schemas.microsoft.com/office/drawing/2014/main" id="{01263A3F-D07B-82BD-9B2C-D4305BE76871}"/>
-              </a:ext>
-            </a:extLst>
-          </p:cNvPr>
-          <p:cNvSpPr>
-            <a:spLocks noGrp="1"/>
-          </p:cNvSpPr>
-          <p:nvPr>
-            <p:ph type="body" sz="quarter" idx="13"/>
-          </p:nvPr>
-        </p:nvSpPr>
-        <p:spPr/>
-        <p:txBody>
-          <a:bodyPr/>
-          <a:lstStyle/>
-          <a:p>
-            <a:r>
-              <a:rPr lang="en-CA" dirty="0"/>
-              <a:t>Working in software teams</a:t>
-            </a:r>
-          </a:p>
-        </p:txBody>
-      </p:sp>
-    </p:spTree>
-    <p:extLst>
-      <p:ext uri="{BB962C8B-B14F-4D97-AF65-F5344CB8AC3E}">
-        <p14:creationId xmlns:p14="http://schemas.microsoft.com/office/powerpoint/2010/main" val="3499757819"/>
-      </p:ext>
-    </p:extLst>
-  </p:cSld>
-  <p:clrMapOvr>
-    <a:masterClrMapping/>
-  </p:clrMapOvr>
-</p:sld>
-</file>
-
-<file path=ppt/slides/slide24.xml><?xml version="1.0" encoding="utf-8"?>
-<p:sld xmlns:a="http://schemas.openxmlformats.org/drawingml/2006/main" xmlns:r="http://schemas.openxmlformats.org/officeDocument/2006/relationships" xmlns:p="http://schemas.openxmlformats.org/presentationml/2006/main">
-  <p:cSld>
-    <p:spTree>
-      <p:nvGrpSpPr>
-        <p:cNvPr id="1" name=""/>
-        <p:cNvGrpSpPr/>
-        <p:nvPr/>
-      </p:nvGrpSpPr>
-      <p:grpSpPr>
-        <a:xfrm>
-          <a:off x="0" y="0"/>
-          <a:ext cx="0" cy="0"/>
-          <a:chOff x="0" y="0"/>
-          <a:chExt cx="0" cy="0"/>
-        </a:xfrm>
-      </p:grpSpPr>
-      <p:sp>
-        <p:nvSpPr>
-          <p:cNvPr id="2" name="Title 1">
-            <a:extLst>
-              <a:ext uri="{FF2B5EF4-FFF2-40B4-BE49-F238E27FC236}">
                 <a16:creationId xmlns:a16="http://schemas.microsoft.com/office/drawing/2014/main" id="{38BF372A-0131-4ED2-65F8-712EBE06362D}"/>
               </a:ext>
             </a:extLst>
@@ -10131,7 +9840,7 @@
           <a:p>
             <a:fld id="{4F883B06-9FA1-44A8-8ACD-51391BD89E0C}" type="slidenum">
               <a:rPr lang="en-CA" smtClean="0"/>
-              <a:t>24</a:t>
+              <a:t>23</a:t>
             </a:fld>
             <a:endParaRPr lang="en-CA"/>
           </a:p>
@@ -10433,7 +10142,7 @@
 </p:sld>
 </file>
 
-<file path=ppt/slides/slide25.xml><?xml version="1.0" encoding="utf-8"?>
+<file path=ppt/slides/slide24.xml><?xml version="1.0" encoding="utf-8"?>
 <p:sld xmlns:a="http://schemas.openxmlformats.org/drawingml/2006/main" xmlns:r="http://schemas.openxmlformats.org/officeDocument/2006/relationships" xmlns:p="http://schemas.openxmlformats.org/presentationml/2006/main">
   <p:cSld>
     <p:spTree>
@@ -10518,7 +10227,7 @@
           <a:p>
             <a:fld id="{4F883B06-9FA1-44A8-8ACD-51391BD89E0C}" type="slidenum">
               <a:rPr lang="en-CA" smtClean="0"/>
-              <a:t>25</a:t>
+              <a:t>24</a:t>
             </a:fld>
             <a:endParaRPr lang="en-CA"/>
           </a:p>
@@ -10528,6 +10237,98 @@
     <p:extLst>
       <p:ext uri="{BB962C8B-B14F-4D97-AF65-F5344CB8AC3E}">
         <p14:creationId xmlns:p14="http://schemas.microsoft.com/office/powerpoint/2010/main" val="2335291741"/>
+      </p:ext>
+    </p:extLst>
+  </p:cSld>
+  <p:clrMapOvr>
+    <a:masterClrMapping/>
+  </p:clrMapOvr>
+</p:sld>
+</file>
+
+<file path=ppt/slides/slide25.xml><?xml version="1.0" encoding="utf-8"?>
+<p:sld xmlns:a="http://schemas.openxmlformats.org/drawingml/2006/main" xmlns:r="http://schemas.openxmlformats.org/officeDocument/2006/relationships" xmlns:p="http://schemas.openxmlformats.org/presentationml/2006/main">
+  <p:cSld>
+    <p:spTree>
+      <p:nvGrpSpPr>
+        <p:cNvPr id="1" name=""/>
+        <p:cNvGrpSpPr/>
+        <p:nvPr/>
+      </p:nvGrpSpPr>
+      <p:grpSpPr>
+        <a:xfrm>
+          <a:off x="0" y="0"/>
+          <a:ext cx="0" cy="0"/>
+          <a:chOff x="0" y="0"/>
+          <a:chExt cx="0" cy="0"/>
+        </a:xfrm>
+      </p:grpSpPr>
+      <p:sp>
+        <p:nvSpPr>
+          <p:cNvPr id="2" name="Title 1">
+            <a:extLst>
+              <a:ext uri="{FF2B5EF4-FFF2-40B4-BE49-F238E27FC236}">
+                <a16:creationId xmlns:a16="http://schemas.microsoft.com/office/drawing/2014/main" id="{8B8077BF-3766-580D-8723-AB87020E5A4F}"/>
+              </a:ext>
+            </a:extLst>
+          </p:cNvPr>
+          <p:cNvSpPr>
+            <a:spLocks noGrp="1"/>
+          </p:cNvSpPr>
+          <p:nvPr>
+            <p:ph type="title"/>
+          </p:nvPr>
+        </p:nvSpPr>
+        <p:spPr>
+          <a:xfrm>
+            <a:off x="838200" y="2615672"/>
+            <a:ext cx="10515600" cy="2852737"/>
+          </a:xfrm>
+        </p:spPr>
+        <p:txBody>
+          <a:bodyPr/>
+          <a:lstStyle/>
+          <a:p>
+            <a:r>
+              <a:rPr lang="en-CA" dirty="0"/>
+              <a:t>Software project governance</a:t>
+            </a:r>
+          </a:p>
+        </p:txBody>
+      </p:sp>
+      <p:sp>
+        <p:nvSpPr>
+          <p:cNvPr id="4" name="Slide Number Placeholder 3">
+            <a:extLst>
+              <a:ext uri="{FF2B5EF4-FFF2-40B4-BE49-F238E27FC236}">
+                <a16:creationId xmlns:a16="http://schemas.microsoft.com/office/drawing/2014/main" id="{EF555B4D-A635-E962-2D34-7D2F0876C308}"/>
+              </a:ext>
+            </a:extLst>
+          </p:cNvPr>
+          <p:cNvSpPr>
+            <a:spLocks noGrp="1"/>
+          </p:cNvSpPr>
+          <p:nvPr>
+            <p:ph type="sldNum" sz="quarter" idx="12"/>
+          </p:nvPr>
+        </p:nvSpPr>
+        <p:spPr/>
+        <p:txBody>
+          <a:bodyPr/>
+          <a:lstStyle/>
+          <a:p>
+            <a:fld id="{4D042A53-EC6C-4ABE-8EF8-06E66F9ABFC9}" type="slidenum">
+              <a:rPr lang="en-CA" smtClean="0"/>
+              <a:t>25</a:t>
+            </a:fld>
+            <a:endParaRPr lang="en-CA"/>
+          </a:p>
+        </p:txBody>
+      </p:sp>
+    </p:spTree>
+    <p:extLst>
+      <p:ext uri="{BB962C8B-B14F-4D97-AF65-F5344CB8AC3E}">
+        <p14:creationId xmlns:p14="http://schemas.microsoft.com/office/powerpoint/2010/main" val="2020762435"/>
       </p:ext>
     </p:extLst>
   </p:cSld>
@@ -10559,7 +10360,7 @@
           <p:cNvPr id="2" name="Title 1">
             <a:extLst>
               <a:ext uri="{FF2B5EF4-FFF2-40B4-BE49-F238E27FC236}">
-                <a16:creationId xmlns:a16="http://schemas.microsoft.com/office/drawing/2014/main" id="{8B8077BF-3766-580D-8723-AB87020E5A4F}"/>
+                <a16:creationId xmlns:a16="http://schemas.microsoft.com/office/drawing/2014/main" id="{D30AA25A-A01F-96C9-AFBF-60CBE7F140C7}"/>
               </a:ext>
             </a:extLst>
           </p:cNvPr>
@@ -10568,22 +10369,134 @@
           </p:cNvSpPr>
           <p:nvPr>
             <p:ph type="title"/>
+          </p:nvPr>
+        </p:nvSpPr>
+        <p:spPr/>
+        <p:txBody>
+          <a:bodyPr/>
+          <a:lstStyle/>
+          <a:p>
+            <a:r>
+              <a:rPr lang="en-CA" dirty="0"/>
+              <a:t>What makes up a project?</a:t>
+            </a:r>
+          </a:p>
+        </p:txBody>
+      </p:sp>
+      <p:sp>
+        <p:nvSpPr>
+          <p:cNvPr id="3" name="Content Placeholder 2">
+            <a:extLst>
+              <a:ext uri="{FF2B5EF4-FFF2-40B4-BE49-F238E27FC236}">
+                <a16:creationId xmlns:a16="http://schemas.microsoft.com/office/drawing/2014/main" id="{85FA600A-7A62-17D4-8ED3-B4FDA127C3D3}"/>
+              </a:ext>
+            </a:extLst>
+          </p:cNvPr>
+          <p:cNvSpPr>
+            <a:spLocks noGrp="1"/>
+          </p:cNvSpPr>
+          <p:nvPr>
+            <p:ph idx="1"/>
           </p:nvPr>
         </p:nvSpPr>
         <p:spPr>
           <a:xfrm>
-            <a:off x="838200" y="2615672"/>
-            <a:ext cx="10515600" cy="2852737"/>
+            <a:off x="838200" y="1825625"/>
+            <a:ext cx="10515600" cy="4575175"/>
           </a:xfrm>
         </p:spPr>
         <p:txBody>
-          <a:bodyPr/>
-          <a:lstStyle/>
-          <a:p>
-            <a:r>
-              <a:rPr lang="en-CA" dirty="0"/>
-              <a:t>Software project governance</a:t>
-            </a:r>
+          <a:bodyPr>
+            <a:normAutofit/>
+          </a:bodyPr>
+          <a:lstStyle/>
+          <a:p>
+            <a:r>
+              <a:rPr lang="en-US" sz="2000" dirty="0"/>
+              <a:t>A </a:t>
+            </a:r>
+            <a:r>
+              <a:rPr lang="en-US" sz="2000" b="1" dirty="0"/>
+              <a:t>dataset</a:t>
+            </a:r>
+            <a:r>
+              <a:rPr lang="en-US" sz="2000" dirty="0"/>
+              <a:t> being used by several research projects?</a:t>
+            </a:r>
+          </a:p>
+          <a:p>
+            <a:pPr lvl="1"/>
+            <a:r>
+              <a:rPr lang="en-US" sz="1800" dirty="0"/>
+              <a:t>raw data, programs used to tidy the data, tidied data, text files describing license and provenance</a:t>
+            </a:r>
+          </a:p>
+          <a:p>
+            <a:r>
+              <a:rPr lang="en-US" sz="2000" dirty="0"/>
+              <a:t>A </a:t>
+            </a:r>
+            <a:r>
+              <a:rPr lang="en-US" sz="2000" b="1" dirty="0"/>
+              <a:t>set of annual reports </a:t>
+            </a:r>
+            <a:r>
+              <a:rPr lang="en-US" sz="2000" dirty="0"/>
+              <a:t>written for an NGO?</a:t>
+            </a:r>
+          </a:p>
+          <a:p>
+            <a:pPr lvl="1"/>
+            <a:r>
+              <a:rPr lang="en-US" sz="1800" dirty="0" err="1"/>
+              <a:t>jupyter</a:t>
+            </a:r>
+            <a:r>
+              <a:rPr lang="en-US" sz="1800" dirty="0"/>
+              <a:t> notebooks, copies of html and pdf versions of the report, a text file containing links to datasets used in the report (which can’t be store don </a:t>
+            </a:r>
+            <a:r>
+              <a:rPr lang="en-US" sz="1800" dirty="0" err="1"/>
+              <a:t>Github</a:t>
+            </a:r>
+            <a:r>
+              <a:rPr lang="en-US" sz="1800" dirty="0"/>
+              <a:t> since they contain personal identifying information)</a:t>
+            </a:r>
+          </a:p>
+          <a:p>
+            <a:r>
+              <a:rPr lang="en-US" sz="2000" dirty="0"/>
+              <a:t>A </a:t>
+            </a:r>
+            <a:r>
+              <a:rPr lang="en-US" sz="2000" b="1" dirty="0"/>
+              <a:t>software library </a:t>
+            </a:r>
+            <a:r>
+              <a:rPr lang="en-US" sz="2000" dirty="0"/>
+              <a:t>providing an interactive glossary of data science terms in both Python and R?</a:t>
+            </a:r>
+          </a:p>
+          <a:p>
+            <a:pPr lvl="1"/>
+            <a:r>
+              <a:rPr lang="en-US" sz="1800" dirty="0"/>
+              <a:t>files needed to create a package, a Markdown full of terms and definitions, a </a:t>
+            </a:r>
+            <a:r>
+              <a:rPr lang="en-US" sz="1800" dirty="0" err="1"/>
+              <a:t>Makefile</a:t>
+            </a:r>
+            <a:r>
+              <a:rPr lang="en-US" sz="1800" dirty="0"/>
+              <a:t> with targets to check cross references, </a:t>
+            </a:r>
+            <a:r>
+              <a:rPr lang="en-US" sz="1800" dirty="0" err="1"/>
+              <a:t>etc</a:t>
+            </a:r>
+            <a:endParaRPr lang="en-US" sz="1800" dirty="0"/>
           </a:p>
         </p:txBody>
       </p:sp>
@@ -10592,7 +10505,7 @@
           <p:cNvPr id="4" name="Slide Number Placeholder 3">
             <a:extLst>
               <a:ext uri="{FF2B5EF4-FFF2-40B4-BE49-F238E27FC236}">
-                <a16:creationId xmlns:a16="http://schemas.microsoft.com/office/drawing/2014/main" id="{EF555B4D-A635-E962-2D34-7D2F0876C308}"/>
+                <a16:creationId xmlns:a16="http://schemas.microsoft.com/office/drawing/2014/main" id="{90306F42-184D-A7A2-4E98-B98DD0057BA4}"/>
               </a:ext>
             </a:extLst>
           </p:cNvPr>
@@ -10608,7 +10521,7 @@
           <a:bodyPr/>
           <a:lstStyle/>
           <a:p>
-            <a:fld id="{4D042A53-EC6C-4ABE-8EF8-06E66F9ABFC9}" type="slidenum">
+            <a:fld id="{4F883B06-9FA1-44A8-8ACD-51391BD89E0C}" type="slidenum">
               <a:rPr lang="en-CA" smtClean="0"/>
               <a:t>26</a:t>
             </a:fld>
@@ -10616,10 +10529,38 @@
           </a:p>
         </p:txBody>
       </p:sp>
+      <p:sp>
+        <p:nvSpPr>
+          <p:cNvPr id="5" name="Text Placeholder 4">
+            <a:extLst>
+              <a:ext uri="{FF2B5EF4-FFF2-40B4-BE49-F238E27FC236}">
+                <a16:creationId xmlns:a16="http://schemas.microsoft.com/office/drawing/2014/main" id="{C618E4F3-2B0F-95F7-03BA-58F3C185011C}"/>
+              </a:ext>
+            </a:extLst>
+          </p:cNvPr>
+          <p:cNvSpPr>
+            <a:spLocks noGrp="1"/>
+          </p:cNvSpPr>
+          <p:nvPr>
+            <p:ph type="body" sz="quarter" idx="13"/>
+          </p:nvPr>
+        </p:nvSpPr>
+        <p:spPr/>
+        <p:txBody>
+          <a:bodyPr/>
+          <a:lstStyle/>
+          <a:p>
+            <a:r>
+              <a:rPr lang="en-CA" dirty="0"/>
+              <a:t>Project governance</a:t>
+            </a:r>
+          </a:p>
+        </p:txBody>
+      </p:sp>
     </p:spTree>
     <p:extLst>
       <p:ext uri="{BB962C8B-B14F-4D97-AF65-F5344CB8AC3E}">
-        <p14:creationId xmlns:p14="http://schemas.microsoft.com/office/powerpoint/2010/main" val="2020762435"/>
+        <p14:creationId xmlns:p14="http://schemas.microsoft.com/office/powerpoint/2010/main" val="1302102575"/>
       </p:ext>
     </p:extLst>
   </p:cSld>
@@ -10651,7 +10592,7 @@
           <p:cNvPr id="2" name="Title 1">
             <a:extLst>
               <a:ext uri="{FF2B5EF4-FFF2-40B4-BE49-F238E27FC236}">
-                <a16:creationId xmlns:a16="http://schemas.microsoft.com/office/drawing/2014/main" id="{D30AA25A-A01F-96C9-AFBF-60CBE7F140C7}"/>
+                <a16:creationId xmlns:a16="http://schemas.microsoft.com/office/drawing/2014/main" id="{A0F5457C-7D83-66FB-4872-7DE90806863A}"/>
               </a:ext>
             </a:extLst>
           </p:cNvPr>
@@ -10668,9 +10609,10 @@
           <a:lstStyle/>
           <a:p>
             <a:r>
-              <a:rPr lang="en-CA" dirty="0"/>
+              <a:rPr lang="en-US" dirty="0"/>
               <a:t>What makes up a project?</a:t>
             </a:r>
+            <a:endParaRPr lang="en-CA" dirty="0"/>
           </a:p>
         </p:txBody>
       </p:sp>
@@ -10679,7 +10621,7 @@
           <p:cNvPr id="3" name="Content Placeholder 2">
             <a:extLst>
               <a:ext uri="{FF2B5EF4-FFF2-40B4-BE49-F238E27FC236}">
-                <a16:creationId xmlns:a16="http://schemas.microsoft.com/office/drawing/2014/main" id="{85FA600A-7A62-17D4-8ED3-B4FDA127C3D3}"/>
+                <a16:creationId xmlns:a16="http://schemas.microsoft.com/office/drawing/2014/main" id="{FA90DB47-2E26-7B82-3D41-773570C9C4B3}"/>
               </a:ext>
             </a:extLst>
           </p:cNvPr>
@@ -10690,104 +10632,43 @@
             <p:ph idx="1"/>
           </p:nvPr>
         </p:nvSpPr>
-        <p:spPr>
-          <a:xfrm>
-            <a:off x="838200" y="1825625"/>
-            <a:ext cx="10515600" cy="4575175"/>
-          </a:xfrm>
-        </p:spPr>
-        <p:txBody>
-          <a:bodyPr>
-            <a:normAutofit/>
-          </a:bodyPr>
-          <a:lstStyle/>
-          <a:p>
-            <a:r>
-              <a:rPr lang="en-US" sz="2000" dirty="0"/>
-              <a:t>A </a:t>
-            </a:r>
-            <a:r>
-              <a:rPr lang="en-US" sz="2000" b="1" dirty="0"/>
-              <a:t>dataset</a:t>
-            </a:r>
-            <a:r>
-              <a:rPr lang="en-US" sz="2000" dirty="0"/>
-              <a:t> being used by several research projects?</a:t>
-            </a:r>
-          </a:p>
-          <a:p>
-            <a:pPr lvl="1"/>
-            <a:r>
-              <a:rPr lang="en-US" sz="1800" dirty="0"/>
-              <a:t>raw data, programs used to tidy the data, tidied data, text files describing license and provenance</a:t>
-            </a:r>
-          </a:p>
-          <a:p>
-            <a:r>
-              <a:rPr lang="en-US" sz="2000" dirty="0"/>
-              <a:t>A </a:t>
-            </a:r>
-            <a:r>
-              <a:rPr lang="en-US" sz="2000" b="1" dirty="0"/>
-              <a:t>set of annual reports </a:t>
-            </a:r>
-            <a:r>
-              <a:rPr lang="en-US" sz="2000" dirty="0"/>
-              <a:t>written for an NGO?</a:t>
-            </a:r>
-          </a:p>
-          <a:p>
-            <a:pPr lvl="1"/>
-            <a:r>
-              <a:rPr lang="en-US" sz="1800" dirty="0" err="1"/>
-              <a:t>jupyter</a:t>
-            </a:r>
-            <a:r>
-              <a:rPr lang="en-US" sz="1800" dirty="0"/>
-              <a:t> notebooks, copies of html and pdf versions of the report, a text file containing links to datasets used in the report (which can’t be store don </a:t>
-            </a:r>
-            <a:r>
-              <a:rPr lang="en-US" sz="1800" dirty="0" err="1"/>
-              <a:t>Github</a:t>
-            </a:r>
-            <a:r>
-              <a:rPr lang="en-US" sz="1800" dirty="0"/>
-              <a:t> since they contain personal identifying information)</a:t>
-            </a:r>
-          </a:p>
-          <a:p>
-            <a:r>
-              <a:rPr lang="en-US" sz="2000" dirty="0"/>
-              <a:t>A </a:t>
-            </a:r>
-            <a:r>
-              <a:rPr lang="en-US" sz="2000" b="1" dirty="0"/>
-              <a:t>software library </a:t>
-            </a:r>
-            <a:r>
-              <a:rPr lang="en-US" sz="2000" dirty="0"/>
-              <a:t>providing an interactive glossary of data science terms in both Python and R?</a:t>
-            </a:r>
-          </a:p>
-          <a:p>
-            <a:pPr lvl="1"/>
-            <a:r>
-              <a:rPr lang="en-US" sz="1800" dirty="0"/>
-              <a:t>files needed to create a package, a Markdown full of terms and definitions, a </a:t>
-            </a:r>
-            <a:r>
-              <a:rPr lang="en-US" sz="1800" dirty="0" err="1"/>
-              <a:t>Makefile</a:t>
-            </a:r>
-            <a:r>
-              <a:rPr lang="en-US" sz="1800" dirty="0"/>
-              <a:t> with targets to check cross references, </a:t>
-            </a:r>
-            <a:r>
-              <a:rPr lang="en-US" sz="1800" dirty="0" err="1"/>
-              <a:t>etc</a:t>
-            </a:r>
-            <a:endParaRPr lang="en-US" sz="1800" dirty="0"/>
+        <p:spPr/>
+        <p:txBody>
+          <a:bodyPr/>
+          <a:lstStyle/>
+          <a:p>
+            <a:r>
+              <a:rPr lang="en-US" dirty="0"/>
+              <a:t>What people have meetings about</a:t>
+            </a:r>
+          </a:p>
+          <a:p>
+            <a:r>
+              <a:rPr lang="en-US" b="1" dirty="0"/>
+              <a:t>Governance:</a:t>
+            </a:r>
+            <a:r>
+              <a:rPr lang="en-US" dirty="0"/>
+              <a:t> If the same group needs to get together on a regular basis to talk about something, that </a:t>
+            </a:r>
+            <a:r>
+              <a:rPr lang="en-US" i="1" dirty="0"/>
+              <a:t>something </a:t>
+            </a:r>
+            <a:r>
+              <a:rPr lang="en-US" dirty="0"/>
+              <a:t>probably deserves its own repository</a:t>
+            </a:r>
+          </a:p>
+          <a:p>
+            <a:r>
+              <a:rPr lang="en-US" b="1" dirty="0"/>
+              <a:t>Continuity:</a:t>
+            </a:r>
+            <a:r>
+              <a:rPr lang="en-US" dirty="0"/>
+              <a:t> And if the list of people changes slowly over time but the meetings continue, that’s an even stronger sign</a:t>
+            </a:r>
           </a:p>
         </p:txBody>
       </p:sp>
@@ -10796,7 +10677,7 @@
           <p:cNvPr id="4" name="Slide Number Placeholder 3">
             <a:extLst>
               <a:ext uri="{FF2B5EF4-FFF2-40B4-BE49-F238E27FC236}">
-                <a16:creationId xmlns:a16="http://schemas.microsoft.com/office/drawing/2014/main" id="{90306F42-184D-A7A2-4E98-B98DD0057BA4}"/>
+                <a16:creationId xmlns:a16="http://schemas.microsoft.com/office/drawing/2014/main" id="{D427019B-537E-561D-C308-FE984B376EBC}"/>
               </a:ext>
             </a:extLst>
           </p:cNvPr>
@@ -10825,7 +10706,7 @@
           <p:cNvPr id="5" name="Text Placeholder 4">
             <a:extLst>
               <a:ext uri="{FF2B5EF4-FFF2-40B4-BE49-F238E27FC236}">
-                <a16:creationId xmlns:a16="http://schemas.microsoft.com/office/drawing/2014/main" id="{C618E4F3-2B0F-95F7-03BA-58F3C185011C}"/>
+                <a16:creationId xmlns:a16="http://schemas.microsoft.com/office/drawing/2014/main" id="{CB0DA9C2-CFBC-815C-CC5D-2267DCAA653D}"/>
               </a:ext>
             </a:extLst>
           </p:cNvPr>
@@ -10851,7 +10732,7 @@
     </p:spTree>
     <p:extLst>
       <p:ext uri="{BB962C8B-B14F-4D97-AF65-F5344CB8AC3E}">
-        <p14:creationId xmlns:p14="http://schemas.microsoft.com/office/powerpoint/2010/main" val="1302102575"/>
+        <p14:creationId xmlns:p14="http://schemas.microsoft.com/office/powerpoint/2010/main" val="966218344"/>
       </p:ext>
     </p:extLst>
   </p:cSld>
@@ -10883,7 +10764,7 @@
           <p:cNvPr id="2" name="Title 1">
             <a:extLst>
               <a:ext uri="{FF2B5EF4-FFF2-40B4-BE49-F238E27FC236}">
-                <a16:creationId xmlns:a16="http://schemas.microsoft.com/office/drawing/2014/main" id="{A0F5457C-7D83-66FB-4872-7DE90806863A}"/>
+                <a16:creationId xmlns:a16="http://schemas.microsoft.com/office/drawing/2014/main" id="{75A9B995-A234-5768-EE94-380E401A7DFA}"/>
               </a:ext>
             </a:extLst>
           </p:cNvPr>
@@ -10900,65 +10781,83 @@
           <a:lstStyle/>
           <a:p>
             <a:r>
+              <a:rPr lang="en-CA" dirty="0"/>
+              <a:t>Copyright licenses</a:t>
+            </a:r>
+          </a:p>
+        </p:txBody>
+      </p:sp>
+      <p:sp>
+        <p:nvSpPr>
+          <p:cNvPr id="3" name="Content Placeholder 2">
+            <a:extLst>
+              <a:ext uri="{FF2B5EF4-FFF2-40B4-BE49-F238E27FC236}">
+                <a16:creationId xmlns:a16="http://schemas.microsoft.com/office/drawing/2014/main" id="{112FC72F-4CCA-E3B3-6D48-0F532A43B529}"/>
+              </a:ext>
+            </a:extLst>
+          </p:cNvPr>
+          <p:cNvSpPr>
+            <a:spLocks noGrp="1"/>
+          </p:cNvSpPr>
+          <p:nvPr>
+            <p:ph idx="1"/>
+          </p:nvPr>
+        </p:nvSpPr>
+        <p:spPr>
+          <a:xfrm>
+            <a:off x="838200" y="1687724"/>
+            <a:ext cx="10515600" cy="4667248"/>
+          </a:xfrm>
+        </p:spPr>
+        <p:txBody>
+          <a:bodyPr>
+            <a:normAutofit/>
+          </a:bodyPr>
+          <a:lstStyle/>
+          <a:p>
+            <a:r>
               <a:rPr lang="en-US" dirty="0"/>
-              <a:t>What makes up a project?</a:t>
-            </a:r>
-            <a:endParaRPr lang="en-CA" dirty="0"/>
-          </a:p>
-        </p:txBody>
-      </p:sp>
-      <p:sp>
-        <p:nvSpPr>
-          <p:cNvPr id="3" name="Content Placeholder 2">
-            <a:extLst>
-              <a:ext uri="{FF2B5EF4-FFF2-40B4-BE49-F238E27FC236}">
-                <a16:creationId xmlns:a16="http://schemas.microsoft.com/office/drawing/2014/main" id="{FA90DB47-2E26-7B82-3D41-773570C9C4B3}"/>
-              </a:ext>
-            </a:extLst>
-          </p:cNvPr>
-          <p:cNvSpPr>
-            <a:spLocks noGrp="1"/>
-          </p:cNvSpPr>
-          <p:nvPr>
-            <p:ph idx="1"/>
-          </p:nvPr>
-        </p:nvSpPr>
-        <p:spPr/>
-        <p:txBody>
-          <a:bodyPr/>
-          <a:lstStyle/>
-          <a:p>
+              <a:t>A license dictates how project materials can be used and redistributed</a:t>
+            </a:r>
+          </a:p>
+          <a:p>
+            <a:pPr lvl="1"/>
             <a:r>
               <a:rPr lang="en-US" dirty="0"/>
-              <a:t>What people have meetings about</a:t>
-            </a:r>
-          </a:p>
-          <a:p>
+              <a:t>Can affect the willingness of contributors</a:t>
+            </a:r>
+          </a:p>
+          <a:p>
+            <a:pPr lvl="1"/>
+            <a:r>
+              <a:rPr lang="en-US" dirty="0"/>
+              <a:t>The choice of license is crucial to the project’s long-term sustainability</a:t>
+            </a:r>
+          </a:p>
+          <a:p>
+            <a:r>
+              <a:rPr lang="en-US" dirty="0"/>
+              <a:t>Consider contributors’ contractual obligations</a:t>
+            </a:r>
+          </a:p>
+          <a:p>
+            <a:pPr lvl="1"/>
+            <a:r>
+              <a:rPr lang="en-US" dirty="0"/>
+              <a:t>e.g. students and faculty may have a copyright on the research work they produce, but university staff members may not.</a:t>
+            </a:r>
+          </a:p>
+          <a:p>
+            <a:r>
+              <a:rPr lang="en-US" dirty="0"/>
+              <a:t>Including an explicit license avoids legal messiness and should be chosen early on</a:t>
+            </a:r>
+          </a:p>
+          <a:p>
+            <a:pPr lvl="1"/>
             <a:r>
               <a:rPr lang="en-US" b="1" dirty="0"/>
-              <a:t>Governance:</a:t>
-            </a:r>
-            <a:r>
-              <a:rPr lang="en-US" dirty="0"/>
-              <a:t> If the same group needs to get together on a regular basis to talk about something, that </a:t>
-            </a:r>
-            <a:r>
-              <a:rPr lang="en-US" i="1" dirty="0"/>
-              <a:t>something </a:t>
-            </a:r>
-            <a:r>
-              <a:rPr lang="en-US" dirty="0"/>
-              <a:t>probably deserves its own repository</a:t>
-            </a:r>
-          </a:p>
-          <a:p>
-            <a:r>
-              <a:rPr lang="en-US" b="1" dirty="0"/>
-              <a:t>Continuity:</a:t>
-            </a:r>
-            <a:r>
-              <a:rPr lang="en-US" dirty="0"/>
-              <a:t> And if the list of people changes slowly over time but the meetings continue, that’s an even stronger sign</a:t>
+              <a:t>Generally, licenses do not apply retroactively</a:t>
             </a:r>
           </a:p>
         </p:txBody>
@@ -10968,7 +10867,7 @@
           <p:cNvPr id="4" name="Slide Number Placeholder 3">
             <a:extLst>
               <a:ext uri="{FF2B5EF4-FFF2-40B4-BE49-F238E27FC236}">
-                <a16:creationId xmlns:a16="http://schemas.microsoft.com/office/drawing/2014/main" id="{D427019B-537E-561D-C308-FE984B376EBC}"/>
+                <a16:creationId xmlns:a16="http://schemas.microsoft.com/office/drawing/2014/main" id="{CCB42893-5351-9B5E-5F98-A374A2189E55}"/>
               </a:ext>
             </a:extLst>
           </p:cNvPr>
@@ -10997,7 +10896,7 @@
           <p:cNvPr id="5" name="Text Placeholder 4">
             <a:extLst>
               <a:ext uri="{FF2B5EF4-FFF2-40B4-BE49-F238E27FC236}">
-                <a16:creationId xmlns:a16="http://schemas.microsoft.com/office/drawing/2014/main" id="{CB0DA9C2-CFBC-815C-CC5D-2267DCAA653D}"/>
+                <a16:creationId xmlns:a16="http://schemas.microsoft.com/office/drawing/2014/main" id="{20777E0D-7E61-94D3-092E-BE85F9092625}"/>
               </a:ext>
             </a:extLst>
           </p:cNvPr>
@@ -11023,7 +10922,7 @@
     </p:spTree>
     <p:extLst>
       <p:ext uri="{BB962C8B-B14F-4D97-AF65-F5344CB8AC3E}">
-        <p14:creationId xmlns:p14="http://schemas.microsoft.com/office/powerpoint/2010/main" val="966218344"/>
+        <p14:creationId xmlns:p14="http://schemas.microsoft.com/office/powerpoint/2010/main" val="1002186943"/>
       </p:ext>
     </p:extLst>
   </p:cSld>
@@ -11055,7 +10954,7 @@
           <p:cNvPr id="2" name="Title 1">
             <a:extLst>
               <a:ext uri="{FF2B5EF4-FFF2-40B4-BE49-F238E27FC236}">
-                <a16:creationId xmlns:a16="http://schemas.microsoft.com/office/drawing/2014/main" id="{75A9B995-A234-5768-EE94-380E401A7DFA}"/>
+                <a16:creationId xmlns:a16="http://schemas.microsoft.com/office/drawing/2014/main" id="{56407309-B458-D302-4A0C-D3417164986B}"/>
               </a:ext>
             </a:extLst>
           </p:cNvPr>
@@ -11083,7 +10982,7 @@
           <p:cNvPr id="3" name="Content Placeholder 2">
             <a:extLst>
               <a:ext uri="{FF2B5EF4-FFF2-40B4-BE49-F238E27FC236}">
-                <a16:creationId xmlns:a16="http://schemas.microsoft.com/office/drawing/2014/main" id="{112FC72F-4CCA-E3B3-6D48-0F532A43B529}"/>
+                <a16:creationId xmlns:a16="http://schemas.microsoft.com/office/drawing/2014/main" id="{4B711922-BAC0-C0A7-C7A6-F24684283AF3}"/>
               </a:ext>
             </a:extLst>
           </p:cNvPr>
@@ -11094,61 +10993,52 @@
             <p:ph idx="1"/>
           </p:nvPr>
         </p:nvSpPr>
-        <p:spPr>
-          <a:xfrm>
-            <a:off x="838200" y="1687724"/>
-            <a:ext cx="10515600" cy="4667248"/>
-          </a:xfrm>
-        </p:spPr>
+        <p:spPr/>
         <p:txBody>
           <a:bodyPr>
-            <a:normAutofit/>
+            <a:normAutofit fontScale="92500"/>
           </a:bodyPr>
           <a:lstStyle/>
           <a:p>
             <a:r>
               <a:rPr lang="en-US" dirty="0"/>
-              <a:t>A license dictates how project materials can be used and redistributed</a:t>
-            </a:r>
-          </a:p>
-          <a:p>
-            <a:pPr lvl="1"/>
+              <a:t>Do we want to license the work at all?</a:t>
+            </a:r>
+          </a:p>
+          <a:p>
             <a:r>
               <a:rPr lang="en-US" dirty="0"/>
-              <a:t>Can affect the willingness of contributors</a:t>
-            </a:r>
-          </a:p>
-          <a:p>
-            <a:pPr lvl="1"/>
+              <a:t>Is the content we are licensing source code?</a:t>
+            </a:r>
+          </a:p>
+          <a:p>
             <a:r>
               <a:rPr lang="en-US" dirty="0"/>
-              <a:t>The choice of license is crucial to the project’s long-term sustainability</a:t>
+              <a:t>Do we require people distributing derivative works to also distribute their code?</a:t>
             </a:r>
           </a:p>
           <a:p>
             <a:r>
               <a:rPr lang="en-US" dirty="0"/>
-              <a:t>Consider contributors’ contractual obligations</a:t>
-            </a:r>
-          </a:p>
-          <a:p>
-            <a:pPr lvl="1"/>
+              <a:t>Do we want to address patent rights?</a:t>
+            </a:r>
+          </a:p>
+          <a:p>
             <a:r>
               <a:rPr lang="en-US" dirty="0"/>
-              <a:t>e.g. students and faculty may have a copyright on the research work they produce, but university staff members may not.</a:t>
+              <a:t>Is our license compatible with the licenses of the software we depend on?</a:t>
             </a:r>
           </a:p>
           <a:p>
             <a:r>
               <a:rPr lang="en-US" dirty="0"/>
-              <a:t>Including an explicit license avoids legal messiness and should be chosen early on</a:t>
-            </a:r>
-          </a:p>
-          <a:p>
-            <a:pPr lvl="1"/>
-            <a:r>
-              <a:rPr lang="en-US" b="1" dirty="0"/>
-              <a:t>Generally, licenses do not apply retroactively</a:t>
+              <a:t>Do our institutions have any policies that may overrule our choices?</a:t>
+            </a:r>
+          </a:p>
+          <a:p>
+            <a:r>
+              <a:rPr lang="en-US" dirty="0"/>
+              <a:t>Are there any copyright experts within our institution who can assist us?</a:t>
             </a:r>
           </a:p>
         </p:txBody>
@@ -11158,7 +11048,7 @@
           <p:cNvPr id="4" name="Slide Number Placeholder 3">
             <a:extLst>
               <a:ext uri="{FF2B5EF4-FFF2-40B4-BE49-F238E27FC236}">
-                <a16:creationId xmlns:a16="http://schemas.microsoft.com/office/drawing/2014/main" id="{CCB42893-5351-9B5E-5F98-A374A2189E55}"/>
+                <a16:creationId xmlns:a16="http://schemas.microsoft.com/office/drawing/2014/main" id="{9E31E221-A8FE-9AD4-F643-BCBFB7CE9A6A}"/>
               </a:ext>
             </a:extLst>
           </p:cNvPr>
@@ -11187,7 +11077,7 @@
           <p:cNvPr id="5" name="Text Placeholder 4">
             <a:extLst>
               <a:ext uri="{FF2B5EF4-FFF2-40B4-BE49-F238E27FC236}">
-                <a16:creationId xmlns:a16="http://schemas.microsoft.com/office/drawing/2014/main" id="{20777E0D-7E61-94D3-092E-BE85F9092625}"/>
+                <a16:creationId xmlns:a16="http://schemas.microsoft.com/office/drawing/2014/main" id="{1043AA04-C72A-A1D2-0754-E1628404EAC3}"/>
               </a:ext>
             </a:extLst>
           </p:cNvPr>
@@ -11213,7 +11103,7 @@
     </p:spTree>
     <p:extLst>
       <p:ext uri="{BB962C8B-B14F-4D97-AF65-F5344CB8AC3E}">
-        <p14:creationId xmlns:p14="http://schemas.microsoft.com/office/powerpoint/2010/main" val="1002186943"/>
+        <p14:creationId xmlns:p14="http://schemas.microsoft.com/office/powerpoint/2010/main" val="495665906"/>
       </p:ext>
     </p:extLst>
   </p:cSld>
@@ -11242,10 +11132,78 @@
       </p:grpSpPr>
       <p:sp>
         <p:nvSpPr>
+          <p:cNvPr id="2" name="Title 1">
+            <a:extLst>
+              <a:ext uri="{FF2B5EF4-FFF2-40B4-BE49-F238E27FC236}">
+                <a16:creationId xmlns:a16="http://schemas.microsoft.com/office/drawing/2014/main" id="{A269F49E-BBC4-C0B8-3538-7DDED9E1BC30}"/>
+              </a:ext>
+            </a:extLst>
+          </p:cNvPr>
+          <p:cNvSpPr>
+            <a:spLocks noGrp="1"/>
+          </p:cNvSpPr>
+          <p:nvPr>
+            <p:ph type="title"/>
+          </p:nvPr>
+        </p:nvSpPr>
+        <p:spPr/>
+        <p:txBody>
+          <a:bodyPr/>
+          <a:lstStyle/>
+          <a:p>
+            <a:r>
+              <a:rPr lang="en-CA" dirty="0"/>
+              <a:t>Today’s learning objectives</a:t>
+            </a:r>
+          </a:p>
+        </p:txBody>
+      </p:sp>
+      <p:sp>
+        <p:nvSpPr>
+          <p:cNvPr id="3" name="Content Placeholder 2">
+            <a:extLst>
+              <a:ext uri="{FF2B5EF4-FFF2-40B4-BE49-F238E27FC236}">
+                <a16:creationId xmlns:a16="http://schemas.microsoft.com/office/drawing/2014/main" id="{44E72118-D7E7-ECCB-019F-40952BB3132F}"/>
+              </a:ext>
+            </a:extLst>
+          </p:cNvPr>
+          <p:cNvSpPr>
+            <a:spLocks noGrp="1"/>
+          </p:cNvSpPr>
+          <p:nvPr>
+            <p:ph idx="1"/>
+          </p:nvPr>
+        </p:nvSpPr>
+        <p:spPr/>
+        <p:txBody>
+          <a:bodyPr/>
+          <a:lstStyle/>
+          <a:p>
+            <a:r>
+              <a:rPr lang="en-CA" dirty="0"/>
+              <a:t>I can track and manage software projects using GitHub</a:t>
+            </a:r>
+          </a:p>
+          <a:p>
+            <a:r>
+              <a:rPr lang="en-CA" dirty="0"/>
+              <a:t>I can ensure code is reviewed and tested using Pull Requests</a:t>
+            </a:r>
+          </a:p>
+          <a:p>
+            <a:r>
+              <a:rPr lang="en-CA" dirty="0"/>
+              <a:t>I know the principles of software project governance</a:t>
+            </a:r>
+          </a:p>
+        </p:txBody>
+      </p:sp>
+      <p:sp>
+        <p:nvSpPr>
           <p:cNvPr id="4" name="Slide Number Placeholder 3">
             <a:extLst>
               <a:ext uri="{FF2B5EF4-FFF2-40B4-BE49-F238E27FC236}">
-                <a16:creationId xmlns:a16="http://schemas.microsoft.com/office/drawing/2014/main" id="{71D518A3-F353-1080-7557-1915EA890B0B}"/>
+                <a16:creationId xmlns:a16="http://schemas.microsoft.com/office/drawing/2014/main" id="{878074A5-C566-B182-00C8-79153535E843}"/>
               </a:ext>
             </a:extLst>
           </p:cNvPr>
@@ -11271,10 +11229,10 @@
       </p:sp>
       <p:sp>
         <p:nvSpPr>
-          <p:cNvPr id="6" name="Text Placeholder 5">
-            <a:extLst>
-              <a:ext uri="{FF2B5EF4-FFF2-40B4-BE49-F238E27FC236}">
-                <a16:creationId xmlns:a16="http://schemas.microsoft.com/office/drawing/2014/main" id="{9C07844A-948D-B95F-5AA6-8077039DA7AC}"/>
+          <p:cNvPr id="5" name="Text Placeholder 4">
+            <a:extLst>
+              <a:ext uri="{FF2B5EF4-FFF2-40B4-BE49-F238E27FC236}">
+                <a16:creationId xmlns:a16="http://schemas.microsoft.com/office/drawing/2014/main" id="{F87F20A1-CFA0-B2EF-9C8E-4A120EC0032D}"/>
               </a:ext>
             </a:extLst>
           </p:cNvPr>
@@ -11285,98 +11243,19 @@
             <p:ph type="body" sz="quarter" idx="13"/>
           </p:nvPr>
         </p:nvSpPr>
-        <p:spPr>
-          <a:xfrm>
-            <a:off x="1410562" y="1230086"/>
-            <a:ext cx="8919981" cy="4397828"/>
-          </a:xfrm>
-        </p:spPr>
-        <p:txBody>
-          <a:bodyPr/>
-          <a:lstStyle/>
-          <a:p>
-            <a:pPr>
-              <a:lnSpc>
-                <a:spcPct val="125000"/>
-              </a:lnSpc>
-            </a:pPr>
-            <a:r>
-              <a:rPr lang="en-CA" sz="2400" dirty="0">
-                <a:solidFill>
-                  <a:srgbClr val="002A7E"/>
-                </a:solidFill>
-                <a:latin typeface="Inter Black" panose="02000A03000000020004" pitchFamily="2" charset="0"/>
-                <a:ea typeface="Inter Black" panose="02000A03000000020004" pitchFamily="2" charset="0"/>
-                <a:cs typeface="Inter Black" panose="02000A03000000020004" pitchFamily="2" charset="0"/>
-              </a:rPr>
-              <a:t>Course objective</a:t>
-            </a:r>
-          </a:p>
-          <a:p>
-            <a:pPr>
-              <a:lnSpc>
-                <a:spcPct val="125000"/>
-              </a:lnSpc>
-            </a:pPr>
-            <a:r>
-              <a:rPr lang="en-CA" dirty="0"/>
-              <a:t>How to write </a:t>
-            </a:r>
-            <a:r>
-              <a:rPr lang="en-CA" dirty="0">
-                <a:solidFill>
-                  <a:schemeClr val="accent1"/>
-                </a:solidFill>
-              </a:rPr>
-              <a:t>robust software</a:t>
-            </a:r>
-            <a:r>
-              <a:rPr lang="en-CA" dirty="0"/>
-              <a:t> in a </a:t>
-            </a:r>
-            <a:r>
-              <a:rPr lang="en-CA" dirty="0">
-                <a:solidFill>
-                  <a:schemeClr val="accent1"/>
-                </a:solidFill>
-              </a:rPr>
-              <a:t>team</a:t>
-            </a:r>
-            <a:r>
-              <a:rPr lang="en-CA" dirty="0"/>
-              <a:t> that we, our colleagues, and the public can </a:t>
-            </a:r>
-            <a:r>
-              <a:rPr lang="en-CA" dirty="0">
-                <a:solidFill>
-                  <a:schemeClr val="accent1"/>
-                </a:solidFill>
-              </a:rPr>
-              <a:t>trust</a:t>
-            </a:r>
-            <a:r>
-              <a:rPr lang="en-CA" dirty="0"/>
-              <a:t> and </a:t>
-            </a:r>
-            <a:r>
-              <a:rPr lang="en-CA" dirty="0">
-                <a:solidFill>
-                  <a:schemeClr val="accent1"/>
-                </a:solidFill>
-              </a:rPr>
-              <a:t>use with confidence</a:t>
-            </a:r>
-            <a:r>
-              <a:rPr lang="en-CA" dirty="0"/>
-              <a:t>.</a:t>
-            </a:r>
+        <p:spPr/>
+        <p:txBody>
+          <a:bodyPr/>
+          <a:lstStyle/>
+          <a:p>
+            <a:endParaRPr lang="en-CA"/>
           </a:p>
         </p:txBody>
       </p:sp>
     </p:spTree>
     <p:extLst>
       <p:ext uri="{BB962C8B-B14F-4D97-AF65-F5344CB8AC3E}">
-        <p14:creationId xmlns:p14="http://schemas.microsoft.com/office/powerpoint/2010/main" val="133851565"/>
+        <p14:creationId xmlns:p14="http://schemas.microsoft.com/office/powerpoint/2010/main" val="4239102096"/>
       </p:ext>
     </p:extLst>
   </p:cSld>
@@ -11408,7 +11287,7 @@
           <p:cNvPr id="2" name="Title 1">
             <a:extLst>
               <a:ext uri="{FF2B5EF4-FFF2-40B4-BE49-F238E27FC236}">
-                <a16:creationId xmlns:a16="http://schemas.microsoft.com/office/drawing/2014/main" id="{56407309-B458-D302-4A0C-D3417164986B}"/>
+                <a16:creationId xmlns:a16="http://schemas.microsoft.com/office/drawing/2014/main" id="{81E6472A-54D3-B7C4-7B45-D5689FDFEE8F}"/>
               </a:ext>
             </a:extLst>
           </p:cNvPr>
@@ -11436,7 +11315,7 @@
           <p:cNvPr id="3" name="Content Placeholder 2">
             <a:extLst>
               <a:ext uri="{FF2B5EF4-FFF2-40B4-BE49-F238E27FC236}">
-                <a16:creationId xmlns:a16="http://schemas.microsoft.com/office/drawing/2014/main" id="{4B711922-BAC0-C0A7-C7A6-F24684283AF3}"/>
+                <a16:creationId xmlns:a16="http://schemas.microsoft.com/office/drawing/2014/main" id="{C728AFBE-A8FB-4488-98E8-21F154A07E14}"/>
               </a:ext>
             </a:extLst>
           </p:cNvPr>
@@ -11449,50 +11328,24 @@
         </p:nvSpPr>
         <p:spPr/>
         <p:txBody>
-          <a:bodyPr>
-            <a:normAutofit fontScale="92500"/>
-          </a:bodyPr>
-          <a:lstStyle/>
-          <a:p>
-            <a:r>
-              <a:rPr lang="en-US" dirty="0"/>
-              <a:t>Do we want to license the work at all?</a:t>
-            </a:r>
-          </a:p>
-          <a:p>
-            <a:r>
-              <a:rPr lang="en-US" dirty="0"/>
-              <a:t>Is the content we are licensing source code?</a:t>
-            </a:r>
-          </a:p>
-          <a:p>
-            <a:r>
-              <a:rPr lang="en-US" dirty="0"/>
-              <a:t>Do we require people distributing derivative works to also distribute their code?</a:t>
-            </a:r>
-          </a:p>
-          <a:p>
-            <a:r>
-              <a:rPr lang="en-US" dirty="0"/>
-              <a:t>Do we want to address patent rights?</a:t>
-            </a:r>
-          </a:p>
-          <a:p>
-            <a:r>
-              <a:rPr lang="en-US" dirty="0"/>
-              <a:t>Is our license compatible with the licenses of the software we depend on?</a:t>
-            </a:r>
-          </a:p>
-          <a:p>
-            <a:r>
-              <a:rPr lang="en-US" dirty="0"/>
-              <a:t>Do our institutions have any policies that may overrule our choices?</a:t>
-            </a:r>
-          </a:p>
-          <a:p>
-            <a:r>
-              <a:rPr lang="en-US" dirty="0"/>
-              <a:t>Are there any copyright experts within our institution who can assist us?</a:t>
+          <a:bodyPr/>
+          <a:lstStyle/>
+          <a:p>
+            <a:pPr marL="0" indent="0">
+              <a:buNone/>
+            </a:pPr>
+            <a:r>
+              <a:rPr lang="en-CA" b="1" dirty="0"/>
+              <a:t>Great summary here:</a:t>
+            </a:r>
+          </a:p>
+          <a:p>
+            <a:pPr marL="0" indent="0">
+              <a:buNone/>
+            </a:pPr>
+            <a:r>
+              <a:rPr lang="en-CA" dirty="0"/>
+              <a:t>https://choosealicense.com/licenses/</a:t>
             </a:r>
           </a:p>
         </p:txBody>
@@ -11502,7 +11355,7 @@
           <p:cNvPr id="4" name="Slide Number Placeholder 3">
             <a:extLst>
               <a:ext uri="{FF2B5EF4-FFF2-40B4-BE49-F238E27FC236}">
-                <a16:creationId xmlns:a16="http://schemas.microsoft.com/office/drawing/2014/main" id="{9E31E221-A8FE-9AD4-F643-BCBFB7CE9A6A}"/>
+                <a16:creationId xmlns:a16="http://schemas.microsoft.com/office/drawing/2014/main" id="{6D789B2B-DA5C-2D0B-7499-38BBF09CF352}"/>
               </a:ext>
             </a:extLst>
           </p:cNvPr>
@@ -11521,161 +11374,6 @@
             <a:fld id="{4F883B06-9FA1-44A8-8ACD-51391BD89E0C}" type="slidenum">
               <a:rPr lang="en-CA" smtClean="0"/>
               <a:t>30</a:t>
-            </a:fld>
-            <a:endParaRPr lang="en-CA"/>
-          </a:p>
-        </p:txBody>
-      </p:sp>
-      <p:sp>
-        <p:nvSpPr>
-          <p:cNvPr id="5" name="Text Placeholder 4">
-            <a:extLst>
-              <a:ext uri="{FF2B5EF4-FFF2-40B4-BE49-F238E27FC236}">
-                <a16:creationId xmlns:a16="http://schemas.microsoft.com/office/drawing/2014/main" id="{1043AA04-C72A-A1D2-0754-E1628404EAC3}"/>
-              </a:ext>
-            </a:extLst>
-          </p:cNvPr>
-          <p:cNvSpPr>
-            <a:spLocks noGrp="1"/>
-          </p:cNvSpPr>
-          <p:nvPr>
-            <p:ph type="body" sz="quarter" idx="13"/>
-          </p:nvPr>
-        </p:nvSpPr>
-        <p:spPr/>
-        <p:txBody>
-          <a:bodyPr/>
-          <a:lstStyle/>
-          <a:p>
-            <a:r>
-              <a:rPr lang="en-CA" dirty="0"/>
-              <a:t>Project governance</a:t>
-            </a:r>
-          </a:p>
-        </p:txBody>
-      </p:sp>
-    </p:spTree>
-    <p:extLst>
-      <p:ext uri="{BB962C8B-B14F-4D97-AF65-F5344CB8AC3E}">
-        <p14:creationId xmlns:p14="http://schemas.microsoft.com/office/powerpoint/2010/main" val="495665906"/>
-      </p:ext>
-    </p:extLst>
-  </p:cSld>
-  <p:clrMapOvr>
-    <a:masterClrMapping/>
-  </p:clrMapOvr>
-</p:sld>
-</file>
-
-<file path=ppt/slides/slide31.xml><?xml version="1.0" encoding="utf-8"?>
-<p:sld xmlns:a="http://schemas.openxmlformats.org/drawingml/2006/main" xmlns:r="http://schemas.openxmlformats.org/officeDocument/2006/relationships" xmlns:p="http://schemas.openxmlformats.org/presentationml/2006/main">
-  <p:cSld>
-    <p:spTree>
-      <p:nvGrpSpPr>
-        <p:cNvPr id="1" name=""/>
-        <p:cNvGrpSpPr/>
-        <p:nvPr/>
-      </p:nvGrpSpPr>
-      <p:grpSpPr>
-        <a:xfrm>
-          <a:off x="0" y="0"/>
-          <a:ext cx="0" cy="0"/>
-          <a:chOff x="0" y="0"/>
-          <a:chExt cx="0" cy="0"/>
-        </a:xfrm>
-      </p:grpSpPr>
-      <p:sp>
-        <p:nvSpPr>
-          <p:cNvPr id="2" name="Title 1">
-            <a:extLst>
-              <a:ext uri="{FF2B5EF4-FFF2-40B4-BE49-F238E27FC236}">
-                <a16:creationId xmlns:a16="http://schemas.microsoft.com/office/drawing/2014/main" id="{81E6472A-54D3-B7C4-7B45-D5689FDFEE8F}"/>
-              </a:ext>
-            </a:extLst>
-          </p:cNvPr>
-          <p:cNvSpPr>
-            <a:spLocks noGrp="1"/>
-          </p:cNvSpPr>
-          <p:nvPr>
-            <p:ph type="title"/>
-          </p:nvPr>
-        </p:nvSpPr>
-        <p:spPr/>
-        <p:txBody>
-          <a:bodyPr/>
-          <a:lstStyle/>
-          <a:p>
-            <a:r>
-              <a:rPr lang="en-CA" dirty="0"/>
-              <a:t>Copyright licenses</a:t>
-            </a:r>
-          </a:p>
-        </p:txBody>
-      </p:sp>
-      <p:sp>
-        <p:nvSpPr>
-          <p:cNvPr id="3" name="Content Placeholder 2">
-            <a:extLst>
-              <a:ext uri="{FF2B5EF4-FFF2-40B4-BE49-F238E27FC236}">
-                <a16:creationId xmlns:a16="http://schemas.microsoft.com/office/drawing/2014/main" id="{C728AFBE-A8FB-4488-98E8-21F154A07E14}"/>
-              </a:ext>
-            </a:extLst>
-          </p:cNvPr>
-          <p:cNvSpPr>
-            <a:spLocks noGrp="1"/>
-          </p:cNvSpPr>
-          <p:nvPr>
-            <p:ph idx="1"/>
-          </p:nvPr>
-        </p:nvSpPr>
-        <p:spPr/>
-        <p:txBody>
-          <a:bodyPr/>
-          <a:lstStyle/>
-          <a:p>
-            <a:pPr marL="0" indent="0">
-              <a:buNone/>
-            </a:pPr>
-            <a:r>
-              <a:rPr lang="en-CA" b="1" dirty="0"/>
-              <a:t>Great summary here:</a:t>
-            </a:r>
-          </a:p>
-          <a:p>
-            <a:pPr marL="0" indent="0">
-              <a:buNone/>
-            </a:pPr>
-            <a:r>
-              <a:rPr lang="en-CA" dirty="0"/>
-              <a:t>https://choosealicense.com/licenses/</a:t>
-            </a:r>
-          </a:p>
-        </p:txBody>
-      </p:sp>
-      <p:sp>
-        <p:nvSpPr>
-          <p:cNvPr id="4" name="Slide Number Placeholder 3">
-            <a:extLst>
-              <a:ext uri="{FF2B5EF4-FFF2-40B4-BE49-F238E27FC236}">
-                <a16:creationId xmlns:a16="http://schemas.microsoft.com/office/drawing/2014/main" id="{6D789B2B-DA5C-2D0B-7499-38BBF09CF352}"/>
-              </a:ext>
-            </a:extLst>
-          </p:cNvPr>
-          <p:cNvSpPr>
-            <a:spLocks noGrp="1"/>
-          </p:cNvSpPr>
-          <p:nvPr>
-            <p:ph type="sldNum" sz="quarter" idx="12"/>
-          </p:nvPr>
-        </p:nvSpPr>
-        <p:spPr/>
-        <p:txBody>
-          <a:bodyPr/>
-          <a:lstStyle/>
-          <a:p>
-            <a:fld id="{4F883B06-9FA1-44A8-8ACD-51391BD89E0C}" type="slidenum">
-              <a:rPr lang="en-CA" smtClean="0"/>
-              <a:t>31</a:t>
             </a:fld>
             <a:endParaRPr lang="en-CA"/>
           </a:p>
@@ -11752,6 +11450,217 @@
 </p:sld>
 </file>
 
+<file path=ppt/slides/slide31.xml><?xml version="1.0" encoding="utf-8"?>
+<p:sld xmlns:a="http://schemas.openxmlformats.org/drawingml/2006/main" xmlns:r="http://schemas.openxmlformats.org/officeDocument/2006/relationships" xmlns:p="http://schemas.openxmlformats.org/presentationml/2006/main">
+  <p:cSld>
+    <p:spTree>
+      <p:nvGrpSpPr>
+        <p:cNvPr id="1" name=""/>
+        <p:cNvGrpSpPr/>
+        <p:nvPr/>
+      </p:nvGrpSpPr>
+      <p:grpSpPr>
+        <a:xfrm>
+          <a:off x="0" y="0"/>
+          <a:ext cx="0" cy="0"/>
+          <a:chOff x="0" y="0"/>
+          <a:chExt cx="0" cy="0"/>
+        </a:xfrm>
+      </p:grpSpPr>
+      <p:sp>
+        <p:nvSpPr>
+          <p:cNvPr id="2" name="Title 1">
+            <a:extLst>
+              <a:ext uri="{FF2B5EF4-FFF2-40B4-BE49-F238E27FC236}">
+                <a16:creationId xmlns:a16="http://schemas.microsoft.com/office/drawing/2014/main" id="{762DE063-1048-B81E-2FFB-BA33F35DD705}"/>
+              </a:ext>
+            </a:extLst>
+          </p:cNvPr>
+          <p:cNvSpPr>
+            <a:spLocks noGrp="1"/>
+          </p:cNvSpPr>
+          <p:nvPr>
+            <p:ph type="title"/>
+          </p:nvPr>
+        </p:nvSpPr>
+        <p:spPr/>
+        <p:txBody>
+          <a:bodyPr/>
+          <a:lstStyle/>
+          <a:p>
+            <a:r>
+              <a:rPr lang="en-CA" dirty="0"/>
+              <a:t>The Code of Conduct</a:t>
+            </a:r>
+          </a:p>
+        </p:txBody>
+      </p:sp>
+      <p:sp>
+        <p:nvSpPr>
+          <p:cNvPr id="3" name="Content Placeholder 2">
+            <a:extLst>
+              <a:ext uri="{FF2B5EF4-FFF2-40B4-BE49-F238E27FC236}">
+                <a16:creationId xmlns:a16="http://schemas.microsoft.com/office/drawing/2014/main" id="{FAEF3FC8-09BC-0219-70CB-B4ACA1DC2C4A}"/>
+              </a:ext>
+            </a:extLst>
+          </p:cNvPr>
+          <p:cNvSpPr>
+            <a:spLocks noGrp="1"/>
+          </p:cNvSpPr>
+          <p:nvPr>
+            <p:ph idx="1"/>
+          </p:nvPr>
+        </p:nvSpPr>
+        <p:spPr/>
+        <p:txBody>
+          <a:bodyPr/>
+          <a:lstStyle/>
+          <a:p>
+            <a:pPr marL="457200" indent="-457200">
+              <a:buFont typeface="+mj-lt"/>
+              <a:buAutoNum type="arabicPeriod"/>
+            </a:pPr>
+            <a:r>
+              <a:rPr lang="en-US" dirty="0"/>
+              <a:t>Promotes fairness within a group</a:t>
+            </a:r>
+          </a:p>
+          <a:p>
+            <a:pPr marL="457200" indent="-457200">
+              <a:buFont typeface="+mj-lt"/>
+              <a:buAutoNum type="arabicPeriod"/>
+            </a:pPr>
+            <a:r>
+              <a:rPr lang="en-US" dirty="0"/>
+              <a:t>Ensures all members that this project takes inclusion seriously</a:t>
+            </a:r>
+          </a:p>
+          <a:p>
+            <a:pPr marL="457200" indent="-457200">
+              <a:buFont typeface="+mj-lt"/>
+              <a:buAutoNum type="arabicPeriod"/>
+            </a:pPr>
+            <a:r>
+              <a:rPr lang="en-US" dirty="0"/>
+              <a:t>Ensures that everyone knows what the rules are</a:t>
+            </a:r>
+          </a:p>
+          <a:p>
+            <a:pPr marL="457200" indent="-457200">
+              <a:buFont typeface="+mj-lt"/>
+              <a:buAutoNum type="arabicPeriod"/>
+            </a:pPr>
+            <a:r>
+              <a:rPr lang="en-US" dirty="0"/>
+              <a:t>Prevents anyone who misbehaves from pretending that they didn’t know what the did was unacceptable</a:t>
+            </a:r>
+          </a:p>
+          <a:p>
+            <a:pPr marL="0" indent="0">
+              <a:buNone/>
+            </a:pPr>
+            <a:r>
+              <a:rPr lang="en-US" dirty="0"/>
+              <a:t>Often listed in a file named </a:t>
+            </a:r>
+            <a:r>
+              <a:rPr lang="en-US" dirty="0">
+                <a:latin typeface="Cascadia Code" panose="020B0609020000020004" pitchFamily="49" charset="0"/>
+                <a:ea typeface="Cascadia Code" panose="020B0609020000020004" pitchFamily="49" charset="0"/>
+                <a:cs typeface="Cascadia Code" panose="020B0609020000020004" pitchFamily="49" charset="0"/>
+              </a:rPr>
+              <a:t>CONDUCT.md</a:t>
+            </a:r>
+            <a:r>
+              <a:rPr lang="en-US" dirty="0"/>
+              <a:t> in project directory.</a:t>
+            </a:r>
+          </a:p>
+          <a:p>
+            <a:pPr marL="0" indent="0">
+              <a:buNone/>
+            </a:pPr>
+            <a:r>
+              <a:rPr lang="en-US" b="1" dirty="0"/>
+              <a:t>Example</a:t>
+            </a:r>
+            <a:r>
+              <a:rPr lang="en-US" dirty="0"/>
+              <a:t>: https://www.contributor-covenant.org/</a:t>
+            </a:r>
+          </a:p>
+        </p:txBody>
+      </p:sp>
+      <p:sp>
+        <p:nvSpPr>
+          <p:cNvPr id="4" name="Slide Number Placeholder 3">
+            <a:extLst>
+              <a:ext uri="{FF2B5EF4-FFF2-40B4-BE49-F238E27FC236}">
+                <a16:creationId xmlns:a16="http://schemas.microsoft.com/office/drawing/2014/main" id="{CC2912B3-9298-1C2B-1B03-0686538C6CF1}"/>
+              </a:ext>
+            </a:extLst>
+          </p:cNvPr>
+          <p:cNvSpPr>
+            <a:spLocks noGrp="1"/>
+          </p:cNvSpPr>
+          <p:nvPr>
+            <p:ph type="sldNum" sz="quarter" idx="12"/>
+          </p:nvPr>
+        </p:nvSpPr>
+        <p:spPr/>
+        <p:txBody>
+          <a:bodyPr/>
+          <a:lstStyle/>
+          <a:p>
+            <a:fld id="{4F883B06-9FA1-44A8-8ACD-51391BD89E0C}" type="slidenum">
+              <a:rPr lang="en-CA" smtClean="0"/>
+              <a:t>31</a:t>
+            </a:fld>
+            <a:endParaRPr lang="en-CA"/>
+          </a:p>
+        </p:txBody>
+      </p:sp>
+      <p:sp>
+        <p:nvSpPr>
+          <p:cNvPr id="5" name="Text Placeholder 4">
+            <a:extLst>
+              <a:ext uri="{FF2B5EF4-FFF2-40B4-BE49-F238E27FC236}">
+                <a16:creationId xmlns:a16="http://schemas.microsoft.com/office/drawing/2014/main" id="{081B4B92-219A-7D4A-C0EA-5FAC8FDF93CF}"/>
+              </a:ext>
+            </a:extLst>
+          </p:cNvPr>
+          <p:cNvSpPr>
+            <a:spLocks noGrp="1"/>
+          </p:cNvSpPr>
+          <p:nvPr>
+            <p:ph type="body" sz="quarter" idx="13"/>
+          </p:nvPr>
+        </p:nvSpPr>
+        <p:spPr/>
+        <p:txBody>
+          <a:bodyPr/>
+          <a:lstStyle/>
+          <a:p>
+            <a:r>
+              <a:rPr lang="en-CA" dirty="0"/>
+              <a:t>Project governance</a:t>
+            </a:r>
+          </a:p>
+        </p:txBody>
+      </p:sp>
+    </p:spTree>
+    <p:extLst>
+      <p:ext uri="{BB962C8B-B14F-4D97-AF65-F5344CB8AC3E}">
+        <p14:creationId xmlns:p14="http://schemas.microsoft.com/office/powerpoint/2010/main" val="3413334264"/>
+      </p:ext>
+    </p:extLst>
+  </p:cSld>
+  <p:clrMapOvr>
+    <a:masterClrMapping/>
+  </p:clrMapOvr>
+</p:sld>
+</file>
+
 <file path=ppt/slides/slide32.xml><?xml version="1.0" encoding="utf-8"?>
 <p:sld xmlns:a="http://schemas.openxmlformats.org/drawingml/2006/main" xmlns:r="http://schemas.openxmlformats.org/officeDocument/2006/relationships" xmlns:p="http://schemas.openxmlformats.org/presentationml/2006/main">
   <p:cSld>
@@ -11774,7 +11683,7 @@
           <p:cNvPr id="2" name="Title 1">
             <a:extLst>
               <a:ext uri="{FF2B5EF4-FFF2-40B4-BE49-F238E27FC236}">
-                <a16:creationId xmlns:a16="http://schemas.microsoft.com/office/drawing/2014/main" id="{762DE063-1048-B81E-2FFB-BA33F35DD705}"/>
+                <a16:creationId xmlns:a16="http://schemas.microsoft.com/office/drawing/2014/main" id="{3C451078-9519-321F-EF78-ADF0789CC446}"/>
               </a:ext>
             </a:extLst>
           </p:cNvPr>
@@ -11792,7 +11701,7 @@
           <a:p>
             <a:r>
               <a:rPr lang="en-CA" dirty="0"/>
-              <a:t>The Code of Conduct</a:t>
+              <a:t>Decision making </a:t>
             </a:r>
           </a:p>
         </p:txBody>
@@ -11802,7 +11711,7 @@
           <p:cNvPr id="3" name="Content Placeholder 2">
             <a:extLst>
               <a:ext uri="{FF2B5EF4-FFF2-40B4-BE49-F238E27FC236}">
-                <a16:creationId xmlns:a16="http://schemas.microsoft.com/office/drawing/2014/main" id="{FAEF3FC8-09BC-0219-70CB-B4ACA1DC2C4A}"/>
+                <a16:creationId xmlns:a16="http://schemas.microsoft.com/office/drawing/2014/main" id="{B0B09D09-DD00-603E-6275-0C6719CEDCCB}"/>
               </a:ext>
             </a:extLst>
           </p:cNvPr>
@@ -11818,78 +11727,39 @@
           <a:bodyPr/>
           <a:lstStyle/>
           <a:p>
-            <a:pPr marL="457200" indent="-457200">
-              <a:buFont typeface="+mj-lt"/>
-              <a:buAutoNum type="arabicPeriod"/>
-            </a:pPr>
             <a:r>
               <a:rPr lang="en-US" dirty="0"/>
-              <a:t>Promotes fairness within a group</a:t>
-            </a:r>
-          </a:p>
-          <a:p>
-            <a:pPr marL="457200" indent="-457200">
-              <a:buFont typeface="+mj-lt"/>
-              <a:buAutoNum type="arabicPeriod"/>
-            </a:pPr>
-            <a:r>
+              <a:t>Every team has a power structure: </a:t>
+            </a:r>
+            <a:br>
               <a:rPr lang="en-US" dirty="0"/>
-              <a:t>Ensures all members that this project takes inclusion seriously</a:t>
-            </a:r>
-          </a:p>
-          <a:p>
-            <a:pPr marL="457200" indent="-457200">
-              <a:buFont typeface="+mj-lt"/>
-              <a:buAutoNum type="arabicPeriod"/>
-            </a:pPr>
+            </a:br>
             <a:r>
               <a:rPr lang="en-US" dirty="0"/>
-              <a:t>Ensures that everyone knows what the rules are</a:t>
-            </a:r>
-          </a:p>
-          <a:p>
-            <a:pPr marL="457200" indent="-457200">
-              <a:buFont typeface="+mj-lt"/>
-              <a:buAutoNum type="arabicPeriod"/>
-            </a:pPr>
+              <a:t>formal (accountable) or informal (unaccountable).</a:t>
+            </a:r>
+          </a:p>
+          <a:p>
             <a:r>
               <a:rPr lang="en-US" dirty="0"/>
-              <a:t>Prevents anyone who misbehaves from pretending that they didn’t know what the did was unacceptable</a:t>
+              <a:t>Importance of explicit governance in groups larger than six people.</a:t>
+            </a:r>
+          </a:p>
+          <a:p>
+            <a:r>
+              <a:rPr lang="en-US" b="1" dirty="0"/>
+              <a:t>Objective</a:t>
+            </a:r>
+            <a:r>
+              <a:rPr lang="en-US" dirty="0"/>
+              <a:t>: Establish who makes decisions and how to reach consensus.</a:t>
             </a:r>
           </a:p>
           <a:p>
             <a:pPr marL="0" indent="0">
               <a:buNone/>
             </a:pPr>
-            <a:r>
-              <a:rPr lang="en-US" dirty="0"/>
-              <a:t>Often listed in a file named </a:t>
-            </a:r>
-            <a:r>
-              <a:rPr lang="en-US" dirty="0">
-                <a:latin typeface="Cascadia Code" panose="020B0609020000020004" pitchFamily="49" charset="0"/>
-                <a:ea typeface="Cascadia Code" panose="020B0609020000020004" pitchFamily="49" charset="0"/>
-                <a:cs typeface="Cascadia Code" panose="020B0609020000020004" pitchFamily="49" charset="0"/>
-              </a:rPr>
-              <a:t>CONDUCT.md</a:t>
-            </a:r>
-            <a:r>
-              <a:rPr lang="en-US" dirty="0"/>
-              <a:t> in project directory.</a:t>
-            </a:r>
-          </a:p>
-          <a:p>
-            <a:pPr marL="0" indent="0">
-              <a:buNone/>
-            </a:pPr>
-            <a:r>
-              <a:rPr lang="en-US" b="1" dirty="0"/>
-              <a:t>Example</a:t>
-            </a:r>
-            <a:r>
-              <a:rPr lang="en-US" dirty="0"/>
-              <a:t>: https://www.contributor-covenant.org/</a:t>
-            </a:r>
+            <a:endParaRPr lang="en-CA" dirty="0"/>
           </a:p>
         </p:txBody>
       </p:sp>
@@ -11898,7 +11768,7 @@
           <p:cNvPr id="4" name="Slide Number Placeholder 3">
             <a:extLst>
               <a:ext uri="{FF2B5EF4-FFF2-40B4-BE49-F238E27FC236}">
-                <a16:creationId xmlns:a16="http://schemas.microsoft.com/office/drawing/2014/main" id="{CC2912B3-9298-1C2B-1B03-0686538C6CF1}"/>
+                <a16:creationId xmlns:a16="http://schemas.microsoft.com/office/drawing/2014/main" id="{DC0C645B-3F8A-014C-D5ED-BAB343BD0D2A}"/>
               </a:ext>
             </a:extLst>
           </p:cNvPr>
@@ -11927,7 +11797,7 @@
           <p:cNvPr id="5" name="Text Placeholder 4">
             <a:extLst>
               <a:ext uri="{FF2B5EF4-FFF2-40B4-BE49-F238E27FC236}">
-                <a16:creationId xmlns:a16="http://schemas.microsoft.com/office/drawing/2014/main" id="{081B4B92-219A-7D4A-C0EA-5FAC8FDF93CF}"/>
+                <a16:creationId xmlns:a16="http://schemas.microsoft.com/office/drawing/2014/main" id="{04DFFD2E-F628-22CF-AEFC-CD2091714DF1}"/>
               </a:ext>
             </a:extLst>
           </p:cNvPr>
@@ -11953,7 +11823,7 @@
     </p:spTree>
     <p:extLst>
       <p:ext uri="{BB962C8B-B14F-4D97-AF65-F5344CB8AC3E}">
-        <p14:creationId xmlns:p14="http://schemas.microsoft.com/office/powerpoint/2010/main" val="3413334264"/>
+        <p14:creationId xmlns:p14="http://schemas.microsoft.com/office/powerpoint/2010/main" val="2207720001"/>
       </p:ext>
     </p:extLst>
   </p:cSld>
@@ -12003,7 +11873,13 @@
           <a:p>
             <a:r>
               <a:rPr lang="en-CA" dirty="0"/>
-              <a:t>Decision making </a:t>
+              <a:t>Decision making: </a:t>
+            </a:r>
+            <a:r>
+              <a:rPr lang="en-CA" b="0" dirty="0">
+                <a:latin typeface="+mn-lt"/>
+              </a:rPr>
+              <a:t>Martha’s rules</a:t>
             </a:r>
           </a:p>
         </p:txBody>
@@ -12026,42 +11902,68 @@
         </p:nvSpPr>
         <p:spPr/>
         <p:txBody>
-          <a:bodyPr/>
+          <a:bodyPr>
+            <a:normAutofit fontScale="92500" lnSpcReduction="20000"/>
+          </a:bodyPr>
           <a:lstStyle/>
           <a:p>
             <a:r>
               <a:rPr lang="en-US" dirty="0"/>
-              <a:t>Every team has a power structure: </a:t>
-            </a:r>
-            <a:br>
+              <a:t>Anyone who wants to sponsor a proposal must file one at least 24 hours in advance. It must include:</a:t>
+            </a:r>
+          </a:p>
+          <a:p>
+            <a:pPr lvl="1"/>
+            <a:r>
               <a:rPr lang="en-US" dirty="0"/>
-            </a:br>
+              <a:t>a one-line summary</a:t>
+            </a:r>
+          </a:p>
+          <a:p>
+            <a:pPr lvl="1"/>
             <a:r>
               <a:rPr lang="en-US" dirty="0"/>
-              <a:t>formal (accountable) or informal (unaccountable).</a:t>
-            </a:r>
-          </a:p>
-          <a:p>
+              <a:t>the full text of the proposal</a:t>
+            </a:r>
+          </a:p>
+          <a:p>
+            <a:pPr lvl="1"/>
             <a:r>
               <a:rPr lang="en-US" dirty="0"/>
-              <a:t>Importance of explicit governance in groups larger than six people.</a:t>
-            </a:r>
-          </a:p>
-          <a:p>
-            <a:r>
-              <a:rPr lang="en-US" b="1" dirty="0"/>
-              <a:t>Objective</a:t>
-            </a:r>
+              <a:t>any required background information</a:t>
+            </a:r>
+          </a:p>
+          <a:p>
+            <a:pPr lvl="1"/>
             <a:r>
               <a:rPr lang="en-US" dirty="0"/>
-              <a:t>: Establish who makes decisions and how to reach consensus.</a:t>
-            </a:r>
-          </a:p>
-          <a:p>
-            <a:pPr marL="0" indent="0">
-              <a:buNone/>
-            </a:pPr>
-            <a:endParaRPr lang="en-CA" dirty="0"/>
+              <a:t>pros and cons</a:t>
+            </a:r>
+          </a:p>
+          <a:p>
+            <a:pPr lvl="1"/>
+            <a:r>
+              <a:rPr lang="en-US" dirty="0"/>
+              <a:t>possible alternatives</a:t>
+            </a:r>
+          </a:p>
+          <a:p>
+            <a:r>
+              <a:rPr lang="en-US" dirty="0"/>
+              <a:t>A quorum is established in a meeting if half or more of voting members are present</a:t>
+            </a:r>
+          </a:p>
+          <a:p>
+            <a:r>
+              <a:rPr lang="en-US" dirty="0"/>
+              <a:t>Once a person has sponsored a proposal, they are responsible. The group may not discuss it unless the sponsor is present</a:t>
+            </a:r>
+          </a:p>
+          <a:p>
+            <a:endParaRPr lang="en-US" dirty="0"/>
+          </a:p>
+          <a:p>
+            <a:endParaRPr lang="en-US" dirty="0"/>
           </a:p>
         </p:txBody>
       </p:sp>
@@ -12125,7 +12027,7 @@
     </p:spTree>
     <p:extLst>
       <p:ext uri="{BB962C8B-B14F-4D97-AF65-F5344CB8AC3E}">
-        <p14:creationId xmlns:p14="http://schemas.microsoft.com/office/powerpoint/2010/main" val="2207720001"/>
+        <p14:creationId xmlns:p14="http://schemas.microsoft.com/office/powerpoint/2010/main" val="1062113770"/>
       </p:ext>
     </p:extLst>
   </p:cSld>
@@ -12183,6 +12085,7 @@
               </a:rPr>
               <a:t>Martha’s rules</a:t>
             </a:r>
+            <a:endParaRPr lang="en-CA" dirty="0"/>
           </a:p>
         </p:txBody>
       </p:sp>
@@ -12205,67 +12108,74 @@
         <p:spPr/>
         <p:txBody>
           <a:bodyPr>
-            <a:normAutofit fontScale="92500" lnSpcReduction="20000"/>
+            <a:normAutofit fontScale="70000" lnSpcReduction="20000"/>
           </a:bodyPr>
           <a:lstStyle/>
           <a:p>
             <a:r>
               <a:rPr lang="en-US" dirty="0"/>
-              <a:t>Anyone who wants to sponsor a proposal must file one at least 24 hours in advance. It must include:</a:t>
+              <a:t>After the sponsor presents the proposal, cast a sense vote:</a:t>
             </a:r>
           </a:p>
           <a:p>
             <a:pPr lvl="1"/>
             <a:r>
               <a:rPr lang="en-US" dirty="0"/>
-              <a:t>a one-line summary</a:t>
+              <a:t>Who likes the proposal?</a:t>
             </a:r>
           </a:p>
           <a:p>
             <a:pPr lvl="1"/>
             <a:r>
               <a:rPr lang="en-US" dirty="0"/>
-              <a:t>the full text of the proposal</a:t>
+              <a:t>Who can live with it?</a:t>
             </a:r>
           </a:p>
           <a:p>
             <a:pPr lvl="1"/>
             <a:r>
               <a:rPr lang="en-US" dirty="0"/>
-              <a:t>any required background information</a:t>
+              <a:t>Who is uncomfortable with it?</a:t>
+            </a:r>
+          </a:p>
+          <a:p>
+            <a:r>
+              <a:rPr lang="en-US" dirty="0"/>
+              <a:t>If everyone likes or can live with it, it passes with no further discussion.</a:t>
+            </a:r>
+          </a:p>
+          <a:p>
+            <a:r>
+              <a:rPr lang="en-US" dirty="0"/>
+              <a:t>If most of the group is uncomfortable, it is sent back to the sponsor for further work. (The sponsor can decide to drop it)</a:t>
+            </a:r>
+          </a:p>
+          <a:p>
+            <a:r>
+              <a:rPr lang="en-US" dirty="0"/>
+              <a:t>If some members are uncomfortable, a time is set to discuss, moderated by the meeting moderator. </a:t>
             </a:r>
           </a:p>
           <a:p>
             <a:pPr lvl="1"/>
             <a:r>
               <a:rPr lang="en-US" dirty="0"/>
-              <a:t>pros and cons</a:t>
+              <a:t>After 10 minutes or so, the moderator calls a yes or no vote. </a:t>
             </a:r>
           </a:p>
           <a:p>
             <a:pPr lvl="1"/>
             <a:r>
               <a:rPr lang="en-US" dirty="0"/>
-              <a:t>possible alternatives</a:t>
-            </a:r>
-          </a:p>
-          <a:p>
+              <a:t>If the majority is yes, it passes. </a:t>
+            </a:r>
+          </a:p>
+          <a:p>
+            <a:pPr lvl="1"/>
             <a:r>
               <a:rPr lang="en-US" dirty="0"/>
-              <a:t>A quorum is established in a meeting if half or more of voting members are present</a:t>
-            </a:r>
-          </a:p>
-          <a:p>
-            <a:r>
-              <a:rPr lang="en-US" dirty="0"/>
-              <a:t>Once a person has sponsored a proposal, they are responsible. The group may not discuss it unless the sponsor is present</a:t>
-            </a:r>
-          </a:p>
-          <a:p>
-            <a:endParaRPr lang="en-US" dirty="0"/>
-          </a:p>
-          <a:p>
-            <a:endParaRPr lang="en-US" dirty="0"/>
+              <a:t>Otherwise, it is returned to sponsor for further work.</a:t>
+            </a:r>
           </a:p>
         </p:txBody>
       </p:sp>
@@ -12329,7 +12239,7 @@
     </p:spTree>
     <p:extLst>
       <p:ext uri="{BB962C8B-B14F-4D97-AF65-F5344CB8AC3E}">
-        <p14:creationId xmlns:p14="http://schemas.microsoft.com/office/powerpoint/2010/main" val="1062113770"/>
+        <p14:creationId xmlns:p14="http://schemas.microsoft.com/office/powerpoint/2010/main" val="287918166"/>
       </p:ext>
     </p:extLst>
   </p:cSld>
@@ -12361,7 +12271,7 @@
           <p:cNvPr id="2" name="Title 1">
             <a:extLst>
               <a:ext uri="{FF2B5EF4-FFF2-40B4-BE49-F238E27FC236}">
-                <a16:creationId xmlns:a16="http://schemas.microsoft.com/office/drawing/2014/main" id="{3C451078-9519-321F-EF78-ADF0789CC446}"/>
+                <a16:creationId xmlns:a16="http://schemas.microsoft.com/office/drawing/2014/main" id="{73E60F87-09AD-CB40-47A9-327DA7B47321}"/>
               </a:ext>
             </a:extLst>
           </p:cNvPr>
@@ -12379,13 +12289,131 @@
           <a:p>
             <a:r>
               <a:rPr lang="en-CA" dirty="0"/>
-              <a:t>Decision making: </a:t>
-            </a:r>
-            <a:r>
-              <a:rPr lang="en-CA" b="0" dirty="0">
-                <a:latin typeface="+mn-lt"/>
-              </a:rPr>
-              <a:t>Martha’s rules</a:t>
+              <a:t>Decision making: meeting tips</a:t>
+            </a:r>
+          </a:p>
+        </p:txBody>
+      </p:sp>
+      <p:sp>
+        <p:nvSpPr>
+          <p:cNvPr id="3" name="Content Placeholder 2">
+            <a:extLst>
+              <a:ext uri="{FF2B5EF4-FFF2-40B4-BE49-F238E27FC236}">
+                <a16:creationId xmlns:a16="http://schemas.microsoft.com/office/drawing/2014/main" id="{8966907B-39E3-4704-0C37-67E5E4B97BA1}"/>
+              </a:ext>
+            </a:extLst>
+          </p:cNvPr>
+          <p:cNvSpPr>
+            <a:spLocks noGrp="1"/>
+          </p:cNvSpPr>
+          <p:nvPr>
+            <p:ph idx="1"/>
+          </p:nvPr>
+        </p:nvSpPr>
+        <p:spPr/>
+        <p:txBody>
+          <a:bodyPr>
+            <a:normAutofit fontScale="62500" lnSpcReduction="20000"/>
+          </a:bodyPr>
+          <a:lstStyle/>
+          <a:p>
+            <a:pPr marL="457200" indent="-457200">
+              <a:buFont typeface="+mj-lt"/>
+              <a:buAutoNum type="arabicPeriod"/>
+            </a:pPr>
+            <a:r>
+              <a:rPr lang="en-US" dirty="0"/>
+              <a:t>Decide if there actually needs to be a meeting.</a:t>
+            </a:r>
+          </a:p>
+          <a:p>
+            <a:pPr marL="457200" indent="-457200">
+              <a:buFont typeface="+mj-lt"/>
+              <a:buAutoNum type="arabicPeriod"/>
+            </a:pPr>
+            <a:r>
+              <a:rPr lang="en-US" dirty="0"/>
+              <a:t>Write an agenda.</a:t>
+            </a:r>
+          </a:p>
+          <a:p>
+            <a:pPr marL="457200" indent="-457200">
+              <a:buFont typeface="+mj-lt"/>
+              <a:buAutoNum type="arabicPeriod"/>
+            </a:pPr>
+            <a:r>
+              <a:rPr lang="en-US" dirty="0"/>
+              <a:t>Include timings in the agenda.</a:t>
+            </a:r>
+          </a:p>
+          <a:p>
+            <a:pPr marL="457200" indent="-457200">
+              <a:buFont typeface="+mj-lt"/>
+              <a:buAutoNum type="arabicPeriod"/>
+            </a:pPr>
+            <a:r>
+              <a:rPr lang="en-US" dirty="0"/>
+              <a:t>Prioritize.</a:t>
+            </a:r>
+          </a:p>
+          <a:p>
+            <a:pPr marL="457200" indent="-457200">
+              <a:buFont typeface="+mj-lt"/>
+              <a:buAutoNum type="arabicPeriod"/>
+            </a:pPr>
+            <a:r>
+              <a:rPr lang="en-US" dirty="0"/>
+              <a:t>Make one person responsible for keeping things moving.</a:t>
+            </a:r>
+          </a:p>
+          <a:p>
+            <a:pPr marL="457200" indent="-457200">
+              <a:buFont typeface="+mj-lt"/>
+              <a:buAutoNum type="arabicPeriod"/>
+            </a:pPr>
+            <a:r>
+              <a:rPr lang="en-US" dirty="0"/>
+              <a:t>Require politeness.</a:t>
+            </a:r>
+          </a:p>
+          <a:p>
+            <a:pPr marL="457200" indent="-457200">
+              <a:buFont typeface="+mj-lt"/>
+              <a:buAutoNum type="arabicPeriod"/>
+            </a:pPr>
+            <a:r>
+              <a:rPr lang="en-US" dirty="0"/>
+              <a:t>No interruptions.</a:t>
+            </a:r>
+          </a:p>
+          <a:p>
+            <a:pPr marL="457200" indent="-457200">
+              <a:buFont typeface="+mj-lt"/>
+              <a:buAutoNum type="arabicPeriod"/>
+            </a:pPr>
+            <a:r>
+              <a:rPr lang="en-US" dirty="0"/>
+              <a:t>No distractions.</a:t>
+            </a:r>
+          </a:p>
+          <a:p>
+            <a:pPr marL="457200" indent="-457200">
+              <a:buFont typeface="+mj-lt"/>
+              <a:buAutoNum type="arabicPeriod"/>
+            </a:pPr>
+            <a:r>
+              <a:rPr lang="en-US" dirty="0"/>
+              <a:t>Take minutes.</a:t>
+            </a:r>
+          </a:p>
+          <a:p>
+            <a:pPr marL="457200" indent="-457200">
+              <a:buFont typeface="+mj-lt"/>
+              <a:buAutoNum type="arabicPeriod"/>
+            </a:pPr>
+            <a:r>
+              <a:rPr lang="en-US" dirty="0"/>
+              <a:t>End early.</a:t>
             </a:r>
             <a:endParaRPr lang="en-CA" dirty="0"/>
           </a:p>
@@ -12393,100 +12421,10 @@
       </p:sp>
       <p:sp>
         <p:nvSpPr>
-          <p:cNvPr id="3" name="Content Placeholder 2">
-            <a:extLst>
-              <a:ext uri="{FF2B5EF4-FFF2-40B4-BE49-F238E27FC236}">
-                <a16:creationId xmlns:a16="http://schemas.microsoft.com/office/drawing/2014/main" id="{B0B09D09-DD00-603E-6275-0C6719CEDCCB}"/>
-              </a:ext>
-            </a:extLst>
-          </p:cNvPr>
-          <p:cNvSpPr>
-            <a:spLocks noGrp="1"/>
-          </p:cNvSpPr>
-          <p:nvPr>
-            <p:ph idx="1"/>
-          </p:nvPr>
-        </p:nvSpPr>
-        <p:spPr/>
-        <p:txBody>
-          <a:bodyPr>
-            <a:normAutofit fontScale="70000" lnSpcReduction="20000"/>
-          </a:bodyPr>
-          <a:lstStyle/>
-          <a:p>
-            <a:r>
-              <a:rPr lang="en-US" dirty="0"/>
-              <a:t>After the sponsor presents the proposal, cast a sense vote:</a:t>
-            </a:r>
-          </a:p>
-          <a:p>
-            <a:pPr lvl="1"/>
-            <a:r>
-              <a:rPr lang="en-US" dirty="0"/>
-              <a:t>Who likes the proposal?</a:t>
-            </a:r>
-          </a:p>
-          <a:p>
-            <a:pPr lvl="1"/>
-            <a:r>
-              <a:rPr lang="en-US" dirty="0"/>
-              <a:t>Who can live with it?</a:t>
-            </a:r>
-          </a:p>
-          <a:p>
-            <a:pPr lvl="1"/>
-            <a:r>
-              <a:rPr lang="en-US" dirty="0"/>
-              <a:t>Who is uncomfortable with it?</a:t>
-            </a:r>
-          </a:p>
-          <a:p>
-            <a:r>
-              <a:rPr lang="en-US" dirty="0"/>
-              <a:t>If everyone likes or can live with it, it passes with no further discussion.</a:t>
-            </a:r>
-          </a:p>
-          <a:p>
-            <a:r>
-              <a:rPr lang="en-US" dirty="0"/>
-              <a:t>If most of the group is uncomfortable, it is sent back to the sponsor for further work. (The sponsor can decide to drop it)</a:t>
-            </a:r>
-          </a:p>
-          <a:p>
-            <a:r>
-              <a:rPr lang="en-US" dirty="0"/>
-              <a:t>If some members are uncomfortable, a time is set to discuss, moderated by the meeting moderator. </a:t>
-            </a:r>
-          </a:p>
-          <a:p>
-            <a:pPr lvl="1"/>
-            <a:r>
-              <a:rPr lang="en-US" dirty="0"/>
-              <a:t>After 10 minutes or so, the moderator calls a yes or no vote. </a:t>
-            </a:r>
-          </a:p>
-          <a:p>
-            <a:pPr lvl="1"/>
-            <a:r>
-              <a:rPr lang="en-US" dirty="0"/>
-              <a:t>If the majority is yes, it passes. </a:t>
-            </a:r>
-          </a:p>
-          <a:p>
-            <a:pPr lvl="1"/>
-            <a:r>
-              <a:rPr lang="en-US" dirty="0"/>
-              <a:t>Otherwise, it is returned to sponsor for further work.</a:t>
-            </a:r>
-          </a:p>
-        </p:txBody>
-      </p:sp>
-      <p:sp>
-        <p:nvSpPr>
           <p:cNvPr id="4" name="Slide Number Placeholder 3">
             <a:extLst>
               <a:ext uri="{FF2B5EF4-FFF2-40B4-BE49-F238E27FC236}">
-                <a16:creationId xmlns:a16="http://schemas.microsoft.com/office/drawing/2014/main" id="{DC0C645B-3F8A-014C-D5ED-BAB343BD0D2A}"/>
+                <a16:creationId xmlns:a16="http://schemas.microsoft.com/office/drawing/2014/main" id="{396E9449-AE4E-407B-36AA-0920C34C9421}"/>
               </a:ext>
             </a:extLst>
           </p:cNvPr>
@@ -12515,7 +12453,7 @@
           <p:cNvPr id="5" name="Text Placeholder 4">
             <a:extLst>
               <a:ext uri="{FF2B5EF4-FFF2-40B4-BE49-F238E27FC236}">
-                <a16:creationId xmlns:a16="http://schemas.microsoft.com/office/drawing/2014/main" id="{04DFFD2E-F628-22CF-AEFC-CD2091714DF1}"/>
+                <a16:creationId xmlns:a16="http://schemas.microsoft.com/office/drawing/2014/main" id="{4CF1E23F-6EDD-91A9-0B1B-9C45B3DF76A3}"/>
               </a:ext>
             </a:extLst>
           </p:cNvPr>
@@ -12541,7 +12479,7 @@
     </p:spTree>
     <p:extLst>
       <p:ext uri="{BB962C8B-B14F-4D97-AF65-F5344CB8AC3E}">
-        <p14:creationId xmlns:p14="http://schemas.microsoft.com/office/powerpoint/2010/main" val="287918166"/>
+        <p14:creationId xmlns:p14="http://schemas.microsoft.com/office/powerpoint/2010/main" val="3712943069"/>
       </p:ext>
     </p:extLst>
   </p:cSld>
@@ -12573,7 +12511,7 @@
           <p:cNvPr id="2" name="Title 1">
             <a:extLst>
               <a:ext uri="{FF2B5EF4-FFF2-40B4-BE49-F238E27FC236}">
-                <a16:creationId xmlns:a16="http://schemas.microsoft.com/office/drawing/2014/main" id="{73E60F87-09AD-CB40-47A9-327DA7B47321}"/>
+                <a16:creationId xmlns:a16="http://schemas.microsoft.com/office/drawing/2014/main" id="{7F13598B-D2D5-E018-C2BF-CB151DB2D8B2}"/>
               </a:ext>
             </a:extLst>
           </p:cNvPr>
@@ -12591,7 +12529,7 @@
           <a:p>
             <a:r>
               <a:rPr lang="en-CA" dirty="0"/>
-              <a:t>Decision making: meeting tips</a:t>
+              <a:t>Document everything!</a:t>
             </a:r>
           </a:p>
         </p:txBody>
@@ -12601,7 +12539,7 @@
           <p:cNvPr id="3" name="Content Placeholder 2">
             <a:extLst>
               <a:ext uri="{FF2B5EF4-FFF2-40B4-BE49-F238E27FC236}">
-                <a16:creationId xmlns:a16="http://schemas.microsoft.com/office/drawing/2014/main" id="{8966907B-39E3-4704-0C37-67E5E4B97BA1}"/>
+                <a16:creationId xmlns:a16="http://schemas.microsoft.com/office/drawing/2014/main" id="{83944FD6-2F0D-5D3A-3AC3-7E6EFB676620}"/>
               </a:ext>
             </a:extLst>
           </p:cNvPr>
@@ -12614,110 +12552,24 @@
         </p:nvSpPr>
         <p:spPr/>
         <p:txBody>
-          <a:bodyPr>
-            <a:normAutofit fontScale="62500" lnSpcReduction="20000"/>
-          </a:bodyPr>
-          <a:lstStyle/>
-          <a:p>
-            <a:pPr marL="457200" indent="-457200">
-              <a:buFont typeface="+mj-lt"/>
-              <a:buAutoNum type="arabicPeriod"/>
+          <a:bodyPr/>
+          <a:lstStyle/>
+          <a:p>
+            <a:pPr marL="0" indent="0">
+              <a:buNone/>
             </a:pPr>
             <a:r>
-              <a:rPr lang="en-US" dirty="0"/>
-              <a:t>Decide if there actually needs to be a meeting.</a:t>
-            </a:r>
-          </a:p>
-          <a:p>
-            <a:pPr marL="457200" indent="-457200">
-              <a:buFont typeface="+mj-lt"/>
-              <a:buAutoNum type="arabicPeriod"/>
-            </a:pPr>
-            <a:r>
-              <a:rPr lang="en-US" dirty="0"/>
-              <a:t>Write an agenda.</a:t>
-            </a:r>
-          </a:p>
-          <a:p>
-            <a:pPr marL="457200" indent="-457200">
-              <a:buFont typeface="+mj-lt"/>
-              <a:buAutoNum type="arabicPeriod"/>
-            </a:pPr>
-            <a:r>
-              <a:rPr lang="en-US" dirty="0"/>
-              <a:t>Include timings in the agenda.</a:t>
-            </a:r>
-          </a:p>
-          <a:p>
-            <a:pPr marL="457200" indent="-457200">
-              <a:buFont typeface="+mj-lt"/>
-              <a:buAutoNum type="arabicPeriod"/>
-            </a:pPr>
-            <a:r>
-              <a:rPr lang="en-US" dirty="0"/>
-              <a:t>Prioritize.</a:t>
-            </a:r>
-          </a:p>
-          <a:p>
-            <a:pPr marL="457200" indent="-457200">
-              <a:buFont typeface="+mj-lt"/>
-              <a:buAutoNum type="arabicPeriod"/>
-            </a:pPr>
-            <a:r>
-              <a:rPr lang="en-US" dirty="0"/>
-              <a:t>Make one person responsible for keeping things moving.</a:t>
-            </a:r>
-          </a:p>
-          <a:p>
-            <a:pPr marL="457200" indent="-457200">
-              <a:buFont typeface="+mj-lt"/>
-              <a:buAutoNum type="arabicPeriod"/>
-            </a:pPr>
-            <a:r>
-              <a:rPr lang="en-US" dirty="0"/>
-              <a:t>Require politeness.</a:t>
-            </a:r>
-          </a:p>
-          <a:p>
-            <a:pPr marL="457200" indent="-457200">
-              <a:buFont typeface="+mj-lt"/>
-              <a:buAutoNum type="arabicPeriod"/>
-            </a:pPr>
-            <a:r>
-              <a:rPr lang="en-US" dirty="0"/>
-              <a:t>No interruptions.</a:t>
-            </a:r>
-          </a:p>
-          <a:p>
-            <a:pPr marL="457200" indent="-457200">
-              <a:buFont typeface="+mj-lt"/>
-              <a:buAutoNum type="arabicPeriod"/>
-            </a:pPr>
-            <a:r>
-              <a:rPr lang="en-US" dirty="0"/>
-              <a:t>No distractions.</a:t>
-            </a:r>
-          </a:p>
-          <a:p>
-            <a:pPr marL="457200" indent="-457200">
-              <a:buFont typeface="+mj-lt"/>
-              <a:buAutoNum type="arabicPeriod"/>
-            </a:pPr>
-            <a:r>
-              <a:rPr lang="en-US" dirty="0"/>
-              <a:t>Take minutes.</a:t>
-            </a:r>
-          </a:p>
-          <a:p>
-            <a:pPr marL="457200" indent="-457200">
-              <a:buFont typeface="+mj-lt"/>
-              <a:buAutoNum type="arabicPeriod"/>
-            </a:pPr>
-            <a:r>
-              <a:rPr lang="en-US" dirty="0"/>
-              <a:t>End early.</a:t>
-            </a:r>
-            <a:endParaRPr lang="en-CA" dirty="0"/>
+              <a:rPr lang="en-CA" dirty="0"/>
+              <a:t>Make sure your project description, licenses, code of conduct, decision making structures, meeting details are </a:t>
+            </a:r>
+            <a:r>
+              <a:rPr lang="en-CA" b="1" dirty="0"/>
+              <a:t>discoverable</a:t>
+            </a:r>
+            <a:r>
+              <a:rPr lang="en-CA" dirty="0"/>
+              <a:t> for newcomers!</a:t>
+            </a:r>
           </a:p>
         </p:txBody>
       </p:sp>
@@ -12726,7 +12578,7 @@
           <p:cNvPr id="4" name="Slide Number Placeholder 3">
             <a:extLst>
               <a:ext uri="{FF2B5EF4-FFF2-40B4-BE49-F238E27FC236}">
-                <a16:creationId xmlns:a16="http://schemas.microsoft.com/office/drawing/2014/main" id="{396E9449-AE4E-407B-36AA-0920C34C9421}"/>
+                <a16:creationId xmlns:a16="http://schemas.microsoft.com/office/drawing/2014/main" id="{CABC0370-6627-A833-1FBF-81C4A9152B50}"/>
               </a:ext>
             </a:extLst>
           </p:cNvPr>
@@ -12745,160 +12597,6 @@
             <a:fld id="{4F883B06-9FA1-44A8-8ACD-51391BD89E0C}" type="slidenum">
               <a:rPr lang="en-CA" smtClean="0"/>
               <a:t>36</a:t>
-            </a:fld>
-            <a:endParaRPr lang="en-CA"/>
-          </a:p>
-        </p:txBody>
-      </p:sp>
-      <p:sp>
-        <p:nvSpPr>
-          <p:cNvPr id="5" name="Text Placeholder 4">
-            <a:extLst>
-              <a:ext uri="{FF2B5EF4-FFF2-40B4-BE49-F238E27FC236}">
-                <a16:creationId xmlns:a16="http://schemas.microsoft.com/office/drawing/2014/main" id="{4CF1E23F-6EDD-91A9-0B1B-9C45B3DF76A3}"/>
-              </a:ext>
-            </a:extLst>
-          </p:cNvPr>
-          <p:cNvSpPr>
-            <a:spLocks noGrp="1"/>
-          </p:cNvSpPr>
-          <p:nvPr>
-            <p:ph type="body" sz="quarter" idx="13"/>
-          </p:nvPr>
-        </p:nvSpPr>
-        <p:spPr/>
-        <p:txBody>
-          <a:bodyPr/>
-          <a:lstStyle/>
-          <a:p>
-            <a:r>
-              <a:rPr lang="en-CA" dirty="0"/>
-              <a:t>Project governance</a:t>
-            </a:r>
-          </a:p>
-        </p:txBody>
-      </p:sp>
-    </p:spTree>
-    <p:extLst>
-      <p:ext uri="{BB962C8B-B14F-4D97-AF65-F5344CB8AC3E}">
-        <p14:creationId xmlns:p14="http://schemas.microsoft.com/office/powerpoint/2010/main" val="3712943069"/>
-      </p:ext>
-    </p:extLst>
-  </p:cSld>
-  <p:clrMapOvr>
-    <a:masterClrMapping/>
-  </p:clrMapOvr>
-</p:sld>
-</file>
-
-<file path=ppt/slides/slide37.xml><?xml version="1.0" encoding="utf-8"?>
-<p:sld xmlns:a="http://schemas.openxmlformats.org/drawingml/2006/main" xmlns:r="http://schemas.openxmlformats.org/officeDocument/2006/relationships" xmlns:p="http://schemas.openxmlformats.org/presentationml/2006/main">
-  <p:cSld>
-    <p:spTree>
-      <p:nvGrpSpPr>
-        <p:cNvPr id="1" name=""/>
-        <p:cNvGrpSpPr/>
-        <p:nvPr/>
-      </p:nvGrpSpPr>
-      <p:grpSpPr>
-        <a:xfrm>
-          <a:off x="0" y="0"/>
-          <a:ext cx="0" cy="0"/>
-          <a:chOff x="0" y="0"/>
-          <a:chExt cx="0" cy="0"/>
-        </a:xfrm>
-      </p:grpSpPr>
-      <p:sp>
-        <p:nvSpPr>
-          <p:cNvPr id="2" name="Title 1">
-            <a:extLst>
-              <a:ext uri="{FF2B5EF4-FFF2-40B4-BE49-F238E27FC236}">
-                <a16:creationId xmlns:a16="http://schemas.microsoft.com/office/drawing/2014/main" id="{7F13598B-D2D5-E018-C2BF-CB151DB2D8B2}"/>
-              </a:ext>
-            </a:extLst>
-          </p:cNvPr>
-          <p:cNvSpPr>
-            <a:spLocks noGrp="1"/>
-          </p:cNvSpPr>
-          <p:nvPr>
-            <p:ph type="title"/>
-          </p:nvPr>
-        </p:nvSpPr>
-        <p:spPr/>
-        <p:txBody>
-          <a:bodyPr/>
-          <a:lstStyle/>
-          <a:p>
-            <a:r>
-              <a:rPr lang="en-CA" dirty="0"/>
-              <a:t>Document everything!</a:t>
-            </a:r>
-          </a:p>
-        </p:txBody>
-      </p:sp>
-      <p:sp>
-        <p:nvSpPr>
-          <p:cNvPr id="3" name="Content Placeholder 2">
-            <a:extLst>
-              <a:ext uri="{FF2B5EF4-FFF2-40B4-BE49-F238E27FC236}">
-                <a16:creationId xmlns:a16="http://schemas.microsoft.com/office/drawing/2014/main" id="{83944FD6-2F0D-5D3A-3AC3-7E6EFB676620}"/>
-              </a:ext>
-            </a:extLst>
-          </p:cNvPr>
-          <p:cNvSpPr>
-            <a:spLocks noGrp="1"/>
-          </p:cNvSpPr>
-          <p:nvPr>
-            <p:ph idx="1"/>
-          </p:nvPr>
-        </p:nvSpPr>
-        <p:spPr/>
-        <p:txBody>
-          <a:bodyPr/>
-          <a:lstStyle/>
-          <a:p>
-            <a:pPr marL="0" indent="0">
-              <a:buNone/>
-            </a:pPr>
-            <a:r>
-              <a:rPr lang="en-CA" dirty="0"/>
-              <a:t>Make sure your project description, licenses, code of conduct, decision making structures, meeting details are </a:t>
-            </a:r>
-            <a:r>
-              <a:rPr lang="en-CA" b="1" dirty="0"/>
-              <a:t>discoverable</a:t>
-            </a:r>
-            <a:r>
-              <a:rPr lang="en-CA" dirty="0"/>
-              <a:t> for newcomers!</a:t>
-            </a:r>
-          </a:p>
-        </p:txBody>
-      </p:sp>
-      <p:sp>
-        <p:nvSpPr>
-          <p:cNvPr id="4" name="Slide Number Placeholder 3">
-            <a:extLst>
-              <a:ext uri="{FF2B5EF4-FFF2-40B4-BE49-F238E27FC236}">
-                <a16:creationId xmlns:a16="http://schemas.microsoft.com/office/drawing/2014/main" id="{CABC0370-6627-A833-1FBF-81C4A9152B50}"/>
-              </a:ext>
-            </a:extLst>
-          </p:cNvPr>
-          <p:cNvSpPr>
-            <a:spLocks noGrp="1"/>
-          </p:cNvSpPr>
-          <p:nvPr>
-            <p:ph type="sldNum" sz="quarter" idx="12"/>
-          </p:nvPr>
-        </p:nvSpPr>
-        <p:spPr/>
-        <p:txBody>
-          <a:bodyPr/>
-          <a:lstStyle/>
-          <a:p>
-            <a:fld id="{4F883B06-9FA1-44A8-8ACD-51391BD89E0C}" type="slidenum">
-              <a:rPr lang="en-CA" smtClean="0"/>
-              <a:t>37</a:t>
             </a:fld>
             <a:endParaRPr lang="en-CA"/>
           </a:p>
@@ -12945,7 +12643,7 @@
 </p:sld>
 </file>
 
-<file path=ppt/slides/slide38.xml><?xml version="1.0" encoding="utf-8"?>
+<file path=ppt/slides/slide37.xml><?xml version="1.0" encoding="utf-8"?>
 <p:sld xmlns:a="http://schemas.openxmlformats.org/drawingml/2006/main" xmlns:r="http://schemas.openxmlformats.org/officeDocument/2006/relationships" xmlns:p="http://schemas.openxmlformats.org/presentationml/2006/main">
   <p:cSld>
     <p:spTree>
@@ -13030,7 +12728,7 @@
           <a:p>
             <a:fld id="{4F883B06-9FA1-44A8-8ACD-51391BD89E0C}" type="slidenum">
               <a:rPr lang="en-CA" smtClean="0"/>
-              <a:t>38</a:t>
+              <a:t>37</a:t>
             </a:fld>
             <a:endParaRPr lang="en-CA"/>
           </a:p>
@@ -13049,465 +12747,7 @@
 </p:sld>
 </file>
 
-<file path=ppt/slides/slide39.xml><?xml version="1.0" encoding="utf-8"?>
-<p:sld xmlns:a="http://schemas.openxmlformats.org/drawingml/2006/main" xmlns:r="http://schemas.openxmlformats.org/officeDocument/2006/relationships" xmlns:p="http://schemas.openxmlformats.org/presentationml/2006/main">
-  <p:cSld>
-    <p:spTree>
-      <p:nvGrpSpPr>
-        <p:cNvPr id="1" name=""/>
-        <p:cNvGrpSpPr/>
-        <p:nvPr/>
-      </p:nvGrpSpPr>
-      <p:grpSpPr>
-        <a:xfrm>
-          <a:off x="0" y="0"/>
-          <a:ext cx="0" cy="0"/>
-          <a:chOff x="0" y="0"/>
-          <a:chExt cx="0" cy="0"/>
-        </a:xfrm>
-      </p:grpSpPr>
-      <p:sp>
-        <p:nvSpPr>
-          <p:cNvPr id="4" name="Slide Number Placeholder 3">
-            <a:extLst>
-              <a:ext uri="{FF2B5EF4-FFF2-40B4-BE49-F238E27FC236}">
-                <a16:creationId xmlns:a16="http://schemas.microsoft.com/office/drawing/2014/main" id="{71D518A3-F353-1080-7557-1915EA890B0B}"/>
-              </a:ext>
-            </a:extLst>
-          </p:cNvPr>
-          <p:cNvSpPr>
-            <a:spLocks noGrp="1"/>
-          </p:cNvSpPr>
-          <p:nvPr>
-            <p:ph type="sldNum" sz="quarter" idx="12"/>
-          </p:nvPr>
-        </p:nvSpPr>
-        <p:spPr/>
-        <p:txBody>
-          <a:bodyPr/>
-          <a:lstStyle/>
-          <a:p>
-            <a:fld id="{4F883B06-9FA1-44A8-8ACD-51391BD89E0C}" type="slidenum">
-              <a:rPr lang="en-CA" smtClean="0"/>
-              <a:t>39</a:t>
-            </a:fld>
-            <a:endParaRPr lang="en-CA"/>
-          </a:p>
-        </p:txBody>
-      </p:sp>
-      <p:sp>
-        <p:nvSpPr>
-          <p:cNvPr id="6" name="Text Placeholder 5">
-            <a:extLst>
-              <a:ext uri="{FF2B5EF4-FFF2-40B4-BE49-F238E27FC236}">
-                <a16:creationId xmlns:a16="http://schemas.microsoft.com/office/drawing/2014/main" id="{9C07844A-948D-B95F-5AA6-8077039DA7AC}"/>
-              </a:ext>
-            </a:extLst>
-          </p:cNvPr>
-          <p:cNvSpPr>
-            <a:spLocks noGrp="1"/>
-          </p:cNvSpPr>
-          <p:nvPr>
-            <p:ph type="body" sz="quarter" idx="13"/>
-          </p:nvPr>
-        </p:nvSpPr>
-        <p:spPr>
-          <a:xfrm>
-            <a:off x="1410562" y="1230086"/>
-            <a:ext cx="8919981" cy="4397828"/>
-          </a:xfrm>
-        </p:spPr>
-        <p:txBody>
-          <a:bodyPr/>
-          <a:lstStyle/>
-          <a:p>
-            <a:pPr>
-              <a:lnSpc>
-                <a:spcPct val="125000"/>
-              </a:lnSpc>
-            </a:pPr>
-            <a:r>
-              <a:rPr lang="en-CA" dirty="0"/>
-              <a:t>How to write </a:t>
-            </a:r>
-            <a:r>
-              <a:rPr lang="en-CA" dirty="0">
-                <a:solidFill>
-                  <a:schemeClr val="accent1"/>
-                </a:solidFill>
-              </a:rPr>
-              <a:t>robust software</a:t>
-            </a:r>
-            <a:r>
-              <a:rPr lang="en-CA" dirty="0"/>
-              <a:t> in a </a:t>
-            </a:r>
-            <a:r>
-              <a:rPr lang="en-CA" dirty="0">
-                <a:solidFill>
-                  <a:schemeClr val="accent1"/>
-                </a:solidFill>
-              </a:rPr>
-              <a:t>team</a:t>
-            </a:r>
-            <a:r>
-              <a:rPr lang="en-CA" dirty="0"/>
-              <a:t> that we, our colleagues, and the public can </a:t>
-            </a:r>
-            <a:r>
-              <a:rPr lang="en-CA" dirty="0">
-                <a:solidFill>
-                  <a:schemeClr val="accent1"/>
-                </a:solidFill>
-              </a:rPr>
-              <a:t>trust</a:t>
-            </a:r>
-            <a:r>
-              <a:rPr lang="en-CA" dirty="0"/>
-              <a:t> and </a:t>
-            </a:r>
-            <a:r>
-              <a:rPr lang="en-CA" dirty="0">
-                <a:solidFill>
-                  <a:schemeClr val="accent1"/>
-                </a:solidFill>
-              </a:rPr>
-              <a:t>use with confidence</a:t>
-            </a:r>
-            <a:r>
-              <a:rPr lang="en-CA" dirty="0"/>
-              <a:t>.</a:t>
-            </a:r>
-          </a:p>
-        </p:txBody>
-      </p:sp>
-    </p:spTree>
-    <p:extLst>
-      <p:ext uri="{BB962C8B-B14F-4D97-AF65-F5344CB8AC3E}">
-        <p14:creationId xmlns:p14="http://schemas.microsoft.com/office/powerpoint/2010/main" val="3186682779"/>
-      </p:ext>
-    </p:extLst>
-  </p:cSld>
-  <p:clrMapOvr>
-    <a:masterClrMapping/>
-  </p:clrMapOvr>
-</p:sld>
-</file>
-
 <file path=ppt/slides/slide4.xml><?xml version="1.0" encoding="utf-8"?>
-<p:sld xmlns:a="http://schemas.openxmlformats.org/drawingml/2006/main" xmlns:r="http://schemas.openxmlformats.org/officeDocument/2006/relationships" xmlns:p="http://schemas.openxmlformats.org/presentationml/2006/main">
-  <p:cSld>
-    <p:spTree>
-      <p:nvGrpSpPr>
-        <p:cNvPr id="1" name=""/>
-        <p:cNvGrpSpPr/>
-        <p:nvPr/>
-      </p:nvGrpSpPr>
-      <p:grpSpPr>
-        <a:xfrm>
-          <a:off x="0" y="0"/>
-          <a:ext cx="0" cy="0"/>
-          <a:chOff x="0" y="0"/>
-          <a:chExt cx="0" cy="0"/>
-        </a:xfrm>
-      </p:grpSpPr>
-      <p:sp>
-        <p:nvSpPr>
-          <p:cNvPr id="2" name="Title 1">
-            <a:extLst>
-              <a:ext uri="{FF2B5EF4-FFF2-40B4-BE49-F238E27FC236}">
-                <a16:creationId xmlns:a16="http://schemas.microsoft.com/office/drawing/2014/main" id="{A269F49E-BBC4-C0B8-3538-7DDED9E1BC30}"/>
-              </a:ext>
-            </a:extLst>
-          </p:cNvPr>
-          <p:cNvSpPr>
-            <a:spLocks noGrp="1"/>
-          </p:cNvSpPr>
-          <p:nvPr>
-            <p:ph type="title"/>
-          </p:nvPr>
-        </p:nvSpPr>
-        <p:spPr/>
-        <p:txBody>
-          <a:bodyPr/>
-          <a:lstStyle/>
-          <a:p>
-            <a:r>
-              <a:rPr lang="en-CA" dirty="0"/>
-              <a:t>Today’s learning objectives</a:t>
-            </a:r>
-          </a:p>
-        </p:txBody>
-      </p:sp>
-      <p:sp>
-        <p:nvSpPr>
-          <p:cNvPr id="3" name="Content Placeholder 2">
-            <a:extLst>
-              <a:ext uri="{FF2B5EF4-FFF2-40B4-BE49-F238E27FC236}">
-                <a16:creationId xmlns:a16="http://schemas.microsoft.com/office/drawing/2014/main" id="{44E72118-D7E7-ECCB-019F-40952BB3132F}"/>
-              </a:ext>
-            </a:extLst>
-          </p:cNvPr>
-          <p:cNvSpPr>
-            <a:spLocks noGrp="1"/>
-          </p:cNvSpPr>
-          <p:nvPr>
-            <p:ph idx="1"/>
-          </p:nvPr>
-        </p:nvSpPr>
-        <p:spPr/>
-        <p:txBody>
-          <a:bodyPr/>
-          <a:lstStyle/>
-          <a:p>
-            <a:r>
-              <a:rPr lang="en-CA" dirty="0"/>
-              <a:t>I can track and manage software projects using GitHub</a:t>
-            </a:r>
-          </a:p>
-          <a:p>
-            <a:r>
-              <a:rPr lang="en-CA" dirty="0"/>
-              <a:t>I can ensure code is reviewed and tested using Pull Requests</a:t>
-            </a:r>
-          </a:p>
-          <a:p>
-            <a:r>
-              <a:rPr lang="en-CA" dirty="0"/>
-              <a:t>I know the principles of software project governance</a:t>
-            </a:r>
-          </a:p>
-        </p:txBody>
-      </p:sp>
-      <p:sp>
-        <p:nvSpPr>
-          <p:cNvPr id="4" name="Slide Number Placeholder 3">
-            <a:extLst>
-              <a:ext uri="{FF2B5EF4-FFF2-40B4-BE49-F238E27FC236}">
-                <a16:creationId xmlns:a16="http://schemas.microsoft.com/office/drawing/2014/main" id="{878074A5-C566-B182-00C8-79153535E843}"/>
-              </a:ext>
-            </a:extLst>
-          </p:cNvPr>
-          <p:cNvSpPr>
-            <a:spLocks noGrp="1"/>
-          </p:cNvSpPr>
-          <p:nvPr>
-            <p:ph type="sldNum" sz="quarter" idx="12"/>
-          </p:nvPr>
-        </p:nvSpPr>
-        <p:spPr/>
-        <p:txBody>
-          <a:bodyPr/>
-          <a:lstStyle/>
-          <a:p>
-            <a:fld id="{4F883B06-9FA1-44A8-8ACD-51391BD89E0C}" type="slidenum">
-              <a:rPr lang="en-CA" smtClean="0"/>
-              <a:t>4</a:t>
-            </a:fld>
-            <a:endParaRPr lang="en-CA"/>
-          </a:p>
-        </p:txBody>
-      </p:sp>
-      <p:sp>
-        <p:nvSpPr>
-          <p:cNvPr id="5" name="Text Placeholder 4">
-            <a:extLst>
-              <a:ext uri="{FF2B5EF4-FFF2-40B4-BE49-F238E27FC236}">
-                <a16:creationId xmlns:a16="http://schemas.microsoft.com/office/drawing/2014/main" id="{F87F20A1-CFA0-B2EF-9C8E-4A120EC0032D}"/>
-              </a:ext>
-            </a:extLst>
-          </p:cNvPr>
-          <p:cNvSpPr>
-            <a:spLocks noGrp="1"/>
-          </p:cNvSpPr>
-          <p:nvPr>
-            <p:ph type="body" sz="quarter" idx="13"/>
-          </p:nvPr>
-        </p:nvSpPr>
-        <p:spPr/>
-        <p:txBody>
-          <a:bodyPr/>
-          <a:lstStyle/>
-          <a:p>
-            <a:endParaRPr lang="en-CA"/>
-          </a:p>
-        </p:txBody>
-      </p:sp>
-    </p:spTree>
-    <p:extLst>
-      <p:ext uri="{BB962C8B-B14F-4D97-AF65-F5344CB8AC3E}">
-        <p14:creationId xmlns:p14="http://schemas.microsoft.com/office/powerpoint/2010/main" val="4239102096"/>
-      </p:ext>
-    </p:extLst>
-  </p:cSld>
-  <p:clrMapOvr>
-    <a:masterClrMapping/>
-  </p:clrMapOvr>
-</p:sld>
-</file>
-
-<file path=ppt/slides/slide40.xml><?xml version="1.0" encoding="utf-8"?>
-<p:sld xmlns:a="http://schemas.openxmlformats.org/drawingml/2006/main" xmlns:r="http://schemas.openxmlformats.org/officeDocument/2006/relationships" xmlns:p="http://schemas.openxmlformats.org/presentationml/2006/main">
-  <p:cSld>
-    <p:spTree>
-      <p:nvGrpSpPr>
-        <p:cNvPr id="1" name=""/>
-        <p:cNvGrpSpPr/>
-        <p:nvPr/>
-      </p:nvGrpSpPr>
-      <p:grpSpPr>
-        <a:xfrm>
-          <a:off x="0" y="0"/>
-          <a:ext cx="0" cy="0"/>
-          <a:chOff x="0" y="0"/>
-          <a:chExt cx="0" cy="0"/>
-        </a:xfrm>
-      </p:grpSpPr>
-      <p:sp>
-        <p:nvSpPr>
-          <p:cNvPr id="4" name="Title 3">
-            <a:extLst>
-              <a:ext uri="{FF2B5EF4-FFF2-40B4-BE49-F238E27FC236}">
-                <a16:creationId xmlns:a16="http://schemas.microsoft.com/office/drawing/2014/main" id="{4F91DEC7-6289-E6F5-6B2C-D95DC24F0CF3}"/>
-              </a:ext>
-            </a:extLst>
-          </p:cNvPr>
-          <p:cNvSpPr>
-            <a:spLocks noGrp="1"/>
-          </p:cNvSpPr>
-          <p:nvPr>
-            <p:ph type="title"/>
-          </p:nvPr>
-        </p:nvSpPr>
-        <p:spPr/>
-        <p:txBody>
-          <a:bodyPr/>
-          <a:lstStyle/>
-          <a:p>
-            <a:r>
-              <a:rPr lang="en-CA" dirty="0"/>
-              <a:t>Git Assignment</a:t>
-            </a:r>
-          </a:p>
-        </p:txBody>
-      </p:sp>
-      <p:sp>
-        <p:nvSpPr>
-          <p:cNvPr id="5" name="Content Placeholder 4">
-            <a:extLst>
-              <a:ext uri="{FF2B5EF4-FFF2-40B4-BE49-F238E27FC236}">
-                <a16:creationId xmlns:a16="http://schemas.microsoft.com/office/drawing/2014/main" id="{144525E1-0370-CAD4-C4C7-2771A1356921}"/>
-              </a:ext>
-            </a:extLst>
-          </p:cNvPr>
-          <p:cNvSpPr>
-            <a:spLocks noGrp="1"/>
-          </p:cNvSpPr>
-          <p:nvPr>
-            <p:ph idx="1"/>
-          </p:nvPr>
-        </p:nvSpPr>
-        <p:spPr/>
-        <p:txBody>
-          <a:bodyPr/>
-          <a:lstStyle/>
-          <a:p>
-            <a:r>
-              <a:rPr lang="en-CA" b="1" dirty="0"/>
-              <a:t>Due Monday Feb 12 at 6:00 pm</a:t>
-            </a:r>
-          </a:p>
-          <a:p>
-            <a:r>
-              <a:rPr lang="en-CA" dirty="0"/>
-              <a:t>This assignment is graded with pass/fail</a:t>
-            </a:r>
-          </a:p>
-          <a:p>
-            <a:r>
-              <a:rPr lang="en-CA" dirty="0"/>
-              <a:t>Feel free to work in groups and discuss, but the work you submit must be your own.</a:t>
-            </a:r>
-          </a:p>
-          <a:p>
-            <a:endParaRPr lang="en-CA" dirty="0"/>
-          </a:p>
-          <a:p>
-            <a:r>
-              <a:rPr lang="en-CA" dirty="0"/>
-              <a:t>Upload to GitHub, then submit on Google Drive as a document</a:t>
-            </a:r>
-          </a:p>
-        </p:txBody>
-      </p:sp>
-      <p:sp>
-        <p:nvSpPr>
-          <p:cNvPr id="2" name="Slide Number Placeholder 1">
-            <a:extLst>
-              <a:ext uri="{FF2B5EF4-FFF2-40B4-BE49-F238E27FC236}">
-                <a16:creationId xmlns:a16="http://schemas.microsoft.com/office/drawing/2014/main" id="{4D192E55-1440-4B5F-BE9B-0FE3CCC0B2DB}"/>
-              </a:ext>
-            </a:extLst>
-          </p:cNvPr>
-          <p:cNvSpPr>
-            <a:spLocks noGrp="1"/>
-          </p:cNvSpPr>
-          <p:nvPr>
-            <p:ph type="sldNum" sz="quarter" idx="12"/>
-          </p:nvPr>
-        </p:nvSpPr>
-        <p:spPr/>
-        <p:txBody>
-          <a:bodyPr/>
-          <a:lstStyle/>
-          <a:p>
-            <a:fld id="{4D042A53-EC6C-4ABE-8EF8-06E66F9ABFC9}" type="slidenum">
-              <a:rPr lang="en-CA" smtClean="0"/>
-              <a:t>40</a:t>
-            </a:fld>
-            <a:endParaRPr lang="en-CA"/>
-          </a:p>
-        </p:txBody>
-      </p:sp>
-      <p:sp>
-        <p:nvSpPr>
-          <p:cNvPr id="6" name="Text Placeholder 5">
-            <a:extLst>
-              <a:ext uri="{FF2B5EF4-FFF2-40B4-BE49-F238E27FC236}">
-                <a16:creationId xmlns:a16="http://schemas.microsoft.com/office/drawing/2014/main" id="{B6314517-6238-5C71-5427-EDDC016D16D0}"/>
-              </a:ext>
-            </a:extLst>
-          </p:cNvPr>
-          <p:cNvSpPr>
-            <a:spLocks noGrp="1"/>
-          </p:cNvSpPr>
-          <p:nvPr>
-            <p:ph type="body" sz="quarter" idx="13"/>
-          </p:nvPr>
-        </p:nvSpPr>
-        <p:spPr/>
-        <p:txBody>
-          <a:bodyPr/>
-          <a:lstStyle/>
-          <a:p>
-            <a:endParaRPr lang="en-CA"/>
-          </a:p>
-        </p:txBody>
-      </p:sp>
-    </p:spTree>
-    <p:extLst>
-      <p:ext uri="{BB962C8B-B14F-4D97-AF65-F5344CB8AC3E}">
-        <p14:creationId xmlns:p14="http://schemas.microsoft.com/office/powerpoint/2010/main" val="1737000283"/>
-      </p:ext>
-    </p:extLst>
-  </p:cSld>
-  <p:clrMapOvr>
-    <a:masterClrMapping/>
-  </p:clrMapOvr>
-</p:sld>
-</file>
-
-<file path=ppt/slides/slide5.xml><?xml version="1.0" encoding="utf-8"?>
 <p:sld xmlns:a="http://schemas.openxmlformats.org/drawingml/2006/main" xmlns:r="http://schemas.openxmlformats.org/officeDocument/2006/relationships" xmlns:p="http://schemas.openxmlformats.org/presentationml/2006/main" showMasterPhAnim="0">
   <p:cSld>
     <p:spTree>
@@ -13711,7 +12951,7 @@
           <a:p>
             <a:fld id="{4F883B06-9FA1-44A8-8ACD-51391BD89E0C}" type="slidenum">
               <a:rPr lang="en-CA" smtClean="0"/>
-              <a:t>5</a:t>
+              <a:t>4</a:t>
             </a:fld>
             <a:endParaRPr lang="en-CA"/>
           </a:p>
@@ -14315,6 +13555,177 @@
 </p:sld>
 </file>
 
+<file path=ppt/slides/slide5.xml><?xml version="1.0" encoding="utf-8"?>
+<p:sld xmlns:a="http://schemas.openxmlformats.org/drawingml/2006/main" xmlns:r="http://schemas.openxmlformats.org/officeDocument/2006/relationships" xmlns:p="http://schemas.openxmlformats.org/presentationml/2006/main">
+  <p:cSld>
+    <p:spTree>
+      <p:nvGrpSpPr>
+        <p:cNvPr id="1" name=""/>
+        <p:cNvGrpSpPr/>
+        <p:nvPr/>
+      </p:nvGrpSpPr>
+      <p:grpSpPr>
+        <a:xfrm>
+          <a:off x="0" y="0"/>
+          <a:ext cx="0" cy="0"/>
+          <a:chOff x="0" y="0"/>
+          <a:chExt cx="0" cy="0"/>
+        </a:xfrm>
+      </p:grpSpPr>
+      <p:sp>
+        <p:nvSpPr>
+          <p:cNvPr id="2" name="Title 1">
+            <a:extLst>
+              <a:ext uri="{FF2B5EF4-FFF2-40B4-BE49-F238E27FC236}">
+                <a16:creationId xmlns:a16="http://schemas.microsoft.com/office/drawing/2014/main" id="{5553B480-87D0-8089-2DAB-F13F3974A235}"/>
+              </a:ext>
+            </a:extLst>
+          </p:cNvPr>
+          <p:cNvSpPr>
+            <a:spLocks noGrp="1"/>
+          </p:cNvSpPr>
+          <p:nvPr>
+            <p:ph type="title"/>
+          </p:nvPr>
+        </p:nvSpPr>
+        <p:spPr/>
+        <p:txBody>
+          <a:bodyPr/>
+          <a:lstStyle/>
+          <a:p>
+            <a:r>
+              <a:rPr lang="en-CA" dirty="0"/>
+              <a:t>Why Git?</a:t>
+            </a:r>
+          </a:p>
+        </p:txBody>
+      </p:sp>
+      <p:sp>
+        <p:nvSpPr>
+          <p:cNvPr id="3" name="Content Placeholder 2">
+            <a:extLst>
+              <a:ext uri="{FF2B5EF4-FFF2-40B4-BE49-F238E27FC236}">
+                <a16:creationId xmlns:a16="http://schemas.microsoft.com/office/drawing/2014/main" id="{21F68AA1-06EE-1E72-0A33-7E5753E3F0FB}"/>
+              </a:ext>
+            </a:extLst>
+          </p:cNvPr>
+          <p:cNvSpPr>
+            <a:spLocks noGrp="1"/>
+          </p:cNvSpPr>
+          <p:nvPr>
+            <p:ph idx="1"/>
+          </p:nvPr>
+        </p:nvSpPr>
+        <p:spPr/>
+        <p:txBody>
+          <a:bodyPr/>
+          <a:lstStyle/>
+          <a:p>
+            <a:pPr marL="0" indent="0">
+              <a:buNone/>
+            </a:pPr>
+            <a:r>
+              <a:rPr lang="en-CA" b="1" dirty="0"/>
+              <a:t>Scenario</a:t>
+            </a:r>
+            <a:r>
+              <a:rPr lang="en-CA" dirty="0"/>
+              <a:t>: Alex is a developer for a business-intelligence dashboard project.</a:t>
+            </a:r>
+          </a:p>
+          <a:p>
+            <a:r>
+              <a:rPr lang="en-CA" dirty="0"/>
+              <a:t>Alex’s current big project is upgrading a financials chart on the dashboard home page</a:t>
+            </a:r>
+          </a:p>
+          <a:p>
+            <a:r>
+              <a:rPr lang="en-CA" dirty="0"/>
+              <a:t>Halfway through, Alex’s colleague Jordan publishes a bug-fix on one of the analysis functions Sam uses for his chart</a:t>
+            </a:r>
+          </a:p>
+          <a:p>
+            <a:r>
+              <a:rPr lang="en-CA" dirty="0"/>
+              <a:t>Alex needs to integrate the updated analysis function into his work before shipping his upgraded chart to ensure it is correct.</a:t>
+            </a:r>
+          </a:p>
+          <a:p>
+            <a:endParaRPr lang="en-CA" dirty="0"/>
+          </a:p>
+        </p:txBody>
+      </p:sp>
+      <p:sp>
+        <p:nvSpPr>
+          <p:cNvPr id="4" name="Slide Number Placeholder 3">
+            <a:extLst>
+              <a:ext uri="{FF2B5EF4-FFF2-40B4-BE49-F238E27FC236}">
+                <a16:creationId xmlns:a16="http://schemas.microsoft.com/office/drawing/2014/main" id="{6BC51B96-27FC-7DFB-619C-AB7F7794D0DA}"/>
+              </a:ext>
+            </a:extLst>
+          </p:cNvPr>
+          <p:cNvSpPr>
+            <a:spLocks noGrp="1"/>
+          </p:cNvSpPr>
+          <p:nvPr>
+            <p:ph type="sldNum" sz="quarter" idx="12"/>
+          </p:nvPr>
+        </p:nvSpPr>
+        <p:spPr/>
+        <p:txBody>
+          <a:bodyPr/>
+          <a:lstStyle/>
+          <a:p>
+            <a:fld id="{4F883B06-9FA1-44A8-8ACD-51391BD89E0C}" type="slidenum">
+              <a:rPr lang="en-CA" smtClean="0"/>
+              <a:t>5</a:t>
+            </a:fld>
+            <a:endParaRPr lang="en-CA"/>
+          </a:p>
+        </p:txBody>
+      </p:sp>
+      <p:sp>
+        <p:nvSpPr>
+          <p:cNvPr id="5" name="Text Placeholder 4">
+            <a:extLst>
+              <a:ext uri="{FF2B5EF4-FFF2-40B4-BE49-F238E27FC236}">
+                <a16:creationId xmlns:a16="http://schemas.microsoft.com/office/drawing/2014/main" id="{81EAD386-FC17-4D54-5209-EB64D22D20F0}"/>
+              </a:ext>
+            </a:extLst>
+          </p:cNvPr>
+          <p:cNvSpPr>
+            <a:spLocks noGrp="1"/>
+          </p:cNvSpPr>
+          <p:nvPr>
+            <p:ph type="body" sz="quarter" idx="13"/>
+          </p:nvPr>
+        </p:nvSpPr>
+        <p:spPr/>
+        <p:txBody>
+          <a:bodyPr/>
+          <a:lstStyle/>
+          <a:p>
+            <a:r>
+              <a:rPr lang="en-CA" dirty="0"/>
+              <a:t>Review</a:t>
+            </a:r>
+          </a:p>
+        </p:txBody>
+      </p:sp>
+    </p:spTree>
+    <p:extLst>
+      <p:ext uri="{BB962C8B-B14F-4D97-AF65-F5344CB8AC3E}">
+        <p14:creationId xmlns:p14="http://schemas.microsoft.com/office/powerpoint/2010/main" val="204157555"/>
+      </p:ext>
+    </p:extLst>
+  </p:cSld>
+  <p:clrMapOvr>
+    <a:masterClrMapping/>
+  </p:clrMapOvr>
+</p:sld>
+</file>
+
 <file path=ppt/slides/slide6.xml><?xml version="1.0" encoding="utf-8"?>
 <p:sld xmlns:a="http://schemas.openxmlformats.org/drawingml/2006/main" xmlns:r="http://schemas.openxmlformats.org/officeDocument/2006/relationships" xmlns:p="http://schemas.openxmlformats.org/presentationml/2006/main">
   <p:cSld>
@@ -14337,7 +13748,7 @@
           <p:cNvPr id="2" name="Title 1">
             <a:extLst>
               <a:ext uri="{FF2B5EF4-FFF2-40B4-BE49-F238E27FC236}">
-                <a16:creationId xmlns:a16="http://schemas.microsoft.com/office/drawing/2014/main" id="{5553B480-87D0-8089-2DAB-F13F3974A235}"/>
+                <a16:creationId xmlns:a16="http://schemas.microsoft.com/office/drawing/2014/main" id="{5AA9DD66-7E2D-7952-DB52-05C0028CBC01}"/>
               </a:ext>
             </a:extLst>
           </p:cNvPr>
@@ -14355,64 +13766,8 @@
           <a:p>
             <a:r>
               <a:rPr lang="en-CA" dirty="0"/>
-              <a:t>Why Git?</a:t>
-            </a:r>
-          </a:p>
-        </p:txBody>
-      </p:sp>
-      <p:sp>
-        <p:nvSpPr>
-          <p:cNvPr id="3" name="Content Placeholder 2">
-            <a:extLst>
-              <a:ext uri="{FF2B5EF4-FFF2-40B4-BE49-F238E27FC236}">
-                <a16:creationId xmlns:a16="http://schemas.microsoft.com/office/drawing/2014/main" id="{21F68AA1-06EE-1E72-0A33-7E5753E3F0FB}"/>
-              </a:ext>
-            </a:extLst>
-          </p:cNvPr>
-          <p:cNvSpPr>
-            <a:spLocks noGrp="1"/>
-          </p:cNvSpPr>
-          <p:nvPr>
-            <p:ph idx="1"/>
-          </p:nvPr>
-        </p:nvSpPr>
-        <p:spPr/>
-        <p:txBody>
-          <a:bodyPr/>
-          <a:lstStyle/>
-          <a:p>
-            <a:pPr marL="0" indent="0">
-              <a:buNone/>
-            </a:pPr>
-            <a:r>
-              <a:rPr lang="en-CA" b="1" dirty="0"/>
-              <a:t>Scenario</a:t>
-            </a:r>
-            <a:r>
-              <a:rPr lang="en-CA" dirty="0"/>
-              <a:t>: Alex is a developer for a business-intelligence dashboard project.</a:t>
-            </a:r>
-          </a:p>
-          <a:p>
-            <a:r>
-              <a:rPr lang="en-CA" dirty="0"/>
-              <a:t>Alex’s current big project is upgrading a financials chart on the dashboard home page</a:t>
-            </a:r>
-          </a:p>
-          <a:p>
-            <a:r>
-              <a:rPr lang="en-CA" dirty="0"/>
-              <a:t>Halfway through, Alex’s colleague Jordan publishes a bug-fix on one of the analysis functions Sam uses for his chart</a:t>
-            </a:r>
-          </a:p>
-          <a:p>
-            <a:r>
-              <a:rPr lang="en-CA" dirty="0"/>
-              <a:t>Alex needs to integrate the updated analysis function into his work before shipping his upgraded chart to ensure it is correct.</a:t>
-            </a:r>
-          </a:p>
-          <a:p>
-            <a:endParaRPr lang="en-CA" dirty="0"/>
+              <a:t>Alex’s new feature</a:t>
+            </a:r>
           </a:p>
         </p:txBody>
       </p:sp>
@@ -14421,7 +13776,7 @@
           <p:cNvPr id="4" name="Slide Number Placeholder 3">
             <a:extLst>
               <a:ext uri="{FF2B5EF4-FFF2-40B4-BE49-F238E27FC236}">
-                <a16:creationId xmlns:a16="http://schemas.microsoft.com/office/drawing/2014/main" id="{6BC51B96-27FC-7DFB-619C-AB7F7794D0DA}"/>
+                <a16:creationId xmlns:a16="http://schemas.microsoft.com/office/drawing/2014/main" id="{3D0133F1-F821-BB2F-AB93-1B5F5D47BBFC}"/>
               </a:ext>
             </a:extLst>
           </p:cNvPr>
@@ -14440,121 +13795,6 @@
             <a:fld id="{4F883B06-9FA1-44A8-8ACD-51391BD89E0C}" type="slidenum">
               <a:rPr lang="en-CA" smtClean="0"/>
               <a:t>6</a:t>
-            </a:fld>
-            <a:endParaRPr lang="en-CA"/>
-          </a:p>
-        </p:txBody>
-      </p:sp>
-      <p:sp>
-        <p:nvSpPr>
-          <p:cNvPr id="5" name="Text Placeholder 4">
-            <a:extLst>
-              <a:ext uri="{FF2B5EF4-FFF2-40B4-BE49-F238E27FC236}">
-                <a16:creationId xmlns:a16="http://schemas.microsoft.com/office/drawing/2014/main" id="{81EAD386-FC17-4D54-5209-EB64D22D20F0}"/>
-              </a:ext>
-            </a:extLst>
-          </p:cNvPr>
-          <p:cNvSpPr>
-            <a:spLocks noGrp="1"/>
-          </p:cNvSpPr>
-          <p:nvPr>
-            <p:ph type="body" sz="quarter" idx="13"/>
-          </p:nvPr>
-        </p:nvSpPr>
-        <p:spPr/>
-        <p:txBody>
-          <a:bodyPr/>
-          <a:lstStyle/>
-          <a:p>
-            <a:r>
-              <a:rPr lang="en-CA" dirty="0"/>
-              <a:t>Review</a:t>
-            </a:r>
-          </a:p>
-        </p:txBody>
-      </p:sp>
-    </p:spTree>
-    <p:extLst>
-      <p:ext uri="{BB962C8B-B14F-4D97-AF65-F5344CB8AC3E}">
-        <p14:creationId xmlns:p14="http://schemas.microsoft.com/office/powerpoint/2010/main" val="204157555"/>
-      </p:ext>
-    </p:extLst>
-  </p:cSld>
-  <p:clrMapOvr>
-    <a:masterClrMapping/>
-  </p:clrMapOvr>
-</p:sld>
-</file>
-
-<file path=ppt/slides/slide7.xml><?xml version="1.0" encoding="utf-8"?>
-<p:sld xmlns:a="http://schemas.openxmlformats.org/drawingml/2006/main" xmlns:r="http://schemas.openxmlformats.org/officeDocument/2006/relationships" xmlns:p="http://schemas.openxmlformats.org/presentationml/2006/main">
-  <p:cSld>
-    <p:spTree>
-      <p:nvGrpSpPr>
-        <p:cNvPr id="1" name=""/>
-        <p:cNvGrpSpPr/>
-        <p:nvPr/>
-      </p:nvGrpSpPr>
-      <p:grpSpPr>
-        <a:xfrm>
-          <a:off x="0" y="0"/>
-          <a:ext cx="0" cy="0"/>
-          <a:chOff x="0" y="0"/>
-          <a:chExt cx="0" cy="0"/>
-        </a:xfrm>
-      </p:grpSpPr>
-      <p:sp>
-        <p:nvSpPr>
-          <p:cNvPr id="2" name="Title 1">
-            <a:extLst>
-              <a:ext uri="{FF2B5EF4-FFF2-40B4-BE49-F238E27FC236}">
-                <a16:creationId xmlns:a16="http://schemas.microsoft.com/office/drawing/2014/main" id="{5AA9DD66-7E2D-7952-DB52-05C0028CBC01}"/>
-              </a:ext>
-            </a:extLst>
-          </p:cNvPr>
-          <p:cNvSpPr>
-            <a:spLocks noGrp="1"/>
-          </p:cNvSpPr>
-          <p:nvPr>
-            <p:ph type="title"/>
-          </p:nvPr>
-        </p:nvSpPr>
-        <p:spPr/>
-        <p:txBody>
-          <a:bodyPr/>
-          <a:lstStyle/>
-          <a:p>
-            <a:r>
-              <a:rPr lang="en-CA" dirty="0"/>
-              <a:t>Alex’s new feature</a:t>
-            </a:r>
-          </a:p>
-        </p:txBody>
-      </p:sp>
-      <p:sp>
-        <p:nvSpPr>
-          <p:cNvPr id="4" name="Slide Number Placeholder 3">
-            <a:extLst>
-              <a:ext uri="{FF2B5EF4-FFF2-40B4-BE49-F238E27FC236}">
-                <a16:creationId xmlns:a16="http://schemas.microsoft.com/office/drawing/2014/main" id="{3D0133F1-F821-BB2F-AB93-1B5F5D47BBFC}"/>
-              </a:ext>
-            </a:extLst>
-          </p:cNvPr>
-          <p:cNvSpPr>
-            <a:spLocks noGrp="1"/>
-          </p:cNvSpPr>
-          <p:nvPr>
-            <p:ph type="sldNum" sz="quarter" idx="12"/>
-          </p:nvPr>
-        </p:nvSpPr>
-        <p:spPr/>
-        <p:txBody>
-          <a:bodyPr/>
-          <a:lstStyle/>
-          <a:p>
-            <a:fld id="{4F883B06-9FA1-44A8-8ACD-51391BD89E0C}" type="slidenum">
-              <a:rPr lang="en-CA" smtClean="0"/>
-              <a:t>7</a:t>
             </a:fld>
             <a:endParaRPr lang="en-CA"/>
           </a:p>
@@ -17588,6 +16828,186 @@
 </p:sld>
 </file>
 
+<file path=ppt/slides/slide7.xml><?xml version="1.0" encoding="utf-8"?>
+<p:sld xmlns:a="http://schemas.openxmlformats.org/drawingml/2006/main" xmlns:r="http://schemas.openxmlformats.org/officeDocument/2006/relationships" xmlns:p="http://schemas.openxmlformats.org/presentationml/2006/main">
+  <p:cSld>
+    <p:spTree>
+      <p:nvGrpSpPr>
+        <p:cNvPr id="1" name=""/>
+        <p:cNvGrpSpPr/>
+        <p:nvPr/>
+      </p:nvGrpSpPr>
+      <p:grpSpPr>
+        <a:xfrm>
+          <a:off x="0" y="0"/>
+          <a:ext cx="0" cy="0"/>
+          <a:chOff x="0" y="0"/>
+          <a:chExt cx="0" cy="0"/>
+        </a:xfrm>
+      </p:grpSpPr>
+      <p:sp>
+        <p:nvSpPr>
+          <p:cNvPr id="2" name="Title 1">
+            <a:extLst>
+              <a:ext uri="{FF2B5EF4-FFF2-40B4-BE49-F238E27FC236}">
+                <a16:creationId xmlns:a16="http://schemas.microsoft.com/office/drawing/2014/main" id="{5553B480-87D0-8089-2DAB-F13F3974A235}"/>
+              </a:ext>
+            </a:extLst>
+          </p:cNvPr>
+          <p:cNvSpPr>
+            <a:spLocks noGrp="1"/>
+          </p:cNvSpPr>
+          <p:nvPr>
+            <p:ph type="title"/>
+          </p:nvPr>
+        </p:nvSpPr>
+        <p:spPr/>
+        <p:txBody>
+          <a:bodyPr/>
+          <a:lstStyle/>
+          <a:p>
+            <a:r>
+              <a:rPr lang="en-CA" dirty="0"/>
+              <a:t>Why software project management?</a:t>
+            </a:r>
+          </a:p>
+        </p:txBody>
+      </p:sp>
+      <p:sp>
+        <p:nvSpPr>
+          <p:cNvPr id="3" name="Content Placeholder 2">
+            <a:extLst>
+              <a:ext uri="{FF2B5EF4-FFF2-40B4-BE49-F238E27FC236}">
+                <a16:creationId xmlns:a16="http://schemas.microsoft.com/office/drawing/2014/main" id="{21F68AA1-06EE-1E72-0A33-7E5753E3F0FB}"/>
+              </a:ext>
+            </a:extLst>
+          </p:cNvPr>
+          <p:cNvSpPr>
+            <a:spLocks noGrp="1"/>
+          </p:cNvSpPr>
+          <p:nvPr>
+            <p:ph idx="1"/>
+          </p:nvPr>
+        </p:nvSpPr>
+        <p:spPr/>
+        <p:txBody>
+          <a:bodyPr/>
+          <a:lstStyle/>
+          <a:p>
+            <a:pPr marL="0" indent="0">
+              <a:buNone/>
+            </a:pPr>
+            <a:r>
+              <a:rPr lang="en-CA" b="1" dirty="0"/>
+              <a:t>Scenario</a:t>
+            </a:r>
+            <a:r>
+              <a:rPr lang="en-CA" dirty="0"/>
+              <a:t>: Alex is a developer for a business-intelligence dashboard and </a:t>
+            </a:r>
+            <a:r>
+              <a:rPr lang="en-US" dirty="0"/>
+              <a:t>is upgrading a financials chart on the dashboard home page</a:t>
+            </a:r>
+          </a:p>
+          <a:p>
+            <a:r>
+              <a:rPr lang="en-CA" dirty="0"/>
+              <a:t>Alex wants to gather ideas and feedback:</a:t>
+            </a:r>
+          </a:p>
+          <a:p>
+            <a:pPr lvl="1"/>
+            <a:r>
+              <a:rPr lang="en-CA" dirty="0"/>
+              <a:t>How the chart should look</a:t>
+            </a:r>
+          </a:p>
+          <a:p>
+            <a:pPr lvl="1"/>
+            <a:r>
+              <a:rPr lang="en-CA" dirty="0"/>
+              <a:t>How to make the analysis engine the most efficient</a:t>
+            </a:r>
+          </a:p>
+          <a:p>
+            <a:r>
+              <a:rPr lang="en-CA" dirty="0"/>
+              <a:t>Alex needs a place to track major discussion points on this feature</a:t>
+            </a:r>
+          </a:p>
+        </p:txBody>
+      </p:sp>
+      <p:sp>
+        <p:nvSpPr>
+          <p:cNvPr id="4" name="Slide Number Placeholder 3">
+            <a:extLst>
+              <a:ext uri="{FF2B5EF4-FFF2-40B4-BE49-F238E27FC236}">
+                <a16:creationId xmlns:a16="http://schemas.microsoft.com/office/drawing/2014/main" id="{6BC51B96-27FC-7DFB-619C-AB7F7794D0DA}"/>
+              </a:ext>
+            </a:extLst>
+          </p:cNvPr>
+          <p:cNvSpPr>
+            <a:spLocks noGrp="1"/>
+          </p:cNvSpPr>
+          <p:nvPr>
+            <p:ph type="sldNum" sz="quarter" idx="12"/>
+          </p:nvPr>
+        </p:nvSpPr>
+        <p:spPr/>
+        <p:txBody>
+          <a:bodyPr/>
+          <a:lstStyle/>
+          <a:p>
+            <a:fld id="{4F883B06-9FA1-44A8-8ACD-51391BD89E0C}" type="slidenum">
+              <a:rPr lang="en-CA" smtClean="0"/>
+              <a:t>7</a:t>
+            </a:fld>
+            <a:endParaRPr lang="en-CA"/>
+          </a:p>
+        </p:txBody>
+      </p:sp>
+      <p:sp>
+        <p:nvSpPr>
+          <p:cNvPr id="5" name="Text Placeholder 4">
+            <a:extLst>
+              <a:ext uri="{FF2B5EF4-FFF2-40B4-BE49-F238E27FC236}">
+                <a16:creationId xmlns:a16="http://schemas.microsoft.com/office/drawing/2014/main" id="{81EAD386-FC17-4D54-5209-EB64D22D20F0}"/>
+              </a:ext>
+            </a:extLst>
+          </p:cNvPr>
+          <p:cNvSpPr>
+            <a:spLocks noGrp="1"/>
+          </p:cNvSpPr>
+          <p:nvPr>
+            <p:ph type="body" sz="quarter" idx="13"/>
+          </p:nvPr>
+        </p:nvSpPr>
+        <p:spPr/>
+        <p:txBody>
+          <a:bodyPr/>
+          <a:lstStyle/>
+          <a:p>
+            <a:r>
+              <a:rPr lang="en-CA" dirty="0"/>
+              <a:t>Working in software teams</a:t>
+            </a:r>
+          </a:p>
+        </p:txBody>
+      </p:sp>
+    </p:spTree>
+    <p:extLst>
+      <p:ext uri="{BB962C8B-B14F-4D97-AF65-F5344CB8AC3E}">
+        <p14:creationId xmlns:p14="http://schemas.microsoft.com/office/powerpoint/2010/main" val="1616650296"/>
+      </p:ext>
+    </p:extLst>
+  </p:cSld>
+  <p:clrMapOvr>
+    <a:masterClrMapping/>
+  </p:clrMapOvr>
+</p:sld>
+</file>
+
 <file path=ppt/slides/slide8.xml><?xml version="1.0" encoding="utf-8"?>
 <p:sld xmlns:a="http://schemas.openxmlformats.org/drawingml/2006/main" xmlns:r="http://schemas.openxmlformats.org/officeDocument/2006/relationships" xmlns:p="http://schemas.openxmlformats.org/presentationml/2006/main">
   <p:cSld>
@@ -17610,7 +17030,7 @@
           <p:cNvPr id="2" name="Title 1">
             <a:extLst>
               <a:ext uri="{FF2B5EF4-FFF2-40B4-BE49-F238E27FC236}">
-                <a16:creationId xmlns:a16="http://schemas.microsoft.com/office/drawing/2014/main" id="{5553B480-87D0-8089-2DAB-F13F3974A235}"/>
+                <a16:creationId xmlns:a16="http://schemas.microsoft.com/office/drawing/2014/main" id="{206AB119-3819-6007-54E3-32DB7468895F}"/>
               </a:ext>
             </a:extLst>
           </p:cNvPr>
@@ -17628,7 +17048,7 @@
           <a:p>
             <a:r>
               <a:rPr lang="en-CA" dirty="0"/>
-              <a:t>Why software project management?</a:t>
+              <a:t>GitHub</a:t>
             </a:r>
           </a:p>
         </p:txBody>
@@ -17638,7 +17058,7 @@
           <p:cNvPr id="3" name="Content Placeholder 2">
             <a:extLst>
               <a:ext uri="{FF2B5EF4-FFF2-40B4-BE49-F238E27FC236}">
-                <a16:creationId xmlns:a16="http://schemas.microsoft.com/office/drawing/2014/main" id="{21F68AA1-06EE-1E72-0A33-7E5753E3F0FB}"/>
+                <a16:creationId xmlns:a16="http://schemas.microsoft.com/office/drawing/2014/main" id="{D72AB265-F26A-723A-C077-FF1A52EEFB99}"/>
               </a:ext>
             </a:extLst>
           </p:cNvPr>
@@ -17649,52 +17069,81 @@
             <p:ph idx="1"/>
           </p:nvPr>
         </p:nvSpPr>
-        <p:spPr/>
-        <p:txBody>
-          <a:bodyPr/>
-          <a:lstStyle/>
-          <a:p>
-            <a:pPr marL="0" indent="0">
-              <a:buNone/>
-            </a:pPr>
-            <a:r>
-              <a:rPr lang="en-CA" b="1" dirty="0"/>
-              <a:t>Scenario</a:t>
-            </a:r>
+        <p:spPr>
+          <a:xfrm>
+            <a:off x="838200" y="1825625"/>
+            <a:ext cx="10515600" cy="4782004"/>
+          </a:xfrm>
+        </p:spPr>
+        <p:txBody>
+          <a:bodyPr>
+            <a:normAutofit/>
+          </a:bodyPr>
+          <a:lstStyle/>
+          <a:p>
             <a:r>
               <a:rPr lang="en-CA" dirty="0"/>
-              <a:t>: Alex is a developer for a business-intelligence dashboard and </a:t>
-            </a:r>
-            <a:r>
-              <a:rPr lang="en-US" dirty="0"/>
-              <a:t>is upgrading a financials chart on the dashboard home page</a:t>
+              <a:t>Centralized hosting for Git repositories</a:t>
             </a:r>
           </a:p>
           <a:p>
             <a:r>
               <a:rPr lang="en-CA" dirty="0"/>
-              <a:t>Alex wants to gather ideas and feedback:</a:t>
+              <a:t>Project management features</a:t>
             </a:r>
           </a:p>
           <a:p>
             <a:pPr lvl="1"/>
             <a:r>
               <a:rPr lang="en-CA" dirty="0"/>
-              <a:t>How the chart should look</a:t>
+              <a:t>Issues</a:t>
+            </a:r>
+          </a:p>
+          <a:p>
+            <a:pPr lvl="2"/>
+            <a:r>
+              <a:rPr lang="en-CA" dirty="0"/>
+              <a:t>Description of proposed or requested changes: update, features, bug-fixes, etc..</a:t>
+            </a:r>
+          </a:p>
+          <a:p>
+            <a:pPr lvl="2"/>
+            <a:r>
+              <a:rPr lang="en-CA" dirty="0"/>
+              <a:t>Can associated one or more pull-requests (proposed code changes)</a:t>
+            </a:r>
+          </a:p>
+          <a:p>
+            <a:pPr lvl="2"/>
+            <a:r>
+              <a:rPr lang="en-CA" dirty="0"/>
+              <a:t>Discussion thread</a:t>
             </a:r>
           </a:p>
           <a:p>
             <a:pPr lvl="1"/>
             <a:r>
               <a:rPr lang="en-CA" dirty="0"/>
-              <a:t>How to make the analysis engine the most efficient</a:t>
-            </a:r>
-          </a:p>
-          <a:p>
+              <a:t>Projects</a:t>
+            </a:r>
+          </a:p>
+          <a:p>
+            <a:pPr lvl="2"/>
             <a:r>
               <a:rPr lang="en-CA" dirty="0"/>
-              <a:t>Alex needs a place to track major discussion points on this feature</a:t>
-            </a:r>
+              <a:t>Linked to GitHub Issues</a:t>
+            </a:r>
+          </a:p>
+          <a:p>
+            <a:pPr lvl="2"/>
+            <a:r>
+              <a:rPr lang="en-CA" dirty="0"/>
+              <a:t>View Issues in tabular / Gantt chart view</a:t>
+            </a:r>
+          </a:p>
+          <a:p>
+            <a:pPr lvl="2"/>
+            <a:endParaRPr lang="en-CA" dirty="0"/>
           </a:p>
         </p:txBody>
       </p:sp>
@@ -17703,7 +17152,7 @@
           <p:cNvPr id="4" name="Slide Number Placeholder 3">
             <a:extLst>
               <a:ext uri="{FF2B5EF4-FFF2-40B4-BE49-F238E27FC236}">
-                <a16:creationId xmlns:a16="http://schemas.microsoft.com/office/drawing/2014/main" id="{6BC51B96-27FC-7DFB-619C-AB7F7794D0DA}"/>
+                <a16:creationId xmlns:a16="http://schemas.microsoft.com/office/drawing/2014/main" id="{4997F330-60C3-8AAE-7805-F038E5CDE44E}"/>
               </a:ext>
             </a:extLst>
           </p:cNvPr>
@@ -17732,7 +17181,7 @@
           <p:cNvPr id="5" name="Text Placeholder 4">
             <a:extLst>
               <a:ext uri="{FF2B5EF4-FFF2-40B4-BE49-F238E27FC236}">
-                <a16:creationId xmlns:a16="http://schemas.microsoft.com/office/drawing/2014/main" id="{81EAD386-FC17-4D54-5209-EB64D22D20F0}"/>
+                <a16:creationId xmlns:a16="http://schemas.microsoft.com/office/drawing/2014/main" id="{71BEE380-F1E0-C966-6162-6974FD5C85F5}"/>
               </a:ext>
             </a:extLst>
           </p:cNvPr>
@@ -17758,7 +17207,7 @@
     </p:spTree>
     <p:extLst>
       <p:ext uri="{BB962C8B-B14F-4D97-AF65-F5344CB8AC3E}">
-        <p14:creationId xmlns:p14="http://schemas.microsoft.com/office/powerpoint/2010/main" val="1616650296"/>
+        <p14:creationId xmlns:p14="http://schemas.microsoft.com/office/powerpoint/2010/main" val="4263913996"/>
       </p:ext>
     </p:extLst>
   </p:cSld>
@@ -17790,7 +17239,7 @@
           <p:cNvPr id="2" name="Title 1">
             <a:extLst>
               <a:ext uri="{FF2B5EF4-FFF2-40B4-BE49-F238E27FC236}">
-                <a16:creationId xmlns:a16="http://schemas.microsoft.com/office/drawing/2014/main" id="{206AB119-3819-6007-54E3-32DB7468895F}"/>
+                <a16:creationId xmlns:a16="http://schemas.microsoft.com/office/drawing/2014/main" id="{ED95BB5C-2981-ECE2-1930-82BE133CC244}"/>
               </a:ext>
             </a:extLst>
           </p:cNvPr>
@@ -17808,7 +17257,7 @@
           <a:p>
             <a:r>
               <a:rPr lang="en-CA" dirty="0"/>
-              <a:t>GitHub</a:t>
+              <a:t>GitHub Issues tracks proposed changes</a:t>
             </a:r>
           </a:p>
         </p:txBody>
@@ -17818,7 +17267,7 @@
           <p:cNvPr id="3" name="Content Placeholder 2">
             <a:extLst>
               <a:ext uri="{FF2B5EF4-FFF2-40B4-BE49-F238E27FC236}">
-                <a16:creationId xmlns:a16="http://schemas.microsoft.com/office/drawing/2014/main" id="{D72AB265-F26A-723A-C077-FF1A52EEFB99}"/>
+                <a16:creationId xmlns:a16="http://schemas.microsoft.com/office/drawing/2014/main" id="{DABE1EFA-5710-B806-B1F6-43696FAA08C3}"/>
               </a:ext>
             </a:extLst>
           </p:cNvPr>
@@ -17829,81 +17278,12 @@
             <p:ph idx="1"/>
           </p:nvPr>
         </p:nvSpPr>
-        <p:spPr>
-          <a:xfrm>
-            <a:off x="838200" y="1825625"/>
-            <a:ext cx="10515600" cy="4782004"/>
-          </a:xfrm>
-        </p:spPr>
-        <p:txBody>
-          <a:bodyPr>
-            <a:normAutofit/>
-          </a:bodyPr>
-          <a:lstStyle/>
-          <a:p>
-            <a:r>
-              <a:rPr lang="en-CA" dirty="0"/>
-              <a:t>Centralized hosting for Git repositories</a:t>
-            </a:r>
-          </a:p>
-          <a:p>
-            <a:r>
-              <a:rPr lang="en-CA" dirty="0"/>
-              <a:t>Project management features</a:t>
-            </a:r>
-          </a:p>
-          <a:p>
-            <a:pPr lvl="1"/>
-            <a:r>
-              <a:rPr lang="en-CA" dirty="0"/>
-              <a:t>Issues</a:t>
-            </a:r>
-          </a:p>
-          <a:p>
-            <a:pPr lvl="2"/>
-            <a:r>
-              <a:rPr lang="en-CA" dirty="0"/>
-              <a:t>Description of proposed or requested changes: update, features, bug-fixes, etc..</a:t>
-            </a:r>
-          </a:p>
-          <a:p>
-            <a:pPr lvl="2"/>
-            <a:r>
-              <a:rPr lang="en-CA" dirty="0"/>
-              <a:t>Can associated one or more pull-requests (proposed code changes)</a:t>
-            </a:r>
-          </a:p>
-          <a:p>
-            <a:pPr lvl="2"/>
-            <a:r>
-              <a:rPr lang="en-CA" dirty="0"/>
-              <a:t>Discussion thread</a:t>
-            </a:r>
-          </a:p>
-          <a:p>
-            <a:pPr lvl="1"/>
-            <a:r>
-              <a:rPr lang="en-CA" dirty="0"/>
-              <a:t>Projects</a:t>
-            </a:r>
-          </a:p>
-          <a:p>
-            <a:pPr lvl="2"/>
-            <a:r>
-              <a:rPr lang="en-CA" dirty="0"/>
-              <a:t>Linked to GitHub Issues</a:t>
-            </a:r>
-          </a:p>
-          <a:p>
-            <a:pPr lvl="2"/>
-            <a:r>
-              <a:rPr lang="en-CA" dirty="0"/>
-              <a:t>View Issues in tabular / Gantt chart view</a:t>
-            </a:r>
-          </a:p>
-          <a:p>
-            <a:pPr lvl="2"/>
-            <a:endParaRPr lang="en-CA" dirty="0"/>
+        <p:spPr/>
+        <p:txBody>
+          <a:bodyPr/>
+          <a:lstStyle/>
+          <a:p>
+            <a:endParaRPr lang="en-CA"/>
           </a:p>
         </p:txBody>
       </p:sp>
@@ -17912,7 +17292,7 @@
           <p:cNvPr id="4" name="Slide Number Placeholder 3">
             <a:extLst>
               <a:ext uri="{FF2B5EF4-FFF2-40B4-BE49-F238E27FC236}">
-                <a16:creationId xmlns:a16="http://schemas.microsoft.com/office/drawing/2014/main" id="{4997F330-60C3-8AAE-7805-F038E5CDE44E}"/>
+                <a16:creationId xmlns:a16="http://schemas.microsoft.com/office/drawing/2014/main" id="{8B2E77E2-977F-FF28-5030-B97D93888E31}"/>
               </a:ext>
             </a:extLst>
           </p:cNvPr>
@@ -17941,7 +17321,7 @@
           <p:cNvPr id="5" name="Text Placeholder 4">
             <a:extLst>
               <a:ext uri="{FF2B5EF4-FFF2-40B4-BE49-F238E27FC236}">
-                <a16:creationId xmlns:a16="http://schemas.microsoft.com/office/drawing/2014/main" id="{71BEE380-F1E0-C966-6162-6974FD5C85F5}"/>
+                <a16:creationId xmlns:a16="http://schemas.microsoft.com/office/drawing/2014/main" id="{A7F0CD72-2806-B7D9-958C-E7450E424A57}"/>
               </a:ext>
             </a:extLst>
           </p:cNvPr>
@@ -17964,10 +17344,40 @@
           </a:p>
         </p:txBody>
       </p:sp>
+      <p:pic>
+        <p:nvPicPr>
+          <p:cNvPr id="7" name="Picture 6">
+            <a:extLst>
+              <a:ext uri="{FF2B5EF4-FFF2-40B4-BE49-F238E27FC236}">
+                <a16:creationId xmlns:a16="http://schemas.microsoft.com/office/drawing/2014/main" id="{36389491-A966-CCF4-5BE3-D71EFFE3894C}"/>
+              </a:ext>
+            </a:extLst>
+          </p:cNvPr>
+          <p:cNvPicPr>
+            <a:picLocks noChangeAspect="1"/>
+          </p:cNvPicPr>
+          <p:nvPr/>
+        </p:nvPicPr>
+        <p:blipFill>
+          <a:blip r:embed="rId2"/>
+          <a:stretch>
+            <a:fillRect/>
+          </a:stretch>
+        </p:blipFill>
+        <p:spPr>
+          <a:xfrm>
+            <a:off x="1589784" y="1800302"/>
+            <a:ext cx="9012432" cy="4734267"/>
+          </a:xfrm>
+          <a:prstGeom prst="rect">
+            <a:avLst/>
+          </a:prstGeom>
+        </p:spPr>
+      </p:pic>
     </p:spTree>
     <p:extLst>
       <p:ext uri="{BB962C8B-B14F-4D97-AF65-F5344CB8AC3E}">
-        <p14:creationId xmlns:p14="http://schemas.microsoft.com/office/powerpoint/2010/main" val="4263913996"/>
+        <p14:creationId xmlns:p14="http://schemas.microsoft.com/office/powerpoint/2010/main" val="3940674962"/>
       </p:ext>
     </p:extLst>
   </p:cSld>
